--- a/images/graphs/Graphs.pptx
+++ b/images/graphs/Graphs.pptx
@@ -7,6 +7,7 @@
   <p:sldIdLst>
     <p:sldId id="256" r:id="rId2"/>
     <p:sldId id="257" r:id="rId3"/>
+    <p:sldId id="258" r:id="rId4"/>
   </p:sldIdLst>
   <p:sldSz cx="12192000" cy="6858000"/>
   <p:notesSz cx="6858000" cy="9144000"/>
@@ -105,6 +106,11 @@
       </a:defRPr>
     </a:lvl9pPr>
   </p:defaultTextStyle>
+  <p:extLst>
+    <p:ext uri="{EFAFB233-063F-42B5-8137-9DF3F51BA10A}">
+      <p15:sldGuideLst xmlns:p15="http://schemas.microsoft.com/office/powerpoint/2012/main"/>
+    </p:ext>
+  </p:extLst>
 </p:presentation>
 </file>
 
@@ -255,7 +261,7 @@
           <a:p>
             <a:fld id="{8DECFB02-D52D-477E-8340-0888FD32F25A}" type="datetimeFigureOut">
               <a:rPr lang="fr-FR" smtClean="0"/>
-              <a:t>10/09/2022</a:t>
+              <a:t>12/09/2022</a:t>
             </a:fld>
             <a:endParaRPr lang="fr-FR"/>
           </a:p>
@@ -453,7 +459,7 @@
           <a:p>
             <a:fld id="{8DECFB02-D52D-477E-8340-0888FD32F25A}" type="datetimeFigureOut">
               <a:rPr lang="fr-FR" smtClean="0"/>
-              <a:t>10/09/2022</a:t>
+              <a:t>12/09/2022</a:t>
             </a:fld>
             <a:endParaRPr lang="fr-FR"/>
           </a:p>
@@ -661,7 +667,7 @@
           <a:p>
             <a:fld id="{8DECFB02-D52D-477E-8340-0888FD32F25A}" type="datetimeFigureOut">
               <a:rPr lang="fr-FR" smtClean="0"/>
-              <a:t>10/09/2022</a:t>
+              <a:t>12/09/2022</a:t>
             </a:fld>
             <a:endParaRPr lang="fr-FR"/>
           </a:p>
@@ -859,7 +865,7 @@
           <a:p>
             <a:fld id="{8DECFB02-D52D-477E-8340-0888FD32F25A}" type="datetimeFigureOut">
               <a:rPr lang="fr-FR" smtClean="0"/>
-              <a:t>10/09/2022</a:t>
+              <a:t>12/09/2022</a:t>
             </a:fld>
             <a:endParaRPr lang="fr-FR"/>
           </a:p>
@@ -1134,7 +1140,7 @@
           <a:p>
             <a:fld id="{8DECFB02-D52D-477E-8340-0888FD32F25A}" type="datetimeFigureOut">
               <a:rPr lang="fr-FR" smtClean="0"/>
-              <a:t>10/09/2022</a:t>
+              <a:t>12/09/2022</a:t>
             </a:fld>
             <a:endParaRPr lang="fr-FR"/>
           </a:p>
@@ -1399,7 +1405,7 @@
           <a:p>
             <a:fld id="{8DECFB02-D52D-477E-8340-0888FD32F25A}" type="datetimeFigureOut">
               <a:rPr lang="fr-FR" smtClean="0"/>
-              <a:t>10/09/2022</a:t>
+              <a:t>12/09/2022</a:t>
             </a:fld>
             <a:endParaRPr lang="fr-FR"/>
           </a:p>
@@ -1811,7 +1817,7 @@
           <a:p>
             <a:fld id="{8DECFB02-D52D-477E-8340-0888FD32F25A}" type="datetimeFigureOut">
               <a:rPr lang="fr-FR" smtClean="0"/>
-              <a:t>10/09/2022</a:t>
+              <a:t>12/09/2022</a:t>
             </a:fld>
             <a:endParaRPr lang="fr-FR"/>
           </a:p>
@@ -1952,7 +1958,7 @@
           <a:p>
             <a:fld id="{8DECFB02-D52D-477E-8340-0888FD32F25A}" type="datetimeFigureOut">
               <a:rPr lang="fr-FR" smtClean="0"/>
-              <a:t>10/09/2022</a:t>
+              <a:t>12/09/2022</a:t>
             </a:fld>
             <a:endParaRPr lang="fr-FR"/>
           </a:p>
@@ -2065,7 +2071,7 @@
           <a:p>
             <a:fld id="{8DECFB02-D52D-477E-8340-0888FD32F25A}" type="datetimeFigureOut">
               <a:rPr lang="fr-FR" smtClean="0"/>
-              <a:t>10/09/2022</a:t>
+              <a:t>12/09/2022</a:t>
             </a:fld>
             <a:endParaRPr lang="fr-FR"/>
           </a:p>
@@ -2376,7 +2382,7 @@
           <a:p>
             <a:fld id="{8DECFB02-D52D-477E-8340-0888FD32F25A}" type="datetimeFigureOut">
               <a:rPr lang="fr-FR" smtClean="0"/>
-              <a:t>10/09/2022</a:t>
+              <a:t>12/09/2022</a:t>
             </a:fld>
             <a:endParaRPr lang="fr-FR"/>
           </a:p>
@@ -2664,7 +2670,7 @@
           <a:p>
             <a:fld id="{8DECFB02-D52D-477E-8340-0888FD32F25A}" type="datetimeFigureOut">
               <a:rPr lang="fr-FR" smtClean="0"/>
-              <a:t>10/09/2022</a:t>
+              <a:t>12/09/2022</a:t>
             </a:fld>
             <a:endParaRPr lang="fr-FR"/>
           </a:p>
@@ -2905,7 +2911,7 @@
           <a:p>
             <a:fld id="{8DECFB02-D52D-477E-8340-0888FD32F25A}" type="datetimeFigureOut">
               <a:rPr lang="fr-FR" smtClean="0"/>
-              <a:t>10/09/2022</a:t>
+              <a:t>12/09/2022</a:t>
             </a:fld>
             <a:endParaRPr lang="fr-FR"/>
           </a:p>
@@ -4563,6 +4569,3911 @@
 </p:sld>
 </file>
 
+<file path=ppt/slides/slide3.xml><?xml version="1.0" encoding="utf-8"?>
+<p:sld xmlns:a="http://schemas.openxmlformats.org/drawingml/2006/main" xmlns:r="http://schemas.openxmlformats.org/officeDocument/2006/relationships" xmlns:p="http://schemas.openxmlformats.org/presentationml/2006/main">
+  <p:cSld>
+    <p:spTree>
+      <p:nvGrpSpPr>
+        <p:cNvPr id="1" name=""/>
+        <p:cNvGrpSpPr/>
+        <p:nvPr/>
+      </p:nvGrpSpPr>
+      <p:grpSpPr>
+        <a:xfrm>
+          <a:off x="0" y="0"/>
+          <a:ext cx="0" cy="0"/>
+          <a:chOff x="0" y="0"/>
+          <a:chExt cx="0" cy="0"/>
+        </a:xfrm>
+      </p:grpSpPr>
+      <p:grpSp>
+        <p:nvGrpSpPr>
+          <p:cNvPr id="44" name="Groupe 43">
+            <a:extLst>
+              <a:ext uri="{FF2B5EF4-FFF2-40B4-BE49-F238E27FC236}">
+                <a16:creationId xmlns:a16="http://schemas.microsoft.com/office/drawing/2014/main" id="{C3DC4DDC-4701-45FF-A9BC-CFC2081F2224}"/>
+              </a:ext>
+            </a:extLst>
+          </p:cNvPr>
+          <p:cNvGrpSpPr/>
+          <p:nvPr/>
+        </p:nvGrpSpPr>
+        <p:grpSpPr>
+          <a:xfrm>
+            <a:off x="495954" y="145633"/>
+            <a:ext cx="6523099" cy="6415688"/>
+            <a:chOff x="2446674" y="11521"/>
+            <a:chExt cx="6523099" cy="6415688"/>
+          </a:xfrm>
+        </p:grpSpPr>
+        <p:sp>
+          <p:nvSpPr>
+            <p:cNvPr id="6" name="Hexagone 5">
+              <a:extLst>
+                <a:ext uri="{FF2B5EF4-FFF2-40B4-BE49-F238E27FC236}">
+                  <a16:creationId xmlns:a16="http://schemas.microsoft.com/office/drawing/2014/main" id="{C3A866CA-046D-4FFA-A83B-D3BC9797C323}"/>
+                </a:ext>
+              </a:extLst>
+            </p:cNvPr>
+            <p:cNvSpPr/>
+            <p:nvPr/>
+          </p:nvSpPr>
+          <p:spPr>
+            <a:xfrm rot="805270">
+              <a:off x="5181806" y="2761123"/>
+              <a:ext cx="1060450" cy="914180"/>
+            </a:xfrm>
+            <a:prstGeom prst="hexagon">
+              <a:avLst>
+                <a:gd name="adj" fmla="val 28750"/>
+                <a:gd name="vf" fmla="val 115470"/>
+              </a:avLst>
+            </a:prstGeom>
+          </p:spPr>
+          <p:style>
+            <a:lnRef idx="2">
+              <a:schemeClr val="accent6">
+                <a:shade val="50000"/>
+              </a:schemeClr>
+            </a:lnRef>
+            <a:fillRef idx="1">
+              <a:schemeClr val="accent6"/>
+            </a:fillRef>
+            <a:effectRef idx="0">
+              <a:schemeClr val="accent6"/>
+            </a:effectRef>
+            <a:fontRef idx="minor">
+              <a:schemeClr val="lt1"/>
+            </a:fontRef>
+          </p:style>
+          <p:txBody>
+            <a:bodyPr rtlCol="0" anchor="ctr"/>
+            <a:lstStyle/>
+            <a:p>
+              <a:pPr algn="ctr"/>
+              <a:endParaRPr lang="fr-FR" b="1"/>
+            </a:p>
+          </p:txBody>
+        </p:sp>
+        <p:sp>
+          <p:nvSpPr>
+            <p:cNvPr id="7" name="Hexagone 6">
+              <a:extLst>
+                <a:ext uri="{FF2B5EF4-FFF2-40B4-BE49-F238E27FC236}">
+                  <a16:creationId xmlns:a16="http://schemas.microsoft.com/office/drawing/2014/main" id="{F6DD4A0E-0E22-4CA7-A694-4940872E0A4D}"/>
+                </a:ext>
+              </a:extLst>
+            </p:cNvPr>
+            <p:cNvSpPr/>
+            <p:nvPr/>
+          </p:nvSpPr>
+          <p:spPr>
+            <a:xfrm rot="805270">
+              <a:off x="5403553" y="1842838"/>
+              <a:ext cx="1060450" cy="914180"/>
+            </a:xfrm>
+            <a:prstGeom prst="hexagon">
+              <a:avLst>
+                <a:gd name="adj" fmla="val 28750"/>
+                <a:gd name="vf" fmla="val 115470"/>
+              </a:avLst>
+            </a:prstGeom>
+            <a:solidFill>
+              <a:srgbClr val="C00000"/>
+            </a:solidFill>
+            <a:ln>
+              <a:solidFill>
+                <a:srgbClr val="6C0000"/>
+              </a:solidFill>
+            </a:ln>
+          </p:spPr>
+          <p:style>
+            <a:lnRef idx="2">
+              <a:schemeClr val="accent2">
+                <a:shade val="50000"/>
+              </a:schemeClr>
+            </a:lnRef>
+            <a:fillRef idx="1">
+              <a:schemeClr val="accent2"/>
+            </a:fillRef>
+            <a:effectRef idx="0">
+              <a:schemeClr val="accent2"/>
+            </a:effectRef>
+            <a:fontRef idx="minor">
+              <a:schemeClr val="lt1"/>
+            </a:fontRef>
+          </p:style>
+          <p:txBody>
+            <a:bodyPr rtlCol="0" anchor="ctr"/>
+            <a:lstStyle/>
+            <a:p>
+              <a:pPr algn="ctr"/>
+              <a:endParaRPr lang="fr-FR" b="1"/>
+            </a:p>
+          </p:txBody>
+        </p:sp>
+        <p:sp>
+          <p:nvSpPr>
+            <p:cNvPr id="8" name="Hexagone 7">
+              <a:extLst>
+                <a:ext uri="{FF2B5EF4-FFF2-40B4-BE49-F238E27FC236}">
+                  <a16:creationId xmlns:a16="http://schemas.microsoft.com/office/drawing/2014/main" id="{4883F46A-8B49-4A1A-A215-7DA8174E3280}"/>
+                </a:ext>
+              </a:extLst>
+            </p:cNvPr>
+            <p:cNvSpPr/>
+            <p:nvPr/>
+          </p:nvSpPr>
+          <p:spPr>
+            <a:xfrm rot="805270">
+              <a:off x="6092248" y="2495906"/>
+              <a:ext cx="1060450" cy="914180"/>
+            </a:xfrm>
+            <a:prstGeom prst="hexagon">
+              <a:avLst>
+                <a:gd name="adj" fmla="val 28750"/>
+                <a:gd name="vf" fmla="val 115470"/>
+              </a:avLst>
+            </a:prstGeom>
+            <a:solidFill>
+              <a:srgbClr val="C00000"/>
+            </a:solidFill>
+            <a:ln>
+              <a:solidFill>
+                <a:srgbClr val="6C0000"/>
+              </a:solidFill>
+            </a:ln>
+          </p:spPr>
+          <p:style>
+            <a:lnRef idx="2">
+              <a:schemeClr val="accent2">
+                <a:shade val="50000"/>
+              </a:schemeClr>
+            </a:lnRef>
+            <a:fillRef idx="1">
+              <a:schemeClr val="accent2"/>
+            </a:fillRef>
+            <a:effectRef idx="0">
+              <a:schemeClr val="accent2"/>
+            </a:effectRef>
+            <a:fontRef idx="minor">
+              <a:schemeClr val="lt1"/>
+            </a:fontRef>
+          </p:style>
+          <p:txBody>
+            <a:bodyPr rtlCol="0" anchor="ctr"/>
+            <a:lstStyle/>
+            <a:p>
+              <a:pPr algn="ctr"/>
+              <a:endParaRPr lang="fr-FR" b="1"/>
+            </a:p>
+          </p:txBody>
+        </p:sp>
+        <p:sp>
+          <p:nvSpPr>
+            <p:cNvPr id="9" name="Hexagone 8">
+              <a:extLst>
+                <a:ext uri="{FF2B5EF4-FFF2-40B4-BE49-F238E27FC236}">
+                  <a16:creationId xmlns:a16="http://schemas.microsoft.com/office/drawing/2014/main" id="{73E55B58-CF66-45CB-B28E-7724A3FF84D5}"/>
+                </a:ext>
+              </a:extLst>
+            </p:cNvPr>
+            <p:cNvSpPr/>
+            <p:nvPr/>
+          </p:nvSpPr>
+          <p:spPr>
+            <a:xfrm rot="805270">
+              <a:off x="5872406" y="3410914"/>
+              <a:ext cx="1060450" cy="914180"/>
+            </a:xfrm>
+            <a:prstGeom prst="hexagon">
+              <a:avLst>
+                <a:gd name="adj" fmla="val 28750"/>
+                <a:gd name="vf" fmla="val 115470"/>
+              </a:avLst>
+            </a:prstGeom>
+            <a:solidFill>
+              <a:srgbClr val="C00000"/>
+            </a:solidFill>
+            <a:ln>
+              <a:solidFill>
+                <a:srgbClr val="6C0000"/>
+              </a:solidFill>
+            </a:ln>
+          </p:spPr>
+          <p:style>
+            <a:lnRef idx="2">
+              <a:schemeClr val="accent2">
+                <a:shade val="50000"/>
+              </a:schemeClr>
+            </a:lnRef>
+            <a:fillRef idx="1">
+              <a:schemeClr val="accent2"/>
+            </a:fillRef>
+            <a:effectRef idx="0">
+              <a:schemeClr val="accent2"/>
+            </a:effectRef>
+            <a:fontRef idx="minor">
+              <a:schemeClr val="lt1"/>
+            </a:fontRef>
+          </p:style>
+          <p:txBody>
+            <a:bodyPr rtlCol="0" anchor="ctr"/>
+            <a:lstStyle/>
+            <a:p>
+              <a:pPr algn="ctr"/>
+              <a:endParaRPr lang="fr-FR" b="1"/>
+            </a:p>
+          </p:txBody>
+        </p:sp>
+        <p:sp>
+          <p:nvSpPr>
+            <p:cNvPr id="10" name="Hexagone 9">
+              <a:extLst>
+                <a:ext uri="{FF2B5EF4-FFF2-40B4-BE49-F238E27FC236}">
+                  <a16:creationId xmlns:a16="http://schemas.microsoft.com/office/drawing/2014/main" id="{3181F8E8-231D-498F-B7A4-5982EE3E928C}"/>
+                </a:ext>
+              </a:extLst>
+            </p:cNvPr>
+            <p:cNvSpPr/>
+            <p:nvPr/>
+          </p:nvSpPr>
+          <p:spPr>
+            <a:xfrm rot="805270">
+              <a:off x="4965773" y="3677209"/>
+              <a:ext cx="1060450" cy="914180"/>
+            </a:xfrm>
+            <a:prstGeom prst="hexagon">
+              <a:avLst>
+                <a:gd name="adj" fmla="val 28750"/>
+                <a:gd name="vf" fmla="val 115470"/>
+              </a:avLst>
+            </a:prstGeom>
+            <a:solidFill>
+              <a:srgbClr val="C00000"/>
+            </a:solidFill>
+            <a:ln>
+              <a:solidFill>
+                <a:srgbClr val="6C0000"/>
+              </a:solidFill>
+            </a:ln>
+          </p:spPr>
+          <p:style>
+            <a:lnRef idx="2">
+              <a:schemeClr val="accent2">
+                <a:shade val="50000"/>
+              </a:schemeClr>
+            </a:lnRef>
+            <a:fillRef idx="1">
+              <a:schemeClr val="accent2"/>
+            </a:fillRef>
+            <a:effectRef idx="0">
+              <a:schemeClr val="accent2"/>
+            </a:effectRef>
+            <a:fontRef idx="minor">
+              <a:schemeClr val="lt1"/>
+            </a:fontRef>
+          </p:style>
+          <p:txBody>
+            <a:bodyPr rtlCol="0" anchor="ctr"/>
+            <a:lstStyle/>
+            <a:p>
+              <a:pPr algn="ctr"/>
+              <a:endParaRPr lang="fr-FR" b="1"/>
+            </a:p>
+          </p:txBody>
+        </p:sp>
+        <p:sp>
+          <p:nvSpPr>
+            <p:cNvPr id="11" name="Hexagone 10">
+              <a:extLst>
+                <a:ext uri="{FF2B5EF4-FFF2-40B4-BE49-F238E27FC236}">
+                  <a16:creationId xmlns:a16="http://schemas.microsoft.com/office/drawing/2014/main" id="{BAA64D23-52BF-492C-94F8-C8F15B935982}"/>
+                </a:ext>
+              </a:extLst>
+            </p:cNvPr>
+            <p:cNvSpPr/>
+            <p:nvPr/>
+          </p:nvSpPr>
+          <p:spPr>
+            <a:xfrm rot="805270">
+              <a:off x="4275173" y="3030151"/>
+              <a:ext cx="1060450" cy="914180"/>
+            </a:xfrm>
+            <a:prstGeom prst="hexagon">
+              <a:avLst>
+                <a:gd name="adj" fmla="val 28750"/>
+                <a:gd name="vf" fmla="val 115470"/>
+              </a:avLst>
+            </a:prstGeom>
+            <a:solidFill>
+              <a:srgbClr val="C00000"/>
+            </a:solidFill>
+            <a:ln>
+              <a:solidFill>
+                <a:srgbClr val="6C0000"/>
+              </a:solidFill>
+            </a:ln>
+          </p:spPr>
+          <p:style>
+            <a:lnRef idx="2">
+              <a:schemeClr val="accent2">
+                <a:shade val="50000"/>
+              </a:schemeClr>
+            </a:lnRef>
+            <a:fillRef idx="1">
+              <a:schemeClr val="accent2"/>
+            </a:fillRef>
+            <a:effectRef idx="0">
+              <a:schemeClr val="accent2"/>
+            </a:effectRef>
+            <a:fontRef idx="minor">
+              <a:schemeClr val="lt1"/>
+            </a:fontRef>
+          </p:style>
+          <p:txBody>
+            <a:bodyPr rtlCol="0" anchor="ctr"/>
+            <a:lstStyle/>
+            <a:p>
+              <a:pPr algn="ctr"/>
+              <a:endParaRPr lang="fr-FR" b="1"/>
+            </a:p>
+          </p:txBody>
+        </p:sp>
+        <p:sp>
+          <p:nvSpPr>
+            <p:cNvPr id="12" name="Hexagone 11">
+              <a:extLst>
+                <a:ext uri="{FF2B5EF4-FFF2-40B4-BE49-F238E27FC236}">
+                  <a16:creationId xmlns:a16="http://schemas.microsoft.com/office/drawing/2014/main" id="{741B6D7C-1DD2-40C6-BC1C-E3D066E337C1}"/>
+                </a:ext>
+              </a:extLst>
+            </p:cNvPr>
+            <p:cNvSpPr/>
+            <p:nvPr/>
+          </p:nvSpPr>
+          <p:spPr>
+            <a:xfrm rot="805270">
+              <a:off x="4491205" y="2109383"/>
+              <a:ext cx="1060450" cy="914180"/>
+            </a:xfrm>
+            <a:prstGeom prst="hexagon">
+              <a:avLst>
+                <a:gd name="adj" fmla="val 28750"/>
+                <a:gd name="vf" fmla="val 115470"/>
+              </a:avLst>
+            </a:prstGeom>
+            <a:solidFill>
+              <a:srgbClr val="C00000"/>
+            </a:solidFill>
+            <a:ln>
+              <a:solidFill>
+                <a:srgbClr val="6C0000"/>
+              </a:solidFill>
+            </a:ln>
+          </p:spPr>
+          <p:style>
+            <a:lnRef idx="2">
+              <a:schemeClr val="accent2">
+                <a:shade val="50000"/>
+              </a:schemeClr>
+            </a:lnRef>
+            <a:fillRef idx="1">
+              <a:schemeClr val="accent2"/>
+            </a:fillRef>
+            <a:effectRef idx="0">
+              <a:schemeClr val="accent2"/>
+            </a:effectRef>
+            <a:fontRef idx="minor">
+              <a:schemeClr val="lt1"/>
+            </a:fontRef>
+          </p:style>
+          <p:txBody>
+            <a:bodyPr rtlCol="0" anchor="ctr"/>
+            <a:lstStyle/>
+            <a:p>
+              <a:pPr algn="ctr"/>
+              <a:endParaRPr lang="fr-FR" b="1"/>
+            </a:p>
+          </p:txBody>
+        </p:sp>
+        <p:sp>
+          <p:nvSpPr>
+            <p:cNvPr id="13" name="Hexagone 12">
+              <a:extLst>
+                <a:ext uri="{FF2B5EF4-FFF2-40B4-BE49-F238E27FC236}">
+                  <a16:creationId xmlns:a16="http://schemas.microsoft.com/office/drawing/2014/main" id="{8F1C370E-9075-453A-A941-0F312063106C}"/>
+                </a:ext>
+              </a:extLst>
+            </p:cNvPr>
+            <p:cNvSpPr/>
+            <p:nvPr/>
+          </p:nvSpPr>
+          <p:spPr>
+            <a:xfrm rot="805270">
+              <a:off x="4714857" y="1188613"/>
+              <a:ext cx="1060450" cy="914180"/>
+            </a:xfrm>
+            <a:prstGeom prst="hexagon">
+              <a:avLst>
+                <a:gd name="adj" fmla="val 28750"/>
+                <a:gd name="vf" fmla="val 115470"/>
+              </a:avLst>
+            </a:prstGeom>
+          </p:spPr>
+          <p:style>
+            <a:lnRef idx="2">
+              <a:schemeClr val="accent2">
+                <a:shade val="50000"/>
+              </a:schemeClr>
+            </a:lnRef>
+            <a:fillRef idx="1">
+              <a:schemeClr val="accent2"/>
+            </a:fillRef>
+            <a:effectRef idx="0">
+              <a:schemeClr val="accent2"/>
+            </a:effectRef>
+            <a:fontRef idx="minor">
+              <a:schemeClr val="lt1"/>
+            </a:fontRef>
+          </p:style>
+          <p:txBody>
+            <a:bodyPr rtlCol="0" anchor="ctr"/>
+            <a:lstStyle/>
+            <a:p>
+              <a:pPr algn="ctr"/>
+              <a:endParaRPr lang="fr-FR" b="1"/>
+            </a:p>
+          </p:txBody>
+        </p:sp>
+        <p:sp>
+          <p:nvSpPr>
+            <p:cNvPr id="14" name="Hexagone 13">
+              <a:extLst>
+                <a:ext uri="{FF2B5EF4-FFF2-40B4-BE49-F238E27FC236}">
+                  <a16:creationId xmlns:a16="http://schemas.microsoft.com/office/drawing/2014/main" id="{7D902D61-D255-467D-B771-458C9CED74EB}"/>
+                </a:ext>
+              </a:extLst>
+            </p:cNvPr>
+            <p:cNvSpPr/>
+            <p:nvPr/>
+          </p:nvSpPr>
+          <p:spPr>
+            <a:xfrm rot="805270">
+              <a:off x="5621988" y="924271"/>
+              <a:ext cx="1060450" cy="914180"/>
+            </a:xfrm>
+            <a:prstGeom prst="hexagon">
+              <a:avLst>
+                <a:gd name="adj" fmla="val 28750"/>
+                <a:gd name="vf" fmla="val 115470"/>
+              </a:avLst>
+            </a:prstGeom>
+          </p:spPr>
+          <p:style>
+            <a:lnRef idx="2">
+              <a:schemeClr val="accent2">
+                <a:shade val="50000"/>
+              </a:schemeClr>
+            </a:lnRef>
+            <a:fillRef idx="1">
+              <a:schemeClr val="accent2"/>
+            </a:fillRef>
+            <a:effectRef idx="0">
+              <a:schemeClr val="accent2"/>
+            </a:effectRef>
+            <a:fontRef idx="minor">
+              <a:schemeClr val="lt1"/>
+            </a:fontRef>
+          </p:style>
+          <p:txBody>
+            <a:bodyPr rtlCol="0" anchor="ctr"/>
+            <a:lstStyle/>
+            <a:p>
+              <a:pPr algn="ctr"/>
+              <a:endParaRPr lang="fr-FR" b="1"/>
+            </a:p>
+          </p:txBody>
+        </p:sp>
+        <p:sp>
+          <p:nvSpPr>
+            <p:cNvPr id="15" name="Hexagone 14">
+              <a:extLst>
+                <a:ext uri="{FF2B5EF4-FFF2-40B4-BE49-F238E27FC236}">
+                  <a16:creationId xmlns:a16="http://schemas.microsoft.com/office/drawing/2014/main" id="{EB3C2661-0A16-4A29-BC7A-8B2641F27D5D}"/>
+                </a:ext>
+              </a:extLst>
+            </p:cNvPr>
+            <p:cNvSpPr/>
+            <p:nvPr/>
+          </p:nvSpPr>
+          <p:spPr>
+            <a:xfrm rot="805270">
+              <a:off x="6313995" y="1576293"/>
+              <a:ext cx="1060450" cy="914180"/>
+            </a:xfrm>
+            <a:prstGeom prst="hexagon">
+              <a:avLst>
+                <a:gd name="adj" fmla="val 28750"/>
+                <a:gd name="vf" fmla="val 115470"/>
+              </a:avLst>
+            </a:prstGeom>
+          </p:spPr>
+          <p:style>
+            <a:lnRef idx="2">
+              <a:schemeClr val="accent2">
+                <a:shade val="50000"/>
+              </a:schemeClr>
+            </a:lnRef>
+            <a:fillRef idx="1">
+              <a:schemeClr val="accent2"/>
+            </a:fillRef>
+            <a:effectRef idx="0">
+              <a:schemeClr val="accent2"/>
+            </a:effectRef>
+            <a:fontRef idx="minor">
+              <a:schemeClr val="lt1"/>
+            </a:fontRef>
+          </p:style>
+          <p:txBody>
+            <a:bodyPr rtlCol="0" anchor="ctr"/>
+            <a:lstStyle/>
+            <a:p>
+              <a:pPr algn="ctr"/>
+              <a:endParaRPr lang="fr-FR" b="1"/>
+            </a:p>
+          </p:txBody>
+        </p:sp>
+        <p:sp>
+          <p:nvSpPr>
+            <p:cNvPr id="16" name="Hexagone 15">
+              <a:extLst>
+                <a:ext uri="{FF2B5EF4-FFF2-40B4-BE49-F238E27FC236}">
+                  <a16:creationId xmlns:a16="http://schemas.microsoft.com/office/drawing/2014/main" id="{811894BA-125F-495D-A878-42F4505A8677}"/>
+                </a:ext>
+              </a:extLst>
+            </p:cNvPr>
+            <p:cNvSpPr/>
+            <p:nvPr/>
+          </p:nvSpPr>
+          <p:spPr>
+            <a:xfrm rot="805270">
+              <a:off x="7002690" y="2228315"/>
+              <a:ext cx="1060450" cy="914180"/>
+            </a:xfrm>
+            <a:prstGeom prst="hexagon">
+              <a:avLst>
+                <a:gd name="adj" fmla="val 28750"/>
+                <a:gd name="vf" fmla="val 115470"/>
+              </a:avLst>
+            </a:prstGeom>
+          </p:spPr>
+          <p:style>
+            <a:lnRef idx="2">
+              <a:schemeClr val="accent2">
+                <a:shade val="50000"/>
+              </a:schemeClr>
+            </a:lnRef>
+            <a:fillRef idx="1">
+              <a:schemeClr val="accent2"/>
+            </a:fillRef>
+            <a:effectRef idx="0">
+              <a:schemeClr val="accent2"/>
+            </a:effectRef>
+            <a:fontRef idx="minor">
+              <a:schemeClr val="lt1"/>
+            </a:fontRef>
+          </p:style>
+          <p:txBody>
+            <a:bodyPr rtlCol="0" anchor="ctr"/>
+            <a:lstStyle/>
+            <a:p>
+              <a:pPr algn="ctr"/>
+              <a:endParaRPr lang="fr-FR" b="1"/>
+            </a:p>
+          </p:txBody>
+        </p:sp>
+        <p:sp>
+          <p:nvSpPr>
+            <p:cNvPr id="17" name="Hexagone 16">
+              <a:extLst>
+                <a:ext uri="{FF2B5EF4-FFF2-40B4-BE49-F238E27FC236}">
+                  <a16:creationId xmlns:a16="http://schemas.microsoft.com/office/drawing/2014/main" id="{EAC4EC15-2FA5-4C92-A377-1A795853092B}"/>
+                </a:ext>
+              </a:extLst>
+            </p:cNvPr>
+            <p:cNvSpPr/>
+            <p:nvPr/>
+          </p:nvSpPr>
+          <p:spPr>
+            <a:xfrm rot="805270">
+              <a:off x="6786656" y="3147928"/>
+              <a:ext cx="1060450" cy="914180"/>
+            </a:xfrm>
+            <a:prstGeom prst="hexagon">
+              <a:avLst>
+                <a:gd name="adj" fmla="val 28750"/>
+                <a:gd name="vf" fmla="val 115470"/>
+              </a:avLst>
+            </a:prstGeom>
+          </p:spPr>
+          <p:style>
+            <a:lnRef idx="2">
+              <a:schemeClr val="accent2">
+                <a:shade val="50000"/>
+              </a:schemeClr>
+            </a:lnRef>
+            <a:fillRef idx="1">
+              <a:schemeClr val="accent2"/>
+            </a:fillRef>
+            <a:effectRef idx="0">
+              <a:schemeClr val="accent2"/>
+            </a:effectRef>
+            <a:fontRef idx="minor">
+              <a:schemeClr val="lt1"/>
+            </a:fontRef>
+          </p:style>
+          <p:txBody>
+            <a:bodyPr rtlCol="0" anchor="ctr"/>
+            <a:lstStyle/>
+            <a:p>
+              <a:pPr algn="ctr"/>
+              <a:endParaRPr lang="fr-FR" b="1"/>
+            </a:p>
+          </p:txBody>
+        </p:sp>
+        <p:sp>
+          <p:nvSpPr>
+            <p:cNvPr id="18" name="Hexagone 17">
+              <a:extLst>
+                <a:ext uri="{FF2B5EF4-FFF2-40B4-BE49-F238E27FC236}">
+                  <a16:creationId xmlns:a16="http://schemas.microsoft.com/office/drawing/2014/main" id="{8236A942-0F63-4BE6-8249-DD1B2393F006}"/>
+                </a:ext>
+              </a:extLst>
+            </p:cNvPr>
+            <p:cNvSpPr/>
+            <p:nvPr/>
+          </p:nvSpPr>
+          <p:spPr>
+            <a:xfrm rot="805270">
+              <a:off x="6563006" y="4066600"/>
+              <a:ext cx="1060450" cy="914180"/>
+            </a:xfrm>
+            <a:prstGeom prst="hexagon">
+              <a:avLst>
+                <a:gd name="adj" fmla="val 28750"/>
+                <a:gd name="vf" fmla="val 115470"/>
+              </a:avLst>
+            </a:prstGeom>
+          </p:spPr>
+          <p:style>
+            <a:lnRef idx="2">
+              <a:schemeClr val="accent2">
+                <a:shade val="50000"/>
+              </a:schemeClr>
+            </a:lnRef>
+            <a:fillRef idx="1">
+              <a:schemeClr val="accent2"/>
+            </a:fillRef>
+            <a:effectRef idx="0">
+              <a:schemeClr val="accent2"/>
+            </a:effectRef>
+            <a:fontRef idx="minor">
+              <a:schemeClr val="lt1"/>
+            </a:fontRef>
+          </p:style>
+          <p:txBody>
+            <a:bodyPr rtlCol="0" anchor="ctr"/>
+            <a:lstStyle/>
+            <a:p>
+              <a:pPr algn="ctr"/>
+              <a:endParaRPr lang="fr-FR" b="1"/>
+            </a:p>
+          </p:txBody>
+        </p:sp>
+        <p:sp>
+          <p:nvSpPr>
+            <p:cNvPr id="19" name="Hexagone 18">
+              <a:extLst>
+                <a:ext uri="{FF2B5EF4-FFF2-40B4-BE49-F238E27FC236}">
+                  <a16:creationId xmlns:a16="http://schemas.microsoft.com/office/drawing/2014/main" id="{5691D6AD-24F6-48A1-8222-5D83376516D2}"/>
+                </a:ext>
+              </a:extLst>
+            </p:cNvPr>
+            <p:cNvSpPr/>
+            <p:nvPr/>
+          </p:nvSpPr>
+          <p:spPr>
+            <a:xfrm rot="805270">
+              <a:off x="5654470" y="4327043"/>
+              <a:ext cx="1060450" cy="914180"/>
+            </a:xfrm>
+            <a:prstGeom prst="hexagon">
+              <a:avLst>
+                <a:gd name="adj" fmla="val 28750"/>
+                <a:gd name="vf" fmla="val 115470"/>
+              </a:avLst>
+            </a:prstGeom>
+          </p:spPr>
+          <p:style>
+            <a:lnRef idx="2">
+              <a:schemeClr val="accent2">
+                <a:shade val="50000"/>
+              </a:schemeClr>
+            </a:lnRef>
+            <a:fillRef idx="1">
+              <a:schemeClr val="accent2"/>
+            </a:fillRef>
+            <a:effectRef idx="0">
+              <a:schemeClr val="accent2"/>
+            </a:effectRef>
+            <a:fontRef idx="minor">
+              <a:schemeClr val="lt1"/>
+            </a:fontRef>
+          </p:style>
+          <p:txBody>
+            <a:bodyPr rtlCol="0" anchor="ctr"/>
+            <a:lstStyle/>
+            <a:p>
+              <a:pPr algn="ctr"/>
+              <a:endParaRPr lang="fr-FR" b="1"/>
+            </a:p>
+          </p:txBody>
+        </p:sp>
+        <p:sp>
+          <p:nvSpPr>
+            <p:cNvPr id="20" name="Hexagone 19">
+              <a:extLst>
+                <a:ext uri="{FF2B5EF4-FFF2-40B4-BE49-F238E27FC236}">
+                  <a16:creationId xmlns:a16="http://schemas.microsoft.com/office/drawing/2014/main" id="{1D2E80C0-E05C-4C7B-917A-7D3F045F7B96}"/>
+                </a:ext>
+              </a:extLst>
+            </p:cNvPr>
+            <p:cNvSpPr/>
+            <p:nvPr/>
+          </p:nvSpPr>
+          <p:spPr>
+            <a:xfrm rot="805270">
+              <a:off x="4747835" y="4592260"/>
+              <a:ext cx="1060450" cy="914180"/>
+            </a:xfrm>
+            <a:prstGeom prst="hexagon">
+              <a:avLst>
+                <a:gd name="adj" fmla="val 28750"/>
+                <a:gd name="vf" fmla="val 115470"/>
+              </a:avLst>
+            </a:prstGeom>
+          </p:spPr>
+          <p:style>
+            <a:lnRef idx="2">
+              <a:schemeClr val="accent2">
+                <a:shade val="50000"/>
+              </a:schemeClr>
+            </a:lnRef>
+            <a:fillRef idx="1">
+              <a:schemeClr val="accent2"/>
+            </a:fillRef>
+            <a:effectRef idx="0">
+              <a:schemeClr val="accent2"/>
+            </a:effectRef>
+            <a:fontRef idx="minor">
+              <a:schemeClr val="lt1"/>
+            </a:fontRef>
+          </p:style>
+          <p:txBody>
+            <a:bodyPr rtlCol="0" anchor="ctr"/>
+            <a:lstStyle/>
+            <a:p>
+              <a:pPr algn="ctr"/>
+              <a:endParaRPr lang="fr-FR" b="1"/>
+            </a:p>
+          </p:txBody>
+        </p:sp>
+        <p:sp>
+          <p:nvSpPr>
+            <p:cNvPr id="21" name="Hexagone 20">
+              <a:extLst>
+                <a:ext uri="{FF2B5EF4-FFF2-40B4-BE49-F238E27FC236}">
+                  <a16:creationId xmlns:a16="http://schemas.microsoft.com/office/drawing/2014/main" id="{E0DEF95B-4EDD-4E30-94AE-E70C0CA2790B}"/>
+                </a:ext>
+              </a:extLst>
+            </p:cNvPr>
+            <p:cNvSpPr/>
+            <p:nvPr/>
+          </p:nvSpPr>
+          <p:spPr>
+            <a:xfrm rot="805270">
+              <a:off x="4051523" y="3950921"/>
+              <a:ext cx="1060450" cy="914180"/>
+            </a:xfrm>
+            <a:prstGeom prst="hexagon">
+              <a:avLst>
+                <a:gd name="adj" fmla="val 28750"/>
+                <a:gd name="vf" fmla="val 115470"/>
+              </a:avLst>
+            </a:prstGeom>
+          </p:spPr>
+          <p:style>
+            <a:lnRef idx="2">
+              <a:schemeClr val="accent2">
+                <a:shade val="50000"/>
+              </a:schemeClr>
+            </a:lnRef>
+            <a:fillRef idx="1">
+              <a:schemeClr val="accent2"/>
+            </a:fillRef>
+            <a:effectRef idx="0">
+              <a:schemeClr val="accent2"/>
+            </a:effectRef>
+            <a:fontRef idx="minor">
+              <a:schemeClr val="lt1"/>
+            </a:fontRef>
+          </p:style>
+          <p:txBody>
+            <a:bodyPr rtlCol="0" anchor="ctr"/>
+            <a:lstStyle/>
+            <a:p>
+              <a:pPr algn="ctr"/>
+              <a:endParaRPr lang="fr-FR" b="1"/>
+            </a:p>
+          </p:txBody>
+        </p:sp>
+        <p:sp>
+          <p:nvSpPr>
+            <p:cNvPr id="23" name="Hexagone 22">
+              <a:extLst>
+                <a:ext uri="{FF2B5EF4-FFF2-40B4-BE49-F238E27FC236}">
+                  <a16:creationId xmlns:a16="http://schemas.microsoft.com/office/drawing/2014/main" id="{287864EE-147F-4C35-9F98-21572A2AC029}"/>
+                </a:ext>
+              </a:extLst>
+            </p:cNvPr>
+            <p:cNvSpPr/>
+            <p:nvPr/>
+          </p:nvSpPr>
+          <p:spPr>
+            <a:xfrm rot="805270">
+              <a:off x="3366640" y="3295370"/>
+              <a:ext cx="1060450" cy="914180"/>
+            </a:xfrm>
+            <a:prstGeom prst="hexagon">
+              <a:avLst>
+                <a:gd name="adj" fmla="val 28750"/>
+                <a:gd name="vf" fmla="val 115470"/>
+              </a:avLst>
+            </a:prstGeom>
+          </p:spPr>
+          <p:style>
+            <a:lnRef idx="2">
+              <a:schemeClr val="accent2">
+                <a:shade val="50000"/>
+              </a:schemeClr>
+            </a:lnRef>
+            <a:fillRef idx="1">
+              <a:schemeClr val="accent2"/>
+            </a:fillRef>
+            <a:effectRef idx="0">
+              <a:schemeClr val="accent2"/>
+            </a:effectRef>
+            <a:fontRef idx="minor">
+              <a:schemeClr val="lt1"/>
+            </a:fontRef>
+          </p:style>
+          <p:txBody>
+            <a:bodyPr rtlCol="0" anchor="ctr"/>
+            <a:lstStyle/>
+            <a:p>
+              <a:pPr algn="ctr"/>
+              <a:endParaRPr lang="fr-FR" b="1"/>
+            </a:p>
+          </p:txBody>
+        </p:sp>
+        <p:sp>
+          <p:nvSpPr>
+            <p:cNvPr id="24" name="Hexagone 23">
+              <a:extLst>
+                <a:ext uri="{FF2B5EF4-FFF2-40B4-BE49-F238E27FC236}">
+                  <a16:creationId xmlns:a16="http://schemas.microsoft.com/office/drawing/2014/main" id="{65915403-919C-43F4-8975-B99002D8A666}"/>
+                </a:ext>
+              </a:extLst>
+            </p:cNvPr>
+            <p:cNvSpPr/>
+            <p:nvPr/>
+          </p:nvSpPr>
+          <p:spPr>
+            <a:xfrm rot="805270">
+              <a:off x="3584574" y="2378411"/>
+              <a:ext cx="1060450" cy="914180"/>
+            </a:xfrm>
+            <a:prstGeom prst="hexagon">
+              <a:avLst>
+                <a:gd name="adj" fmla="val 28750"/>
+                <a:gd name="vf" fmla="val 115470"/>
+              </a:avLst>
+            </a:prstGeom>
+          </p:spPr>
+          <p:style>
+            <a:lnRef idx="2">
+              <a:schemeClr val="accent2">
+                <a:shade val="50000"/>
+              </a:schemeClr>
+            </a:lnRef>
+            <a:fillRef idx="1">
+              <a:schemeClr val="accent2"/>
+            </a:fillRef>
+            <a:effectRef idx="0">
+              <a:schemeClr val="accent2"/>
+            </a:effectRef>
+            <a:fontRef idx="minor">
+              <a:schemeClr val="lt1"/>
+            </a:fontRef>
+          </p:style>
+          <p:txBody>
+            <a:bodyPr rtlCol="0" anchor="ctr"/>
+            <a:lstStyle/>
+            <a:p>
+              <a:pPr algn="ctr"/>
+              <a:endParaRPr lang="fr-FR" b="1"/>
+            </a:p>
+          </p:txBody>
+        </p:sp>
+        <p:sp>
+          <p:nvSpPr>
+            <p:cNvPr id="25" name="Hexagone 24">
+              <a:extLst>
+                <a:ext uri="{FF2B5EF4-FFF2-40B4-BE49-F238E27FC236}">
+                  <a16:creationId xmlns:a16="http://schemas.microsoft.com/office/drawing/2014/main" id="{46B586D8-2A81-4357-AEDA-4997CDD830F4}"/>
+                </a:ext>
+              </a:extLst>
+            </p:cNvPr>
+            <p:cNvSpPr/>
+            <p:nvPr/>
+          </p:nvSpPr>
+          <p:spPr>
+            <a:xfrm rot="805270">
+              <a:off x="3803781" y="1458035"/>
+              <a:ext cx="1060450" cy="914180"/>
+            </a:xfrm>
+            <a:prstGeom prst="hexagon">
+              <a:avLst>
+                <a:gd name="adj" fmla="val 28750"/>
+                <a:gd name="vf" fmla="val 115470"/>
+              </a:avLst>
+            </a:prstGeom>
+          </p:spPr>
+          <p:style>
+            <a:lnRef idx="2">
+              <a:schemeClr val="accent2">
+                <a:shade val="50000"/>
+              </a:schemeClr>
+            </a:lnRef>
+            <a:fillRef idx="1">
+              <a:schemeClr val="accent2"/>
+            </a:fillRef>
+            <a:effectRef idx="0">
+              <a:schemeClr val="accent2"/>
+            </a:effectRef>
+            <a:fontRef idx="minor">
+              <a:schemeClr val="lt1"/>
+            </a:fontRef>
+          </p:style>
+          <p:txBody>
+            <a:bodyPr rtlCol="0" anchor="ctr"/>
+            <a:lstStyle/>
+            <a:p>
+              <a:pPr algn="ctr"/>
+              <a:endParaRPr lang="fr-FR" b="1"/>
+            </a:p>
+          </p:txBody>
+        </p:sp>
+        <p:sp>
+          <p:nvSpPr>
+            <p:cNvPr id="26" name="Hexagone 25">
+              <a:extLst>
+                <a:ext uri="{FF2B5EF4-FFF2-40B4-BE49-F238E27FC236}">
+                  <a16:creationId xmlns:a16="http://schemas.microsoft.com/office/drawing/2014/main" id="{16E8E1A9-F755-4F27-B248-6ACE635E2E89}"/>
+                </a:ext>
+              </a:extLst>
+            </p:cNvPr>
+            <p:cNvSpPr/>
+            <p:nvPr/>
+          </p:nvSpPr>
+          <p:spPr>
+            <a:xfrm rot="805270">
+              <a:off x="4024256" y="540683"/>
+              <a:ext cx="1060450" cy="914180"/>
+            </a:xfrm>
+            <a:prstGeom prst="hexagon">
+              <a:avLst>
+                <a:gd name="adj" fmla="val 28750"/>
+                <a:gd name="vf" fmla="val 115470"/>
+              </a:avLst>
+            </a:prstGeom>
+          </p:spPr>
+          <p:style>
+            <a:lnRef idx="2">
+              <a:schemeClr val="accent4">
+                <a:shade val="50000"/>
+              </a:schemeClr>
+            </a:lnRef>
+            <a:fillRef idx="1">
+              <a:schemeClr val="accent4"/>
+            </a:fillRef>
+            <a:effectRef idx="0">
+              <a:schemeClr val="accent4"/>
+            </a:effectRef>
+            <a:fontRef idx="minor">
+              <a:schemeClr val="lt1"/>
+            </a:fontRef>
+          </p:style>
+          <p:txBody>
+            <a:bodyPr rtlCol="0" anchor="ctr"/>
+            <a:lstStyle/>
+            <a:p>
+              <a:pPr algn="ctr"/>
+              <a:endParaRPr lang="fr-FR" b="1"/>
+            </a:p>
+          </p:txBody>
+        </p:sp>
+        <p:sp>
+          <p:nvSpPr>
+            <p:cNvPr id="27" name="Hexagone 26">
+              <a:extLst>
+                <a:ext uri="{FF2B5EF4-FFF2-40B4-BE49-F238E27FC236}">
+                  <a16:creationId xmlns:a16="http://schemas.microsoft.com/office/drawing/2014/main" id="{327D7CD4-7119-4579-9101-79C49FD90880}"/>
+                </a:ext>
+              </a:extLst>
+            </p:cNvPr>
+            <p:cNvSpPr/>
+            <p:nvPr/>
+          </p:nvSpPr>
+          <p:spPr>
+            <a:xfrm rot="805270">
+              <a:off x="4933293" y="274764"/>
+              <a:ext cx="1060450" cy="914180"/>
+            </a:xfrm>
+            <a:prstGeom prst="hexagon">
+              <a:avLst>
+                <a:gd name="adj" fmla="val 28750"/>
+                <a:gd name="vf" fmla="val 115470"/>
+              </a:avLst>
+            </a:prstGeom>
+          </p:spPr>
+          <p:style>
+            <a:lnRef idx="2">
+              <a:schemeClr val="accent4">
+                <a:shade val="50000"/>
+              </a:schemeClr>
+            </a:lnRef>
+            <a:fillRef idx="1">
+              <a:schemeClr val="accent4"/>
+            </a:fillRef>
+            <a:effectRef idx="0">
+              <a:schemeClr val="accent4"/>
+            </a:effectRef>
+            <a:fontRef idx="minor">
+              <a:schemeClr val="lt1"/>
+            </a:fontRef>
+          </p:style>
+          <p:txBody>
+            <a:bodyPr rtlCol="0" anchor="ctr"/>
+            <a:lstStyle/>
+            <a:p>
+              <a:pPr algn="ctr"/>
+              <a:endParaRPr lang="fr-FR" b="1"/>
+            </a:p>
+          </p:txBody>
+        </p:sp>
+        <p:sp>
+          <p:nvSpPr>
+            <p:cNvPr id="28" name="Hexagone 27">
+              <a:extLst>
+                <a:ext uri="{FF2B5EF4-FFF2-40B4-BE49-F238E27FC236}">
+                  <a16:creationId xmlns:a16="http://schemas.microsoft.com/office/drawing/2014/main" id="{68B25DCC-A14F-492D-9CFC-15E520594A1D}"/>
+                </a:ext>
+              </a:extLst>
+            </p:cNvPr>
+            <p:cNvSpPr/>
+            <p:nvPr/>
+          </p:nvSpPr>
+          <p:spPr>
+            <a:xfrm rot="805270">
+              <a:off x="5842461" y="11521"/>
+              <a:ext cx="1060450" cy="914180"/>
+            </a:xfrm>
+            <a:prstGeom prst="hexagon">
+              <a:avLst>
+                <a:gd name="adj" fmla="val 28750"/>
+                <a:gd name="vf" fmla="val 115470"/>
+              </a:avLst>
+            </a:prstGeom>
+          </p:spPr>
+          <p:style>
+            <a:lnRef idx="2">
+              <a:schemeClr val="accent4">
+                <a:shade val="50000"/>
+              </a:schemeClr>
+            </a:lnRef>
+            <a:fillRef idx="1">
+              <a:schemeClr val="accent4"/>
+            </a:fillRef>
+            <a:effectRef idx="0">
+              <a:schemeClr val="accent4"/>
+            </a:effectRef>
+            <a:fontRef idx="minor">
+              <a:schemeClr val="lt1"/>
+            </a:fontRef>
+          </p:style>
+          <p:txBody>
+            <a:bodyPr rtlCol="0" anchor="ctr"/>
+            <a:lstStyle/>
+            <a:p>
+              <a:pPr algn="ctr"/>
+              <a:endParaRPr lang="fr-FR" b="1"/>
+            </a:p>
+          </p:txBody>
+        </p:sp>
+        <p:sp>
+          <p:nvSpPr>
+            <p:cNvPr id="29" name="Hexagone 28">
+              <a:extLst>
+                <a:ext uri="{FF2B5EF4-FFF2-40B4-BE49-F238E27FC236}">
+                  <a16:creationId xmlns:a16="http://schemas.microsoft.com/office/drawing/2014/main" id="{26C971A5-29B9-4035-9475-0F00D6285718}"/>
+                </a:ext>
+              </a:extLst>
+            </p:cNvPr>
+            <p:cNvSpPr/>
+            <p:nvPr/>
+          </p:nvSpPr>
+          <p:spPr>
+            <a:xfrm rot="805270">
+              <a:off x="6537646" y="662656"/>
+              <a:ext cx="1060450" cy="914180"/>
+            </a:xfrm>
+            <a:prstGeom prst="hexagon">
+              <a:avLst>
+                <a:gd name="adj" fmla="val 28750"/>
+                <a:gd name="vf" fmla="val 115470"/>
+              </a:avLst>
+            </a:prstGeom>
+          </p:spPr>
+          <p:style>
+            <a:lnRef idx="2">
+              <a:schemeClr val="accent4">
+                <a:shade val="50000"/>
+              </a:schemeClr>
+            </a:lnRef>
+            <a:fillRef idx="1">
+              <a:schemeClr val="accent4"/>
+            </a:fillRef>
+            <a:effectRef idx="0">
+              <a:schemeClr val="accent4"/>
+            </a:effectRef>
+            <a:fontRef idx="minor">
+              <a:schemeClr val="lt1"/>
+            </a:fontRef>
+          </p:style>
+          <p:txBody>
+            <a:bodyPr rtlCol="0" anchor="ctr"/>
+            <a:lstStyle/>
+            <a:p>
+              <a:pPr algn="ctr"/>
+              <a:endParaRPr lang="fr-FR" b="1"/>
+            </a:p>
+          </p:txBody>
+        </p:sp>
+        <p:sp>
+          <p:nvSpPr>
+            <p:cNvPr id="30" name="Hexagone 29">
+              <a:extLst>
+                <a:ext uri="{FF2B5EF4-FFF2-40B4-BE49-F238E27FC236}">
+                  <a16:creationId xmlns:a16="http://schemas.microsoft.com/office/drawing/2014/main" id="{002C22BB-DCB6-48AA-A848-AC9C3EEF44CE}"/>
+                </a:ext>
+              </a:extLst>
+            </p:cNvPr>
+            <p:cNvSpPr/>
+            <p:nvPr/>
+          </p:nvSpPr>
+          <p:spPr>
+            <a:xfrm rot="805270">
+              <a:off x="7226341" y="1315848"/>
+              <a:ext cx="1060450" cy="914180"/>
+            </a:xfrm>
+            <a:prstGeom prst="hexagon">
+              <a:avLst>
+                <a:gd name="adj" fmla="val 28750"/>
+                <a:gd name="vf" fmla="val 115470"/>
+              </a:avLst>
+            </a:prstGeom>
+          </p:spPr>
+          <p:style>
+            <a:lnRef idx="2">
+              <a:schemeClr val="accent4">
+                <a:shade val="50000"/>
+              </a:schemeClr>
+            </a:lnRef>
+            <a:fillRef idx="1">
+              <a:schemeClr val="accent4"/>
+            </a:fillRef>
+            <a:effectRef idx="0">
+              <a:schemeClr val="accent4"/>
+            </a:effectRef>
+            <a:fontRef idx="minor">
+              <a:schemeClr val="lt1"/>
+            </a:fontRef>
+          </p:style>
+          <p:txBody>
+            <a:bodyPr rtlCol="0" anchor="ctr"/>
+            <a:lstStyle/>
+            <a:p>
+              <a:pPr algn="ctr"/>
+              <a:endParaRPr lang="fr-FR" b="1"/>
+            </a:p>
+          </p:txBody>
+        </p:sp>
+        <p:sp>
+          <p:nvSpPr>
+            <p:cNvPr id="31" name="Hexagone 30">
+              <a:extLst>
+                <a:ext uri="{FF2B5EF4-FFF2-40B4-BE49-F238E27FC236}">
+                  <a16:creationId xmlns:a16="http://schemas.microsoft.com/office/drawing/2014/main" id="{C7E40169-87DB-4A3B-A132-F61A083AD8D4}"/>
+                </a:ext>
+              </a:extLst>
+            </p:cNvPr>
+            <p:cNvSpPr/>
+            <p:nvPr/>
+          </p:nvSpPr>
+          <p:spPr>
+            <a:xfrm rot="805270">
+              <a:off x="7909323" y="1965640"/>
+              <a:ext cx="1060450" cy="914180"/>
+            </a:xfrm>
+            <a:prstGeom prst="hexagon">
+              <a:avLst>
+                <a:gd name="adj" fmla="val 28750"/>
+                <a:gd name="vf" fmla="val 115470"/>
+              </a:avLst>
+            </a:prstGeom>
+          </p:spPr>
+          <p:style>
+            <a:lnRef idx="2">
+              <a:schemeClr val="accent4">
+                <a:shade val="50000"/>
+              </a:schemeClr>
+            </a:lnRef>
+            <a:fillRef idx="1">
+              <a:schemeClr val="accent4"/>
+            </a:fillRef>
+            <a:effectRef idx="0">
+              <a:schemeClr val="accent4"/>
+            </a:effectRef>
+            <a:fontRef idx="minor">
+              <a:schemeClr val="lt1"/>
+            </a:fontRef>
+          </p:style>
+          <p:txBody>
+            <a:bodyPr rtlCol="0" anchor="ctr"/>
+            <a:lstStyle/>
+            <a:p>
+              <a:pPr algn="ctr"/>
+              <a:endParaRPr lang="fr-FR" b="1"/>
+            </a:p>
+          </p:txBody>
+        </p:sp>
+        <p:sp>
+          <p:nvSpPr>
+            <p:cNvPr id="32" name="Hexagone 31">
+              <a:extLst>
+                <a:ext uri="{FF2B5EF4-FFF2-40B4-BE49-F238E27FC236}">
+                  <a16:creationId xmlns:a16="http://schemas.microsoft.com/office/drawing/2014/main" id="{137FA858-FC6B-4E17-8C0E-046FC12C4AE8}"/>
+                </a:ext>
+              </a:extLst>
+            </p:cNvPr>
+            <p:cNvSpPr/>
+            <p:nvPr/>
+          </p:nvSpPr>
+          <p:spPr>
+            <a:xfrm rot="805270">
+              <a:off x="7697097" y="2881505"/>
+              <a:ext cx="1060450" cy="914180"/>
+            </a:xfrm>
+            <a:prstGeom prst="hexagon">
+              <a:avLst>
+                <a:gd name="adj" fmla="val 28750"/>
+                <a:gd name="vf" fmla="val 115470"/>
+              </a:avLst>
+            </a:prstGeom>
+          </p:spPr>
+          <p:style>
+            <a:lnRef idx="2">
+              <a:schemeClr val="accent4">
+                <a:shade val="50000"/>
+              </a:schemeClr>
+            </a:lnRef>
+            <a:fillRef idx="1">
+              <a:schemeClr val="accent4"/>
+            </a:fillRef>
+            <a:effectRef idx="0">
+              <a:schemeClr val="accent4"/>
+            </a:effectRef>
+            <a:fontRef idx="minor">
+              <a:schemeClr val="lt1"/>
+            </a:fontRef>
+          </p:style>
+          <p:txBody>
+            <a:bodyPr rtlCol="0" anchor="ctr"/>
+            <a:lstStyle/>
+            <a:p>
+              <a:pPr algn="ctr"/>
+              <a:endParaRPr lang="fr-FR" b="1"/>
+            </a:p>
+          </p:txBody>
+        </p:sp>
+        <p:sp>
+          <p:nvSpPr>
+            <p:cNvPr id="33" name="Hexagone 32">
+              <a:extLst>
+                <a:ext uri="{FF2B5EF4-FFF2-40B4-BE49-F238E27FC236}">
+                  <a16:creationId xmlns:a16="http://schemas.microsoft.com/office/drawing/2014/main" id="{8F59FD70-5261-4FC1-9FF4-6F56FD8262F8}"/>
+                </a:ext>
+              </a:extLst>
+            </p:cNvPr>
+            <p:cNvSpPr/>
+            <p:nvPr/>
+          </p:nvSpPr>
+          <p:spPr>
+            <a:xfrm rot="805270">
+              <a:off x="7481288" y="3803924"/>
+              <a:ext cx="1060450" cy="914180"/>
+            </a:xfrm>
+            <a:prstGeom prst="hexagon">
+              <a:avLst>
+                <a:gd name="adj" fmla="val 28750"/>
+                <a:gd name="vf" fmla="val 115470"/>
+              </a:avLst>
+            </a:prstGeom>
+          </p:spPr>
+          <p:style>
+            <a:lnRef idx="2">
+              <a:schemeClr val="accent4">
+                <a:shade val="50000"/>
+              </a:schemeClr>
+            </a:lnRef>
+            <a:fillRef idx="1">
+              <a:schemeClr val="accent4"/>
+            </a:fillRef>
+            <a:effectRef idx="0">
+              <a:schemeClr val="accent4"/>
+            </a:effectRef>
+            <a:fontRef idx="minor">
+              <a:schemeClr val="lt1"/>
+            </a:fontRef>
+          </p:style>
+          <p:txBody>
+            <a:bodyPr rtlCol="0" anchor="ctr"/>
+            <a:lstStyle/>
+            <a:p>
+              <a:pPr algn="ctr"/>
+              <a:endParaRPr lang="fr-FR" b="1"/>
+            </a:p>
+          </p:txBody>
+        </p:sp>
+        <p:sp>
+          <p:nvSpPr>
+            <p:cNvPr id="34" name="Hexagone 33">
+              <a:extLst>
+                <a:ext uri="{FF2B5EF4-FFF2-40B4-BE49-F238E27FC236}">
+                  <a16:creationId xmlns:a16="http://schemas.microsoft.com/office/drawing/2014/main" id="{603501B8-D245-43F9-B947-E3B1475E715A}"/>
+                </a:ext>
+              </a:extLst>
+            </p:cNvPr>
+            <p:cNvSpPr/>
+            <p:nvPr/>
+          </p:nvSpPr>
+          <p:spPr>
+            <a:xfrm rot="805270">
+              <a:off x="7251702" y="4727130"/>
+              <a:ext cx="1060450" cy="914180"/>
+            </a:xfrm>
+            <a:prstGeom prst="hexagon">
+              <a:avLst>
+                <a:gd name="adj" fmla="val 28750"/>
+                <a:gd name="vf" fmla="val 115470"/>
+              </a:avLst>
+            </a:prstGeom>
+          </p:spPr>
+          <p:style>
+            <a:lnRef idx="2">
+              <a:schemeClr val="accent4">
+                <a:shade val="50000"/>
+              </a:schemeClr>
+            </a:lnRef>
+            <a:fillRef idx="1">
+              <a:schemeClr val="accent4"/>
+            </a:fillRef>
+            <a:effectRef idx="0">
+              <a:schemeClr val="accent4"/>
+            </a:effectRef>
+            <a:fontRef idx="minor">
+              <a:schemeClr val="lt1"/>
+            </a:fontRef>
+          </p:style>
+          <p:txBody>
+            <a:bodyPr rtlCol="0" anchor="ctr"/>
+            <a:lstStyle/>
+            <a:p>
+              <a:pPr algn="ctr"/>
+              <a:endParaRPr lang="fr-FR" b="1"/>
+            </a:p>
+          </p:txBody>
+        </p:sp>
+        <p:sp>
+          <p:nvSpPr>
+            <p:cNvPr id="35" name="Hexagone 34">
+              <a:extLst>
+                <a:ext uri="{FF2B5EF4-FFF2-40B4-BE49-F238E27FC236}">
+                  <a16:creationId xmlns:a16="http://schemas.microsoft.com/office/drawing/2014/main" id="{F822B961-1F32-4506-80EE-7C6D212C4DE2}"/>
+                </a:ext>
+              </a:extLst>
+            </p:cNvPr>
+            <p:cNvSpPr/>
+            <p:nvPr/>
+          </p:nvSpPr>
+          <p:spPr>
+            <a:xfrm rot="805270">
+              <a:off x="6341256" y="4986210"/>
+              <a:ext cx="1060450" cy="914180"/>
+            </a:xfrm>
+            <a:prstGeom prst="hexagon">
+              <a:avLst>
+                <a:gd name="adj" fmla="val 28750"/>
+                <a:gd name="vf" fmla="val 115470"/>
+              </a:avLst>
+            </a:prstGeom>
+          </p:spPr>
+          <p:style>
+            <a:lnRef idx="2">
+              <a:schemeClr val="accent4">
+                <a:shade val="50000"/>
+              </a:schemeClr>
+            </a:lnRef>
+            <a:fillRef idx="1">
+              <a:schemeClr val="accent4"/>
+            </a:fillRef>
+            <a:effectRef idx="0">
+              <a:schemeClr val="accent4"/>
+            </a:effectRef>
+            <a:fontRef idx="minor">
+              <a:schemeClr val="lt1"/>
+            </a:fontRef>
+          </p:style>
+          <p:txBody>
+            <a:bodyPr rtlCol="0" anchor="ctr"/>
+            <a:lstStyle/>
+            <a:p>
+              <a:pPr algn="ctr"/>
+              <a:endParaRPr lang="fr-FR" b="1"/>
+            </a:p>
+          </p:txBody>
+        </p:sp>
+        <p:sp>
+          <p:nvSpPr>
+            <p:cNvPr id="36" name="Hexagone 35">
+              <a:extLst>
+                <a:ext uri="{FF2B5EF4-FFF2-40B4-BE49-F238E27FC236}">
+                  <a16:creationId xmlns:a16="http://schemas.microsoft.com/office/drawing/2014/main" id="{68D1388E-CF15-4566-AE6F-0CDA565CB230}"/>
+                </a:ext>
+              </a:extLst>
+            </p:cNvPr>
+            <p:cNvSpPr/>
+            <p:nvPr/>
+          </p:nvSpPr>
+          <p:spPr>
+            <a:xfrm rot="805270">
+              <a:off x="5436051" y="5245291"/>
+              <a:ext cx="1060450" cy="914180"/>
+            </a:xfrm>
+            <a:prstGeom prst="hexagon">
+              <a:avLst>
+                <a:gd name="adj" fmla="val 28750"/>
+                <a:gd name="vf" fmla="val 115470"/>
+              </a:avLst>
+            </a:prstGeom>
+          </p:spPr>
+          <p:style>
+            <a:lnRef idx="2">
+              <a:schemeClr val="accent4">
+                <a:shade val="50000"/>
+              </a:schemeClr>
+            </a:lnRef>
+            <a:fillRef idx="1">
+              <a:schemeClr val="accent4"/>
+            </a:fillRef>
+            <a:effectRef idx="0">
+              <a:schemeClr val="accent4"/>
+            </a:effectRef>
+            <a:fontRef idx="minor">
+              <a:schemeClr val="lt1"/>
+            </a:fontRef>
+          </p:style>
+          <p:txBody>
+            <a:bodyPr rtlCol="0" anchor="ctr"/>
+            <a:lstStyle/>
+            <a:p>
+              <a:pPr algn="ctr"/>
+              <a:endParaRPr lang="fr-FR" b="1"/>
+            </a:p>
+          </p:txBody>
+        </p:sp>
+        <p:sp>
+          <p:nvSpPr>
+            <p:cNvPr id="37" name="Hexagone 36">
+              <a:extLst>
+                <a:ext uri="{FF2B5EF4-FFF2-40B4-BE49-F238E27FC236}">
+                  <a16:creationId xmlns:a16="http://schemas.microsoft.com/office/drawing/2014/main" id="{C9BD25B5-1387-403D-B65B-12FC2F5719F5}"/>
+                </a:ext>
+              </a:extLst>
+            </p:cNvPr>
+            <p:cNvSpPr/>
+            <p:nvPr/>
+          </p:nvSpPr>
+          <p:spPr>
+            <a:xfrm rot="805270">
+              <a:off x="4524581" y="5513029"/>
+              <a:ext cx="1060450" cy="914180"/>
+            </a:xfrm>
+            <a:prstGeom prst="hexagon">
+              <a:avLst>
+                <a:gd name="adj" fmla="val 28750"/>
+                <a:gd name="vf" fmla="val 115470"/>
+              </a:avLst>
+            </a:prstGeom>
+          </p:spPr>
+          <p:style>
+            <a:lnRef idx="2">
+              <a:schemeClr val="accent4">
+                <a:shade val="50000"/>
+              </a:schemeClr>
+            </a:lnRef>
+            <a:fillRef idx="1">
+              <a:schemeClr val="accent4"/>
+            </a:fillRef>
+            <a:effectRef idx="0">
+              <a:schemeClr val="accent4"/>
+            </a:effectRef>
+            <a:fontRef idx="minor">
+              <a:schemeClr val="lt1"/>
+            </a:fontRef>
+          </p:style>
+          <p:txBody>
+            <a:bodyPr rtlCol="0" anchor="ctr"/>
+            <a:lstStyle/>
+            <a:p>
+              <a:pPr algn="ctr"/>
+              <a:endParaRPr lang="fr-FR" b="1"/>
+            </a:p>
+          </p:txBody>
+        </p:sp>
+        <p:sp>
+          <p:nvSpPr>
+            <p:cNvPr id="38" name="Hexagone 37">
+              <a:extLst>
+                <a:ext uri="{FF2B5EF4-FFF2-40B4-BE49-F238E27FC236}">
+                  <a16:creationId xmlns:a16="http://schemas.microsoft.com/office/drawing/2014/main" id="{3B4864C7-C61A-41B4-B939-ADF0D924C46A}"/>
+                </a:ext>
+              </a:extLst>
+            </p:cNvPr>
+            <p:cNvSpPr/>
+            <p:nvPr/>
+          </p:nvSpPr>
+          <p:spPr>
+            <a:xfrm rot="805270">
+              <a:off x="3831337" y="4864521"/>
+              <a:ext cx="1060450" cy="914180"/>
+            </a:xfrm>
+            <a:prstGeom prst="hexagon">
+              <a:avLst>
+                <a:gd name="adj" fmla="val 28750"/>
+                <a:gd name="vf" fmla="val 115470"/>
+              </a:avLst>
+            </a:prstGeom>
+          </p:spPr>
+          <p:style>
+            <a:lnRef idx="2">
+              <a:schemeClr val="accent4">
+                <a:shade val="50000"/>
+              </a:schemeClr>
+            </a:lnRef>
+            <a:fillRef idx="1">
+              <a:schemeClr val="accent4"/>
+            </a:fillRef>
+            <a:effectRef idx="0">
+              <a:schemeClr val="accent4"/>
+            </a:effectRef>
+            <a:fontRef idx="minor">
+              <a:schemeClr val="lt1"/>
+            </a:fontRef>
+          </p:style>
+          <p:txBody>
+            <a:bodyPr rtlCol="0" anchor="ctr"/>
+            <a:lstStyle/>
+            <a:p>
+              <a:pPr algn="ctr"/>
+              <a:endParaRPr lang="fr-FR" b="1"/>
+            </a:p>
+          </p:txBody>
+        </p:sp>
+        <p:sp>
+          <p:nvSpPr>
+            <p:cNvPr id="39" name="Hexagone 38">
+              <a:extLst>
+                <a:ext uri="{FF2B5EF4-FFF2-40B4-BE49-F238E27FC236}">
+                  <a16:creationId xmlns:a16="http://schemas.microsoft.com/office/drawing/2014/main" id="{64A8737A-B203-46FD-B62E-DDAE916B6DD2}"/>
+                </a:ext>
+              </a:extLst>
+            </p:cNvPr>
+            <p:cNvSpPr/>
+            <p:nvPr/>
+          </p:nvSpPr>
+          <p:spPr>
+            <a:xfrm rot="805270">
+              <a:off x="3133240" y="4212330"/>
+              <a:ext cx="1060450" cy="914180"/>
+            </a:xfrm>
+            <a:prstGeom prst="hexagon">
+              <a:avLst>
+                <a:gd name="adj" fmla="val 28750"/>
+                <a:gd name="vf" fmla="val 115470"/>
+              </a:avLst>
+            </a:prstGeom>
+          </p:spPr>
+          <p:style>
+            <a:lnRef idx="2">
+              <a:schemeClr val="accent4">
+                <a:shade val="50000"/>
+              </a:schemeClr>
+            </a:lnRef>
+            <a:fillRef idx="1">
+              <a:schemeClr val="accent4"/>
+            </a:fillRef>
+            <a:effectRef idx="0">
+              <a:schemeClr val="accent4"/>
+            </a:effectRef>
+            <a:fontRef idx="minor">
+              <a:schemeClr val="lt1"/>
+            </a:fontRef>
+          </p:style>
+          <p:txBody>
+            <a:bodyPr rtlCol="0" anchor="ctr"/>
+            <a:lstStyle/>
+            <a:p>
+              <a:pPr algn="ctr"/>
+              <a:endParaRPr lang="fr-FR" b="1"/>
+            </a:p>
+          </p:txBody>
+        </p:sp>
+        <p:sp>
+          <p:nvSpPr>
+            <p:cNvPr id="40" name="Hexagone 39">
+              <a:extLst>
+                <a:ext uri="{FF2B5EF4-FFF2-40B4-BE49-F238E27FC236}">
+                  <a16:creationId xmlns:a16="http://schemas.microsoft.com/office/drawing/2014/main" id="{4A249E4A-56F4-48C7-8072-6CFC604BBEC2}"/>
+                </a:ext>
+              </a:extLst>
+            </p:cNvPr>
+            <p:cNvSpPr/>
+            <p:nvPr/>
+          </p:nvSpPr>
+          <p:spPr>
+            <a:xfrm rot="805270">
+              <a:off x="2446674" y="3550581"/>
+              <a:ext cx="1060450" cy="914180"/>
+            </a:xfrm>
+            <a:prstGeom prst="hexagon">
+              <a:avLst>
+                <a:gd name="adj" fmla="val 28750"/>
+                <a:gd name="vf" fmla="val 115470"/>
+              </a:avLst>
+            </a:prstGeom>
+          </p:spPr>
+          <p:style>
+            <a:lnRef idx="2">
+              <a:schemeClr val="accent4">
+                <a:shade val="50000"/>
+              </a:schemeClr>
+            </a:lnRef>
+            <a:fillRef idx="1">
+              <a:schemeClr val="accent4"/>
+            </a:fillRef>
+            <a:effectRef idx="0">
+              <a:schemeClr val="accent4"/>
+            </a:effectRef>
+            <a:fontRef idx="minor">
+              <a:schemeClr val="lt1"/>
+            </a:fontRef>
+          </p:style>
+          <p:txBody>
+            <a:bodyPr rtlCol="0" anchor="ctr"/>
+            <a:lstStyle/>
+            <a:p>
+              <a:pPr algn="ctr"/>
+              <a:endParaRPr lang="fr-FR" b="1"/>
+            </a:p>
+          </p:txBody>
+        </p:sp>
+        <p:sp>
+          <p:nvSpPr>
+            <p:cNvPr id="41" name="Hexagone 40">
+              <a:extLst>
+                <a:ext uri="{FF2B5EF4-FFF2-40B4-BE49-F238E27FC236}">
+                  <a16:creationId xmlns:a16="http://schemas.microsoft.com/office/drawing/2014/main" id="{A61A3959-EB85-4053-9F64-B0A9A8206043}"/>
+                </a:ext>
+              </a:extLst>
+            </p:cNvPr>
+            <p:cNvSpPr/>
+            <p:nvPr/>
+          </p:nvSpPr>
+          <p:spPr>
+            <a:xfrm rot="805270">
+              <a:off x="2666291" y="2639870"/>
+              <a:ext cx="1060450" cy="914180"/>
+            </a:xfrm>
+            <a:prstGeom prst="hexagon">
+              <a:avLst>
+                <a:gd name="adj" fmla="val 28750"/>
+                <a:gd name="vf" fmla="val 115470"/>
+              </a:avLst>
+            </a:prstGeom>
+          </p:spPr>
+          <p:style>
+            <a:lnRef idx="2">
+              <a:schemeClr val="accent4">
+                <a:shade val="50000"/>
+              </a:schemeClr>
+            </a:lnRef>
+            <a:fillRef idx="1">
+              <a:schemeClr val="accent4"/>
+            </a:fillRef>
+            <a:effectRef idx="0">
+              <a:schemeClr val="accent4"/>
+            </a:effectRef>
+            <a:fontRef idx="minor">
+              <a:schemeClr val="lt1"/>
+            </a:fontRef>
+          </p:style>
+          <p:txBody>
+            <a:bodyPr rtlCol="0" anchor="ctr"/>
+            <a:lstStyle/>
+            <a:p>
+              <a:pPr algn="ctr"/>
+              <a:endParaRPr lang="fr-FR" b="1"/>
+            </a:p>
+          </p:txBody>
+        </p:sp>
+        <p:sp>
+          <p:nvSpPr>
+            <p:cNvPr id="42" name="Hexagone 41">
+              <a:extLst>
+                <a:ext uri="{FF2B5EF4-FFF2-40B4-BE49-F238E27FC236}">
+                  <a16:creationId xmlns:a16="http://schemas.microsoft.com/office/drawing/2014/main" id="{87DF28CE-E32C-46F6-AB54-D492F5978764}"/>
+                </a:ext>
+              </a:extLst>
+            </p:cNvPr>
+            <p:cNvSpPr/>
+            <p:nvPr/>
+          </p:nvSpPr>
+          <p:spPr>
+            <a:xfrm rot="805270">
+              <a:off x="2894677" y="1733264"/>
+              <a:ext cx="1060450" cy="914180"/>
+            </a:xfrm>
+            <a:prstGeom prst="hexagon">
+              <a:avLst>
+                <a:gd name="adj" fmla="val 28750"/>
+                <a:gd name="vf" fmla="val 115470"/>
+              </a:avLst>
+            </a:prstGeom>
+          </p:spPr>
+          <p:style>
+            <a:lnRef idx="2">
+              <a:schemeClr val="accent4">
+                <a:shade val="50000"/>
+              </a:schemeClr>
+            </a:lnRef>
+            <a:fillRef idx="1">
+              <a:schemeClr val="accent4"/>
+            </a:fillRef>
+            <a:effectRef idx="0">
+              <a:schemeClr val="accent4"/>
+            </a:effectRef>
+            <a:fontRef idx="minor">
+              <a:schemeClr val="lt1"/>
+            </a:fontRef>
+          </p:style>
+          <p:txBody>
+            <a:bodyPr rtlCol="0" anchor="ctr"/>
+            <a:lstStyle/>
+            <a:p>
+              <a:pPr algn="ctr"/>
+              <a:endParaRPr lang="fr-FR" b="1"/>
+            </a:p>
+          </p:txBody>
+        </p:sp>
+        <p:sp>
+          <p:nvSpPr>
+            <p:cNvPr id="43" name="Hexagone 42">
+              <a:extLst>
+                <a:ext uri="{FF2B5EF4-FFF2-40B4-BE49-F238E27FC236}">
+                  <a16:creationId xmlns:a16="http://schemas.microsoft.com/office/drawing/2014/main" id="{B978C3F0-80EF-4476-8535-AD6157E3E9CD}"/>
+                </a:ext>
+              </a:extLst>
+            </p:cNvPr>
+            <p:cNvSpPr/>
+            <p:nvPr/>
+          </p:nvSpPr>
+          <p:spPr>
+            <a:xfrm rot="805270">
+              <a:off x="3108596" y="811029"/>
+              <a:ext cx="1060450" cy="914180"/>
+            </a:xfrm>
+            <a:prstGeom prst="hexagon">
+              <a:avLst>
+                <a:gd name="adj" fmla="val 28750"/>
+                <a:gd name="vf" fmla="val 115470"/>
+              </a:avLst>
+            </a:prstGeom>
+          </p:spPr>
+          <p:style>
+            <a:lnRef idx="2">
+              <a:schemeClr val="accent4">
+                <a:shade val="50000"/>
+              </a:schemeClr>
+            </a:lnRef>
+            <a:fillRef idx="1">
+              <a:schemeClr val="accent4"/>
+            </a:fillRef>
+            <a:effectRef idx="0">
+              <a:schemeClr val="accent4"/>
+            </a:effectRef>
+            <a:fontRef idx="minor">
+              <a:schemeClr val="lt1"/>
+            </a:fontRef>
+          </p:style>
+          <p:txBody>
+            <a:bodyPr rtlCol="0" anchor="ctr"/>
+            <a:lstStyle/>
+            <a:p>
+              <a:pPr algn="ctr"/>
+              <a:endParaRPr lang="fr-FR" b="1"/>
+            </a:p>
+          </p:txBody>
+        </p:sp>
+      </p:grpSp>
+      <p:sp>
+        <p:nvSpPr>
+          <p:cNvPr id="45" name="Hexagone 44">
+            <a:extLst>
+              <a:ext uri="{FF2B5EF4-FFF2-40B4-BE49-F238E27FC236}">
+                <a16:creationId xmlns:a16="http://schemas.microsoft.com/office/drawing/2014/main" id="{C581C272-2BB4-4ACB-A948-11C7CA9478D4}"/>
+              </a:ext>
+            </a:extLst>
+          </p:cNvPr>
+          <p:cNvSpPr/>
+          <p:nvPr/>
+        </p:nvSpPr>
+        <p:spPr>
+          <a:xfrm rot="805270">
+            <a:off x="7780319" y="566569"/>
+            <a:ext cx="311888" cy="268868"/>
+          </a:xfrm>
+          <a:prstGeom prst="hexagon">
+            <a:avLst>
+              <a:gd name="adj" fmla="val 28750"/>
+              <a:gd name="vf" fmla="val 115470"/>
+            </a:avLst>
+          </a:prstGeom>
+        </p:spPr>
+        <p:style>
+          <a:lnRef idx="2">
+            <a:schemeClr val="accent4">
+              <a:shade val="50000"/>
+            </a:schemeClr>
+          </a:lnRef>
+          <a:fillRef idx="1">
+            <a:schemeClr val="accent4"/>
+          </a:fillRef>
+          <a:effectRef idx="0">
+            <a:schemeClr val="accent4"/>
+          </a:effectRef>
+          <a:fontRef idx="minor">
+            <a:schemeClr val="lt1"/>
+          </a:fontRef>
+        </p:style>
+        <p:txBody>
+          <a:bodyPr rtlCol="0" anchor="ctr"/>
+          <a:lstStyle/>
+          <a:p>
+            <a:pPr algn="ctr"/>
+            <a:endParaRPr lang="fr-FR" b="1"/>
+          </a:p>
+        </p:txBody>
+      </p:sp>
+      <p:sp>
+        <p:nvSpPr>
+          <p:cNvPr id="46" name="Hexagone 45">
+            <a:extLst>
+              <a:ext uri="{FF2B5EF4-FFF2-40B4-BE49-F238E27FC236}">
+                <a16:creationId xmlns:a16="http://schemas.microsoft.com/office/drawing/2014/main" id="{7F7A4D1B-7B07-4152-BE82-4E15AC8AA395}"/>
+              </a:ext>
+            </a:extLst>
+          </p:cNvPr>
+          <p:cNvSpPr/>
+          <p:nvPr/>
+        </p:nvSpPr>
+        <p:spPr>
+          <a:xfrm rot="805270">
+            <a:off x="7780318" y="942523"/>
+            <a:ext cx="311888" cy="268868"/>
+          </a:xfrm>
+          <a:prstGeom prst="hexagon">
+            <a:avLst>
+              <a:gd name="adj" fmla="val 28750"/>
+              <a:gd name="vf" fmla="val 115470"/>
+            </a:avLst>
+          </a:prstGeom>
+        </p:spPr>
+        <p:style>
+          <a:lnRef idx="2">
+            <a:schemeClr val="accent2">
+              <a:shade val="50000"/>
+            </a:schemeClr>
+          </a:lnRef>
+          <a:fillRef idx="1">
+            <a:schemeClr val="accent2"/>
+          </a:fillRef>
+          <a:effectRef idx="0">
+            <a:schemeClr val="accent2"/>
+          </a:effectRef>
+          <a:fontRef idx="minor">
+            <a:schemeClr val="lt1"/>
+          </a:fontRef>
+        </p:style>
+        <p:txBody>
+          <a:bodyPr rtlCol="0" anchor="ctr"/>
+          <a:lstStyle/>
+          <a:p>
+            <a:pPr algn="ctr"/>
+            <a:endParaRPr lang="fr-FR" b="1"/>
+          </a:p>
+        </p:txBody>
+      </p:sp>
+      <p:sp>
+        <p:nvSpPr>
+          <p:cNvPr id="47" name="Hexagone 46">
+            <a:extLst>
+              <a:ext uri="{FF2B5EF4-FFF2-40B4-BE49-F238E27FC236}">
+                <a16:creationId xmlns:a16="http://schemas.microsoft.com/office/drawing/2014/main" id="{8DF446EA-E803-4CE9-8427-45694B83D36A}"/>
+              </a:ext>
+            </a:extLst>
+          </p:cNvPr>
+          <p:cNvSpPr/>
+          <p:nvPr/>
+        </p:nvSpPr>
+        <p:spPr>
+          <a:xfrm rot="805270">
+            <a:off x="7780318" y="1302712"/>
+            <a:ext cx="311888" cy="268868"/>
+          </a:xfrm>
+          <a:prstGeom prst="hexagon">
+            <a:avLst>
+              <a:gd name="adj" fmla="val 28750"/>
+              <a:gd name="vf" fmla="val 115470"/>
+            </a:avLst>
+          </a:prstGeom>
+          <a:solidFill>
+            <a:srgbClr val="C00000"/>
+          </a:solidFill>
+          <a:ln>
+            <a:solidFill>
+              <a:srgbClr val="6C0000"/>
+            </a:solidFill>
+          </a:ln>
+        </p:spPr>
+        <p:style>
+          <a:lnRef idx="2">
+            <a:schemeClr val="accent2">
+              <a:shade val="50000"/>
+            </a:schemeClr>
+          </a:lnRef>
+          <a:fillRef idx="1">
+            <a:schemeClr val="accent2"/>
+          </a:fillRef>
+          <a:effectRef idx="0">
+            <a:schemeClr val="accent2"/>
+          </a:effectRef>
+          <a:fontRef idx="minor">
+            <a:schemeClr val="lt1"/>
+          </a:fontRef>
+        </p:style>
+        <p:txBody>
+          <a:bodyPr rtlCol="0" anchor="ctr"/>
+          <a:lstStyle/>
+          <a:p>
+            <a:pPr algn="ctr"/>
+            <a:endParaRPr lang="fr-FR" b="1"/>
+          </a:p>
+        </p:txBody>
+      </p:sp>
+      <p:sp>
+        <p:nvSpPr>
+          <p:cNvPr id="48" name="Hexagone 47">
+            <a:extLst>
+              <a:ext uri="{FF2B5EF4-FFF2-40B4-BE49-F238E27FC236}">
+                <a16:creationId xmlns:a16="http://schemas.microsoft.com/office/drawing/2014/main" id="{9A4E53E7-97A3-40A7-9B31-4CEBAADECC4C}"/>
+              </a:ext>
+            </a:extLst>
+          </p:cNvPr>
+          <p:cNvSpPr/>
+          <p:nvPr/>
+        </p:nvSpPr>
+        <p:spPr>
+          <a:xfrm rot="805270">
+            <a:off x="7780318" y="1662901"/>
+            <a:ext cx="311888" cy="268868"/>
+          </a:xfrm>
+          <a:prstGeom prst="hexagon">
+            <a:avLst>
+              <a:gd name="adj" fmla="val 28750"/>
+              <a:gd name="vf" fmla="val 115470"/>
+            </a:avLst>
+          </a:prstGeom>
+        </p:spPr>
+        <p:style>
+          <a:lnRef idx="2">
+            <a:schemeClr val="accent6">
+              <a:shade val="50000"/>
+            </a:schemeClr>
+          </a:lnRef>
+          <a:fillRef idx="1">
+            <a:schemeClr val="accent6"/>
+          </a:fillRef>
+          <a:effectRef idx="0">
+            <a:schemeClr val="accent6"/>
+          </a:effectRef>
+          <a:fontRef idx="minor">
+            <a:schemeClr val="lt1"/>
+          </a:fontRef>
+        </p:style>
+        <p:txBody>
+          <a:bodyPr rtlCol="0" anchor="ctr"/>
+          <a:lstStyle/>
+          <a:p>
+            <a:pPr algn="ctr"/>
+            <a:endParaRPr lang="fr-FR" b="1"/>
+          </a:p>
+        </p:txBody>
+      </p:sp>
+      <p:sp>
+        <p:nvSpPr>
+          <p:cNvPr id="49" name="Ellipse 48">
+            <a:extLst>
+              <a:ext uri="{FF2B5EF4-FFF2-40B4-BE49-F238E27FC236}">
+                <a16:creationId xmlns:a16="http://schemas.microsoft.com/office/drawing/2014/main" id="{00AE805D-7F61-4413-9C68-68555E3A6F89}"/>
+              </a:ext>
+            </a:extLst>
+          </p:cNvPr>
+          <p:cNvSpPr/>
+          <p:nvPr/>
+        </p:nvSpPr>
+        <p:spPr>
+          <a:xfrm>
+            <a:off x="3724244" y="3072921"/>
+            <a:ext cx="151766" cy="151766"/>
+          </a:xfrm>
+          <a:prstGeom prst="ellipse">
+            <a:avLst/>
+          </a:prstGeom>
+        </p:spPr>
+        <p:style>
+          <a:lnRef idx="2">
+            <a:schemeClr val="dk1">
+              <a:shade val="50000"/>
+            </a:schemeClr>
+          </a:lnRef>
+          <a:fillRef idx="1">
+            <a:schemeClr val="dk1"/>
+          </a:fillRef>
+          <a:effectRef idx="0">
+            <a:schemeClr val="dk1"/>
+          </a:effectRef>
+          <a:fontRef idx="minor">
+            <a:schemeClr val="lt1"/>
+          </a:fontRef>
+        </p:style>
+        <p:txBody>
+          <a:bodyPr rtlCol="0" anchor="ctr"/>
+          <a:lstStyle/>
+          <a:p>
+            <a:pPr algn="ctr"/>
+            <a:endParaRPr lang="fr-FR"/>
+          </a:p>
+        </p:txBody>
+      </p:sp>
+      <p:sp>
+        <p:nvSpPr>
+          <p:cNvPr id="50" name="Ellipse 49">
+            <a:extLst>
+              <a:ext uri="{FF2B5EF4-FFF2-40B4-BE49-F238E27FC236}">
+                <a16:creationId xmlns:a16="http://schemas.microsoft.com/office/drawing/2014/main" id="{503804A4-CDEA-4D14-9DDB-8E6FAE9A713E}"/>
+              </a:ext>
+            </a:extLst>
+          </p:cNvPr>
+          <p:cNvSpPr/>
+          <p:nvPr/>
+        </p:nvSpPr>
+        <p:spPr>
+          <a:xfrm>
+            <a:off x="3140057" y="2455397"/>
+            <a:ext cx="151766" cy="151766"/>
+          </a:xfrm>
+          <a:prstGeom prst="ellipse">
+            <a:avLst/>
+          </a:prstGeom>
+        </p:spPr>
+        <p:style>
+          <a:lnRef idx="2">
+            <a:schemeClr val="accent5">
+              <a:shade val="50000"/>
+            </a:schemeClr>
+          </a:lnRef>
+          <a:fillRef idx="1">
+            <a:schemeClr val="accent5"/>
+          </a:fillRef>
+          <a:effectRef idx="0">
+            <a:schemeClr val="accent5"/>
+          </a:effectRef>
+          <a:fontRef idx="minor">
+            <a:schemeClr val="lt1"/>
+          </a:fontRef>
+        </p:style>
+        <p:txBody>
+          <a:bodyPr rtlCol="0" anchor="ctr"/>
+          <a:lstStyle/>
+          <a:p>
+            <a:pPr algn="ctr"/>
+            <a:endParaRPr lang="fr-FR"/>
+          </a:p>
+        </p:txBody>
+      </p:sp>
+      <p:sp>
+        <p:nvSpPr>
+          <p:cNvPr id="51" name="Ellipse 50">
+            <a:extLst>
+              <a:ext uri="{FF2B5EF4-FFF2-40B4-BE49-F238E27FC236}">
+                <a16:creationId xmlns:a16="http://schemas.microsoft.com/office/drawing/2014/main" id="{E0539338-7F61-4568-8C1E-8963960BED63}"/>
+              </a:ext>
+            </a:extLst>
+          </p:cNvPr>
+          <p:cNvSpPr/>
+          <p:nvPr/>
+        </p:nvSpPr>
+        <p:spPr>
+          <a:xfrm>
+            <a:off x="3515471" y="3527343"/>
+            <a:ext cx="151766" cy="151766"/>
+          </a:xfrm>
+          <a:prstGeom prst="ellipse">
+            <a:avLst/>
+          </a:prstGeom>
+        </p:spPr>
+        <p:style>
+          <a:lnRef idx="2">
+            <a:schemeClr val="accent5">
+              <a:shade val="50000"/>
+            </a:schemeClr>
+          </a:lnRef>
+          <a:fillRef idx="1">
+            <a:schemeClr val="accent5"/>
+          </a:fillRef>
+          <a:effectRef idx="0">
+            <a:schemeClr val="accent5"/>
+          </a:effectRef>
+          <a:fontRef idx="minor">
+            <a:schemeClr val="lt1"/>
+          </a:fontRef>
+        </p:style>
+        <p:txBody>
+          <a:bodyPr rtlCol="0" anchor="ctr"/>
+          <a:lstStyle/>
+          <a:p>
+            <a:pPr algn="ctr"/>
+            <a:endParaRPr lang="fr-FR"/>
+          </a:p>
+        </p:txBody>
+      </p:sp>
+      <p:sp>
+        <p:nvSpPr>
+          <p:cNvPr id="52" name="Ellipse 51">
+            <a:extLst>
+              <a:ext uri="{FF2B5EF4-FFF2-40B4-BE49-F238E27FC236}">
+                <a16:creationId xmlns:a16="http://schemas.microsoft.com/office/drawing/2014/main" id="{23952AAB-54F1-4624-8A6E-D47ED848A697}"/>
+              </a:ext>
+            </a:extLst>
+          </p:cNvPr>
+          <p:cNvSpPr/>
+          <p:nvPr/>
+        </p:nvSpPr>
+        <p:spPr>
+          <a:xfrm>
+            <a:off x="3558763" y="2932811"/>
+            <a:ext cx="151766" cy="151766"/>
+          </a:xfrm>
+          <a:prstGeom prst="ellipse">
+            <a:avLst/>
+          </a:prstGeom>
+        </p:spPr>
+        <p:style>
+          <a:lnRef idx="2">
+            <a:schemeClr val="accent5">
+              <a:shade val="50000"/>
+            </a:schemeClr>
+          </a:lnRef>
+          <a:fillRef idx="1">
+            <a:schemeClr val="accent5"/>
+          </a:fillRef>
+          <a:effectRef idx="0">
+            <a:schemeClr val="accent5"/>
+          </a:effectRef>
+          <a:fontRef idx="minor">
+            <a:schemeClr val="lt1"/>
+          </a:fontRef>
+        </p:style>
+        <p:txBody>
+          <a:bodyPr rtlCol="0" anchor="ctr"/>
+          <a:lstStyle/>
+          <a:p>
+            <a:pPr algn="ctr"/>
+            <a:endParaRPr lang="fr-FR"/>
+          </a:p>
+        </p:txBody>
+      </p:sp>
+      <p:sp>
+        <p:nvSpPr>
+          <p:cNvPr id="53" name="Ellipse 52">
+            <a:extLst>
+              <a:ext uri="{FF2B5EF4-FFF2-40B4-BE49-F238E27FC236}">
+                <a16:creationId xmlns:a16="http://schemas.microsoft.com/office/drawing/2014/main" id="{6D2C4578-4DE5-46AC-B582-77509DE6BD7C}"/>
+              </a:ext>
+            </a:extLst>
+          </p:cNvPr>
+          <p:cNvSpPr/>
+          <p:nvPr/>
+        </p:nvSpPr>
+        <p:spPr>
+          <a:xfrm>
+            <a:off x="4700573" y="3079306"/>
+            <a:ext cx="151766" cy="151766"/>
+          </a:xfrm>
+          <a:prstGeom prst="ellipse">
+            <a:avLst/>
+          </a:prstGeom>
+        </p:spPr>
+        <p:style>
+          <a:lnRef idx="2">
+            <a:schemeClr val="accent5">
+              <a:shade val="50000"/>
+            </a:schemeClr>
+          </a:lnRef>
+          <a:fillRef idx="1">
+            <a:schemeClr val="accent5"/>
+          </a:fillRef>
+          <a:effectRef idx="0">
+            <a:schemeClr val="accent5"/>
+          </a:effectRef>
+          <a:fontRef idx="minor">
+            <a:schemeClr val="lt1"/>
+          </a:fontRef>
+        </p:style>
+        <p:txBody>
+          <a:bodyPr rtlCol="0" anchor="ctr"/>
+          <a:lstStyle/>
+          <a:p>
+            <a:pPr algn="ctr"/>
+            <a:endParaRPr lang="fr-FR"/>
+          </a:p>
+        </p:txBody>
+      </p:sp>
+      <p:sp>
+        <p:nvSpPr>
+          <p:cNvPr id="54" name="Ellipse 53">
+            <a:extLst>
+              <a:ext uri="{FF2B5EF4-FFF2-40B4-BE49-F238E27FC236}">
+                <a16:creationId xmlns:a16="http://schemas.microsoft.com/office/drawing/2014/main" id="{8E9CAE26-A02A-4E34-8824-BB6AB6B597E5}"/>
+              </a:ext>
+            </a:extLst>
+          </p:cNvPr>
+          <p:cNvSpPr/>
+          <p:nvPr/>
+        </p:nvSpPr>
+        <p:spPr>
+          <a:xfrm>
+            <a:off x="3885173" y="3519975"/>
+            <a:ext cx="151766" cy="151766"/>
+          </a:xfrm>
+          <a:prstGeom prst="ellipse">
+            <a:avLst/>
+          </a:prstGeom>
+        </p:spPr>
+        <p:style>
+          <a:lnRef idx="2">
+            <a:schemeClr val="accent5">
+              <a:shade val="50000"/>
+            </a:schemeClr>
+          </a:lnRef>
+          <a:fillRef idx="1">
+            <a:schemeClr val="accent5"/>
+          </a:fillRef>
+          <a:effectRef idx="0">
+            <a:schemeClr val="accent5"/>
+          </a:effectRef>
+          <a:fontRef idx="minor">
+            <a:schemeClr val="lt1"/>
+          </a:fontRef>
+        </p:style>
+        <p:txBody>
+          <a:bodyPr rtlCol="0" anchor="ctr"/>
+          <a:lstStyle/>
+          <a:p>
+            <a:pPr algn="ctr"/>
+            <a:endParaRPr lang="fr-FR"/>
+          </a:p>
+        </p:txBody>
+      </p:sp>
+      <p:sp>
+        <p:nvSpPr>
+          <p:cNvPr id="55" name="Ellipse 54">
+            <a:extLst>
+              <a:ext uri="{FF2B5EF4-FFF2-40B4-BE49-F238E27FC236}">
+                <a16:creationId xmlns:a16="http://schemas.microsoft.com/office/drawing/2014/main" id="{6D974F18-8C7B-4A5F-906B-8B0D8BCCEF7E}"/>
+              </a:ext>
+            </a:extLst>
+          </p:cNvPr>
+          <p:cNvSpPr/>
+          <p:nvPr/>
+        </p:nvSpPr>
+        <p:spPr>
+          <a:xfrm>
+            <a:off x="3764459" y="3385524"/>
+            <a:ext cx="151766" cy="151766"/>
+          </a:xfrm>
+          <a:prstGeom prst="ellipse">
+            <a:avLst/>
+          </a:prstGeom>
+        </p:spPr>
+        <p:style>
+          <a:lnRef idx="2">
+            <a:schemeClr val="accent5">
+              <a:shade val="50000"/>
+            </a:schemeClr>
+          </a:lnRef>
+          <a:fillRef idx="1">
+            <a:schemeClr val="accent5"/>
+          </a:fillRef>
+          <a:effectRef idx="0">
+            <a:schemeClr val="accent5"/>
+          </a:effectRef>
+          <a:fontRef idx="minor">
+            <a:schemeClr val="lt1"/>
+          </a:fontRef>
+        </p:style>
+        <p:txBody>
+          <a:bodyPr rtlCol="0" anchor="ctr"/>
+          <a:lstStyle/>
+          <a:p>
+            <a:pPr algn="ctr"/>
+            <a:endParaRPr lang="fr-FR"/>
+          </a:p>
+        </p:txBody>
+      </p:sp>
+      <p:sp>
+        <p:nvSpPr>
+          <p:cNvPr id="56" name="Ellipse 55">
+            <a:extLst>
+              <a:ext uri="{FF2B5EF4-FFF2-40B4-BE49-F238E27FC236}">
+                <a16:creationId xmlns:a16="http://schemas.microsoft.com/office/drawing/2014/main" id="{FE037CAC-2EAB-4444-BBC3-A86AADD9A211}"/>
+              </a:ext>
+            </a:extLst>
+          </p:cNvPr>
+          <p:cNvSpPr/>
+          <p:nvPr/>
+        </p:nvSpPr>
+        <p:spPr>
+          <a:xfrm>
+            <a:off x="2815076" y="3592829"/>
+            <a:ext cx="151766" cy="151766"/>
+          </a:xfrm>
+          <a:prstGeom prst="ellipse">
+            <a:avLst/>
+          </a:prstGeom>
+        </p:spPr>
+        <p:style>
+          <a:lnRef idx="2">
+            <a:schemeClr val="accent5">
+              <a:shade val="50000"/>
+            </a:schemeClr>
+          </a:lnRef>
+          <a:fillRef idx="1">
+            <a:schemeClr val="accent5"/>
+          </a:fillRef>
+          <a:effectRef idx="0">
+            <a:schemeClr val="accent5"/>
+          </a:effectRef>
+          <a:fontRef idx="minor">
+            <a:schemeClr val="lt1"/>
+          </a:fontRef>
+        </p:style>
+        <p:txBody>
+          <a:bodyPr rtlCol="0" anchor="ctr"/>
+          <a:lstStyle/>
+          <a:p>
+            <a:pPr algn="ctr"/>
+            <a:endParaRPr lang="fr-FR"/>
+          </a:p>
+        </p:txBody>
+      </p:sp>
+      <p:sp>
+        <p:nvSpPr>
+          <p:cNvPr id="57" name="Ellipse 56">
+            <a:extLst>
+              <a:ext uri="{FF2B5EF4-FFF2-40B4-BE49-F238E27FC236}">
+                <a16:creationId xmlns:a16="http://schemas.microsoft.com/office/drawing/2014/main" id="{A194471F-9A6D-45B3-81B5-B629B837A80B}"/>
+              </a:ext>
+            </a:extLst>
+          </p:cNvPr>
+          <p:cNvSpPr/>
+          <p:nvPr/>
+        </p:nvSpPr>
+        <p:spPr>
+          <a:xfrm>
+            <a:off x="1865693" y="3800134"/>
+            <a:ext cx="151766" cy="151766"/>
+          </a:xfrm>
+          <a:prstGeom prst="ellipse">
+            <a:avLst/>
+          </a:prstGeom>
+        </p:spPr>
+        <p:style>
+          <a:lnRef idx="2">
+            <a:schemeClr val="accent5">
+              <a:shade val="50000"/>
+            </a:schemeClr>
+          </a:lnRef>
+          <a:fillRef idx="1">
+            <a:schemeClr val="accent5"/>
+          </a:fillRef>
+          <a:effectRef idx="0">
+            <a:schemeClr val="accent5"/>
+          </a:effectRef>
+          <a:fontRef idx="minor">
+            <a:schemeClr val="lt1"/>
+          </a:fontRef>
+        </p:style>
+        <p:txBody>
+          <a:bodyPr rtlCol="0" anchor="ctr"/>
+          <a:lstStyle/>
+          <a:p>
+            <a:pPr algn="ctr"/>
+            <a:endParaRPr lang="fr-FR"/>
+          </a:p>
+        </p:txBody>
+      </p:sp>
+      <p:sp>
+        <p:nvSpPr>
+          <p:cNvPr id="58" name="Ellipse 57">
+            <a:extLst>
+              <a:ext uri="{FF2B5EF4-FFF2-40B4-BE49-F238E27FC236}">
+                <a16:creationId xmlns:a16="http://schemas.microsoft.com/office/drawing/2014/main" id="{2E28EB73-1921-4925-842F-B47D457C9501}"/>
+              </a:ext>
+            </a:extLst>
+          </p:cNvPr>
+          <p:cNvSpPr/>
+          <p:nvPr/>
+        </p:nvSpPr>
+        <p:spPr>
+          <a:xfrm>
+            <a:off x="1352507" y="2175957"/>
+            <a:ext cx="151766" cy="151766"/>
+          </a:xfrm>
+          <a:prstGeom prst="ellipse">
+            <a:avLst/>
+          </a:prstGeom>
+        </p:spPr>
+        <p:style>
+          <a:lnRef idx="2">
+            <a:schemeClr val="accent5">
+              <a:shade val="50000"/>
+            </a:schemeClr>
+          </a:lnRef>
+          <a:fillRef idx="1">
+            <a:schemeClr val="accent5"/>
+          </a:fillRef>
+          <a:effectRef idx="0">
+            <a:schemeClr val="accent5"/>
+          </a:effectRef>
+          <a:fontRef idx="minor">
+            <a:schemeClr val="lt1"/>
+          </a:fontRef>
+        </p:style>
+        <p:txBody>
+          <a:bodyPr rtlCol="0" anchor="ctr"/>
+          <a:lstStyle/>
+          <a:p>
+            <a:pPr algn="ctr"/>
+            <a:endParaRPr lang="fr-FR"/>
+          </a:p>
+        </p:txBody>
+      </p:sp>
+      <p:sp>
+        <p:nvSpPr>
+          <p:cNvPr id="59" name="Ellipse 58">
+            <a:extLst>
+              <a:ext uri="{FF2B5EF4-FFF2-40B4-BE49-F238E27FC236}">
+                <a16:creationId xmlns:a16="http://schemas.microsoft.com/office/drawing/2014/main" id="{6C721DC4-D46A-492D-99FC-DA59E5361F91}"/>
+              </a:ext>
+            </a:extLst>
+          </p:cNvPr>
+          <p:cNvSpPr/>
+          <p:nvPr/>
+        </p:nvSpPr>
+        <p:spPr>
+          <a:xfrm>
+            <a:off x="2492101" y="2145160"/>
+            <a:ext cx="151766" cy="151766"/>
+          </a:xfrm>
+          <a:prstGeom prst="ellipse">
+            <a:avLst/>
+          </a:prstGeom>
+        </p:spPr>
+        <p:style>
+          <a:lnRef idx="2">
+            <a:schemeClr val="accent5">
+              <a:shade val="50000"/>
+            </a:schemeClr>
+          </a:lnRef>
+          <a:fillRef idx="1">
+            <a:schemeClr val="accent5"/>
+          </a:fillRef>
+          <a:effectRef idx="0">
+            <a:schemeClr val="accent5"/>
+          </a:effectRef>
+          <a:fontRef idx="minor">
+            <a:schemeClr val="lt1"/>
+          </a:fontRef>
+        </p:style>
+        <p:txBody>
+          <a:bodyPr rtlCol="0" anchor="ctr"/>
+          <a:lstStyle/>
+          <a:p>
+            <a:pPr algn="ctr"/>
+            <a:endParaRPr lang="fr-FR"/>
+          </a:p>
+        </p:txBody>
+      </p:sp>
+      <p:sp>
+        <p:nvSpPr>
+          <p:cNvPr id="60" name="Ellipse 59">
+            <a:extLst>
+              <a:ext uri="{FF2B5EF4-FFF2-40B4-BE49-F238E27FC236}">
+                <a16:creationId xmlns:a16="http://schemas.microsoft.com/office/drawing/2014/main" id="{45234645-5D15-49C7-BFA1-F447B7F59F3F}"/>
+              </a:ext>
+            </a:extLst>
+          </p:cNvPr>
+          <p:cNvSpPr/>
+          <p:nvPr/>
+        </p:nvSpPr>
+        <p:spPr>
+          <a:xfrm>
+            <a:off x="4036939" y="1325086"/>
+            <a:ext cx="151766" cy="151766"/>
+          </a:xfrm>
+          <a:prstGeom prst="ellipse">
+            <a:avLst/>
+          </a:prstGeom>
+        </p:spPr>
+        <p:style>
+          <a:lnRef idx="2">
+            <a:schemeClr val="accent5">
+              <a:shade val="50000"/>
+            </a:schemeClr>
+          </a:lnRef>
+          <a:fillRef idx="1">
+            <a:schemeClr val="accent5"/>
+          </a:fillRef>
+          <a:effectRef idx="0">
+            <a:schemeClr val="accent5"/>
+          </a:effectRef>
+          <a:fontRef idx="minor">
+            <a:schemeClr val="lt1"/>
+          </a:fontRef>
+        </p:style>
+        <p:txBody>
+          <a:bodyPr rtlCol="0" anchor="ctr"/>
+          <a:lstStyle/>
+          <a:p>
+            <a:pPr algn="ctr"/>
+            <a:endParaRPr lang="fr-FR"/>
+          </a:p>
+        </p:txBody>
+      </p:sp>
+      <p:sp>
+        <p:nvSpPr>
+          <p:cNvPr id="61" name="Ellipse 60">
+            <a:extLst>
+              <a:ext uri="{FF2B5EF4-FFF2-40B4-BE49-F238E27FC236}">
+                <a16:creationId xmlns:a16="http://schemas.microsoft.com/office/drawing/2014/main" id="{E77885AD-6CC9-4258-BC9C-2BFA4D7D5B5F}"/>
+              </a:ext>
+            </a:extLst>
+          </p:cNvPr>
+          <p:cNvSpPr/>
+          <p:nvPr/>
+        </p:nvSpPr>
+        <p:spPr>
+          <a:xfrm>
+            <a:off x="5585320" y="1699562"/>
+            <a:ext cx="151766" cy="151766"/>
+          </a:xfrm>
+          <a:prstGeom prst="ellipse">
+            <a:avLst/>
+          </a:prstGeom>
+        </p:spPr>
+        <p:style>
+          <a:lnRef idx="2">
+            <a:schemeClr val="accent5">
+              <a:shade val="50000"/>
+            </a:schemeClr>
+          </a:lnRef>
+          <a:fillRef idx="1">
+            <a:schemeClr val="accent5"/>
+          </a:fillRef>
+          <a:effectRef idx="0">
+            <a:schemeClr val="accent5"/>
+          </a:effectRef>
+          <a:fontRef idx="minor">
+            <a:schemeClr val="lt1"/>
+          </a:fontRef>
+        </p:style>
+        <p:txBody>
+          <a:bodyPr rtlCol="0" anchor="ctr"/>
+          <a:lstStyle/>
+          <a:p>
+            <a:pPr algn="ctr"/>
+            <a:endParaRPr lang="fr-FR"/>
+          </a:p>
+        </p:txBody>
+      </p:sp>
+      <p:sp>
+        <p:nvSpPr>
+          <p:cNvPr id="62" name="Ellipse 61">
+            <a:extLst>
+              <a:ext uri="{FF2B5EF4-FFF2-40B4-BE49-F238E27FC236}">
+                <a16:creationId xmlns:a16="http://schemas.microsoft.com/office/drawing/2014/main" id="{80F9F772-0900-44E2-9948-FF81F7717FDD}"/>
+              </a:ext>
+            </a:extLst>
+          </p:cNvPr>
+          <p:cNvSpPr/>
+          <p:nvPr/>
+        </p:nvSpPr>
+        <p:spPr>
+          <a:xfrm>
+            <a:off x="4920761" y="2126180"/>
+            <a:ext cx="151766" cy="151766"/>
+          </a:xfrm>
+          <a:prstGeom prst="ellipse">
+            <a:avLst/>
+          </a:prstGeom>
+        </p:spPr>
+        <p:style>
+          <a:lnRef idx="2">
+            <a:schemeClr val="accent5">
+              <a:shade val="50000"/>
+            </a:schemeClr>
+          </a:lnRef>
+          <a:fillRef idx="1">
+            <a:schemeClr val="accent5"/>
+          </a:fillRef>
+          <a:effectRef idx="0">
+            <a:schemeClr val="accent5"/>
+          </a:effectRef>
+          <a:fontRef idx="minor">
+            <a:schemeClr val="lt1"/>
+          </a:fontRef>
+        </p:style>
+        <p:txBody>
+          <a:bodyPr rtlCol="0" anchor="ctr"/>
+          <a:lstStyle/>
+          <a:p>
+            <a:pPr algn="ctr"/>
+            <a:endParaRPr lang="fr-FR"/>
+          </a:p>
+        </p:txBody>
+      </p:sp>
+      <p:sp>
+        <p:nvSpPr>
+          <p:cNvPr id="63" name="Ellipse 62">
+            <a:extLst>
+              <a:ext uri="{FF2B5EF4-FFF2-40B4-BE49-F238E27FC236}">
+                <a16:creationId xmlns:a16="http://schemas.microsoft.com/office/drawing/2014/main" id="{F8F1B204-BAAA-4BBE-8905-074AC74B4EB1}"/>
+              </a:ext>
+            </a:extLst>
+          </p:cNvPr>
+          <p:cNvSpPr/>
+          <p:nvPr/>
+        </p:nvSpPr>
+        <p:spPr>
+          <a:xfrm>
+            <a:off x="4012097" y="2210634"/>
+            <a:ext cx="151766" cy="151766"/>
+          </a:xfrm>
+          <a:prstGeom prst="ellipse">
+            <a:avLst/>
+          </a:prstGeom>
+        </p:spPr>
+        <p:style>
+          <a:lnRef idx="2">
+            <a:schemeClr val="accent5">
+              <a:shade val="50000"/>
+            </a:schemeClr>
+          </a:lnRef>
+          <a:fillRef idx="1">
+            <a:schemeClr val="accent5"/>
+          </a:fillRef>
+          <a:effectRef idx="0">
+            <a:schemeClr val="accent5"/>
+          </a:effectRef>
+          <a:fontRef idx="minor">
+            <a:schemeClr val="lt1"/>
+          </a:fontRef>
+        </p:style>
+        <p:txBody>
+          <a:bodyPr rtlCol="0" anchor="ctr"/>
+          <a:lstStyle/>
+          <a:p>
+            <a:pPr algn="ctr"/>
+            <a:endParaRPr lang="fr-FR"/>
+          </a:p>
+        </p:txBody>
+      </p:sp>
+      <p:sp>
+        <p:nvSpPr>
+          <p:cNvPr id="64" name="Ellipse 63">
+            <a:extLst>
+              <a:ext uri="{FF2B5EF4-FFF2-40B4-BE49-F238E27FC236}">
+                <a16:creationId xmlns:a16="http://schemas.microsoft.com/office/drawing/2014/main" id="{87BA8037-B7C3-4091-B085-9E845611221D}"/>
+              </a:ext>
+            </a:extLst>
+          </p:cNvPr>
+          <p:cNvSpPr/>
+          <p:nvPr/>
+        </p:nvSpPr>
+        <p:spPr>
+          <a:xfrm>
+            <a:off x="3295617" y="1034653"/>
+            <a:ext cx="151766" cy="151766"/>
+          </a:xfrm>
+          <a:prstGeom prst="ellipse">
+            <a:avLst/>
+          </a:prstGeom>
+        </p:spPr>
+        <p:style>
+          <a:lnRef idx="2">
+            <a:schemeClr val="accent5">
+              <a:shade val="50000"/>
+            </a:schemeClr>
+          </a:lnRef>
+          <a:fillRef idx="1">
+            <a:schemeClr val="accent5"/>
+          </a:fillRef>
+          <a:effectRef idx="0">
+            <a:schemeClr val="accent5"/>
+          </a:effectRef>
+          <a:fontRef idx="minor">
+            <a:schemeClr val="lt1"/>
+          </a:fontRef>
+        </p:style>
+        <p:txBody>
+          <a:bodyPr rtlCol="0" anchor="ctr"/>
+          <a:lstStyle/>
+          <a:p>
+            <a:pPr algn="ctr"/>
+            <a:endParaRPr lang="fr-FR"/>
+          </a:p>
+        </p:txBody>
+      </p:sp>
+      <p:sp>
+        <p:nvSpPr>
+          <p:cNvPr id="65" name="Ellipse 64">
+            <a:extLst>
+              <a:ext uri="{FF2B5EF4-FFF2-40B4-BE49-F238E27FC236}">
+                <a16:creationId xmlns:a16="http://schemas.microsoft.com/office/drawing/2014/main" id="{469C09B8-EA32-403B-B9B9-AF28B8CD5DAE}"/>
+              </a:ext>
+            </a:extLst>
+          </p:cNvPr>
+          <p:cNvSpPr/>
+          <p:nvPr/>
+        </p:nvSpPr>
+        <p:spPr>
+          <a:xfrm>
+            <a:off x="2261938" y="2006276"/>
+            <a:ext cx="151766" cy="151766"/>
+          </a:xfrm>
+          <a:prstGeom prst="ellipse">
+            <a:avLst/>
+          </a:prstGeom>
+        </p:spPr>
+        <p:style>
+          <a:lnRef idx="2">
+            <a:schemeClr val="accent5">
+              <a:shade val="50000"/>
+            </a:schemeClr>
+          </a:lnRef>
+          <a:fillRef idx="1">
+            <a:schemeClr val="accent5"/>
+          </a:fillRef>
+          <a:effectRef idx="0">
+            <a:schemeClr val="accent5"/>
+          </a:effectRef>
+          <a:fontRef idx="minor">
+            <a:schemeClr val="lt1"/>
+          </a:fontRef>
+        </p:style>
+        <p:txBody>
+          <a:bodyPr rtlCol="0" anchor="ctr"/>
+          <a:lstStyle/>
+          <a:p>
+            <a:pPr algn="ctr"/>
+            <a:endParaRPr lang="fr-FR"/>
+          </a:p>
+        </p:txBody>
+      </p:sp>
+      <p:sp>
+        <p:nvSpPr>
+          <p:cNvPr id="66" name="Ellipse 65">
+            <a:extLst>
+              <a:ext uri="{FF2B5EF4-FFF2-40B4-BE49-F238E27FC236}">
+                <a16:creationId xmlns:a16="http://schemas.microsoft.com/office/drawing/2014/main" id="{F5ABD92E-E7B5-4893-A8BD-4923297050B3}"/>
+              </a:ext>
+            </a:extLst>
+          </p:cNvPr>
+          <p:cNvSpPr/>
+          <p:nvPr/>
+        </p:nvSpPr>
+        <p:spPr>
+          <a:xfrm>
+            <a:off x="4057962" y="5073713"/>
+            <a:ext cx="151766" cy="151766"/>
+          </a:xfrm>
+          <a:prstGeom prst="ellipse">
+            <a:avLst/>
+          </a:prstGeom>
+        </p:spPr>
+        <p:style>
+          <a:lnRef idx="2">
+            <a:schemeClr val="accent5">
+              <a:shade val="50000"/>
+            </a:schemeClr>
+          </a:lnRef>
+          <a:fillRef idx="1">
+            <a:schemeClr val="accent5"/>
+          </a:fillRef>
+          <a:effectRef idx="0">
+            <a:schemeClr val="accent5"/>
+          </a:effectRef>
+          <a:fontRef idx="minor">
+            <a:schemeClr val="lt1"/>
+          </a:fontRef>
+        </p:style>
+        <p:txBody>
+          <a:bodyPr rtlCol="0" anchor="ctr"/>
+          <a:lstStyle/>
+          <a:p>
+            <a:pPr algn="ctr"/>
+            <a:endParaRPr lang="fr-FR"/>
+          </a:p>
+        </p:txBody>
+      </p:sp>
+      <p:sp>
+        <p:nvSpPr>
+          <p:cNvPr id="67" name="Ellipse 66">
+            <a:extLst>
+              <a:ext uri="{FF2B5EF4-FFF2-40B4-BE49-F238E27FC236}">
+                <a16:creationId xmlns:a16="http://schemas.microsoft.com/office/drawing/2014/main" id="{92439A75-3EAB-41DB-A209-0932BC0E399A}"/>
+              </a:ext>
+            </a:extLst>
+          </p:cNvPr>
+          <p:cNvSpPr/>
+          <p:nvPr/>
+        </p:nvSpPr>
+        <p:spPr>
+          <a:xfrm>
+            <a:off x="4396703" y="4148170"/>
+            <a:ext cx="151766" cy="151766"/>
+          </a:xfrm>
+          <a:prstGeom prst="ellipse">
+            <a:avLst/>
+          </a:prstGeom>
+        </p:spPr>
+        <p:style>
+          <a:lnRef idx="2">
+            <a:schemeClr val="accent5">
+              <a:shade val="50000"/>
+            </a:schemeClr>
+          </a:lnRef>
+          <a:fillRef idx="1">
+            <a:schemeClr val="accent5"/>
+          </a:fillRef>
+          <a:effectRef idx="0">
+            <a:schemeClr val="accent5"/>
+          </a:effectRef>
+          <a:fontRef idx="minor">
+            <a:schemeClr val="lt1"/>
+          </a:fontRef>
+        </p:style>
+        <p:txBody>
+          <a:bodyPr rtlCol="0" anchor="ctr"/>
+          <a:lstStyle/>
+          <a:p>
+            <a:pPr algn="ctr"/>
+            <a:endParaRPr lang="fr-FR"/>
+          </a:p>
+        </p:txBody>
+      </p:sp>
+      <p:sp>
+        <p:nvSpPr>
+          <p:cNvPr id="68" name="Ellipse 67">
+            <a:extLst>
+              <a:ext uri="{FF2B5EF4-FFF2-40B4-BE49-F238E27FC236}">
+                <a16:creationId xmlns:a16="http://schemas.microsoft.com/office/drawing/2014/main" id="{366A5653-A9F7-4F43-B82E-A7825F01DB46}"/>
+              </a:ext>
+            </a:extLst>
+          </p:cNvPr>
+          <p:cNvSpPr/>
+          <p:nvPr/>
+        </p:nvSpPr>
+        <p:spPr>
+          <a:xfrm>
+            <a:off x="4650276" y="3988926"/>
+            <a:ext cx="151766" cy="151766"/>
+          </a:xfrm>
+          <a:prstGeom prst="ellipse">
+            <a:avLst/>
+          </a:prstGeom>
+        </p:spPr>
+        <p:style>
+          <a:lnRef idx="2">
+            <a:schemeClr val="accent5">
+              <a:shade val="50000"/>
+            </a:schemeClr>
+          </a:lnRef>
+          <a:fillRef idx="1">
+            <a:schemeClr val="accent5"/>
+          </a:fillRef>
+          <a:effectRef idx="0">
+            <a:schemeClr val="accent5"/>
+          </a:effectRef>
+          <a:fontRef idx="minor">
+            <a:schemeClr val="lt1"/>
+          </a:fontRef>
+        </p:style>
+        <p:txBody>
+          <a:bodyPr rtlCol="0" anchor="ctr"/>
+          <a:lstStyle/>
+          <a:p>
+            <a:pPr algn="ctr"/>
+            <a:endParaRPr lang="fr-FR"/>
+          </a:p>
+        </p:txBody>
+      </p:sp>
+      <p:sp>
+        <p:nvSpPr>
+          <p:cNvPr id="69" name="Ellipse 68">
+            <a:extLst>
+              <a:ext uri="{FF2B5EF4-FFF2-40B4-BE49-F238E27FC236}">
+                <a16:creationId xmlns:a16="http://schemas.microsoft.com/office/drawing/2014/main" id="{DF7C3C8B-CC01-41C6-846E-08BD4C46F3D6}"/>
+              </a:ext>
+            </a:extLst>
+          </p:cNvPr>
+          <p:cNvSpPr/>
+          <p:nvPr/>
+        </p:nvSpPr>
+        <p:spPr>
+          <a:xfrm>
+            <a:off x="5581243" y="3787706"/>
+            <a:ext cx="151766" cy="151766"/>
+          </a:xfrm>
+          <a:prstGeom prst="ellipse">
+            <a:avLst/>
+          </a:prstGeom>
+        </p:spPr>
+        <p:style>
+          <a:lnRef idx="2">
+            <a:schemeClr val="accent5">
+              <a:shade val="50000"/>
+            </a:schemeClr>
+          </a:lnRef>
+          <a:fillRef idx="1">
+            <a:schemeClr val="accent5"/>
+          </a:fillRef>
+          <a:effectRef idx="0">
+            <a:schemeClr val="accent5"/>
+          </a:effectRef>
+          <a:fontRef idx="minor">
+            <a:schemeClr val="lt1"/>
+          </a:fontRef>
+        </p:style>
+        <p:txBody>
+          <a:bodyPr rtlCol="0" anchor="ctr"/>
+          <a:lstStyle/>
+          <a:p>
+            <a:pPr algn="ctr"/>
+            <a:endParaRPr lang="fr-FR"/>
+          </a:p>
+        </p:txBody>
+      </p:sp>
+      <p:sp>
+        <p:nvSpPr>
+          <p:cNvPr id="70" name="Ellipse 69">
+            <a:extLst>
+              <a:ext uri="{FF2B5EF4-FFF2-40B4-BE49-F238E27FC236}">
+                <a16:creationId xmlns:a16="http://schemas.microsoft.com/office/drawing/2014/main" id="{D8D0E5C0-AB90-407B-92FD-E3DF979B1E8F}"/>
+              </a:ext>
+            </a:extLst>
+          </p:cNvPr>
+          <p:cNvSpPr/>
+          <p:nvPr/>
+        </p:nvSpPr>
+        <p:spPr>
+          <a:xfrm>
+            <a:off x="6243629" y="3354802"/>
+            <a:ext cx="151766" cy="151766"/>
+          </a:xfrm>
+          <a:prstGeom prst="ellipse">
+            <a:avLst/>
+          </a:prstGeom>
+        </p:spPr>
+        <p:style>
+          <a:lnRef idx="2">
+            <a:schemeClr val="accent5">
+              <a:shade val="50000"/>
+            </a:schemeClr>
+          </a:lnRef>
+          <a:fillRef idx="1">
+            <a:schemeClr val="accent5"/>
+          </a:fillRef>
+          <a:effectRef idx="0">
+            <a:schemeClr val="accent5"/>
+          </a:effectRef>
+          <a:fontRef idx="minor">
+            <a:schemeClr val="lt1"/>
+          </a:fontRef>
+        </p:style>
+        <p:txBody>
+          <a:bodyPr rtlCol="0" anchor="ctr"/>
+          <a:lstStyle/>
+          <a:p>
+            <a:pPr algn="ctr"/>
+            <a:endParaRPr lang="fr-FR"/>
+          </a:p>
+        </p:txBody>
+      </p:sp>
+      <p:sp>
+        <p:nvSpPr>
+          <p:cNvPr id="71" name="Ellipse 70">
+            <a:extLst>
+              <a:ext uri="{FF2B5EF4-FFF2-40B4-BE49-F238E27FC236}">
+                <a16:creationId xmlns:a16="http://schemas.microsoft.com/office/drawing/2014/main" id="{A0C12200-0AFB-4A3F-96AD-C602CB84951C}"/>
+              </a:ext>
+            </a:extLst>
+          </p:cNvPr>
+          <p:cNvSpPr/>
+          <p:nvPr/>
+        </p:nvSpPr>
+        <p:spPr>
+          <a:xfrm>
+            <a:off x="3055786" y="5084197"/>
+            <a:ext cx="151766" cy="151766"/>
+          </a:xfrm>
+          <a:prstGeom prst="ellipse">
+            <a:avLst/>
+          </a:prstGeom>
+        </p:spPr>
+        <p:style>
+          <a:lnRef idx="2">
+            <a:schemeClr val="accent5">
+              <a:shade val="50000"/>
+            </a:schemeClr>
+          </a:lnRef>
+          <a:fillRef idx="1">
+            <a:schemeClr val="accent5"/>
+          </a:fillRef>
+          <a:effectRef idx="0">
+            <a:schemeClr val="accent5"/>
+          </a:effectRef>
+          <a:fontRef idx="minor">
+            <a:schemeClr val="lt1"/>
+          </a:fontRef>
+        </p:style>
+        <p:txBody>
+          <a:bodyPr rtlCol="0" anchor="ctr"/>
+          <a:lstStyle/>
+          <a:p>
+            <a:pPr algn="ctr"/>
+            <a:endParaRPr lang="fr-FR"/>
+          </a:p>
+        </p:txBody>
+      </p:sp>
+      <p:sp>
+        <p:nvSpPr>
+          <p:cNvPr id="72" name="Ellipse 71">
+            <a:extLst>
+              <a:ext uri="{FF2B5EF4-FFF2-40B4-BE49-F238E27FC236}">
+                <a16:creationId xmlns:a16="http://schemas.microsoft.com/office/drawing/2014/main" id="{B411112A-70D3-442C-BA2A-EF06BF326FC2}"/>
+              </a:ext>
+            </a:extLst>
+          </p:cNvPr>
+          <p:cNvSpPr/>
+          <p:nvPr/>
+        </p:nvSpPr>
+        <p:spPr>
+          <a:xfrm>
+            <a:off x="2276064" y="5219443"/>
+            <a:ext cx="151766" cy="151766"/>
+          </a:xfrm>
+          <a:prstGeom prst="ellipse">
+            <a:avLst/>
+          </a:prstGeom>
+        </p:spPr>
+        <p:style>
+          <a:lnRef idx="2">
+            <a:schemeClr val="accent5">
+              <a:shade val="50000"/>
+            </a:schemeClr>
+          </a:lnRef>
+          <a:fillRef idx="1">
+            <a:schemeClr val="accent5"/>
+          </a:fillRef>
+          <a:effectRef idx="0">
+            <a:schemeClr val="accent5"/>
+          </a:effectRef>
+          <a:fontRef idx="minor">
+            <a:schemeClr val="lt1"/>
+          </a:fontRef>
+        </p:style>
+        <p:txBody>
+          <a:bodyPr rtlCol="0" anchor="ctr"/>
+          <a:lstStyle/>
+          <a:p>
+            <a:pPr algn="ctr"/>
+            <a:endParaRPr lang="fr-FR"/>
+          </a:p>
+        </p:txBody>
+      </p:sp>
+      <p:sp>
+        <p:nvSpPr>
+          <p:cNvPr id="73" name="Ellipse 72">
+            <a:extLst>
+              <a:ext uri="{FF2B5EF4-FFF2-40B4-BE49-F238E27FC236}">
+                <a16:creationId xmlns:a16="http://schemas.microsoft.com/office/drawing/2014/main" id="{5BCE599D-462A-420F-9EED-44FC94FAE15B}"/>
+              </a:ext>
+            </a:extLst>
+          </p:cNvPr>
+          <p:cNvSpPr/>
+          <p:nvPr/>
+        </p:nvSpPr>
+        <p:spPr>
+          <a:xfrm>
+            <a:off x="7868234" y="2516715"/>
+            <a:ext cx="151766" cy="151766"/>
+          </a:xfrm>
+          <a:prstGeom prst="ellipse">
+            <a:avLst/>
+          </a:prstGeom>
+        </p:spPr>
+        <p:style>
+          <a:lnRef idx="2">
+            <a:schemeClr val="accent5">
+              <a:shade val="50000"/>
+            </a:schemeClr>
+          </a:lnRef>
+          <a:fillRef idx="1">
+            <a:schemeClr val="accent5"/>
+          </a:fillRef>
+          <a:effectRef idx="0">
+            <a:schemeClr val="accent5"/>
+          </a:effectRef>
+          <a:fontRef idx="minor">
+            <a:schemeClr val="lt1"/>
+          </a:fontRef>
+        </p:style>
+        <p:txBody>
+          <a:bodyPr rtlCol="0" anchor="ctr"/>
+          <a:lstStyle/>
+          <a:p>
+            <a:pPr algn="ctr"/>
+            <a:endParaRPr lang="fr-FR"/>
+          </a:p>
+        </p:txBody>
+      </p:sp>
+      <p:sp>
+        <p:nvSpPr>
+          <p:cNvPr id="74" name="Ellipse 73">
+            <a:extLst>
+              <a:ext uri="{FF2B5EF4-FFF2-40B4-BE49-F238E27FC236}">
+                <a16:creationId xmlns:a16="http://schemas.microsoft.com/office/drawing/2014/main" id="{979B3242-23FA-4BB1-9FCC-B0776A533559}"/>
+              </a:ext>
+            </a:extLst>
+          </p:cNvPr>
+          <p:cNvSpPr/>
+          <p:nvPr/>
+        </p:nvSpPr>
+        <p:spPr>
+          <a:xfrm>
+            <a:off x="7868234" y="2921155"/>
+            <a:ext cx="151766" cy="151766"/>
+          </a:xfrm>
+          <a:prstGeom prst="ellipse">
+            <a:avLst/>
+          </a:prstGeom>
+        </p:spPr>
+        <p:style>
+          <a:lnRef idx="2">
+            <a:schemeClr val="dk1">
+              <a:shade val="50000"/>
+            </a:schemeClr>
+          </a:lnRef>
+          <a:fillRef idx="1">
+            <a:schemeClr val="dk1"/>
+          </a:fillRef>
+          <a:effectRef idx="0">
+            <a:schemeClr val="dk1"/>
+          </a:effectRef>
+          <a:fontRef idx="minor">
+            <a:schemeClr val="lt1"/>
+          </a:fontRef>
+        </p:style>
+        <p:txBody>
+          <a:bodyPr rtlCol="0" anchor="ctr"/>
+          <a:lstStyle/>
+          <a:p>
+            <a:pPr algn="ctr"/>
+            <a:endParaRPr lang="fr-FR"/>
+          </a:p>
+        </p:txBody>
+      </p:sp>
+      <p:pic>
+        <p:nvPicPr>
+          <p:cNvPr id="76" name="Graphique 75" descr="Culturiste avec un remplissage uni">
+            <a:extLst>
+              <a:ext uri="{FF2B5EF4-FFF2-40B4-BE49-F238E27FC236}">
+                <a16:creationId xmlns:a16="http://schemas.microsoft.com/office/drawing/2014/main" id="{BE1F72D8-2ED9-4C2A-9096-21C82A36F65D}"/>
+              </a:ext>
+            </a:extLst>
+          </p:cNvPr>
+          <p:cNvPicPr>
+            <a:picLocks noChangeAspect="1"/>
+          </p:cNvPicPr>
+          <p:nvPr/>
+        </p:nvPicPr>
+        <p:blipFill>
+          <a:blip r:embed="rId2">
+            <a:extLst>
+              <a:ext uri="{28A0092B-C50C-407E-A947-70E740481C1C}">
+                <a14:useLocalDpi xmlns:a14="http://schemas.microsoft.com/office/drawing/2010/main" val="0"/>
+              </a:ext>
+              <a:ext uri="{96DAC541-7B7A-43D3-8B79-37D633B846F1}">
+                <asvg:svgBlip xmlns:asvg="http://schemas.microsoft.com/office/drawing/2016/SVG/main" r:embed="rId3"/>
+              </a:ext>
+            </a:extLst>
+          </a:blip>
+          <a:stretch>
+            <a:fillRect/>
+          </a:stretch>
+        </p:blipFill>
+        <p:spPr>
+          <a:xfrm>
+            <a:off x="4520672" y="2176009"/>
+            <a:ext cx="314400" cy="314400"/>
+          </a:xfrm>
+          <a:prstGeom prst="rect">
+            <a:avLst/>
+          </a:prstGeom>
+        </p:spPr>
+      </p:pic>
+      <p:pic>
+        <p:nvPicPr>
+          <p:cNvPr id="78" name="Graphique 77" descr="Burger et boisson avec un remplissage uni">
+            <a:extLst>
+              <a:ext uri="{FF2B5EF4-FFF2-40B4-BE49-F238E27FC236}">
+                <a16:creationId xmlns:a16="http://schemas.microsoft.com/office/drawing/2014/main" id="{6EC721D6-8919-4463-93FF-6134F4B77493}"/>
+              </a:ext>
+            </a:extLst>
+          </p:cNvPr>
+          <p:cNvPicPr>
+            <a:picLocks noChangeAspect="1"/>
+          </p:cNvPicPr>
+          <p:nvPr/>
+        </p:nvPicPr>
+        <p:blipFill>
+          <a:blip r:embed="rId4">
+            <a:extLst>
+              <a:ext uri="{28A0092B-C50C-407E-A947-70E740481C1C}">
+                <a14:useLocalDpi xmlns:a14="http://schemas.microsoft.com/office/drawing/2010/main" val="0"/>
+              </a:ext>
+              <a:ext uri="{96DAC541-7B7A-43D3-8B79-37D633B846F1}">
+                <asvg:svgBlip xmlns:asvg="http://schemas.microsoft.com/office/drawing/2016/SVG/main" r:embed="rId5"/>
+              </a:ext>
+            </a:extLst>
+          </a:blip>
+          <a:stretch>
+            <a:fillRect/>
+          </a:stretch>
+        </p:blipFill>
+        <p:spPr>
+          <a:xfrm>
+            <a:off x="2973844" y="1838852"/>
+            <a:ext cx="314400" cy="314400"/>
+          </a:xfrm>
+          <a:prstGeom prst="rect">
+            <a:avLst/>
+          </a:prstGeom>
+        </p:spPr>
+      </p:pic>
+      <p:pic>
+        <p:nvPicPr>
+          <p:cNvPr id="80" name="Graphique 79" descr="Usine avec un remplissage uni">
+            <a:extLst>
+              <a:ext uri="{FF2B5EF4-FFF2-40B4-BE49-F238E27FC236}">
+                <a16:creationId xmlns:a16="http://schemas.microsoft.com/office/drawing/2014/main" id="{7034D5DE-5174-45B7-9E76-C0C696368B12}"/>
+              </a:ext>
+            </a:extLst>
+          </p:cNvPr>
+          <p:cNvPicPr>
+            <a:picLocks noChangeAspect="1"/>
+          </p:cNvPicPr>
+          <p:nvPr/>
+        </p:nvPicPr>
+        <p:blipFill>
+          <a:blip r:embed="rId6">
+            <a:extLst>
+              <a:ext uri="{28A0092B-C50C-407E-A947-70E740481C1C}">
+                <a14:useLocalDpi xmlns:a14="http://schemas.microsoft.com/office/drawing/2010/main" val="0"/>
+              </a:ext>
+              <a:ext uri="{96DAC541-7B7A-43D3-8B79-37D633B846F1}">
+                <asvg:svgBlip xmlns:asvg="http://schemas.microsoft.com/office/drawing/2016/SVG/main" r:embed="rId7"/>
+              </a:ext>
+            </a:extLst>
+          </a:blip>
+          <a:stretch>
+            <a:fillRect/>
+          </a:stretch>
+        </p:blipFill>
+        <p:spPr>
+          <a:xfrm>
+            <a:off x="2876141" y="3205778"/>
+            <a:ext cx="314400" cy="314400"/>
+          </a:xfrm>
+          <a:prstGeom prst="rect">
+            <a:avLst/>
+          </a:prstGeom>
+        </p:spPr>
+      </p:pic>
+      <p:pic>
+        <p:nvPicPr>
+          <p:cNvPr id="82" name="Graphique 81" descr="Médical avec un remplissage uni">
+            <a:extLst>
+              <a:ext uri="{FF2B5EF4-FFF2-40B4-BE49-F238E27FC236}">
+                <a16:creationId xmlns:a16="http://schemas.microsoft.com/office/drawing/2014/main" id="{A86D1C9C-FFBF-407D-B5DE-160735D1D933}"/>
+              </a:ext>
+            </a:extLst>
+          </p:cNvPr>
+          <p:cNvPicPr>
+            <a:picLocks noChangeAspect="1"/>
+          </p:cNvPicPr>
+          <p:nvPr/>
+        </p:nvPicPr>
+        <p:blipFill>
+          <a:blip r:embed="rId8">
+            <a:extLst>
+              <a:ext uri="{28A0092B-C50C-407E-A947-70E740481C1C}">
+                <a14:useLocalDpi xmlns:a14="http://schemas.microsoft.com/office/drawing/2010/main" val="0"/>
+              </a:ext>
+              <a:ext uri="{96DAC541-7B7A-43D3-8B79-37D633B846F1}">
+                <asvg:svgBlip xmlns:asvg="http://schemas.microsoft.com/office/drawing/2016/SVG/main" r:embed="rId9"/>
+              </a:ext>
+            </a:extLst>
+          </a:blip>
+          <a:stretch>
+            <a:fillRect/>
+          </a:stretch>
+        </p:blipFill>
+        <p:spPr>
+          <a:xfrm>
+            <a:off x="3895328" y="3174100"/>
+            <a:ext cx="314400" cy="314400"/>
+          </a:xfrm>
+          <a:prstGeom prst="rect">
+            <a:avLst/>
+          </a:prstGeom>
+        </p:spPr>
+      </p:pic>
+      <p:pic>
+        <p:nvPicPr>
+          <p:cNvPr id="84" name="Graphique 83" descr="École avec un remplissage uni">
+            <a:extLst>
+              <a:ext uri="{FF2B5EF4-FFF2-40B4-BE49-F238E27FC236}">
+                <a16:creationId xmlns:a16="http://schemas.microsoft.com/office/drawing/2014/main" id="{DE021267-6902-4DBD-8271-03846BCF42AC}"/>
+              </a:ext>
+            </a:extLst>
+          </p:cNvPr>
+          <p:cNvPicPr>
+            <a:picLocks noChangeAspect="1"/>
+          </p:cNvPicPr>
+          <p:nvPr/>
+        </p:nvPicPr>
+        <p:blipFill>
+          <a:blip r:embed="rId10">
+            <a:extLst>
+              <a:ext uri="{28A0092B-C50C-407E-A947-70E740481C1C}">
+                <a14:useLocalDpi xmlns:a14="http://schemas.microsoft.com/office/drawing/2010/main" val="0"/>
+              </a:ext>
+              <a:ext uri="{96DAC541-7B7A-43D3-8B79-37D633B846F1}">
+                <asvg:svgBlip xmlns:asvg="http://schemas.microsoft.com/office/drawing/2016/SVG/main" r:embed="rId11"/>
+              </a:ext>
+            </a:extLst>
+          </a:blip>
+          <a:stretch>
+            <a:fillRect/>
+          </a:stretch>
+        </p:blipFill>
+        <p:spPr>
+          <a:xfrm>
+            <a:off x="5061291" y="4552260"/>
+            <a:ext cx="314400" cy="314400"/>
+          </a:xfrm>
+          <a:prstGeom prst="rect">
+            <a:avLst/>
+          </a:prstGeom>
+        </p:spPr>
+      </p:pic>
+      <p:pic>
+        <p:nvPicPr>
+          <p:cNvPr id="86" name="Graphique 85" descr="Chariot de courses avec un remplissage uni">
+            <a:extLst>
+              <a:ext uri="{FF2B5EF4-FFF2-40B4-BE49-F238E27FC236}">
+                <a16:creationId xmlns:a16="http://schemas.microsoft.com/office/drawing/2014/main" id="{94A7926C-3101-4837-910C-1E76BBFE3B0D}"/>
+              </a:ext>
+            </a:extLst>
+          </p:cNvPr>
+          <p:cNvPicPr>
+            <a:picLocks noChangeAspect="1"/>
+          </p:cNvPicPr>
+          <p:nvPr/>
+        </p:nvPicPr>
+        <p:blipFill>
+          <a:blip r:embed="rId12">
+            <a:extLst>
+              <a:ext uri="{28A0092B-C50C-407E-A947-70E740481C1C}">
+                <a14:useLocalDpi xmlns:a14="http://schemas.microsoft.com/office/drawing/2010/main" val="0"/>
+              </a:ext>
+              <a:ext uri="{96DAC541-7B7A-43D3-8B79-37D633B846F1}">
+                <asvg:svgBlip xmlns:asvg="http://schemas.microsoft.com/office/drawing/2016/SVG/main" r:embed="rId13"/>
+              </a:ext>
+            </a:extLst>
+          </a:blip>
+          <a:stretch>
+            <a:fillRect/>
+          </a:stretch>
+        </p:blipFill>
+        <p:spPr>
+          <a:xfrm>
+            <a:off x="3435534" y="3966138"/>
+            <a:ext cx="314400" cy="314400"/>
+          </a:xfrm>
+          <a:prstGeom prst="rect">
+            <a:avLst/>
+          </a:prstGeom>
+        </p:spPr>
+      </p:pic>
+      <p:pic>
+        <p:nvPicPr>
+          <p:cNvPr id="87" name="Graphique 86" descr="Burger et boisson avec un remplissage uni">
+            <a:extLst>
+              <a:ext uri="{FF2B5EF4-FFF2-40B4-BE49-F238E27FC236}">
+                <a16:creationId xmlns:a16="http://schemas.microsoft.com/office/drawing/2014/main" id="{C306A884-740E-4BA7-9BE2-FB9901452A28}"/>
+              </a:ext>
+            </a:extLst>
+          </p:cNvPr>
+          <p:cNvPicPr>
+            <a:picLocks noChangeAspect="1"/>
+          </p:cNvPicPr>
+          <p:nvPr/>
+        </p:nvPicPr>
+        <p:blipFill>
+          <a:blip r:embed="rId4">
+            <a:extLst>
+              <a:ext uri="{28A0092B-C50C-407E-A947-70E740481C1C}">
+                <a14:useLocalDpi xmlns:a14="http://schemas.microsoft.com/office/drawing/2010/main" val="0"/>
+              </a:ext>
+              <a:ext uri="{96DAC541-7B7A-43D3-8B79-37D633B846F1}">
+                <asvg:svgBlip xmlns:asvg="http://schemas.microsoft.com/office/drawing/2016/SVG/main" r:embed="rId5"/>
+              </a:ext>
+            </a:extLst>
+          </a:blip>
+          <a:stretch>
+            <a:fillRect/>
+          </a:stretch>
+        </p:blipFill>
+        <p:spPr>
+          <a:xfrm>
+            <a:off x="7779062" y="2045540"/>
+            <a:ext cx="314400" cy="314400"/>
+          </a:xfrm>
+          <a:prstGeom prst="rect">
+            <a:avLst/>
+          </a:prstGeom>
+        </p:spPr>
+      </p:pic>
+      <p:sp>
+        <p:nvSpPr>
+          <p:cNvPr id="88" name="ZoneTexte 87">
+            <a:extLst>
+              <a:ext uri="{FF2B5EF4-FFF2-40B4-BE49-F238E27FC236}">
+                <a16:creationId xmlns:a16="http://schemas.microsoft.com/office/drawing/2014/main" id="{B6F2988B-835B-4674-A633-3FE66C78D804}"/>
+              </a:ext>
+            </a:extLst>
+          </p:cNvPr>
+          <p:cNvSpPr txBox="1"/>
+          <p:nvPr/>
+        </p:nvSpPr>
+        <p:spPr>
+          <a:xfrm>
+            <a:off x="8276062" y="97536"/>
+            <a:ext cx="2049958" cy="369332"/>
+          </a:xfrm>
+          <a:prstGeom prst="rect">
+            <a:avLst/>
+          </a:prstGeom>
+          <a:noFill/>
+        </p:spPr>
+        <p:txBody>
+          <a:bodyPr wrap="square" rtlCol="0">
+            <a:spAutoFit/>
+          </a:bodyPr>
+          <a:lstStyle/>
+          <a:p>
+            <a:r>
+              <a:rPr lang="fr-FR" b="1" dirty="0">
+                <a:latin typeface="Bahnschrift SemiBold" panose="020B0502040204020203" pitchFamily="34" charset="0"/>
+              </a:rPr>
+              <a:t>LEGENDE:</a:t>
+            </a:r>
+          </a:p>
+        </p:txBody>
+      </p:sp>
+      <p:sp>
+        <p:nvSpPr>
+          <p:cNvPr id="89" name="ZoneTexte 88">
+            <a:extLst>
+              <a:ext uri="{FF2B5EF4-FFF2-40B4-BE49-F238E27FC236}">
+                <a16:creationId xmlns:a16="http://schemas.microsoft.com/office/drawing/2014/main" id="{9B2C65C6-D34C-47B4-8401-737ECEACE937}"/>
+              </a:ext>
+            </a:extLst>
+          </p:cNvPr>
+          <p:cNvSpPr txBox="1"/>
+          <p:nvPr/>
+        </p:nvSpPr>
+        <p:spPr>
+          <a:xfrm>
+            <a:off x="8209006" y="547681"/>
+            <a:ext cx="2049958" cy="276999"/>
+          </a:xfrm>
+          <a:prstGeom prst="rect">
+            <a:avLst/>
+          </a:prstGeom>
+          <a:noFill/>
+        </p:spPr>
+        <p:txBody>
+          <a:bodyPr wrap="square" rtlCol="0">
+            <a:spAutoFit/>
+          </a:bodyPr>
+          <a:lstStyle/>
+          <a:p>
+            <a:r>
+              <a:rPr lang="fr-FR" sz="1200" b="1" dirty="0">
+                <a:latin typeface="Bahnschrift SemiBold" panose="020B0502040204020203" pitchFamily="34" charset="0"/>
+              </a:rPr>
+              <a:t>3-Ring H3</a:t>
+            </a:r>
+          </a:p>
+        </p:txBody>
+      </p:sp>
+      <p:sp>
+        <p:nvSpPr>
+          <p:cNvPr id="91" name="ZoneTexte 90">
+            <a:extLst>
+              <a:ext uri="{FF2B5EF4-FFF2-40B4-BE49-F238E27FC236}">
+                <a16:creationId xmlns:a16="http://schemas.microsoft.com/office/drawing/2014/main" id="{B12860DA-8BE3-4C0A-9274-DCC58D7995A0}"/>
+              </a:ext>
+            </a:extLst>
+          </p:cNvPr>
+          <p:cNvSpPr txBox="1"/>
+          <p:nvPr/>
+        </p:nvSpPr>
+        <p:spPr>
+          <a:xfrm>
+            <a:off x="8209006" y="938457"/>
+            <a:ext cx="2049958" cy="276999"/>
+          </a:xfrm>
+          <a:prstGeom prst="rect">
+            <a:avLst/>
+          </a:prstGeom>
+          <a:noFill/>
+        </p:spPr>
+        <p:txBody>
+          <a:bodyPr wrap="square" rtlCol="0">
+            <a:spAutoFit/>
+          </a:bodyPr>
+          <a:lstStyle/>
+          <a:p>
+            <a:r>
+              <a:rPr lang="fr-FR" sz="1200" b="1" dirty="0">
+                <a:latin typeface="Bahnschrift SemiBold" panose="020B0502040204020203" pitchFamily="34" charset="0"/>
+              </a:rPr>
+              <a:t>2-Ring H3</a:t>
+            </a:r>
+          </a:p>
+        </p:txBody>
+      </p:sp>
+      <p:sp>
+        <p:nvSpPr>
+          <p:cNvPr id="92" name="ZoneTexte 91">
+            <a:extLst>
+              <a:ext uri="{FF2B5EF4-FFF2-40B4-BE49-F238E27FC236}">
+                <a16:creationId xmlns:a16="http://schemas.microsoft.com/office/drawing/2014/main" id="{65EC832B-FA6D-4E6B-9BB9-B7820CC9698F}"/>
+              </a:ext>
+            </a:extLst>
+          </p:cNvPr>
+          <p:cNvSpPr txBox="1"/>
+          <p:nvPr/>
+        </p:nvSpPr>
+        <p:spPr>
+          <a:xfrm>
+            <a:off x="8209006" y="1295143"/>
+            <a:ext cx="2049958" cy="276999"/>
+          </a:xfrm>
+          <a:prstGeom prst="rect">
+            <a:avLst/>
+          </a:prstGeom>
+          <a:noFill/>
+        </p:spPr>
+        <p:txBody>
+          <a:bodyPr wrap="square" rtlCol="0">
+            <a:spAutoFit/>
+          </a:bodyPr>
+          <a:lstStyle/>
+          <a:p>
+            <a:r>
+              <a:rPr lang="fr-FR" sz="1200" b="1" dirty="0">
+                <a:latin typeface="Bahnschrift SemiBold" panose="020B0502040204020203" pitchFamily="34" charset="0"/>
+              </a:rPr>
+              <a:t>1-Ring H3</a:t>
+            </a:r>
+          </a:p>
+        </p:txBody>
+      </p:sp>
+      <p:sp>
+        <p:nvSpPr>
+          <p:cNvPr id="93" name="ZoneTexte 92">
+            <a:extLst>
+              <a:ext uri="{FF2B5EF4-FFF2-40B4-BE49-F238E27FC236}">
+                <a16:creationId xmlns:a16="http://schemas.microsoft.com/office/drawing/2014/main" id="{635C3A9C-58FA-4A6A-8823-C5D053F4D3B4}"/>
+              </a:ext>
+            </a:extLst>
+          </p:cNvPr>
+          <p:cNvSpPr txBox="1"/>
+          <p:nvPr/>
+        </p:nvSpPr>
+        <p:spPr>
+          <a:xfrm>
+            <a:off x="8209006" y="1665162"/>
+            <a:ext cx="2049958" cy="276999"/>
+          </a:xfrm>
+          <a:prstGeom prst="rect">
+            <a:avLst/>
+          </a:prstGeom>
+          <a:noFill/>
+        </p:spPr>
+        <p:txBody>
+          <a:bodyPr wrap="square" rtlCol="0">
+            <a:spAutoFit/>
+          </a:bodyPr>
+          <a:lstStyle/>
+          <a:p>
+            <a:r>
+              <a:rPr lang="fr-FR" sz="1200" b="1" dirty="0">
+                <a:latin typeface="Bahnschrift SemiBold" panose="020B0502040204020203" pitchFamily="34" charset="0"/>
+              </a:rPr>
+              <a:t>Cellule H3</a:t>
+            </a:r>
+          </a:p>
+        </p:txBody>
+      </p:sp>
+      <p:sp>
+        <p:nvSpPr>
+          <p:cNvPr id="94" name="ZoneTexte 93">
+            <a:extLst>
+              <a:ext uri="{FF2B5EF4-FFF2-40B4-BE49-F238E27FC236}">
+                <a16:creationId xmlns:a16="http://schemas.microsoft.com/office/drawing/2014/main" id="{C7FE61B2-6F23-4569-A0A4-251B7E386CB1}"/>
+              </a:ext>
+            </a:extLst>
+          </p:cNvPr>
+          <p:cNvSpPr txBox="1"/>
+          <p:nvPr/>
+        </p:nvSpPr>
+        <p:spPr>
+          <a:xfrm>
+            <a:off x="8209006" y="2080012"/>
+            <a:ext cx="2049958" cy="276999"/>
+          </a:xfrm>
+          <a:prstGeom prst="rect">
+            <a:avLst/>
+          </a:prstGeom>
+          <a:noFill/>
+        </p:spPr>
+        <p:txBody>
+          <a:bodyPr wrap="square" rtlCol="0">
+            <a:spAutoFit/>
+          </a:bodyPr>
+          <a:lstStyle/>
+          <a:p>
+            <a:r>
+              <a:rPr lang="fr-FR" sz="1200" b="1" dirty="0">
+                <a:latin typeface="Bahnschrift SemiBold" panose="020B0502040204020203" pitchFamily="34" charset="0"/>
+              </a:rPr>
+              <a:t>Point of </a:t>
+            </a:r>
+            <a:r>
+              <a:rPr lang="fr-FR" sz="1200" b="1" dirty="0" err="1">
+                <a:latin typeface="Bahnschrift SemiBold" panose="020B0502040204020203" pitchFamily="34" charset="0"/>
+              </a:rPr>
+              <a:t>Interest</a:t>
+            </a:r>
+            <a:r>
+              <a:rPr lang="fr-FR" sz="1200" b="1" dirty="0">
+                <a:latin typeface="Bahnschrift SemiBold" panose="020B0502040204020203" pitchFamily="34" charset="0"/>
+              </a:rPr>
+              <a:t> (POI)</a:t>
+            </a:r>
+          </a:p>
+        </p:txBody>
+      </p:sp>
+      <p:sp>
+        <p:nvSpPr>
+          <p:cNvPr id="95" name="ZoneTexte 94">
+            <a:extLst>
+              <a:ext uri="{FF2B5EF4-FFF2-40B4-BE49-F238E27FC236}">
+                <a16:creationId xmlns:a16="http://schemas.microsoft.com/office/drawing/2014/main" id="{D270D1E0-2C4D-402C-9D71-694879D01ADA}"/>
+              </a:ext>
+            </a:extLst>
+          </p:cNvPr>
+          <p:cNvSpPr txBox="1"/>
+          <p:nvPr/>
+        </p:nvSpPr>
+        <p:spPr>
+          <a:xfrm>
+            <a:off x="8209006" y="2466699"/>
+            <a:ext cx="2049958" cy="276999"/>
+          </a:xfrm>
+          <a:prstGeom prst="rect">
+            <a:avLst/>
+          </a:prstGeom>
+          <a:noFill/>
+        </p:spPr>
+        <p:txBody>
+          <a:bodyPr wrap="square" rtlCol="0">
+            <a:spAutoFit/>
+          </a:bodyPr>
+          <a:lstStyle/>
+          <a:p>
+            <a:r>
+              <a:rPr lang="fr-FR" sz="1200" b="1" dirty="0">
+                <a:latin typeface="Bahnschrift SemiBold" panose="020B0502040204020203" pitchFamily="34" charset="0"/>
+              </a:rPr>
+              <a:t>Evènement de visite</a:t>
+            </a:r>
+          </a:p>
+        </p:txBody>
+      </p:sp>
+      <p:sp>
+        <p:nvSpPr>
+          <p:cNvPr id="96" name="ZoneTexte 95">
+            <a:extLst>
+              <a:ext uri="{FF2B5EF4-FFF2-40B4-BE49-F238E27FC236}">
+                <a16:creationId xmlns:a16="http://schemas.microsoft.com/office/drawing/2014/main" id="{9FAE6942-28CB-4AF7-B48E-5ABC23F08634}"/>
+              </a:ext>
+            </a:extLst>
+          </p:cNvPr>
+          <p:cNvSpPr txBox="1"/>
+          <p:nvPr/>
+        </p:nvSpPr>
+        <p:spPr>
+          <a:xfrm>
+            <a:off x="8209006" y="2831113"/>
+            <a:ext cx="2049958" cy="461665"/>
+          </a:xfrm>
+          <a:prstGeom prst="rect">
+            <a:avLst/>
+          </a:prstGeom>
+          <a:noFill/>
+        </p:spPr>
+        <p:txBody>
+          <a:bodyPr wrap="square" rtlCol="0">
+            <a:spAutoFit/>
+          </a:bodyPr>
+          <a:lstStyle/>
+          <a:p>
+            <a:r>
+              <a:rPr lang="fr-FR" sz="1200" b="1" dirty="0">
+                <a:latin typeface="Bahnschrift SemiBold" panose="020B0502040204020203" pitchFamily="34" charset="0"/>
+              </a:rPr>
+              <a:t>Valeur de flux </a:t>
+            </a:r>
+            <a:r>
+              <a:rPr lang="fr-FR" sz="1200" b="1">
+                <a:latin typeface="Bahnschrift SemiBold" panose="020B0502040204020203" pitchFamily="34" charset="0"/>
+              </a:rPr>
+              <a:t>piéton mesurée </a:t>
+            </a:r>
+            <a:r>
+              <a:rPr lang="fr-FR" sz="1200" b="1" dirty="0">
+                <a:latin typeface="Bahnschrift SemiBold" panose="020B0502040204020203" pitchFamily="34" charset="0"/>
+              </a:rPr>
+              <a:t>à une adresse</a:t>
+            </a:r>
+          </a:p>
+        </p:txBody>
+      </p:sp>
+    </p:spTree>
+    <p:extLst>
+      <p:ext uri="{BB962C8B-B14F-4D97-AF65-F5344CB8AC3E}">
+        <p14:creationId xmlns:p14="http://schemas.microsoft.com/office/powerpoint/2010/main" val="1963737070"/>
+      </p:ext>
+    </p:extLst>
+  </p:cSld>
+  <p:clrMapOvr>
+    <a:masterClrMapping/>
+  </p:clrMapOvr>
+</p:sld>
+</file>
+
 <file path=ppt/theme/theme1.xml><?xml version="1.0" encoding="utf-8"?>
 <a:theme xmlns:a="http://schemas.openxmlformats.org/drawingml/2006/main" name="Thème Office">
   <a:themeElements>

--- a/images/graphs/Graphs.pptx
+++ b/images/graphs/Graphs.pptx
@@ -8,6 +8,8 @@
     <p:sldId id="256" r:id="rId2"/>
     <p:sldId id="257" r:id="rId3"/>
     <p:sldId id="258" r:id="rId4"/>
+    <p:sldId id="259" r:id="rId5"/>
+    <p:sldId id="260" r:id="rId6"/>
   </p:sldIdLst>
   <p:sldSz cx="12192000" cy="6858000"/>
   <p:notesSz cx="6858000" cy="9144000"/>
@@ -8444,19 +8446,7 @@
               <a:rPr lang="fr-FR" sz="1200" b="1" dirty="0">
                 <a:latin typeface="Bahnschrift SemiBold" panose="020B0502040204020203" pitchFamily="34" charset="0"/>
               </a:rPr>
-              <a:t>Valeur de flux </a:t>
-            </a:r>
-            <a:r>
-              <a:rPr lang="fr-FR" sz="1200" b="1">
-                <a:latin typeface="Bahnschrift SemiBold" panose="020B0502040204020203" pitchFamily="34" charset="0"/>
-              </a:rPr>
-              <a:t>piéton mesurée </a:t>
-            </a:r>
-            <a:r>
-              <a:rPr lang="fr-FR" sz="1200" b="1" dirty="0">
-                <a:latin typeface="Bahnschrift SemiBold" panose="020B0502040204020203" pitchFamily="34" charset="0"/>
-              </a:rPr>
-              <a:t>à une adresse</a:t>
+              <a:t>Valeur de flux piéton mesurée à une adresse</a:t>
             </a:r>
           </a:p>
         </p:txBody>
@@ -8465,6 +8455,6209 @@
     <p:extLst>
       <p:ext uri="{BB962C8B-B14F-4D97-AF65-F5344CB8AC3E}">
         <p14:creationId xmlns:p14="http://schemas.microsoft.com/office/powerpoint/2010/main" val="1963737070"/>
+      </p:ext>
+    </p:extLst>
+  </p:cSld>
+  <p:clrMapOvr>
+    <a:masterClrMapping/>
+  </p:clrMapOvr>
+</p:sld>
+</file>
+
+<file path=ppt/slides/slide4.xml><?xml version="1.0" encoding="utf-8"?>
+<p:sld xmlns:a="http://schemas.openxmlformats.org/drawingml/2006/main" xmlns:r="http://schemas.openxmlformats.org/officeDocument/2006/relationships" xmlns:p="http://schemas.openxmlformats.org/presentationml/2006/main">
+  <p:cSld>
+    <p:spTree>
+      <p:nvGrpSpPr>
+        <p:cNvPr id="1" name=""/>
+        <p:cNvGrpSpPr/>
+        <p:nvPr/>
+      </p:nvGrpSpPr>
+      <p:grpSpPr>
+        <a:xfrm>
+          <a:off x="0" y="0"/>
+          <a:ext cx="0" cy="0"/>
+          <a:chOff x="0" y="0"/>
+          <a:chExt cx="0" cy="0"/>
+        </a:xfrm>
+      </p:grpSpPr>
+      <p:cxnSp>
+        <p:nvCxnSpPr>
+          <p:cNvPr id="5" name="Connecteur droit avec flèche 4">
+            <a:extLst>
+              <a:ext uri="{FF2B5EF4-FFF2-40B4-BE49-F238E27FC236}">
+                <a16:creationId xmlns:a16="http://schemas.microsoft.com/office/drawing/2014/main" id="{B9C1408A-5888-4391-99F2-A089CA24477B}"/>
+              </a:ext>
+            </a:extLst>
+          </p:cNvPr>
+          <p:cNvCxnSpPr/>
+          <p:nvPr/>
+        </p:nvCxnSpPr>
+        <p:spPr>
+          <a:xfrm>
+            <a:off x="926592" y="4163568"/>
+            <a:ext cx="4413504" cy="0"/>
+          </a:xfrm>
+          <a:prstGeom prst="straightConnector1">
+            <a:avLst/>
+          </a:prstGeom>
+          <a:ln w="38100">
+            <a:tailEnd type="triangle"/>
+          </a:ln>
+        </p:spPr>
+        <p:style>
+          <a:lnRef idx="1">
+            <a:schemeClr val="dk1"/>
+          </a:lnRef>
+          <a:fillRef idx="0">
+            <a:schemeClr val="dk1"/>
+          </a:fillRef>
+          <a:effectRef idx="0">
+            <a:schemeClr val="dk1"/>
+          </a:effectRef>
+          <a:fontRef idx="minor">
+            <a:schemeClr val="tx1"/>
+          </a:fontRef>
+        </p:style>
+      </p:cxnSp>
+      <p:cxnSp>
+        <p:nvCxnSpPr>
+          <p:cNvPr id="6" name="Connecteur droit avec flèche 5">
+            <a:extLst>
+              <a:ext uri="{FF2B5EF4-FFF2-40B4-BE49-F238E27FC236}">
+                <a16:creationId xmlns:a16="http://schemas.microsoft.com/office/drawing/2014/main" id="{BB692EC1-9898-435A-9FFC-4F0A7762AE12}"/>
+              </a:ext>
+            </a:extLst>
+          </p:cNvPr>
+          <p:cNvCxnSpPr>
+            <a:cxnSpLocks/>
+          </p:cNvCxnSpPr>
+          <p:nvPr/>
+        </p:nvCxnSpPr>
+        <p:spPr>
+          <a:xfrm flipV="1">
+            <a:off x="1078992" y="950976"/>
+            <a:ext cx="0" cy="3364992"/>
+          </a:xfrm>
+          <a:prstGeom prst="straightConnector1">
+            <a:avLst/>
+          </a:prstGeom>
+          <a:ln w="38100">
+            <a:tailEnd type="triangle"/>
+          </a:ln>
+        </p:spPr>
+        <p:style>
+          <a:lnRef idx="1">
+            <a:schemeClr val="dk1"/>
+          </a:lnRef>
+          <a:fillRef idx="0">
+            <a:schemeClr val="dk1"/>
+          </a:fillRef>
+          <a:effectRef idx="0">
+            <a:schemeClr val="dk1"/>
+          </a:effectRef>
+          <a:fontRef idx="minor">
+            <a:schemeClr val="tx1"/>
+          </a:fontRef>
+        </p:style>
+      </p:cxnSp>
+      <p:sp>
+        <p:nvSpPr>
+          <p:cNvPr id="8" name="ZoneTexte 7">
+            <a:extLst>
+              <a:ext uri="{FF2B5EF4-FFF2-40B4-BE49-F238E27FC236}">
+                <a16:creationId xmlns:a16="http://schemas.microsoft.com/office/drawing/2014/main" id="{655F1995-A12A-4D52-8F1F-19EF02B5935F}"/>
+              </a:ext>
+            </a:extLst>
+          </p:cNvPr>
+          <p:cNvSpPr txBox="1"/>
+          <p:nvPr/>
+        </p:nvSpPr>
+        <p:spPr>
+          <a:xfrm>
+            <a:off x="4937760" y="4315967"/>
+            <a:ext cx="1231388" cy="307777"/>
+          </a:xfrm>
+          <a:prstGeom prst="rect">
+            <a:avLst/>
+          </a:prstGeom>
+          <a:noFill/>
+        </p:spPr>
+        <p:txBody>
+          <a:bodyPr wrap="square" rtlCol="0">
+            <a:spAutoFit/>
+          </a:bodyPr>
+          <a:lstStyle/>
+          <a:p>
+            <a:r>
+              <a:rPr lang="fr-FR" sz="1400" dirty="0"/>
+              <a:t>param</a:t>
+            </a:r>
+          </a:p>
+        </p:txBody>
+      </p:sp>
+      <p:sp>
+        <p:nvSpPr>
+          <p:cNvPr id="9" name="ZoneTexte 8">
+            <a:extLst>
+              <a:ext uri="{FF2B5EF4-FFF2-40B4-BE49-F238E27FC236}">
+                <a16:creationId xmlns:a16="http://schemas.microsoft.com/office/drawing/2014/main" id="{B945F273-044D-43F5-9F0C-58EA4AA6EFA8}"/>
+              </a:ext>
+            </a:extLst>
+          </p:cNvPr>
+          <p:cNvSpPr txBox="1"/>
+          <p:nvPr/>
+        </p:nvSpPr>
+        <p:spPr>
+          <a:xfrm>
+            <a:off x="97536" y="1077503"/>
+            <a:ext cx="1231388" cy="307777"/>
+          </a:xfrm>
+          <a:prstGeom prst="rect">
+            <a:avLst/>
+          </a:prstGeom>
+          <a:noFill/>
+        </p:spPr>
+        <p:txBody>
+          <a:bodyPr wrap="square" rtlCol="0">
+            <a:spAutoFit/>
+          </a:bodyPr>
+          <a:lstStyle/>
+          <a:p>
+            <a:r>
+              <a:rPr lang="fr-FR" sz="1400" dirty="0"/>
+              <a:t>P(param)</a:t>
+            </a:r>
+          </a:p>
+        </p:txBody>
+      </p:sp>
+      <p:sp>
+        <p:nvSpPr>
+          <p:cNvPr id="13" name="Forme libre : forme 12">
+            <a:extLst>
+              <a:ext uri="{FF2B5EF4-FFF2-40B4-BE49-F238E27FC236}">
+                <a16:creationId xmlns:a16="http://schemas.microsoft.com/office/drawing/2014/main" id="{A5152B3E-9596-45A4-89FB-0191F32441D3}"/>
+              </a:ext>
+            </a:extLst>
+          </p:cNvPr>
+          <p:cNvSpPr/>
+          <p:nvPr/>
+        </p:nvSpPr>
+        <p:spPr>
+          <a:xfrm>
+            <a:off x="1091183" y="1511807"/>
+            <a:ext cx="3956301" cy="2645665"/>
+          </a:xfrm>
+          <a:custGeom>
+            <a:avLst/>
+            <a:gdLst>
+              <a:gd name="connsiteX0" fmla="*/ 0 w 3419856"/>
+              <a:gd name="connsiteY0" fmla="*/ 2343089 h 2343089"/>
+              <a:gd name="connsiteX1" fmla="*/ 304800 w 3419856"/>
+              <a:gd name="connsiteY1" fmla="*/ 2225 h 2343089"/>
+              <a:gd name="connsiteX2" fmla="*/ 615696 w 3419856"/>
+              <a:gd name="connsiteY2" fmla="*/ 1922465 h 2343089"/>
+              <a:gd name="connsiteX3" fmla="*/ 3419856 w 3419856"/>
+              <a:gd name="connsiteY3" fmla="*/ 2306513 h 2343089"/>
+            </a:gdLst>
+            <a:ahLst/>
+            <a:cxnLst>
+              <a:cxn ang="0">
+                <a:pos x="connsiteX0" y="connsiteY0"/>
+              </a:cxn>
+              <a:cxn ang="0">
+                <a:pos x="connsiteX1" y="connsiteY1"/>
+              </a:cxn>
+              <a:cxn ang="0">
+                <a:pos x="connsiteX2" y="connsiteY2"/>
+              </a:cxn>
+              <a:cxn ang="0">
+                <a:pos x="connsiteX3" y="connsiteY3"/>
+              </a:cxn>
+            </a:cxnLst>
+            <a:rect l="l" t="t" r="r" b="b"/>
+            <a:pathLst>
+              <a:path w="3419856" h="2343089">
+                <a:moveTo>
+                  <a:pt x="0" y="2343089"/>
+                </a:moveTo>
+                <a:cubicBezTo>
+                  <a:pt x="101092" y="1207709"/>
+                  <a:pt x="202184" y="72329"/>
+                  <a:pt x="304800" y="2225"/>
+                </a:cubicBezTo>
+                <a:cubicBezTo>
+                  <a:pt x="407416" y="-67879"/>
+                  <a:pt x="96520" y="1538417"/>
+                  <a:pt x="615696" y="1922465"/>
+                </a:cubicBezTo>
+                <a:cubicBezTo>
+                  <a:pt x="1134872" y="2306513"/>
+                  <a:pt x="2928112" y="2235393"/>
+                  <a:pt x="3419856" y="2306513"/>
+                </a:cubicBezTo>
+              </a:path>
+            </a:pathLst>
+          </a:custGeom>
+          <a:noFill/>
+          <a:ln w="38100">
+            <a:solidFill>
+              <a:srgbClr val="FF0000"/>
+            </a:solidFill>
+          </a:ln>
+        </p:spPr>
+        <p:style>
+          <a:lnRef idx="2">
+            <a:schemeClr val="accent1">
+              <a:shade val="50000"/>
+            </a:schemeClr>
+          </a:lnRef>
+          <a:fillRef idx="1">
+            <a:schemeClr val="accent1"/>
+          </a:fillRef>
+          <a:effectRef idx="0">
+            <a:schemeClr val="accent1"/>
+          </a:effectRef>
+          <a:fontRef idx="minor">
+            <a:schemeClr val="lt1"/>
+          </a:fontRef>
+        </p:style>
+        <p:txBody>
+          <a:bodyPr rtlCol="0" anchor="ctr"/>
+          <a:lstStyle/>
+          <a:p>
+            <a:pPr algn="ctr"/>
+            <a:endParaRPr lang="fr-FR" dirty="0"/>
+          </a:p>
+        </p:txBody>
+      </p:sp>
+      <p:sp>
+        <p:nvSpPr>
+          <p:cNvPr id="14" name="Flèche : droite 13">
+            <a:extLst>
+              <a:ext uri="{FF2B5EF4-FFF2-40B4-BE49-F238E27FC236}">
+                <a16:creationId xmlns:a16="http://schemas.microsoft.com/office/drawing/2014/main" id="{DF377068-358F-466B-855A-BADC85FE23F5}"/>
+              </a:ext>
+            </a:extLst>
+          </p:cNvPr>
+          <p:cNvSpPr/>
+          <p:nvPr/>
+        </p:nvSpPr>
+        <p:spPr>
+          <a:xfrm>
+            <a:off x="5184646" y="2398847"/>
+            <a:ext cx="877824" cy="307777"/>
+          </a:xfrm>
+          <a:prstGeom prst="rightArrow">
+            <a:avLst/>
+          </a:prstGeom>
+          <a:solidFill>
+            <a:srgbClr val="2BB595"/>
+          </a:solidFill>
+          <a:ln>
+            <a:noFill/>
+          </a:ln>
+        </p:spPr>
+        <p:style>
+          <a:lnRef idx="2">
+            <a:schemeClr val="accent6">
+              <a:shade val="50000"/>
+            </a:schemeClr>
+          </a:lnRef>
+          <a:fillRef idx="1">
+            <a:schemeClr val="accent6"/>
+          </a:fillRef>
+          <a:effectRef idx="0">
+            <a:schemeClr val="accent6"/>
+          </a:effectRef>
+          <a:fontRef idx="minor">
+            <a:schemeClr val="lt1"/>
+          </a:fontRef>
+        </p:style>
+        <p:txBody>
+          <a:bodyPr rtlCol="0" anchor="ctr"/>
+          <a:lstStyle/>
+          <a:p>
+            <a:pPr algn="ctr"/>
+            <a:endParaRPr lang="fr-FR"/>
+          </a:p>
+        </p:txBody>
+      </p:sp>
+      <p:cxnSp>
+        <p:nvCxnSpPr>
+          <p:cNvPr id="15" name="Connecteur droit avec flèche 14">
+            <a:extLst>
+              <a:ext uri="{FF2B5EF4-FFF2-40B4-BE49-F238E27FC236}">
+                <a16:creationId xmlns:a16="http://schemas.microsoft.com/office/drawing/2014/main" id="{C60A929E-AA93-4B66-93FD-8B98957A6AB4}"/>
+              </a:ext>
+            </a:extLst>
+          </p:cNvPr>
+          <p:cNvCxnSpPr/>
+          <p:nvPr/>
+        </p:nvCxnSpPr>
+        <p:spPr>
+          <a:xfrm>
+            <a:off x="6626352" y="4163568"/>
+            <a:ext cx="4413504" cy="0"/>
+          </a:xfrm>
+          <a:prstGeom prst="straightConnector1">
+            <a:avLst/>
+          </a:prstGeom>
+          <a:ln w="38100">
+            <a:tailEnd type="triangle"/>
+          </a:ln>
+        </p:spPr>
+        <p:style>
+          <a:lnRef idx="1">
+            <a:schemeClr val="dk1"/>
+          </a:lnRef>
+          <a:fillRef idx="0">
+            <a:schemeClr val="dk1"/>
+          </a:fillRef>
+          <a:effectRef idx="0">
+            <a:schemeClr val="dk1"/>
+          </a:effectRef>
+          <a:fontRef idx="minor">
+            <a:schemeClr val="tx1"/>
+          </a:fontRef>
+        </p:style>
+      </p:cxnSp>
+      <p:cxnSp>
+        <p:nvCxnSpPr>
+          <p:cNvPr id="16" name="Connecteur droit avec flèche 15">
+            <a:extLst>
+              <a:ext uri="{FF2B5EF4-FFF2-40B4-BE49-F238E27FC236}">
+                <a16:creationId xmlns:a16="http://schemas.microsoft.com/office/drawing/2014/main" id="{B307F36F-89C8-42C6-85DF-FEFABAF1030F}"/>
+              </a:ext>
+            </a:extLst>
+          </p:cNvPr>
+          <p:cNvCxnSpPr>
+            <a:cxnSpLocks/>
+          </p:cNvCxnSpPr>
+          <p:nvPr/>
+        </p:nvCxnSpPr>
+        <p:spPr>
+          <a:xfrm flipV="1">
+            <a:off x="6778752" y="950976"/>
+            <a:ext cx="0" cy="3364992"/>
+          </a:xfrm>
+          <a:prstGeom prst="straightConnector1">
+            <a:avLst/>
+          </a:prstGeom>
+          <a:ln w="38100">
+            <a:tailEnd type="triangle"/>
+          </a:ln>
+        </p:spPr>
+        <p:style>
+          <a:lnRef idx="1">
+            <a:schemeClr val="dk1"/>
+          </a:lnRef>
+          <a:fillRef idx="0">
+            <a:schemeClr val="dk1"/>
+          </a:fillRef>
+          <a:effectRef idx="0">
+            <a:schemeClr val="dk1"/>
+          </a:effectRef>
+          <a:fontRef idx="minor">
+            <a:schemeClr val="tx1"/>
+          </a:fontRef>
+        </p:style>
+      </p:cxnSp>
+      <p:sp>
+        <p:nvSpPr>
+          <p:cNvPr id="17" name="ZoneTexte 16">
+            <a:extLst>
+              <a:ext uri="{FF2B5EF4-FFF2-40B4-BE49-F238E27FC236}">
+                <a16:creationId xmlns:a16="http://schemas.microsoft.com/office/drawing/2014/main" id="{F6527842-4AA9-4E6B-9E38-DE3922215E36}"/>
+              </a:ext>
+            </a:extLst>
+          </p:cNvPr>
+          <p:cNvSpPr txBox="1"/>
+          <p:nvPr/>
+        </p:nvSpPr>
+        <p:spPr>
+          <a:xfrm>
+            <a:off x="10637520" y="4315967"/>
+            <a:ext cx="1231388" cy="307777"/>
+          </a:xfrm>
+          <a:prstGeom prst="rect">
+            <a:avLst/>
+          </a:prstGeom>
+          <a:noFill/>
+        </p:spPr>
+        <p:txBody>
+          <a:bodyPr wrap="square" rtlCol="0">
+            <a:spAutoFit/>
+          </a:bodyPr>
+          <a:lstStyle/>
+          <a:p>
+            <a:r>
+              <a:rPr lang="fr-FR" sz="1400" dirty="0"/>
+              <a:t>f(param)</a:t>
+            </a:r>
+          </a:p>
+        </p:txBody>
+      </p:sp>
+      <p:sp>
+        <p:nvSpPr>
+          <p:cNvPr id="18" name="ZoneTexte 17">
+            <a:extLst>
+              <a:ext uri="{FF2B5EF4-FFF2-40B4-BE49-F238E27FC236}">
+                <a16:creationId xmlns:a16="http://schemas.microsoft.com/office/drawing/2014/main" id="{5707F391-F710-4CC5-8283-97EA468842B0}"/>
+              </a:ext>
+            </a:extLst>
+          </p:cNvPr>
+          <p:cNvSpPr txBox="1"/>
+          <p:nvPr/>
+        </p:nvSpPr>
+        <p:spPr>
+          <a:xfrm>
+            <a:off x="5797296" y="1077503"/>
+            <a:ext cx="1231388" cy="307777"/>
+          </a:xfrm>
+          <a:prstGeom prst="rect">
+            <a:avLst/>
+          </a:prstGeom>
+          <a:noFill/>
+        </p:spPr>
+        <p:txBody>
+          <a:bodyPr wrap="square" rtlCol="0">
+            <a:spAutoFit/>
+          </a:bodyPr>
+          <a:lstStyle/>
+          <a:p>
+            <a:r>
+              <a:rPr lang="fr-FR" sz="1400" dirty="0"/>
+              <a:t>P(f(param))</a:t>
+            </a:r>
+          </a:p>
+        </p:txBody>
+      </p:sp>
+      <p:sp>
+        <p:nvSpPr>
+          <p:cNvPr id="23" name="Forme libre : forme 22">
+            <a:extLst>
+              <a:ext uri="{FF2B5EF4-FFF2-40B4-BE49-F238E27FC236}">
+                <a16:creationId xmlns:a16="http://schemas.microsoft.com/office/drawing/2014/main" id="{D0C044C4-1F36-46C7-A1FE-A5E13FF71349}"/>
+              </a:ext>
+            </a:extLst>
+          </p:cNvPr>
+          <p:cNvSpPr/>
+          <p:nvPr/>
+        </p:nvSpPr>
+        <p:spPr>
+          <a:xfrm>
+            <a:off x="6790943" y="1649658"/>
+            <a:ext cx="3956300" cy="2507814"/>
+          </a:xfrm>
+          <a:custGeom>
+            <a:avLst/>
+            <a:gdLst>
+              <a:gd name="connsiteX0" fmla="*/ 0 w 6742176"/>
+              <a:gd name="connsiteY0" fmla="*/ 4807166 h 4815620"/>
+              <a:gd name="connsiteX1" fmla="*/ 1170432 w 6742176"/>
+              <a:gd name="connsiteY1" fmla="*/ 4593806 h 4815620"/>
+              <a:gd name="connsiteX2" fmla="*/ 1993392 w 6742176"/>
+              <a:gd name="connsiteY2" fmla="*/ 3325838 h 4815620"/>
+              <a:gd name="connsiteX3" fmla="*/ 2816352 w 6742176"/>
+              <a:gd name="connsiteY3" fmla="*/ 570446 h 4815620"/>
+              <a:gd name="connsiteX4" fmla="*/ 3395472 w 6742176"/>
+              <a:gd name="connsiteY4" fmla="*/ 15710 h 4815620"/>
+              <a:gd name="connsiteX5" fmla="*/ 3913632 w 6742176"/>
+              <a:gd name="connsiteY5" fmla="*/ 887438 h 4815620"/>
+              <a:gd name="connsiteX6" fmla="*/ 4602480 w 6742176"/>
+              <a:gd name="connsiteY6" fmla="*/ 3167342 h 4815620"/>
+              <a:gd name="connsiteX7" fmla="*/ 5401056 w 6742176"/>
+              <a:gd name="connsiteY7" fmla="*/ 4423118 h 4815620"/>
+              <a:gd name="connsiteX8" fmla="*/ 6742176 w 6742176"/>
+              <a:gd name="connsiteY8" fmla="*/ 4715726 h 4815620"/>
+            </a:gdLst>
+            <a:ahLst/>
+            <a:cxnLst>
+              <a:cxn ang="0">
+                <a:pos x="connsiteX0" y="connsiteY0"/>
+              </a:cxn>
+              <a:cxn ang="0">
+                <a:pos x="connsiteX1" y="connsiteY1"/>
+              </a:cxn>
+              <a:cxn ang="0">
+                <a:pos x="connsiteX2" y="connsiteY2"/>
+              </a:cxn>
+              <a:cxn ang="0">
+                <a:pos x="connsiteX3" y="connsiteY3"/>
+              </a:cxn>
+              <a:cxn ang="0">
+                <a:pos x="connsiteX4" y="connsiteY4"/>
+              </a:cxn>
+              <a:cxn ang="0">
+                <a:pos x="connsiteX5" y="connsiteY5"/>
+              </a:cxn>
+              <a:cxn ang="0">
+                <a:pos x="connsiteX6" y="connsiteY6"/>
+              </a:cxn>
+              <a:cxn ang="0">
+                <a:pos x="connsiteX7" y="connsiteY7"/>
+              </a:cxn>
+              <a:cxn ang="0">
+                <a:pos x="connsiteX8" y="connsiteY8"/>
+              </a:cxn>
+            </a:cxnLst>
+            <a:rect l="l" t="t" r="r" b="b"/>
+            <a:pathLst>
+              <a:path w="6742176" h="4815620">
+                <a:moveTo>
+                  <a:pt x="0" y="4807166"/>
+                </a:moveTo>
+                <a:cubicBezTo>
+                  <a:pt x="419100" y="4823930"/>
+                  <a:pt x="838200" y="4840694"/>
+                  <a:pt x="1170432" y="4593806"/>
+                </a:cubicBezTo>
+                <a:cubicBezTo>
+                  <a:pt x="1502664" y="4346918"/>
+                  <a:pt x="1719072" y="3996398"/>
+                  <a:pt x="1993392" y="3325838"/>
+                </a:cubicBezTo>
+                <a:cubicBezTo>
+                  <a:pt x="2267712" y="2655278"/>
+                  <a:pt x="2582672" y="1122134"/>
+                  <a:pt x="2816352" y="570446"/>
+                </a:cubicBezTo>
+                <a:cubicBezTo>
+                  <a:pt x="3050032" y="18758"/>
+                  <a:pt x="3212592" y="-37122"/>
+                  <a:pt x="3395472" y="15710"/>
+                </a:cubicBezTo>
+                <a:cubicBezTo>
+                  <a:pt x="3578352" y="68542"/>
+                  <a:pt x="3712464" y="362166"/>
+                  <a:pt x="3913632" y="887438"/>
+                </a:cubicBezTo>
+                <a:cubicBezTo>
+                  <a:pt x="4114800" y="1412710"/>
+                  <a:pt x="4354576" y="2578062"/>
+                  <a:pt x="4602480" y="3167342"/>
+                </a:cubicBezTo>
+                <a:cubicBezTo>
+                  <a:pt x="4850384" y="3756622"/>
+                  <a:pt x="5044440" y="4165054"/>
+                  <a:pt x="5401056" y="4423118"/>
+                </a:cubicBezTo>
+                <a:cubicBezTo>
+                  <a:pt x="5757672" y="4681182"/>
+                  <a:pt x="6480048" y="4663910"/>
+                  <a:pt x="6742176" y="4715726"/>
+                </a:cubicBezTo>
+              </a:path>
+            </a:pathLst>
+          </a:custGeom>
+          <a:noFill/>
+          <a:ln w="38100">
+            <a:solidFill>
+              <a:srgbClr val="FF0000"/>
+            </a:solidFill>
+          </a:ln>
+        </p:spPr>
+        <p:style>
+          <a:lnRef idx="2">
+            <a:schemeClr val="accent1">
+              <a:shade val="50000"/>
+            </a:schemeClr>
+          </a:lnRef>
+          <a:fillRef idx="1">
+            <a:schemeClr val="accent1"/>
+          </a:fillRef>
+          <a:effectRef idx="0">
+            <a:schemeClr val="accent1"/>
+          </a:effectRef>
+          <a:fontRef idx="minor">
+            <a:schemeClr val="lt1"/>
+          </a:fontRef>
+        </p:style>
+        <p:txBody>
+          <a:bodyPr rtlCol="0" anchor="ctr"/>
+          <a:lstStyle/>
+          <a:p>
+            <a:pPr algn="ctr"/>
+            <a:endParaRPr lang="fr-FR"/>
+          </a:p>
+        </p:txBody>
+      </p:sp>
+    </p:spTree>
+    <p:extLst>
+      <p:ext uri="{BB962C8B-B14F-4D97-AF65-F5344CB8AC3E}">
+        <p14:creationId xmlns:p14="http://schemas.microsoft.com/office/powerpoint/2010/main" val="1707028179"/>
+      </p:ext>
+    </p:extLst>
+  </p:cSld>
+  <p:clrMapOvr>
+    <a:masterClrMapping/>
+  </p:clrMapOvr>
+</p:sld>
+</file>
+
+<file path=ppt/slides/slide5.xml><?xml version="1.0" encoding="utf-8"?>
+<p:sld xmlns:a="http://schemas.openxmlformats.org/drawingml/2006/main" xmlns:r="http://schemas.openxmlformats.org/officeDocument/2006/relationships" xmlns:p="http://schemas.openxmlformats.org/presentationml/2006/main">
+  <p:cSld>
+    <p:spTree>
+      <p:nvGrpSpPr>
+        <p:cNvPr id="1" name=""/>
+        <p:cNvGrpSpPr/>
+        <p:nvPr/>
+      </p:nvGrpSpPr>
+      <p:grpSpPr>
+        <a:xfrm>
+          <a:off x="0" y="0"/>
+          <a:ext cx="0" cy="0"/>
+          <a:chOff x="0" y="0"/>
+          <a:chExt cx="0" cy="0"/>
+        </a:xfrm>
+      </p:grpSpPr>
+      <p:pic>
+        <p:nvPicPr>
+          <p:cNvPr id="9" name="Picture 4" descr="Premium Vector | City map. vector illustration">
+            <a:extLst>
+              <a:ext uri="{FF2B5EF4-FFF2-40B4-BE49-F238E27FC236}">
+                <a16:creationId xmlns:a16="http://schemas.microsoft.com/office/drawing/2014/main" id="{82DC4BDD-D61A-4C65-A33D-1291FDC4D75B}"/>
+              </a:ext>
+            </a:extLst>
+          </p:cNvPr>
+          <p:cNvPicPr>
+            <a:picLocks noChangeAspect="1" noChangeArrowheads="1"/>
+          </p:cNvPicPr>
+          <p:nvPr/>
+        </p:nvPicPr>
+        <p:blipFill>
+          <a:blip r:embed="rId2">
+            <a:extLst>
+              <a:ext uri="{BEBA8EAE-BF5A-486C-A8C5-ECC9F3942E4B}">
+                <a14:imgProps xmlns:a14="http://schemas.microsoft.com/office/drawing/2010/main">
+                  <a14:imgLayer r:embed="rId3">
+                    <a14:imgEffect>
+                      <a14:saturation sat="0"/>
+                    </a14:imgEffect>
+                  </a14:imgLayer>
+                </a14:imgProps>
+              </a:ext>
+              <a:ext uri="{28A0092B-C50C-407E-A947-70E740481C1C}">
+                <a14:useLocalDpi xmlns:a14="http://schemas.microsoft.com/office/drawing/2010/main" val="0"/>
+              </a:ext>
+            </a:extLst>
+          </a:blip>
+          <a:srcRect/>
+          <a:stretch>
+            <a:fillRect/>
+          </a:stretch>
+        </p:blipFill>
+        <p:spPr bwMode="auto">
+          <a:xfrm>
+            <a:off x="0" y="0"/>
+            <a:ext cx="8722426" cy="6859800"/>
+          </a:xfrm>
+          <a:prstGeom prst="rect">
+            <a:avLst/>
+          </a:prstGeom>
+          <a:noFill/>
+          <a:extLst>
+            <a:ext uri="{909E8E84-426E-40DD-AFC4-6F175D3DCCD1}">
+              <a14:hiddenFill xmlns:a14="http://schemas.microsoft.com/office/drawing/2010/main">
+                <a:solidFill>
+                  <a:srgbClr val="FFFFFF"/>
+                </a:solidFill>
+              </a14:hiddenFill>
+            </a:ext>
+          </a:extLst>
+        </p:spPr>
+      </p:pic>
+      <p:sp>
+        <p:nvSpPr>
+          <p:cNvPr id="11" name="Forme libre : forme 10">
+            <a:extLst>
+              <a:ext uri="{FF2B5EF4-FFF2-40B4-BE49-F238E27FC236}">
+                <a16:creationId xmlns:a16="http://schemas.microsoft.com/office/drawing/2014/main" id="{FD265C4F-27D6-429A-9BF3-DE1D77214AE9}"/>
+              </a:ext>
+            </a:extLst>
+          </p:cNvPr>
+          <p:cNvSpPr/>
+          <p:nvPr/>
+        </p:nvSpPr>
+        <p:spPr>
+          <a:xfrm>
+            <a:off x="4690753" y="3591748"/>
+            <a:ext cx="1514104" cy="1164320"/>
+          </a:xfrm>
+          <a:custGeom>
+            <a:avLst/>
+            <a:gdLst>
+              <a:gd name="connsiteX0" fmla="*/ 1104405 w 1514104"/>
+              <a:gd name="connsiteY0" fmla="*/ 12413 h 1164320"/>
+              <a:gd name="connsiteX1" fmla="*/ 1104405 w 1514104"/>
+              <a:gd name="connsiteY1" fmla="*/ 12413 h 1164320"/>
+              <a:gd name="connsiteX2" fmla="*/ 932213 w 1514104"/>
+              <a:gd name="connsiteY2" fmla="*/ 6475 h 1164320"/>
+              <a:gd name="connsiteX3" fmla="*/ 926276 w 1514104"/>
+              <a:gd name="connsiteY3" fmla="*/ 24288 h 1164320"/>
+              <a:gd name="connsiteX4" fmla="*/ 908463 w 1514104"/>
+              <a:gd name="connsiteY4" fmla="*/ 36164 h 1164320"/>
+              <a:gd name="connsiteX5" fmla="*/ 896587 w 1514104"/>
+              <a:gd name="connsiteY5" fmla="*/ 59914 h 1164320"/>
+              <a:gd name="connsiteX6" fmla="*/ 855024 w 1514104"/>
+              <a:gd name="connsiteY6" fmla="*/ 113353 h 1164320"/>
+              <a:gd name="connsiteX7" fmla="*/ 843148 w 1514104"/>
+              <a:gd name="connsiteY7" fmla="*/ 131166 h 1164320"/>
+              <a:gd name="connsiteX8" fmla="*/ 813460 w 1514104"/>
+              <a:gd name="connsiteY8" fmla="*/ 160855 h 1164320"/>
+              <a:gd name="connsiteX9" fmla="*/ 771896 w 1514104"/>
+              <a:gd name="connsiteY9" fmla="*/ 172730 h 1164320"/>
+              <a:gd name="connsiteX10" fmla="*/ 748146 w 1514104"/>
+              <a:gd name="connsiteY10" fmla="*/ 196481 h 1164320"/>
+              <a:gd name="connsiteX11" fmla="*/ 718457 w 1514104"/>
+              <a:gd name="connsiteY11" fmla="*/ 232107 h 1164320"/>
+              <a:gd name="connsiteX12" fmla="*/ 712520 w 1514104"/>
+              <a:gd name="connsiteY12" fmla="*/ 285546 h 1164320"/>
+              <a:gd name="connsiteX13" fmla="*/ 694707 w 1514104"/>
+              <a:gd name="connsiteY13" fmla="*/ 303358 h 1164320"/>
+              <a:gd name="connsiteX14" fmla="*/ 688769 w 1514104"/>
+              <a:gd name="connsiteY14" fmla="*/ 327109 h 1164320"/>
+              <a:gd name="connsiteX15" fmla="*/ 665018 w 1514104"/>
+              <a:gd name="connsiteY15" fmla="*/ 350860 h 1164320"/>
+              <a:gd name="connsiteX16" fmla="*/ 647205 w 1514104"/>
+              <a:gd name="connsiteY16" fmla="*/ 374610 h 1164320"/>
+              <a:gd name="connsiteX17" fmla="*/ 617517 w 1514104"/>
+              <a:gd name="connsiteY17" fmla="*/ 404299 h 1164320"/>
+              <a:gd name="connsiteX18" fmla="*/ 605642 w 1514104"/>
+              <a:gd name="connsiteY18" fmla="*/ 422112 h 1164320"/>
+              <a:gd name="connsiteX19" fmla="*/ 570016 w 1514104"/>
+              <a:gd name="connsiteY19" fmla="*/ 457738 h 1164320"/>
+              <a:gd name="connsiteX20" fmla="*/ 552203 w 1514104"/>
+              <a:gd name="connsiteY20" fmla="*/ 475551 h 1164320"/>
+              <a:gd name="connsiteX21" fmla="*/ 528452 w 1514104"/>
+              <a:gd name="connsiteY21" fmla="*/ 499301 h 1164320"/>
+              <a:gd name="connsiteX22" fmla="*/ 0 w 1514104"/>
+              <a:gd name="connsiteY22" fmla="*/ 1081192 h 1164320"/>
+              <a:gd name="connsiteX23" fmla="*/ 95003 w 1514104"/>
+              <a:gd name="connsiteY23" fmla="*/ 1116818 h 1164320"/>
+              <a:gd name="connsiteX24" fmla="*/ 991590 w 1514104"/>
+              <a:gd name="connsiteY24" fmla="*/ 1164320 h 1164320"/>
+              <a:gd name="connsiteX25" fmla="*/ 1092530 w 1514104"/>
+              <a:gd name="connsiteY25" fmla="*/ 1009940 h 1164320"/>
+              <a:gd name="connsiteX26" fmla="*/ 1508166 w 1514104"/>
+              <a:gd name="connsiteY26" fmla="*/ 249920 h 1164320"/>
+              <a:gd name="connsiteX27" fmla="*/ 1514104 w 1514104"/>
+              <a:gd name="connsiteY27" fmla="*/ 184605 h 1164320"/>
+              <a:gd name="connsiteX28" fmla="*/ 1502229 w 1514104"/>
+              <a:gd name="connsiteY28" fmla="*/ 137104 h 1164320"/>
+              <a:gd name="connsiteX29" fmla="*/ 1496291 w 1514104"/>
+              <a:gd name="connsiteY29" fmla="*/ 113353 h 1164320"/>
+              <a:gd name="connsiteX30" fmla="*/ 1484416 w 1514104"/>
+              <a:gd name="connsiteY30" fmla="*/ 95540 h 1164320"/>
+              <a:gd name="connsiteX31" fmla="*/ 1442852 w 1514104"/>
+              <a:gd name="connsiteY31" fmla="*/ 59914 h 1164320"/>
+              <a:gd name="connsiteX32" fmla="*/ 1104405 w 1514104"/>
+              <a:gd name="connsiteY32" fmla="*/ 12413 h 1164320"/>
+            </a:gdLst>
+            <a:ahLst/>
+            <a:cxnLst>
+              <a:cxn ang="0">
+                <a:pos x="connsiteX0" y="connsiteY0"/>
+              </a:cxn>
+              <a:cxn ang="0">
+                <a:pos x="connsiteX1" y="connsiteY1"/>
+              </a:cxn>
+              <a:cxn ang="0">
+                <a:pos x="connsiteX2" y="connsiteY2"/>
+              </a:cxn>
+              <a:cxn ang="0">
+                <a:pos x="connsiteX3" y="connsiteY3"/>
+              </a:cxn>
+              <a:cxn ang="0">
+                <a:pos x="connsiteX4" y="connsiteY4"/>
+              </a:cxn>
+              <a:cxn ang="0">
+                <a:pos x="connsiteX5" y="connsiteY5"/>
+              </a:cxn>
+              <a:cxn ang="0">
+                <a:pos x="connsiteX6" y="connsiteY6"/>
+              </a:cxn>
+              <a:cxn ang="0">
+                <a:pos x="connsiteX7" y="connsiteY7"/>
+              </a:cxn>
+              <a:cxn ang="0">
+                <a:pos x="connsiteX8" y="connsiteY8"/>
+              </a:cxn>
+              <a:cxn ang="0">
+                <a:pos x="connsiteX9" y="connsiteY9"/>
+              </a:cxn>
+              <a:cxn ang="0">
+                <a:pos x="connsiteX10" y="connsiteY10"/>
+              </a:cxn>
+              <a:cxn ang="0">
+                <a:pos x="connsiteX11" y="connsiteY11"/>
+              </a:cxn>
+              <a:cxn ang="0">
+                <a:pos x="connsiteX12" y="connsiteY12"/>
+              </a:cxn>
+              <a:cxn ang="0">
+                <a:pos x="connsiteX13" y="connsiteY13"/>
+              </a:cxn>
+              <a:cxn ang="0">
+                <a:pos x="connsiteX14" y="connsiteY14"/>
+              </a:cxn>
+              <a:cxn ang="0">
+                <a:pos x="connsiteX15" y="connsiteY15"/>
+              </a:cxn>
+              <a:cxn ang="0">
+                <a:pos x="connsiteX16" y="connsiteY16"/>
+              </a:cxn>
+              <a:cxn ang="0">
+                <a:pos x="connsiteX17" y="connsiteY17"/>
+              </a:cxn>
+              <a:cxn ang="0">
+                <a:pos x="connsiteX18" y="connsiteY18"/>
+              </a:cxn>
+              <a:cxn ang="0">
+                <a:pos x="connsiteX19" y="connsiteY19"/>
+              </a:cxn>
+              <a:cxn ang="0">
+                <a:pos x="connsiteX20" y="connsiteY20"/>
+              </a:cxn>
+              <a:cxn ang="0">
+                <a:pos x="connsiteX21" y="connsiteY21"/>
+              </a:cxn>
+              <a:cxn ang="0">
+                <a:pos x="connsiteX22" y="connsiteY22"/>
+              </a:cxn>
+              <a:cxn ang="0">
+                <a:pos x="connsiteX23" y="connsiteY23"/>
+              </a:cxn>
+              <a:cxn ang="0">
+                <a:pos x="connsiteX24" y="connsiteY24"/>
+              </a:cxn>
+              <a:cxn ang="0">
+                <a:pos x="connsiteX25" y="connsiteY25"/>
+              </a:cxn>
+              <a:cxn ang="0">
+                <a:pos x="connsiteX26" y="connsiteY26"/>
+              </a:cxn>
+              <a:cxn ang="0">
+                <a:pos x="connsiteX27" y="connsiteY27"/>
+              </a:cxn>
+              <a:cxn ang="0">
+                <a:pos x="connsiteX28" y="connsiteY28"/>
+              </a:cxn>
+              <a:cxn ang="0">
+                <a:pos x="connsiteX29" y="connsiteY29"/>
+              </a:cxn>
+              <a:cxn ang="0">
+                <a:pos x="connsiteX30" y="connsiteY30"/>
+              </a:cxn>
+              <a:cxn ang="0">
+                <a:pos x="connsiteX31" y="connsiteY31"/>
+              </a:cxn>
+              <a:cxn ang="0">
+                <a:pos x="connsiteX32" y="connsiteY32"/>
+              </a:cxn>
+            </a:cxnLst>
+            <a:rect l="l" t="t" r="r" b="b"/>
+            <a:pathLst>
+              <a:path w="1514104" h="1164320">
+                <a:moveTo>
+                  <a:pt x="1104405" y="12413"/>
+                </a:moveTo>
+                <a:lnTo>
+                  <a:pt x="1104405" y="12413"/>
+                </a:lnTo>
+                <a:cubicBezTo>
+                  <a:pt x="1058539" y="7017"/>
+                  <a:pt x="981832" y="-8792"/>
+                  <a:pt x="932213" y="6475"/>
+                </a:cubicBezTo>
+                <a:cubicBezTo>
+                  <a:pt x="926231" y="8316"/>
+                  <a:pt x="930186" y="19401"/>
+                  <a:pt x="926276" y="24288"/>
+                </a:cubicBezTo>
+                <a:cubicBezTo>
+                  <a:pt x="921818" y="29861"/>
+                  <a:pt x="914401" y="32205"/>
+                  <a:pt x="908463" y="36164"/>
+                </a:cubicBezTo>
+                <a:cubicBezTo>
+                  <a:pt x="904504" y="44081"/>
+                  <a:pt x="901625" y="52637"/>
+                  <a:pt x="896587" y="59914"/>
+                </a:cubicBezTo>
+                <a:cubicBezTo>
+                  <a:pt x="883742" y="78468"/>
+                  <a:pt x="867542" y="94577"/>
+                  <a:pt x="855024" y="113353"/>
+                </a:cubicBezTo>
+                <a:cubicBezTo>
+                  <a:pt x="851065" y="119291"/>
+                  <a:pt x="847847" y="125795"/>
+                  <a:pt x="843148" y="131166"/>
+                </a:cubicBezTo>
+                <a:cubicBezTo>
+                  <a:pt x="833932" y="141699"/>
+                  <a:pt x="827038" y="157461"/>
+                  <a:pt x="813460" y="160855"/>
+                </a:cubicBezTo>
+                <a:cubicBezTo>
+                  <a:pt x="783637" y="168310"/>
+                  <a:pt x="797451" y="164211"/>
+                  <a:pt x="771896" y="172730"/>
+                </a:cubicBezTo>
+                <a:cubicBezTo>
+                  <a:pt x="763979" y="180647"/>
+                  <a:pt x="754864" y="187524"/>
+                  <a:pt x="748146" y="196481"/>
+                </a:cubicBezTo>
+                <a:cubicBezTo>
+                  <a:pt x="718013" y="236658"/>
+                  <a:pt x="755781" y="207223"/>
+                  <a:pt x="718457" y="232107"/>
+                </a:cubicBezTo>
+                <a:cubicBezTo>
+                  <a:pt x="716478" y="249920"/>
+                  <a:pt x="718188" y="268543"/>
+                  <a:pt x="712520" y="285546"/>
+                </a:cubicBezTo>
+                <a:cubicBezTo>
+                  <a:pt x="709865" y="293512"/>
+                  <a:pt x="698873" y="296068"/>
+                  <a:pt x="694707" y="303358"/>
+                </a:cubicBezTo>
+                <a:cubicBezTo>
+                  <a:pt x="690658" y="310443"/>
+                  <a:pt x="693094" y="320189"/>
+                  <a:pt x="688769" y="327109"/>
+                </a:cubicBezTo>
+                <a:cubicBezTo>
+                  <a:pt x="682835" y="336603"/>
+                  <a:pt x="672391" y="342434"/>
+                  <a:pt x="665018" y="350860"/>
+                </a:cubicBezTo>
+                <a:cubicBezTo>
+                  <a:pt x="658501" y="358307"/>
+                  <a:pt x="653779" y="367214"/>
+                  <a:pt x="647205" y="374610"/>
+                </a:cubicBezTo>
+                <a:cubicBezTo>
+                  <a:pt x="637907" y="385070"/>
+                  <a:pt x="625280" y="392654"/>
+                  <a:pt x="617517" y="404299"/>
+                </a:cubicBezTo>
+                <a:cubicBezTo>
+                  <a:pt x="613559" y="410237"/>
+                  <a:pt x="610383" y="416778"/>
+                  <a:pt x="605642" y="422112"/>
+                </a:cubicBezTo>
+                <a:cubicBezTo>
+                  <a:pt x="594485" y="434664"/>
+                  <a:pt x="581891" y="445863"/>
+                  <a:pt x="570016" y="457738"/>
+                </a:cubicBezTo>
+                <a:cubicBezTo>
+                  <a:pt x="564078" y="463676"/>
+                  <a:pt x="558921" y="470513"/>
+                  <a:pt x="552203" y="475551"/>
+                </a:cubicBezTo>
+                <a:cubicBezTo>
+                  <a:pt x="526869" y="494551"/>
+                  <a:pt x="528452" y="483468"/>
+                  <a:pt x="528452" y="499301"/>
+                </a:cubicBezTo>
+                <a:lnTo>
+                  <a:pt x="0" y="1081192"/>
+                </a:lnTo>
+                <a:lnTo>
+                  <a:pt x="95003" y="1116818"/>
+                </a:lnTo>
+                <a:lnTo>
+                  <a:pt x="991590" y="1164320"/>
+                </a:lnTo>
+                <a:lnTo>
+                  <a:pt x="1092530" y="1009940"/>
+                </a:lnTo>
+                <a:lnTo>
+                  <a:pt x="1508166" y="249920"/>
+                </a:lnTo>
+                <a:cubicBezTo>
+                  <a:pt x="1510145" y="228148"/>
+                  <a:pt x="1514104" y="206466"/>
+                  <a:pt x="1514104" y="184605"/>
+                </a:cubicBezTo>
+                <a:cubicBezTo>
+                  <a:pt x="1514104" y="166504"/>
+                  <a:pt x="1506913" y="153499"/>
+                  <a:pt x="1502229" y="137104"/>
+                </a:cubicBezTo>
+                <a:cubicBezTo>
+                  <a:pt x="1499987" y="129257"/>
+                  <a:pt x="1499506" y="120854"/>
+                  <a:pt x="1496291" y="113353"/>
+                </a:cubicBezTo>
+                <a:cubicBezTo>
+                  <a:pt x="1493480" y="106794"/>
+                  <a:pt x="1488984" y="101022"/>
+                  <a:pt x="1484416" y="95540"/>
+                </a:cubicBezTo>
+                <a:cubicBezTo>
+                  <a:pt x="1470632" y="79000"/>
+                  <a:pt x="1460325" y="73019"/>
+                  <a:pt x="1442852" y="59914"/>
+                </a:cubicBezTo>
+                <a:lnTo>
+                  <a:pt x="1104405" y="12413"/>
+                </a:lnTo>
+                <a:close/>
+              </a:path>
+            </a:pathLst>
+          </a:custGeom>
+          <a:solidFill>
+            <a:srgbClr val="FF0000">
+              <a:alpha val="50196"/>
+            </a:srgbClr>
+          </a:solidFill>
+          <a:ln>
+            <a:solidFill>
+              <a:srgbClr val="8E0000"/>
+            </a:solidFill>
+          </a:ln>
+        </p:spPr>
+        <p:style>
+          <a:lnRef idx="2">
+            <a:schemeClr val="accent1">
+              <a:shade val="50000"/>
+            </a:schemeClr>
+          </a:lnRef>
+          <a:fillRef idx="1">
+            <a:schemeClr val="accent1"/>
+          </a:fillRef>
+          <a:effectRef idx="0">
+            <a:schemeClr val="accent1"/>
+          </a:effectRef>
+          <a:fontRef idx="minor">
+            <a:schemeClr val="lt1"/>
+          </a:fontRef>
+        </p:style>
+        <p:txBody>
+          <a:bodyPr rtlCol="0" anchor="ctr"/>
+          <a:lstStyle/>
+          <a:p>
+            <a:pPr algn="ctr"/>
+            <a:endParaRPr lang="fr-FR"/>
+          </a:p>
+        </p:txBody>
+      </p:sp>
+      <p:sp>
+        <p:nvSpPr>
+          <p:cNvPr id="12" name="Forme libre : forme 11">
+            <a:extLst>
+              <a:ext uri="{FF2B5EF4-FFF2-40B4-BE49-F238E27FC236}">
+                <a16:creationId xmlns:a16="http://schemas.microsoft.com/office/drawing/2014/main" id="{7E2AC087-9343-44AA-8745-4E75FE5C9474}"/>
+              </a:ext>
+            </a:extLst>
+          </p:cNvPr>
+          <p:cNvSpPr/>
+          <p:nvPr/>
+        </p:nvSpPr>
+        <p:spPr>
+          <a:xfrm>
+            <a:off x="3075709" y="3099460"/>
+            <a:ext cx="2214748" cy="1680358"/>
+          </a:xfrm>
+          <a:custGeom>
+            <a:avLst/>
+            <a:gdLst>
+              <a:gd name="connsiteX0" fmla="*/ 1573481 w 2214748"/>
+              <a:gd name="connsiteY0" fmla="*/ 0 h 1680358"/>
+              <a:gd name="connsiteX1" fmla="*/ 2119746 w 2214748"/>
+              <a:gd name="connsiteY1" fmla="*/ 421574 h 1680358"/>
+              <a:gd name="connsiteX2" fmla="*/ 2149434 w 2214748"/>
+              <a:gd name="connsiteY2" fmla="*/ 469075 h 1680358"/>
+              <a:gd name="connsiteX3" fmla="*/ 2167247 w 2214748"/>
+              <a:gd name="connsiteY3" fmla="*/ 480950 h 1680358"/>
+              <a:gd name="connsiteX4" fmla="*/ 2190997 w 2214748"/>
+              <a:gd name="connsiteY4" fmla="*/ 498763 h 1680358"/>
+              <a:gd name="connsiteX5" fmla="*/ 2202873 w 2214748"/>
+              <a:gd name="connsiteY5" fmla="*/ 546265 h 1680358"/>
+              <a:gd name="connsiteX6" fmla="*/ 2214748 w 2214748"/>
+              <a:gd name="connsiteY6" fmla="*/ 605641 h 1680358"/>
+              <a:gd name="connsiteX7" fmla="*/ 2202873 w 2214748"/>
+              <a:gd name="connsiteY7" fmla="*/ 712519 h 1680358"/>
+              <a:gd name="connsiteX8" fmla="*/ 2190997 w 2214748"/>
+              <a:gd name="connsiteY8" fmla="*/ 724395 h 1680358"/>
+              <a:gd name="connsiteX9" fmla="*/ 2173185 w 2214748"/>
+              <a:gd name="connsiteY9" fmla="*/ 748145 h 1680358"/>
+              <a:gd name="connsiteX10" fmla="*/ 2161309 w 2214748"/>
+              <a:gd name="connsiteY10" fmla="*/ 765958 h 1680358"/>
+              <a:gd name="connsiteX11" fmla="*/ 1448790 w 2214748"/>
+              <a:gd name="connsiteY11" fmla="*/ 1543792 h 1680358"/>
+              <a:gd name="connsiteX12" fmla="*/ 1068779 w 2214748"/>
+              <a:gd name="connsiteY12" fmla="*/ 1466602 h 1680358"/>
+              <a:gd name="connsiteX13" fmla="*/ 866899 w 2214748"/>
+              <a:gd name="connsiteY13" fmla="*/ 1430976 h 1680358"/>
+              <a:gd name="connsiteX14" fmla="*/ 742208 w 2214748"/>
+              <a:gd name="connsiteY14" fmla="*/ 1430976 h 1680358"/>
+              <a:gd name="connsiteX15" fmla="*/ 528452 w 2214748"/>
+              <a:gd name="connsiteY15" fmla="*/ 1472540 h 1680358"/>
+              <a:gd name="connsiteX16" fmla="*/ 290946 w 2214748"/>
+              <a:gd name="connsiteY16" fmla="*/ 1585356 h 1680358"/>
+              <a:gd name="connsiteX17" fmla="*/ 71252 w 2214748"/>
+              <a:gd name="connsiteY17" fmla="*/ 1680358 h 1680358"/>
+              <a:gd name="connsiteX18" fmla="*/ 0 w 2214748"/>
+              <a:gd name="connsiteY18" fmla="*/ 1585356 h 1680358"/>
+              <a:gd name="connsiteX19" fmla="*/ 611579 w 2214748"/>
+              <a:gd name="connsiteY19" fmla="*/ 1122218 h 1680358"/>
+              <a:gd name="connsiteX20" fmla="*/ 1157844 w 2214748"/>
+              <a:gd name="connsiteY20" fmla="*/ 558140 h 1680358"/>
+              <a:gd name="connsiteX21" fmla="*/ 1573481 w 2214748"/>
+              <a:gd name="connsiteY21" fmla="*/ 0 h 1680358"/>
+            </a:gdLst>
+            <a:ahLst/>
+            <a:cxnLst>
+              <a:cxn ang="0">
+                <a:pos x="connsiteX0" y="connsiteY0"/>
+              </a:cxn>
+              <a:cxn ang="0">
+                <a:pos x="connsiteX1" y="connsiteY1"/>
+              </a:cxn>
+              <a:cxn ang="0">
+                <a:pos x="connsiteX2" y="connsiteY2"/>
+              </a:cxn>
+              <a:cxn ang="0">
+                <a:pos x="connsiteX3" y="connsiteY3"/>
+              </a:cxn>
+              <a:cxn ang="0">
+                <a:pos x="connsiteX4" y="connsiteY4"/>
+              </a:cxn>
+              <a:cxn ang="0">
+                <a:pos x="connsiteX5" y="connsiteY5"/>
+              </a:cxn>
+              <a:cxn ang="0">
+                <a:pos x="connsiteX6" y="connsiteY6"/>
+              </a:cxn>
+              <a:cxn ang="0">
+                <a:pos x="connsiteX7" y="connsiteY7"/>
+              </a:cxn>
+              <a:cxn ang="0">
+                <a:pos x="connsiteX8" y="connsiteY8"/>
+              </a:cxn>
+              <a:cxn ang="0">
+                <a:pos x="connsiteX9" y="connsiteY9"/>
+              </a:cxn>
+              <a:cxn ang="0">
+                <a:pos x="connsiteX10" y="connsiteY10"/>
+              </a:cxn>
+              <a:cxn ang="0">
+                <a:pos x="connsiteX11" y="connsiteY11"/>
+              </a:cxn>
+              <a:cxn ang="0">
+                <a:pos x="connsiteX12" y="connsiteY12"/>
+              </a:cxn>
+              <a:cxn ang="0">
+                <a:pos x="connsiteX13" y="connsiteY13"/>
+              </a:cxn>
+              <a:cxn ang="0">
+                <a:pos x="connsiteX14" y="connsiteY14"/>
+              </a:cxn>
+              <a:cxn ang="0">
+                <a:pos x="connsiteX15" y="connsiteY15"/>
+              </a:cxn>
+              <a:cxn ang="0">
+                <a:pos x="connsiteX16" y="connsiteY16"/>
+              </a:cxn>
+              <a:cxn ang="0">
+                <a:pos x="connsiteX17" y="connsiteY17"/>
+              </a:cxn>
+              <a:cxn ang="0">
+                <a:pos x="connsiteX18" y="connsiteY18"/>
+              </a:cxn>
+              <a:cxn ang="0">
+                <a:pos x="connsiteX19" y="connsiteY19"/>
+              </a:cxn>
+              <a:cxn ang="0">
+                <a:pos x="connsiteX20" y="connsiteY20"/>
+              </a:cxn>
+              <a:cxn ang="0">
+                <a:pos x="connsiteX21" y="connsiteY21"/>
+              </a:cxn>
+            </a:cxnLst>
+            <a:rect l="l" t="t" r="r" b="b"/>
+            <a:pathLst>
+              <a:path w="2214748" h="1680358">
+                <a:moveTo>
+                  <a:pt x="1573481" y="0"/>
+                </a:moveTo>
+                <a:lnTo>
+                  <a:pt x="2119746" y="421574"/>
+                </a:lnTo>
+                <a:cubicBezTo>
+                  <a:pt x="2129642" y="437408"/>
+                  <a:pt x="2137770" y="454495"/>
+                  <a:pt x="2149434" y="469075"/>
+                </a:cubicBezTo>
+                <a:cubicBezTo>
+                  <a:pt x="2153892" y="474647"/>
+                  <a:pt x="2161440" y="476802"/>
+                  <a:pt x="2167247" y="480950"/>
+                </a:cubicBezTo>
+                <a:cubicBezTo>
+                  <a:pt x="2175300" y="486702"/>
+                  <a:pt x="2183080" y="492825"/>
+                  <a:pt x="2190997" y="498763"/>
+                </a:cubicBezTo>
+                <a:cubicBezTo>
+                  <a:pt x="2194956" y="514597"/>
+                  <a:pt x="2200190" y="530166"/>
+                  <a:pt x="2202873" y="546265"/>
+                </a:cubicBezTo>
+                <a:cubicBezTo>
+                  <a:pt x="2210151" y="589940"/>
+                  <a:pt x="2205890" y="570211"/>
+                  <a:pt x="2214748" y="605641"/>
+                </a:cubicBezTo>
+                <a:cubicBezTo>
+                  <a:pt x="2210790" y="641267"/>
+                  <a:pt x="2209903" y="677370"/>
+                  <a:pt x="2202873" y="712519"/>
+                </a:cubicBezTo>
+                <a:cubicBezTo>
+                  <a:pt x="2201775" y="718009"/>
+                  <a:pt x="2194581" y="720094"/>
+                  <a:pt x="2190997" y="724395"/>
+                </a:cubicBezTo>
+                <a:cubicBezTo>
+                  <a:pt x="2184662" y="731997"/>
+                  <a:pt x="2179122" y="740228"/>
+                  <a:pt x="2173185" y="748145"/>
+                </a:cubicBezTo>
+                <a:cubicBezTo>
+                  <a:pt x="2166621" y="767836"/>
+                  <a:pt x="2173506" y="765958"/>
+                  <a:pt x="2161309" y="765958"/>
+                </a:cubicBezTo>
+                <a:lnTo>
+                  <a:pt x="1448790" y="1543792"/>
+                </a:lnTo>
+                <a:lnTo>
+                  <a:pt x="1068779" y="1466602"/>
+                </a:lnTo>
+                <a:lnTo>
+                  <a:pt x="866899" y="1430976"/>
+                </a:lnTo>
+                <a:lnTo>
+                  <a:pt x="742208" y="1430976"/>
+                </a:lnTo>
+                <a:lnTo>
+                  <a:pt x="528452" y="1472540"/>
+                </a:lnTo>
+                <a:lnTo>
+                  <a:pt x="290946" y="1585356"/>
+                </a:lnTo>
+                <a:lnTo>
+                  <a:pt x="71252" y="1680358"/>
+                </a:lnTo>
+                <a:lnTo>
+                  <a:pt x="0" y="1585356"/>
+                </a:lnTo>
+                <a:lnTo>
+                  <a:pt x="611579" y="1122218"/>
+                </a:lnTo>
+                <a:lnTo>
+                  <a:pt x="1157844" y="558140"/>
+                </a:lnTo>
+                <a:lnTo>
+                  <a:pt x="1573481" y="0"/>
+                </a:lnTo>
+                <a:close/>
+              </a:path>
+            </a:pathLst>
+          </a:custGeom>
+          <a:solidFill>
+            <a:srgbClr val="70AD47">
+              <a:alpha val="50196"/>
+            </a:srgbClr>
+          </a:solidFill>
+        </p:spPr>
+        <p:style>
+          <a:lnRef idx="2">
+            <a:schemeClr val="accent6">
+              <a:shade val="50000"/>
+            </a:schemeClr>
+          </a:lnRef>
+          <a:fillRef idx="1">
+            <a:schemeClr val="accent6"/>
+          </a:fillRef>
+          <a:effectRef idx="0">
+            <a:schemeClr val="accent6"/>
+          </a:effectRef>
+          <a:fontRef idx="minor">
+            <a:schemeClr val="lt1"/>
+          </a:fontRef>
+        </p:style>
+        <p:txBody>
+          <a:bodyPr rtlCol="0" anchor="ctr"/>
+          <a:lstStyle/>
+          <a:p>
+            <a:pPr algn="ctr"/>
+            <a:endParaRPr lang="fr-FR"/>
+          </a:p>
+        </p:txBody>
+      </p:sp>
+      <p:sp>
+        <p:nvSpPr>
+          <p:cNvPr id="13" name="Forme libre : forme 12">
+            <a:extLst>
+              <a:ext uri="{FF2B5EF4-FFF2-40B4-BE49-F238E27FC236}">
+                <a16:creationId xmlns:a16="http://schemas.microsoft.com/office/drawing/2014/main" id="{B0EFAC15-D025-471C-8E52-D6079E9F8F8F}"/>
+              </a:ext>
+            </a:extLst>
+          </p:cNvPr>
+          <p:cNvSpPr/>
+          <p:nvPr/>
+        </p:nvSpPr>
+        <p:spPr>
+          <a:xfrm>
+            <a:off x="4726379" y="926275"/>
+            <a:ext cx="1276598" cy="2499756"/>
+          </a:xfrm>
+          <a:custGeom>
+            <a:avLst/>
+            <a:gdLst>
+              <a:gd name="connsiteX0" fmla="*/ 961902 w 1276598"/>
+              <a:gd name="connsiteY0" fmla="*/ 2499756 h 2499756"/>
+              <a:gd name="connsiteX1" fmla="*/ 1045029 w 1276598"/>
+              <a:gd name="connsiteY1" fmla="*/ 1626920 h 2499756"/>
+              <a:gd name="connsiteX2" fmla="*/ 1062842 w 1276598"/>
+              <a:gd name="connsiteY2" fmla="*/ 1009403 h 2499756"/>
+              <a:gd name="connsiteX3" fmla="*/ 1205346 w 1276598"/>
+              <a:gd name="connsiteY3" fmla="*/ 237507 h 2499756"/>
+              <a:gd name="connsiteX4" fmla="*/ 1276598 w 1276598"/>
+              <a:gd name="connsiteY4" fmla="*/ 0 h 2499756"/>
+              <a:gd name="connsiteX5" fmla="*/ 1205346 w 1276598"/>
+              <a:gd name="connsiteY5" fmla="*/ 0 h 2499756"/>
+              <a:gd name="connsiteX6" fmla="*/ 914400 w 1276598"/>
+              <a:gd name="connsiteY6" fmla="*/ 546265 h 2499756"/>
+              <a:gd name="connsiteX7" fmla="*/ 338447 w 1276598"/>
+              <a:gd name="connsiteY7" fmla="*/ 1561606 h 2499756"/>
+              <a:gd name="connsiteX8" fmla="*/ 0 w 1276598"/>
+              <a:gd name="connsiteY8" fmla="*/ 2042556 h 2499756"/>
+              <a:gd name="connsiteX9" fmla="*/ 237507 w 1276598"/>
+              <a:gd name="connsiteY9" fmla="*/ 2232561 h 2499756"/>
+              <a:gd name="connsiteX10" fmla="*/ 570016 w 1276598"/>
+              <a:gd name="connsiteY10" fmla="*/ 2386941 h 2499756"/>
+              <a:gd name="connsiteX11" fmla="*/ 855024 w 1276598"/>
+              <a:gd name="connsiteY11" fmla="*/ 2476006 h 2499756"/>
+              <a:gd name="connsiteX12" fmla="*/ 961902 w 1276598"/>
+              <a:gd name="connsiteY12" fmla="*/ 2499756 h 2499756"/>
+            </a:gdLst>
+            <a:ahLst/>
+            <a:cxnLst>
+              <a:cxn ang="0">
+                <a:pos x="connsiteX0" y="connsiteY0"/>
+              </a:cxn>
+              <a:cxn ang="0">
+                <a:pos x="connsiteX1" y="connsiteY1"/>
+              </a:cxn>
+              <a:cxn ang="0">
+                <a:pos x="connsiteX2" y="connsiteY2"/>
+              </a:cxn>
+              <a:cxn ang="0">
+                <a:pos x="connsiteX3" y="connsiteY3"/>
+              </a:cxn>
+              <a:cxn ang="0">
+                <a:pos x="connsiteX4" y="connsiteY4"/>
+              </a:cxn>
+              <a:cxn ang="0">
+                <a:pos x="connsiteX5" y="connsiteY5"/>
+              </a:cxn>
+              <a:cxn ang="0">
+                <a:pos x="connsiteX6" y="connsiteY6"/>
+              </a:cxn>
+              <a:cxn ang="0">
+                <a:pos x="connsiteX7" y="connsiteY7"/>
+              </a:cxn>
+              <a:cxn ang="0">
+                <a:pos x="connsiteX8" y="connsiteY8"/>
+              </a:cxn>
+              <a:cxn ang="0">
+                <a:pos x="connsiteX9" y="connsiteY9"/>
+              </a:cxn>
+              <a:cxn ang="0">
+                <a:pos x="connsiteX10" y="connsiteY10"/>
+              </a:cxn>
+              <a:cxn ang="0">
+                <a:pos x="connsiteX11" y="connsiteY11"/>
+              </a:cxn>
+              <a:cxn ang="0">
+                <a:pos x="connsiteX12" y="connsiteY12"/>
+              </a:cxn>
+            </a:cxnLst>
+            <a:rect l="l" t="t" r="r" b="b"/>
+            <a:pathLst>
+              <a:path w="1276598" h="2499756">
+                <a:moveTo>
+                  <a:pt x="961902" y="2499756"/>
+                </a:moveTo>
+                <a:lnTo>
+                  <a:pt x="1045029" y="1626920"/>
+                </a:lnTo>
+                <a:lnTo>
+                  <a:pt x="1062842" y="1009403"/>
+                </a:lnTo>
+                <a:lnTo>
+                  <a:pt x="1205346" y="237507"/>
+                </a:lnTo>
+                <a:lnTo>
+                  <a:pt x="1276598" y="0"/>
+                </a:lnTo>
+                <a:lnTo>
+                  <a:pt x="1205346" y="0"/>
+                </a:lnTo>
+                <a:lnTo>
+                  <a:pt x="914400" y="546265"/>
+                </a:lnTo>
+                <a:lnTo>
+                  <a:pt x="338447" y="1561606"/>
+                </a:lnTo>
+                <a:lnTo>
+                  <a:pt x="0" y="2042556"/>
+                </a:lnTo>
+                <a:lnTo>
+                  <a:pt x="237507" y="2232561"/>
+                </a:lnTo>
+                <a:lnTo>
+                  <a:pt x="570016" y="2386941"/>
+                </a:lnTo>
+                <a:lnTo>
+                  <a:pt x="855024" y="2476006"/>
+                </a:lnTo>
+                <a:lnTo>
+                  <a:pt x="961902" y="2499756"/>
+                </a:lnTo>
+                <a:close/>
+              </a:path>
+            </a:pathLst>
+          </a:custGeom>
+          <a:solidFill>
+            <a:srgbClr val="FF0000">
+              <a:alpha val="50196"/>
+            </a:srgbClr>
+          </a:solidFill>
+          <a:ln>
+            <a:solidFill>
+              <a:srgbClr val="8E0000"/>
+            </a:solidFill>
+          </a:ln>
+        </p:spPr>
+        <p:style>
+          <a:lnRef idx="2">
+            <a:schemeClr val="accent1">
+              <a:shade val="50000"/>
+            </a:schemeClr>
+          </a:lnRef>
+          <a:fillRef idx="1">
+            <a:schemeClr val="accent1"/>
+          </a:fillRef>
+          <a:effectRef idx="0">
+            <a:schemeClr val="accent1"/>
+          </a:effectRef>
+          <a:fontRef idx="minor">
+            <a:schemeClr val="lt1"/>
+          </a:fontRef>
+        </p:style>
+        <p:txBody>
+          <a:bodyPr rtlCol="0" anchor="ctr"/>
+          <a:lstStyle/>
+          <a:p>
+            <a:pPr algn="ctr"/>
+            <a:endParaRPr lang="fr-FR"/>
+          </a:p>
+        </p:txBody>
+      </p:sp>
+      <p:sp>
+        <p:nvSpPr>
+          <p:cNvPr id="14" name="Forme libre : forme 13">
+            <a:extLst>
+              <a:ext uri="{FF2B5EF4-FFF2-40B4-BE49-F238E27FC236}">
+                <a16:creationId xmlns:a16="http://schemas.microsoft.com/office/drawing/2014/main" id="{43F2308E-5435-4E7A-8E1F-FF566B6DF320}"/>
+              </a:ext>
+            </a:extLst>
+          </p:cNvPr>
+          <p:cNvSpPr/>
+          <p:nvPr/>
+        </p:nvSpPr>
+        <p:spPr>
+          <a:xfrm>
+            <a:off x="4281055" y="4833257"/>
+            <a:ext cx="1442851" cy="1039091"/>
+          </a:xfrm>
+          <a:custGeom>
+            <a:avLst/>
+            <a:gdLst>
+              <a:gd name="connsiteX0" fmla="*/ 1436914 w 1442851"/>
+              <a:gd name="connsiteY0" fmla="*/ 59377 h 1039091"/>
+              <a:gd name="connsiteX1" fmla="*/ 765958 w 1442851"/>
+              <a:gd name="connsiteY1" fmla="*/ 41564 h 1039091"/>
+              <a:gd name="connsiteX2" fmla="*/ 534389 w 1442851"/>
+              <a:gd name="connsiteY2" fmla="*/ 41564 h 1039091"/>
+              <a:gd name="connsiteX3" fmla="*/ 380010 w 1442851"/>
+              <a:gd name="connsiteY3" fmla="*/ 0 h 1039091"/>
+              <a:gd name="connsiteX4" fmla="*/ 261257 w 1442851"/>
+              <a:gd name="connsiteY4" fmla="*/ 95003 h 1039091"/>
+              <a:gd name="connsiteX5" fmla="*/ 89064 w 1442851"/>
+              <a:gd name="connsiteY5" fmla="*/ 273133 h 1039091"/>
+              <a:gd name="connsiteX6" fmla="*/ 29688 w 1442851"/>
+              <a:gd name="connsiteY6" fmla="*/ 486888 h 1039091"/>
+              <a:gd name="connsiteX7" fmla="*/ 0 w 1442851"/>
+              <a:gd name="connsiteY7" fmla="*/ 617517 h 1039091"/>
+              <a:gd name="connsiteX8" fmla="*/ 356259 w 1442851"/>
+              <a:gd name="connsiteY8" fmla="*/ 765959 h 1039091"/>
+              <a:gd name="connsiteX9" fmla="*/ 1169719 w 1442851"/>
+              <a:gd name="connsiteY9" fmla="*/ 1039091 h 1039091"/>
+              <a:gd name="connsiteX10" fmla="*/ 1383475 w 1442851"/>
+              <a:gd name="connsiteY10" fmla="*/ 760021 h 1039091"/>
+              <a:gd name="connsiteX11" fmla="*/ 1442851 w 1442851"/>
+              <a:gd name="connsiteY11" fmla="*/ 534390 h 1039091"/>
+              <a:gd name="connsiteX12" fmla="*/ 1436914 w 1442851"/>
+              <a:gd name="connsiteY12" fmla="*/ 225631 h 1039091"/>
+              <a:gd name="connsiteX13" fmla="*/ 1436914 w 1442851"/>
+              <a:gd name="connsiteY13" fmla="*/ 59377 h 1039091"/>
+            </a:gdLst>
+            <a:ahLst/>
+            <a:cxnLst>
+              <a:cxn ang="0">
+                <a:pos x="connsiteX0" y="connsiteY0"/>
+              </a:cxn>
+              <a:cxn ang="0">
+                <a:pos x="connsiteX1" y="connsiteY1"/>
+              </a:cxn>
+              <a:cxn ang="0">
+                <a:pos x="connsiteX2" y="connsiteY2"/>
+              </a:cxn>
+              <a:cxn ang="0">
+                <a:pos x="connsiteX3" y="connsiteY3"/>
+              </a:cxn>
+              <a:cxn ang="0">
+                <a:pos x="connsiteX4" y="connsiteY4"/>
+              </a:cxn>
+              <a:cxn ang="0">
+                <a:pos x="connsiteX5" y="connsiteY5"/>
+              </a:cxn>
+              <a:cxn ang="0">
+                <a:pos x="connsiteX6" y="connsiteY6"/>
+              </a:cxn>
+              <a:cxn ang="0">
+                <a:pos x="connsiteX7" y="connsiteY7"/>
+              </a:cxn>
+              <a:cxn ang="0">
+                <a:pos x="connsiteX8" y="connsiteY8"/>
+              </a:cxn>
+              <a:cxn ang="0">
+                <a:pos x="connsiteX9" y="connsiteY9"/>
+              </a:cxn>
+              <a:cxn ang="0">
+                <a:pos x="connsiteX10" y="connsiteY10"/>
+              </a:cxn>
+              <a:cxn ang="0">
+                <a:pos x="connsiteX11" y="connsiteY11"/>
+              </a:cxn>
+              <a:cxn ang="0">
+                <a:pos x="connsiteX12" y="connsiteY12"/>
+              </a:cxn>
+              <a:cxn ang="0">
+                <a:pos x="connsiteX13" y="connsiteY13"/>
+              </a:cxn>
+            </a:cxnLst>
+            <a:rect l="l" t="t" r="r" b="b"/>
+            <a:pathLst>
+              <a:path w="1442851" h="1039091">
+                <a:moveTo>
+                  <a:pt x="1436914" y="59377"/>
+                </a:moveTo>
+                <a:lnTo>
+                  <a:pt x="765958" y="41564"/>
+                </a:lnTo>
+                <a:lnTo>
+                  <a:pt x="534389" y="41564"/>
+                </a:lnTo>
+                <a:lnTo>
+                  <a:pt x="380010" y="0"/>
+                </a:lnTo>
+                <a:lnTo>
+                  <a:pt x="261257" y="95003"/>
+                </a:lnTo>
+                <a:lnTo>
+                  <a:pt x="89064" y="273133"/>
+                </a:lnTo>
+                <a:lnTo>
+                  <a:pt x="29688" y="486888"/>
+                </a:lnTo>
+                <a:lnTo>
+                  <a:pt x="0" y="617517"/>
+                </a:lnTo>
+                <a:lnTo>
+                  <a:pt x="356259" y="765959"/>
+                </a:lnTo>
+                <a:lnTo>
+                  <a:pt x="1169719" y="1039091"/>
+                </a:lnTo>
+                <a:lnTo>
+                  <a:pt x="1383475" y="760021"/>
+                </a:lnTo>
+                <a:lnTo>
+                  <a:pt x="1442851" y="534390"/>
+                </a:lnTo>
+                <a:lnTo>
+                  <a:pt x="1436914" y="225631"/>
+                </a:lnTo>
+                <a:lnTo>
+                  <a:pt x="1436914" y="59377"/>
+                </a:lnTo>
+                <a:close/>
+              </a:path>
+            </a:pathLst>
+          </a:custGeom>
+          <a:solidFill>
+            <a:srgbClr val="FF0000">
+              <a:alpha val="50196"/>
+            </a:srgbClr>
+          </a:solidFill>
+          <a:ln>
+            <a:solidFill>
+              <a:srgbClr val="8E0000"/>
+            </a:solidFill>
+          </a:ln>
+        </p:spPr>
+        <p:style>
+          <a:lnRef idx="2">
+            <a:schemeClr val="accent1">
+              <a:shade val="50000"/>
+            </a:schemeClr>
+          </a:lnRef>
+          <a:fillRef idx="1">
+            <a:schemeClr val="accent1"/>
+          </a:fillRef>
+          <a:effectRef idx="0">
+            <a:schemeClr val="accent1"/>
+          </a:effectRef>
+          <a:fontRef idx="minor">
+            <a:schemeClr val="lt1"/>
+          </a:fontRef>
+        </p:style>
+        <p:txBody>
+          <a:bodyPr rtlCol="0" anchor="ctr"/>
+          <a:lstStyle/>
+          <a:p>
+            <a:pPr algn="ctr"/>
+            <a:endParaRPr lang="fr-FR"/>
+          </a:p>
+        </p:txBody>
+      </p:sp>
+      <p:sp>
+        <p:nvSpPr>
+          <p:cNvPr id="15" name="Forme libre : forme 14">
+            <a:extLst>
+              <a:ext uri="{FF2B5EF4-FFF2-40B4-BE49-F238E27FC236}">
+                <a16:creationId xmlns:a16="http://schemas.microsoft.com/office/drawing/2014/main" id="{0BE13A36-CB77-4EC5-8FF1-3B128F6D76CD}"/>
+              </a:ext>
+            </a:extLst>
+          </p:cNvPr>
+          <p:cNvSpPr/>
+          <p:nvPr/>
+        </p:nvSpPr>
+        <p:spPr>
+          <a:xfrm>
+            <a:off x="4043548" y="5522026"/>
+            <a:ext cx="1371600" cy="1341912"/>
+          </a:xfrm>
+          <a:custGeom>
+            <a:avLst/>
+            <a:gdLst>
+              <a:gd name="connsiteX0" fmla="*/ 219694 w 1371600"/>
+              <a:gd name="connsiteY0" fmla="*/ 0 h 1341912"/>
+              <a:gd name="connsiteX1" fmla="*/ 1371600 w 1371600"/>
+              <a:gd name="connsiteY1" fmla="*/ 415636 h 1341912"/>
+              <a:gd name="connsiteX2" fmla="*/ 1235034 w 1371600"/>
+              <a:gd name="connsiteY2" fmla="*/ 540327 h 1341912"/>
+              <a:gd name="connsiteX3" fmla="*/ 1187533 w 1371600"/>
+              <a:gd name="connsiteY3" fmla="*/ 730332 h 1341912"/>
+              <a:gd name="connsiteX4" fmla="*/ 1140031 w 1371600"/>
+              <a:gd name="connsiteY4" fmla="*/ 979714 h 1341912"/>
+              <a:gd name="connsiteX5" fmla="*/ 1128156 w 1371600"/>
+              <a:gd name="connsiteY5" fmla="*/ 1193470 h 1341912"/>
+              <a:gd name="connsiteX6" fmla="*/ 1122218 w 1371600"/>
+              <a:gd name="connsiteY6" fmla="*/ 1341912 h 1341912"/>
+              <a:gd name="connsiteX7" fmla="*/ 0 w 1371600"/>
+              <a:gd name="connsiteY7" fmla="*/ 1335974 h 1341912"/>
+              <a:gd name="connsiteX8" fmla="*/ 59377 w 1371600"/>
+              <a:gd name="connsiteY8" fmla="*/ 950026 h 1341912"/>
+              <a:gd name="connsiteX9" fmla="*/ 142504 w 1371600"/>
+              <a:gd name="connsiteY9" fmla="*/ 380010 h 1341912"/>
+              <a:gd name="connsiteX10" fmla="*/ 219694 w 1371600"/>
+              <a:gd name="connsiteY10" fmla="*/ 0 h 1341912"/>
+            </a:gdLst>
+            <a:ahLst/>
+            <a:cxnLst>
+              <a:cxn ang="0">
+                <a:pos x="connsiteX0" y="connsiteY0"/>
+              </a:cxn>
+              <a:cxn ang="0">
+                <a:pos x="connsiteX1" y="connsiteY1"/>
+              </a:cxn>
+              <a:cxn ang="0">
+                <a:pos x="connsiteX2" y="connsiteY2"/>
+              </a:cxn>
+              <a:cxn ang="0">
+                <a:pos x="connsiteX3" y="connsiteY3"/>
+              </a:cxn>
+              <a:cxn ang="0">
+                <a:pos x="connsiteX4" y="connsiteY4"/>
+              </a:cxn>
+              <a:cxn ang="0">
+                <a:pos x="connsiteX5" y="connsiteY5"/>
+              </a:cxn>
+              <a:cxn ang="0">
+                <a:pos x="connsiteX6" y="connsiteY6"/>
+              </a:cxn>
+              <a:cxn ang="0">
+                <a:pos x="connsiteX7" y="connsiteY7"/>
+              </a:cxn>
+              <a:cxn ang="0">
+                <a:pos x="connsiteX8" y="connsiteY8"/>
+              </a:cxn>
+              <a:cxn ang="0">
+                <a:pos x="connsiteX9" y="connsiteY9"/>
+              </a:cxn>
+              <a:cxn ang="0">
+                <a:pos x="connsiteX10" y="connsiteY10"/>
+              </a:cxn>
+            </a:cxnLst>
+            <a:rect l="l" t="t" r="r" b="b"/>
+            <a:pathLst>
+              <a:path w="1371600" h="1341912">
+                <a:moveTo>
+                  <a:pt x="219694" y="0"/>
+                </a:moveTo>
+                <a:lnTo>
+                  <a:pt x="1371600" y="415636"/>
+                </a:lnTo>
+                <a:lnTo>
+                  <a:pt x="1235034" y="540327"/>
+                </a:lnTo>
+                <a:lnTo>
+                  <a:pt x="1187533" y="730332"/>
+                </a:lnTo>
+                <a:lnTo>
+                  <a:pt x="1140031" y="979714"/>
+                </a:lnTo>
+                <a:lnTo>
+                  <a:pt x="1128156" y="1193470"/>
+                </a:lnTo>
+                <a:lnTo>
+                  <a:pt x="1122218" y="1341912"/>
+                </a:lnTo>
+                <a:lnTo>
+                  <a:pt x="0" y="1335974"/>
+                </a:lnTo>
+                <a:lnTo>
+                  <a:pt x="59377" y="950026"/>
+                </a:lnTo>
+                <a:lnTo>
+                  <a:pt x="142504" y="380010"/>
+                </a:lnTo>
+                <a:lnTo>
+                  <a:pt x="219694" y="0"/>
+                </a:lnTo>
+                <a:close/>
+              </a:path>
+            </a:pathLst>
+          </a:custGeom>
+          <a:solidFill>
+            <a:srgbClr val="ED7D31">
+              <a:alpha val="50196"/>
+            </a:srgbClr>
+          </a:solidFill>
+        </p:spPr>
+        <p:style>
+          <a:lnRef idx="2">
+            <a:schemeClr val="accent2">
+              <a:shade val="50000"/>
+            </a:schemeClr>
+          </a:lnRef>
+          <a:fillRef idx="1">
+            <a:schemeClr val="accent2"/>
+          </a:fillRef>
+          <a:effectRef idx="0">
+            <a:schemeClr val="accent2"/>
+          </a:effectRef>
+          <a:fontRef idx="minor">
+            <a:schemeClr val="lt1"/>
+          </a:fontRef>
+        </p:style>
+        <p:txBody>
+          <a:bodyPr rtlCol="0" anchor="ctr"/>
+          <a:lstStyle/>
+          <a:p>
+            <a:pPr algn="ctr"/>
+            <a:endParaRPr lang="fr-FR"/>
+          </a:p>
+        </p:txBody>
+      </p:sp>
+      <p:sp>
+        <p:nvSpPr>
+          <p:cNvPr id="16" name="Forme libre : forme 15">
+            <a:extLst>
+              <a:ext uri="{FF2B5EF4-FFF2-40B4-BE49-F238E27FC236}">
+                <a16:creationId xmlns:a16="http://schemas.microsoft.com/office/drawing/2014/main" id="{DEABAF78-D29F-4644-BF77-146871750490}"/>
+              </a:ext>
+            </a:extLst>
+          </p:cNvPr>
+          <p:cNvSpPr/>
+          <p:nvPr/>
+        </p:nvSpPr>
+        <p:spPr>
+          <a:xfrm>
+            <a:off x="2452255" y="4672940"/>
+            <a:ext cx="2078181" cy="1763486"/>
+          </a:xfrm>
+          <a:custGeom>
+            <a:avLst/>
+            <a:gdLst>
+              <a:gd name="connsiteX0" fmla="*/ 2078181 w 2078181"/>
+              <a:gd name="connsiteY0" fmla="*/ 118754 h 1763486"/>
+              <a:gd name="connsiteX1" fmla="*/ 1763485 w 2078181"/>
+              <a:gd name="connsiteY1" fmla="*/ 17813 h 1763486"/>
+              <a:gd name="connsiteX2" fmla="*/ 1454727 w 2078181"/>
+              <a:gd name="connsiteY2" fmla="*/ 0 h 1763486"/>
+              <a:gd name="connsiteX3" fmla="*/ 1098467 w 2078181"/>
+              <a:gd name="connsiteY3" fmla="*/ 83128 h 1763486"/>
+              <a:gd name="connsiteX4" fmla="*/ 670955 w 2078181"/>
+              <a:gd name="connsiteY4" fmla="*/ 279070 h 1763486"/>
+              <a:gd name="connsiteX5" fmla="*/ 231568 w 2078181"/>
+              <a:gd name="connsiteY5" fmla="*/ 552203 h 1763486"/>
+              <a:gd name="connsiteX6" fmla="*/ 0 w 2078181"/>
+              <a:gd name="connsiteY6" fmla="*/ 700644 h 1763486"/>
+              <a:gd name="connsiteX7" fmla="*/ 682831 w 2078181"/>
+              <a:gd name="connsiteY7" fmla="*/ 1763486 h 1763486"/>
+              <a:gd name="connsiteX8" fmla="*/ 985651 w 2078181"/>
+              <a:gd name="connsiteY8" fmla="*/ 1626920 h 1763486"/>
+              <a:gd name="connsiteX9" fmla="*/ 1264722 w 2078181"/>
+              <a:gd name="connsiteY9" fmla="*/ 1525979 h 1763486"/>
+              <a:gd name="connsiteX10" fmla="*/ 1401288 w 2078181"/>
+              <a:gd name="connsiteY10" fmla="*/ 1383476 h 1763486"/>
+              <a:gd name="connsiteX11" fmla="*/ 1525979 w 2078181"/>
+              <a:gd name="connsiteY11" fmla="*/ 1235034 h 1763486"/>
+              <a:gd name="connsiteX12" fmla="*/ 1638794 w 2078181"/>
+              <a:gd name="connsiteY12" fmla="*/ 1235034 h 1763486"/>
+              <a:gd name="connsiteX13" fmla="*/ 1828800 w 2078181"/>
+              <a:gd name="connsiteY13" fmla="*/ 439387 h 1763486"/>
+              <a:gd name="connsiteX14" fmla="*/ 2078181 w 2078181"/>
+              <a:gd name="connsiteY14" fmla="*/ 118754 h 1763486"/>
+            </a:gdLst>
+            <a:ahLst/>
+            <a:cxnLst>
+              <a:cxn ang="0">
+                <a:pos x="connsiteX0" y="connsiteY0"/>
+              </a:cxn>
+              <a:cxn ang="0">
+                <a:pos x="connsiteX1" y="connsiteY1"/>
+              </a:cxn>
+              <a:cxn ang="0">
+                <a:pos x="connsiteX2" y="connsiteY2"/>
+              </a:cxn>
+              <a:cxn ang="0">
+                <a:pos x="connsiteX3" y="connsiteY3"/>
+              </a:cxn>
+              <a:cxn ang="0">
+                <a:pos x="connsiteX4" y="connsiteY4"/>
+              </a:cxn>
+              <a:cxn ang="0">
+                <a:pos x="connsiteX5" y="connsiteY5"/>
+              </a:cxn>
+              <a:cxn ang="0">
+                <a:pos x="connsiteX6" y="connsiteY6"/>
+              </a:cxn>
+              <a:cxn ang="0">
+                <a:pos x="connsiteX7" y="connsiteY7"/>
+              </a:cxn>
+              <a:cxn ang="0">
+                <a:pos x="connsiteX8" y="connsiteY8"/>
+              </a:cxn>
+              <a:cxn ang="0">
+                <a:pos x="connsiteX9" y="connsiteY9"/>
+              </a:cxn>
+              <a:cxn ang="0">
+                <a:pos x="connsiteX10" y="connsiteY10"/>
+              </a:cxn>
+              <a:cxn ang="0">
+                <a:pos x="connsiteX11" y="connsiteY11"/>
+              </a:cxn>
+              <a:cxn ang="0">
+                <a:pos x="connsiteX12" y="connsiteY12"/>
+              </a:cxn>
+              <a:cxn ang="0">
+                <a:pos x="connsiteX13" y="connsiteY13"/>
+              </a:cxn>
+              <a:cxn ang="0">
+                <a:pos x="connsiteX14" y="connsiteY14"/>
+              </a:cxn>
+            </a:cxnLst>
+            <a:rect l="l" t="t" r="r" b="b"/>
+            <a:pathLst>
+              <a:path w="2078181" h="1763486">
+                <a:moveTo>
+                  <a:pt x="2078181" y="118754"/>
+                </a:moveTo>
+                <a:lnTo>
+                  <a:pt x="1763485" y="17813"/>
+                </a:lnTo>
+                <a:lnTo>
+                  <a:pt x="1454727" y="0"/>
+                </a:lnTo>
+                <a:lnTo>
+                  <a:pt x="1098467" y="83128"/>
+                </a:lnTo>
+                <a:lnTo>
+                  <a:pt x="670955" y="279070"/>
+                </a:lnTo>
+                <a:lnTo>
+                  <a:pt x="231568" y="552203"/>
+                </a:lnTo>
+                <a:lnTo>
+                  <a:pt x="0" y="700644"/>
+                </a:lnTo>
+                <a:lnTo>
+                  <a:pt x="682831" y="1763486"/>
+                </a:lnTo>
+                <a:lnTo>
+                  <a:pt x="985651" y="1626920"/>
+                </a:lnTo>
+                <a:lnTo>
+                  <a:pt x="1264722" y="1525979"/>
+                </a:lnTo>
+                <a:lnTo>
+                  <a:pt x="1401288" y="1383476"/>
+                </a:lnTo>
+                <a:lnTo>
+                  <a:pt x="1525979" y="1235034"/>
+                </a:lnTo>
+                <a:lnTo>
+                  <a:pt x="1638794" y="1235034"/>
+                </a:lnTo>
+                <a:lnTo>
+                  <a:pt x="1828800" y="439387"/>
+                </a:lnTo>
+                <a:lnTo>
+                  <a:pt x="2078181" y="118754"/>
+                </a:lnTo>
+                <a:close/>
+              </a:path>
+            </a:pathLst>
+          </a:custGeom>
+          <a:solidFill>
+            <a:srgbClr val="FF0000">
+              <a:alpha val="50196"/>
+            </a:srgbClr>
+          </a:solidFill>
+          <a:ln>
+            <a:solidFill>
+              <a:srgbClr val="8E0000"/>
+            </a:solidFill>
+          </a:ln>
+        </p:spPr>
+        <p:style>
+          <a:lnRef idx="2">
+            <a:schemeClr val="accent1">
+              <a:shade val="50000"/>
+            </a:schemeClr>
+          </a:lnRef>
+          <a:fillRef idx="1">
+            <a:schemeClr val="accent1"/>
+          </a:fillRef>
+          <a:effectRef idx="0">
+            <a:schemeClr val="accent1"/>
+          </a:effectRef>
+          <a:fontRef idx="minor">
+            <a:schemeClr val="lt1"/>
+          </a:fontRef>
+        </p:style>
+        <p:txBody>
+          <a:bodyPr rtlCol="0" anchor="ctr"/>
+          <a:lstStyle/>
+          <a:p>
+            <a:pPr algn="ctr"/>
+            <a:endParaRPr lang="fr-FR"/>
+          </a:p>
+        </p:txBody>
+      </p:sp>
+      <p:sp>
+        <p:nvSpPr>
+          <p:cNvPr id="17" name="Forme libre : forme 16">
+            <a:extLst>
+              <a:ext uri="{FF2B5EF4-FFF2-40B4-BE49-F238E27FC236}">
+                <a16:creationId xmlns:a16="http://schemas.microsoft.com/office/drawing/2014/main" id="{AF3BC82E-9B78-4DDD-B6F5-53B6919F9B0C}"/>
+              </a:ext>
+            </a:extLst>
+          </p:cNvPr>
+          <p:cNvSpPr/>
+          <p:nvPr/>
+        </p:nvSpPr>
+        <p:spPr>
+          <a:xfrm>
+            <a:off x="3135086" y="5949538"/>
+            <a:ext cx="944088" cy="914400"/>
+          </a:xfrm>
+          <a:custGeom>
+            <a:avLst/>
+            <a:gdLst>
+              <a:gd name="connsiteX0" fmla="*/ 0 w 944088"/>
+              <a:gd name="connsiteY0" fmla="*/ 890649 h 914400"/>
+              <a:gd name="connsiteX1" fmla="*/ 302820 w 944088"/>
+              <a:gd name="connsiteY1" fmla="*/ 433449 h 914400"/>
+              <a:gd name="connsiteX2" fmla="*/ 712519 w 944088"/>
+              <a:gd name="connsiteY2" fmla="*/ 243444 h 914400"/>
+              <a:gd name="connsiteX3" fmla="*/ 777833 w 944088"/>
+              <a:gd name="connsiteY3" fmla="*/ 136566 h 914400"/>
+              <a:gd name="connsiteX4" fmla="*/ 855023 w 944088"/>
+              <a:gd name="connsiteY4" fmla="*/ 11875 h 914400"/>
+              <a:gd name="connsiteX5" fmla="*/ 944088 w 944088"/>
+              <a:gd name="connsiteY5" fmla="*/ 0 h 914400"/>
+              <a:gd name="connsiteX6" fmla="*/ 855023 w 944088"/>
+              <a:gd name="connsiteY6" fmla="*/ 510639 h 914400"/>
+              <a:gd name="connsiteX7" fmla="*/ 801584 w 944088"/>
+              <a:gd name="connsiteY7" fmla="*/ 914400 h 914400"/>
+              <a:gd name="connsiteX8" fmla="*/ 0 w 944088"/>
+              <a:gd name="connsiteY8" fmla="*/ 890649 h 914400"/>
+            </a:gdLst>
+            <a:ahLst/>
+            <a:cxnLst>
+              <a:cxn ang="0">
+                <a:pos x="connsiteX0" y="connsiteY0"/>
+              </a:cxn>
+              <a:cxn ang="0">
+                <a:pos x="connsiteX1" y="connsiteY1"/>
+              </a:cxn>
+              <a:cxn ang="0">
+                <a:pos x="connsiteX2" y="connsiteY2"/>
+              </a:cxn>
+              <a:cxn ang="0">
+                <a:pos x="connsiteX3" y="connsiteY3"/>
+              </a:cxn>
+              <a:cxn ang="0">
+                <a:pos x="connsiteX4" y="connsiteY4"/>
+              </a:cxn>
+              <a:cxn ang="0">
+                <a:pos x="connsiteX5" y="connsiteY5"/>
+              </a:cxn>
+              <a:cxn ang="0">
+                <a:pos x="connsiteX6" y="connsiteY6"/>
+              </a:cxn>
+              <a:cxn ang="0">
+                <a:pos x="connsiteX7" y="connsiteY7"/>
+              </a:cxn>
+              <a:cxn ang="0">
+                <a:pos x="connsiteX8" y="connsiteY8"/>
+              </a:cxn>
+            </a:cxnLst>
+            <a:rect l="l" t="t" r="r" b="b"/>
+            <a:pathLst>
+              <a:path w="944088" h="914400">
+                <a:moveTo>
+                  <a:pt x="0" y="890649"/>
+                </a:moveTo>
+                <a:lnTo>
+                  <a:pt x="302820" y="433449"/>
+                </a:lnTo>
+                <a:lnTo>
+                  <a:pt x="712519" y="243444"/>
+                </a:lnTo>
+                <a:lnTo>
+                  <a:pt x="777833" y="136566"/>
+                </a:lnTo>
+                <a:lnTo>
+                  <a:pt x="855023" y="11875"/>
+                </a:lnTo>
+                <a:lnTo>
+                  <a:pt x="944088" y="0"/>
+                </a:lnTo>
+                <a:lnTo>
+                  <a:pt x="855023" y="510639"/>
+                </a:lnTo>
+                <a:lnTo>
+                  <a:pt x="801584" y="914400"/>
+                </a:lnTo>
+                <a:lnTo>
+                  <a:pt x="0" y="890649"/>
+                </a:lnTo>
+                <a:close/>
+              </a:path>
+            </a:pathLst>
+          </a:custGeom>
+          <a:solidFill>
+            <a:srgbClr val="FFC000">
+              <a:alpha val="50196"/>
+            </a:srgbClr>
+          </a:solidFill>
+        </p:spPr>
+        <p:style>
+          <a:lnRef idx="2">
+            <a:schemeClr val="accent4">
+              <a:shade val="50000"/>
+            </a:schemeClr>
+          </a:lnRef>
+          <a:fillRef idx="1">
+            <a:schemeClr val="accent4"/>
+          </a:fillRef>
+          <a:effectRef idx="0">
+            <a:schemeClr val="accent4"/>
+          </a:effectRef>
+          <a:fontRef idx="minor">
+            <a:schemeClr val="lt1"/>
+          </a:fontRef>
+        </p:style>
+        <p:txBody>
+          <a:bodyPr rtlCol="0" anchor="ctr"/>
+          <a:lstStyle/>
+          <a:p>
+            <a:pPr algn="ctr"/>
+            <a:endParaRPr lang="fr-FR"/>
+          </a:p>
+        </p:txBody>
+      </p:sp>
+      <p:sp>
+        <p:nvSpPr>
+          <p:cNvPr id="18" name="Forme libre : forme 17">
+            <a:extLst>
+              <a:ext uri="{FF2B5EF4-FFF2-40B4-BE49-F238E27FC236}">
+                <a16:creationId xmlns:a16="http://schemas.microsoft.com/office/drawing/2014/main" id="{35597874-DC94-4927-9ED3-F329CA5772FC}"/>
+              </a:ext>
+            </a:extLst>
+          </p:cNvPr>
+          <p:cNvSpPr/>
+          <p:nvPr/>
+        </p:nvSpPr>
+        <p:spPr>
+          <a:xfrm>
+            <a:off x="0" y="5438899"/>
+            <a:ext cx="3253839" cy="1436914"/>
+          </a:xfrm>
+          <a:custGeom>
+            <a:avLst/>
+            <a:gdLst>
+              <a:gd name="connsiteX0" fmla="*/ 2398816 w 3253839"/>
+              <a:gd name="connsiteY0" fmla="*/ 0 h 1436914"/>
+              <a:gd name="connsiteX1" fmla="*/ 3111335 w 3253839"/>
+              <a:gd name="connsiteY1" fmla="*/ 1045028 h 1436914"/>
+              <a:gd name="connsiteX2" fmla="*/ 3253839 w 3253839"/>
+              <a:gd name="connsiteY2" fmla="*/ 1080654 h 1436914"/>
+              <a:gd name="connsiteX3" fmla="*/ 3069771 w 3253839"/>
+              <a:gd name="connsiteY3" fmla="*/ 1419101 h 1436914"/>
+              <a:gd name="connsiteX4" fmla="*/ 5938 w 3253839"/>
+              <a:gd name="connsiteY4" fmla="*/ 1436914 h 1436914"/>
+              <a:gd name="connsiteX5" fmla="*/ 0 w 3253839"/>
+              <a:gd name="connsiteY5" fmla="*/ 1312223 h 1436914"/>
+              <a:gd name="connsiteX6" fmla="*/ 795647 w 3253839"/>
+              <a:gd name="connsiteY6" fmla="*/ 670956 h 1436914"/>
+              <a:gd name="connsiteX7" fmla="*/ 1597231 w 3253839"/>
+              <a:gd name="connsiteY7" fmla="*/ 338446 h 1436914"/>
+              <a:gd name="connsiteX8" fmla="*/ 2398816 w 3253839"/>
+              <a:gd name="connsiteY8" fmla="*/ 0 h 1436914"/>
+            </a:gdLst>
+            <a:ahLst/>
+            <a:cxnLst>
+              <a:cxn ang="0">
+                <a:pos x="connsiteX0" y="connsiteY0"/>
+              </a:cxn>
+              <a:cxn ang="0">
+                <a:pos x="connsiteX1" y="connsiteY1"/>
+              </a:cxn>
+              <a:cxn ang="0">
+                <a:pos x="connsiteX2" y="connsiteY2"/>
+              </a:cxn>
+              <a:cxn ang="0">
+                <a:pos x="connsiteX3" y="connsiteY3"/>
+              </a:cxn>
+              <a:cxn ang="0">
+                <a:pos x="connsiteX4" y="connsiteY4"/>
+              </a:cxn>
+              <a:cxn ang="0">
+                <a:pos x="connsiteX5" y="connsiteY5"/>
+              </a:cxn>
+              <a:cxn ang="0">
+                <a:pos x="connsiteX6" y="connsiteY6"/>
+              </a:cxn>
+              <a:cxn ang="0">
+                <a:pos x="connsiteX7" y="connsiteY7"/>
+              </a:cxn>
+              <a:cxn ang="0">
+                <a:pos x="connsiteX8" y="connsiteY8"/>
+              </a:cxn>
+            </a:cxnLst>
+            <a:rect l="l" t="t" r="r" b="b"/>
+            <a:pathLst>
+              <a:path w="3253839" h="1436914">
+                <a:moveTo>
+                  <a:pt x="2398816" y="0"/>
+                </a:moveTo>
+                <a:lnTo>
+                  <a:pt x="3111335" y="1045028"/>
+                </a:lnTo>
+                <a:lnTo>
+                  <a:pt x="3253839" y="1080654"/>
+                </a:lnTo>
+                <a:lnTo>
+                  <a:pt x="3069771" y="1419101"/>
+                </a:lnTo>
+                <a:lnTo>
+                  <a:pt x="5938" y="1436914"/>
+                </a:lnTo>
+                <a:lnTo>
+                  <a:pt x="0" y="1312223"/>
+                </a:lnTo>
+                <a:lnTo>
+                  <a:pt x="795647" y="670956"/>
+                </a:lnTo>
+                <a:lnTo>
+                  <a:pt x="1597231" y="338446"/>
+                </a:lnTo>
+                <a:lnTo>
+                  <a:pt x="2398816" y="0"/>
+                </a:lnTo>
+                <a:close/>
+              </a:path>
+            </a:pathLst>
+          </a:custGeom>
+          <a:solidFill>
+            <a:srgbClr val="ED7D31">
+              <a:alpha val="50196"/>
+            </a:srgbClr>
+          </a:solidFill>
+        </p:spPr>
+        <p:style>
+          <a:lnRef idx="2">
+            <a:schemeClr val="accent2">
+              <a:shade val="50000"/>
+            </a:schemeClr>
+          </a:lnRef>
+          <a:fillRef idx="1">
+            <a:schemeClr val="accent2"/>
+          </a:fillRef>
+          <a:effectRef idx="0">
+            <a:schemeClr val="accent2"/>
+          </a:effectRef>
+          <a:fontRef idx="minor">
+            <a:schemeClr val="lt1"/>
+          </a:fontRef>
+        </p:style>
+        <p:txBody>
+          <a:bodyPr rtlCol="0" anchor="ctr"/>
+          <a:lstStyle/>
+          <a:p>
+            <a:pPr algn="ctr"/>
+            <a:endParaRPr lang="fr-FR"/>
+          </a:p>
+        </p:txBody>
+      </p:sp>
+      <p:sp>
+        <p:nvSpPr>
+          <p:cNvPr id="19" name="Forme libre : forme 18">
+            <a:extLst>
+              <a:ext uri="{FF2B5EF4-FFF2-40B4-BE49-F238E27FC236}">
+                <a16:creationId xmlns:a16="http://schemas.microsoft.com/office/drawing/2014/main" id="{F1CA3B88-73BF-4EF0-B56C-CD06A62D58DE}"/>
+              </a:ext>
+            </a:extLst>
+          </p:cNvPr>
+          <p:cNvSpPr/>
+          <p:nvPr/>
+        </p:nvSpPr>
+        <p:spPr>
+          <a:xfrm>
+            <a:off x="1134094" y="1549730"/>
+            <a:ext cx="2565070" cy="2529444"/>
+          </a:xfrm>
+          <a:custGeom>
+            <a:avLst/>
+            <a:gdLst>
+              <a:gd name="connsiteX0" fmla="*/ 0 w 2565070"/>
+              <a:gd name="connsiteY0" fmla="*/ 439387 h 2529444"/>
+              <a:gd name="connsiteX1" fmla="*/ 599703 w 2565070"/>
+              <a:gd name="connsiteY1" fmla="*/ 2529444 h 2529444"/>
+              <a:gd name="connsiteX2" fmla="*/ 1229096 w 2565070"/>
+              <a:gd name="connsiteY2" fmla="*/ 2268187 h 2529444"/>
+              <a:gd name="connsiteX3" fmla="*/ 1615044 w 2565070"/>
+              <a:gd name="connsiteY3" fmla="*/ 1965366 h 2529444"/>
+              <a:gd name="connsiteX4" fmla="*/ 2006929 w 2565070"/>
+              <a:gd name="connsiteY4" fmla="*/ 1567543 h 2529444"/>
+              <a:gd name="connsiteX5" fmla="*/ 2286000 w 2565070"/>
+              <a:gd name="connsiteY5" fmla="*/ 1252847 h 2529444"/>
+              <a:gd name="connsiteX6" fmla="*/ 2547257 w 2565070"/>
+              <a:gd name="connsiteY6" fmla="*/ 955964 h 2529444"/>
+              <a:gd name="connsiteX7" fmla="*/ 2565070 w 2565070"/>
+              <a:gd name="connsiteY7" fmla="*/ 914400 h 2529444"/>
+              <a:gd name="connsiteX8" fmla="*/ 1341911 w 2565070"/>
+              <a:gd name="connsiteY8" fmla="*/ 0 h 2529444"/>
+              <a:gd name="connsiteX9" fmla="*/ 961901 w 2565070"/>
+              <a:gd name="connsiteY9" fmla="*/ 344384 h 2529444"/>
+              <a:gd name="connsiteX10" fmla="*/ 433449 w 2565070"/>
+              <a:gd name="connsiteY10" fmla="*/ 302821 h 2529444"/>
+              <a:gd name="connsiteX11" fmla="*/ 0 w 2565070"/>
+              <a:gd name="connsiteY11" fmla="*/ 439387 h 2529444"/>
+            </a:gdLst>
+            <a:ahLst/>
+            <a:cxnLst>
+              <a:cxn ang="0">
+                <a:pos x="connsiteX0" y="connsiteY0"/>
+              </a:cxn>
+              <a:cxn ang="0">
+                <a:pos x="connsiteX1" y="connsiteY1"/>
+              </a:cxn>
+              <a:cxn ang="0">
+                <a:pos x="connsiteX2" y="connsiteY2"/>
+              </a:cxn>
+              <a:cxn ang="0">
+                <a:pos x="connsiteX3" y="connsiteY3"/>
+              </a:cxn>
+              <a:cxn ang="0">
+                <a:pos x="connsiteX4" y="connsiteY4"/>
+              </a:cxn>
+              <a:cxn ang="0">
+                <a:pos x="connsiteX5" y="connsiteY5"/>
+              </a:cxn>
+              <a:cxn ang="0">
+                <a:pos x="connsiteX6" y="connsiteY6"/>
+              </a:cxn>
+              <a:cxn ang="0">
+                <a:pos x="connsiteX7" y="connsiteY7"/>
+              </a:cxn>
+              <a:cxn ang="0">
+                <a:pos x="connsiteX8" y="connsiteY8"/>
+              </a:cxn>
+              <a:cxn ang="0">
+                <a:pos x="connsiteX9" y="connsiteY9"/>
+              </a:cxn>
+              <a:cxn ang="0">
+                <a:pos x="connsiteX10" y="connsiteY10"/>
+              </a:cxn>
+              <a:cxn ang="0">
+                <a:pos x="connsiteX11" y="connsiteY11"/>
+              </a:cxn>
+            </a:cxnLst>
+            <a:rect l="l" t="t" r="r" b="b"/>
+            <a:pathLst>
+              <a:path w="2565070" h="2529444">
+                <a:moveTo>
+                  <a:pt x="0" y="439387"/>
+                </a:moveTo>
+                <a:lnTo>
+                  <a:pt x="599703" y="2529444"/>
+                </a:lnTo>
+                <a:lnTo>
+                  <a:pt x="1229096" y="2268187"/>
+                </a:lnTo>
+                <a:lnTo>
+                  <a:pt x="1615044" y="1965366"/>
+                </a:lnTo>
+                <a:lnTo>
+                  <a:pt x="2006929" y="1567543"/>
+                </a:lnTo>
+                <a:lnTo>
+                  <a:pt x="2286000" y="1252847"/>
+                </a:lnTo>
+                <a:lnTo>
+                  <a:pt x="2547257" y="955964"/>
+                </a:lnTo>
+                <a:lnTo>
+                  <a:pt x="2565070" y="914400"/>
+                </a:lnTo>
+                <a:lnTo>
+                  <a:pt x="1341911" y="0"/>
+                </a:lnTo>
+                <a:lnTo>
+                  <a:pt x="961901" y="344384"/>
+                </a:lnTo>
+                <a:lnTo>
+                  <a:pt x="433449" y="302821"/>
+                </a:lnTo>
+                <a:lnTo>
+                  <a:pt x="0" y="439387"/>
+                </a:lnTo>
+                <a:close/>
+              </a:path>
+            </a:pathLst>
+          </a:custGeom>
+          <a:solidFill>
+            <a:srgbClr val="ED7D31">
+              <a:alpha val="50196"/>
+            </a:srgbClr>
+          </a:solidFill>
+        </p:spPr>
+        <p:style>
+          <a:lnRef idx="2">
+            <a:schemeClr val="accent2">
+              <a:shade val="50000"/>
+            </a:schemeClr>
+          </a:lnRef>
+          <a:fillRef idx="1">
+            <a:schemeClr val="accent2"/>
+          </a:fillRef>
+          <a:effectRef idx="0">
+            <a:schemeClr val="accent2"/>
+          </a:effectRef>
+          <a:fontRef idx="minor">
+            <a:schemeClr val="lt1"/>
+          </a:fontRef>
+        </p:style>
+        <p:txBody>
+          <a:bodyPr rtlCol="0" anchor="ctr"/>
+          <a:lstStyle/>
+          <a:p>
+            <a:pPr algn="ctr"/>
+            <a:endParaRPr lang="fr-FR"/>
+          </a:p>
+        </p:txBody>
+      </p:sp>
+      <p:sp>
+        <p:nvSpPr>
+          <p:cNvPr id="20" name="Forme libre : forme 19">
+            <a:extLst>
+              <a:ext uri="{FF2B5EF4-FFF2-40B4-BE49-F238E27FC236}">
+                <a16:creationId xmlns:a16="http://schemas.microsoft.com/office/drawing/2014/main" id="{334FB3E3-822D-415D-9C09-71B4A0E58638}"/>
+              </a:ext>
+            </a:extLst>
+          </p:cNvPr>
+          <p:cNvSpPr/>
+          <p:nvPr/>
+        </p:nvSpPr>
+        <p:spPr>
+          <a:xfrm>
+            <a:off x="-23751" y="2012868"/>
+            <a:ext cx="1704109" cy="2529444"/>
+          </a:xfrm>
+          <a:custGeom>
+            <a:avLst/>
+            <a:gdLst>
+              <a:gd name="connsiteX0" fmla="*/ 53439 w 1704109"/>
+              <a:gd name="connsiteY0" fmla="*/ 314696 h 2529444"/>
+              <a:gd name="connsiteX1" fmla="*/ 1074717 w 1704109"/>
+              <a:gd name="connsiteY1" fmla="*/ 0 h 2529444"/>
+              <a:gd name="connsiteX2" fmla="*/ 1704109 w 1704109"/>
+              <a:gd name="connsiteY2" fmla="*/ 2119745 h 2529444"/>
+              <a:gd name="connsiteX3" fmla="*/ 1181595 w 1704109"/>
+              <a:gd name="connsiteY3" fmla="*/ 2274124 h 2529444"/>
+              <a:gd name="connsiteX4" fmla="*/ 629393 w 1704109"/>
+              <a:gd name="connsiteY4" fmla="*/ 2422566 h 2529444"/>
+              <a:gd name="connsiteX5" fmla="*/ 219694 w 1704109"/>
+              <a:gd name="connsiteY5" fmla="*/ 2493818 h 2529444"/>
+              <a:gd name="connsiteX6" fmla="*/ 5938 w 1704109"/>
+              <a:gd name="connsiteY6" fmla="*/ 2529444 h 2529444"/>
+              <a:gd name="connsiteX7" fmla="*/ 0 w 1704109"/>
+              <a:gd name="connsiteY7" fmla="*/ 308758 h 2529444"/>
+              <a:gd name="connsiteX8" fmla="*/ 53439 w 1704109"/>
+              <a:gd name="connsiteY8" fmla="*/ 314696 h 2529444"/>
+            </a:gdLst>
+            <a:ahLst/>
+            <a:cxnLst>
+              <a:cxn ang="0">
+                <a:pos x="connsiteX0" y="connsiteY0"/>
+              </a:cxn>
+              <a:cxn ang="0">
+                <a:pos x="connsiteX1" y="connsiteY1"/>
+              </a:cxn>
+              <a:cxn ang="0">
+                <a:pos x="connsiteX2" y="connsiteY2"/>
+              </a:cxn>
+              <a:cxn ang="0">
+                <a:pos x="connsiteX3" y="connsiteY3"/>
+              </a:cxn>
+              <a:cxn ang="0">
+                <a:pos x="connsiteX4" y="connsiteY4"/>
+              </a:cxn>
+              <a:cxn ang="0">
+                <a:pos x="connsiteX5" y="connsiteY5"/>
+              </a:cxn>
+              <a:cxn ang="0">
+                <a:pos x="connsiteX6" y="connsiteY6"/>
+              </a:cxn>
+              <a:cxn ang="0">
+                <a:pos x="connsiteX7" y="connsiteY7"/>
+              </a:cxn>
+              <a:cxn ang="0">
+                <a:pos x="connsiteX8" y="connsiteY8"/>
+              </a:cxn>
+            </a:cxnLst>
+            <a:rect l="l" t="t" r="r" b="b"/>
+            <a:pathLst>
+              <a:path w="1704109" h="2529444">
+                <a:moveTo>
+                  <a:pt x="53439" y="314696"/>
+                </a:moveTo>
+                <a:lnTo>
+                  <a:pt x="1074717" y="0"/>
+                </a:lnTo>
+                <a:lnTo>
+                  <a:pt x="1704109" y="2119745"/>
+                </a:lnTo>
+                <a:lnTo>
+                  <a:pt x="1181595" y="2274124"/>
+                </a:lnTo>
+                <a:lnTo>
+                  <a:pt x="629393" y="2422566"/>
+                </a:lnTo>
+                <a:lnTo>
+                  <a:pt x="219694" y="2493818"/>
+                </a:lnTo>
+                <a:lnTo>
+                  <a:pt x="5938" y="2529444"/>
+                </a:lnTo>
+                <a:cubicBezTo>
+                  <a:pt x="3959" y="1789215"/>
+                  <a:pt x="1979" y="1048987"/>
+                  <a:pt x="0" y="308758"/>
+                </a:cubicBezTo>
+                <a:lnTo>
+                  <a:pt x="53439" y="314696"/>
+                </a:lnTo>
+                <a:close/>
+              </a:path>
+            </a:pathLst>
+          </a:custGeom>
+          <a:solidFill>
+            <a:srgbClr val="000000">
+              <a:alpha val="50196"/>
+            </a:srgbClr>
+          </a:solidFill>
+        </p:spPr>
+        <p:style>
+          <a:lnRef idx="2">
+            <a:schemeClr val="dk1">
+              <a:shade val="50000"/>
+            </a:schemeClr>
+          </a:lnRef>
+          <a:fillRef idx="1">
+            <a:schemeClr val="dk1"/>
+          </a:fillRef>
+          <a:effectRef idx="0">
+            <a:schemeClr val="dk1"/>
+          </a:effectRef>
+          <a:fontRef idx="minor">
+            <a:schemeClr val="lt1"/>
+          </a:fontRef>
+        </p:style>
+        <p:txBody>
+          <a:bodyPr rtlCol="0" anchor="ctr"/>
+          <a:lstStyle/>
+          <a:p>
+            <a:pPr algn="ctr"/>
+            <a:endParaRPr lang="fr-FR"/>
+          </a:p>
+        </p:txBody>
+      </p:sp>
+      <p:sp>
+        <p:nvSpPr>
+          <p:cNvPr id="22" name="Forme libre : forme 21">
+            <a:extLst>
+              <a:ext uri="{FF2B5EF4-FFF2-40B4-BE49-F238E27FC236}">
+                <a16:creationId xmlns:a16="http://schemas.microsoft.com/office/drawing/2014/main" id="{91EEED14-375C-44FB-B9D1-9005D4F176B3}"/>
+              </a:ext>
+            </a:extLst>
+          </p:cNvPr>
+          <p:cNvSpPr/>
+          <p:nvPr/>
+        </p:nvSpPr>
+        <p:spPr>
+          <a:xfrm>
+            <a:off x="-5938" y="670956"/>
+            <a:ext cx="2392878" cy="1591293"/>
+          </a:xfrm>
+          <a:custGeom>
+            <a:avLst/>
+            <a:gdLst>
+              <a:gd name="connsiteX0" fmla="*/ 0 w 2392878"/>
+              <a:gd name="connsiteY0" fmla="*/ 1591293 h 1591293"/>
+              <a:gd name="connsiteX1" fmla="*/ 1543793 w 2392878"/>
+              <a:gd name="connsiteY1" fmla="*/ 1140031 h 1591293"/>
+              <a:gd name="connsiteX2" fmla="*/ 2066307 w 2392878"/>
+              <a:gd name="connsiteY2" fmla="*/ 1151906 h 1591293"/>
+              <a:gd name="connsiteX3" fmla="*/ 2392878 w 2392878"/>
+              <a:gd name="connsiteY3" fmla="*/ 807522 h 1591293"/>
+              <a:gd name="connsiteX4" fmla="*/ 1353787 w 2392878"/>
+              <a:gd name="connsiteY4" fmla="*/ 0 h 1591293"/>
+              <a:gd name="connsiteX5" fmla="*/ 0 w 2392878"/>
+              <a:gd name="connsiteY5" fmla="*/ 1591293 h 1591293"/>
+            </a:gdLst>
+            <a:ahLst/>
+            <a:cxnLst>
+              <a:cxn ang="0">
+                <a:pos x="connsiteX0" y="connsiteY0"/>
+              </a:cxn>
+              <a:cxn ang="0">
+                <a:pos x="connsiteX1" y="connsiteY1"/>
+              </a:cxn>
+              <a:cxn ang="0">
+                <a:pos x="connsiteX2" y="connsiteY2"/>
+              </a:cxn>
+              <a:cxn ang="0">
+                <a:pos x="connsiteX3" y="connsiteY3"/>
+              </a:cxn>
+              <a:cxn ang="0">
+                <a:pos x="connsiteX4" y="connsiteY4"/>
+              </a:cxn>
+              <a:cxn ang="0">
+                <a:pos x="connsiteX5" y="connsiteY5"/>
+              </a:cxn>
+            </a:cxnLst>
+            <a:rect l="l" t="t" r="r" b="b"/>
+            <a:pathLst>
+              <a:path w="2392878" h="1591293">
+                <a:moveTo>
+                  <a:pt x="0" y="1591293"/>
+                </a:moveTo>
+                <a:lnTo>
+                  <a:pt x="1543793" y="1140031"/>
+                </a:lnTo>
+                <a:lnTo>
+                  <a:pt x="2066307" y="1151906"/>
+                </a:lnTo>
+                <a:lnTo>
+                  <a:pt x="2392878" y="807522"/>
+                </a:lnTo>
+                <a:lnTo>
+                  <a:pt x="1353787" y="0"/>
+                </a:lnTo>
+                <a:lnTo>
+                  <a:pt x="0" y="1591293"/>
+                </a:lnTo>
+                <a:close/>
+              </a:path>
+            </a:pathLst>
+          </a:custGeom>
+          <a:solidFill>
+            <a:srgbClr val="FFC000">
+              <a:alpha val="50196"/>
+            </a:srgbClr>
+          </a:solidFill>
+        </p:spPr>
+        <p:style>
+          <a:lnRef idx="2">
+            <a:schemeClr val="accent4">
+              <a:shade val="50000"/>
+            </a:schemeClr>
+          </a:lnRef>
+          <a:fillRef idx="1">
+            <a:schemeClr val="accent4"/>
+          </a:fillRef>
+          <a:effectRef idx="0">
+            <a:schemeClr val="accent4"/>
+          </a:effectRef>
+          <a:fontRef idx="minor">
+            <a:schemeClr val="lt1"/>
+          </a:fontRef>
+        </p:style>
+        <p:txBody>
+          <a:bodyPr rtlCol="0" anchor="ctr"/>
+          <a:lstStyle/>
+          <a:p>
+            <a:pPr algn="ctr"/>
+            <a:endParaRPr lang="fr-FR"/>
+          </a:p>
+        </p:txBody>
+      </p:sp>
+      <p:sp>
+        <p:nvSpPr>
+          <p:cNvPr id="23" name="Forme libre : forme 22">
+            <a:extLst>
+              <a:ext uri="{FF2B5EF4-FFF2-40B4-BE49-F238E27FC236}">
+                <a16:creationId xmlns:a16="http://schemas.microsoft.com/office/drawing/2014/main" id="{AFA2E530-F667-4C4F-83A9-75C0CDFA7048}"/>
+              </a:ext>
+            </a:extLst>
+          </p:cNvPr>
+          <p:cNvSpPr/>
+          <p:nvPr/>
+        </p:nvSpPr>
+        <p:spPr>
+          <a:xfrm>
+            <a:off x="-35626" y="-17813"/>
+            <a:ext cx="1335974" cy="2190997"/>
+          </a:xfrm>
+          <a:custGeom>
+            <a:avLst/>
+            <a:gdLst>
+              <a:gd name="connsiteX0" fmla="*/ 41564 w 1335974"/>
+              <a:gd name="connsiteY0" fmla="*/ 2190997 h 2190997"/>
+              <a:gd name="connsiteX1" fmla="*/ 1335974 w 1335974"/>
+              <a:gd name="connsiteY1" fmla="*/ 670956 h 2190997"/>
+              <a:gd name="connsiteX2" fmla="*/ 570016 w 1335974"/>
+              <a:gd name="connsiteY2" fmla="*/ 0 h 2190997"/>
+              <a:gd name="connsiteX3" fmla="*/ 0 w 1335974"/>
+              <a:gd name="connsiteY3" fmla="*/ 5938 h 2190997"/>
+              <a:gd name="connsiteX4" fmla="*/ 41564 w 1335974"/>
+              <a:gd name="connsiteY4" fmla="*/ 2190997 h 2190997"/>
+            </a:gdLst>
+            <a:ahLst/>
+            <a:cxnLst>
+              <a:cxn ang="0">
+                <a:pos x="connsiteX0" y="connsiteY0"/>
+              </a:cxn>
+              <a:cxn ang="0">
+                <a:pos x="connsiteX1" y="connsiteY1"/>
+              </a:cxn>
+              <a:cxn ang="0">
+                <a:pos x="connsiteX2" y="connsiteY2"/>
+              </a:cxn>
+              <a:cxn ang="0">
+                <a:pos x="connsiteX3" y="connsiteY3"/>
+              </a:cxn>
+              <a:cxn ang="0">
+                <a:pos x="connsiteX4" y="connsiteY4"/>
+              </a:cxn>
+            </a:cxnLst>
+            <a:rect l="l" t="t" r="r" b="b"/>
+            <a:pathLst>
+              <a:path w="1335974" h="2190997">
+                <a:moveTo>
+                  <a:pt x="41564" y="2190997"/>
+                </a:moveTo>
+                <a:lnTo>
+                  <a:pt x="1335974" y="670956"/>
+                </a:lnTo>
+                <a:lnTo>
+                  <a:pt x="570016" y="0"/>
+                </a:lnTo>
+                <a:lnTo>
+                  <a:pt x="0" y="5938"/>
+                </a:lnTo>
+                <a:cubicBezTo>
+                  <a:pt x="3958" y="734291"/>
+                  <a:pt x="7917" y="1462644"/>
+                  <a:pt x="41564" y="2190997"/>
+                </a:cubicBezTo>
+                <a:close/>
+              </a:path>
+            </a:pathLst>
+          </a:custGeom>
+          <a:solidFill>
+            <a:srgbClr val="000000">
+              <a:alpha val="50196"/>
+            </a:srgbClr>
+          </a:solidFill>
+        </p:spPr>
+        <p:style>
+          <a:lnRef idx="2">
+            <a:schemeClr val="dk1">
+              <a:shade val="50000"/>
+            </a:schemeClr>
+          </a:lnRef>
+          <a:fillRef idx="1">
+            <a:schemeClr val="dk1"/>
+          </a:fillRef>
+          <a:effectRef idx="0">
+            <a:schemeClr val="dk1"/>
+          </a:effectRef>
+          <a:fontRef idx="minor">
+            <a:schemeClr val="lt1"/>
+          </a:fontRef>
+        </p:style>
+        <p:txBody>
+          <a:bodyPr rtlCol="0" anchor="ctr"/>
+          <a:lstStyle/>
+          <a:p>
+            <a:pPr algn="ctr"/>
+            <a:endParaRPr lang="fr-FR"/>
+          </a:p>
+        </p:txBody>
+      </p:sp>
+      <p:sp>
+        <p:nvSpPr>
+          <p:cNvPr id="26" name="Forme libre : forme 25">
+            <a:extLst>
+              <a:ext uri="{FF2B5EF4-FFF2-40B4-BE49-F238E27FC236}">
+                <a16:creationId xmlns:a16="http://schemas.microsoft.com/office/drawing/2014/main" id="{F3E0E8F6-9F8B-4A54-875E-162D76A3DA29}"/>
+              </a:ext>
+            </a:extLst>
+          </p:cNvPr>
+          <p:cNvSpPr/>
+          <p:nvPr/>
+        </p:nvSpPr>
+        <p:spPr>
+          <a:xfrm>
+            <a:off x="748145" y="-11875"/>
+            <a:ext cx="1098468" cy="528452"/>
+          </a:xfrm>
+          <a:custGeom>
+            <a:avLst/>
+            <a:gdLst>
+              <a:gd name="connsiteX0" fmla="*/ 0 w 1098468"/>
+              <a:gd name="connsiteY0" fmla="*/ 0 h 528452"/>
+              <a:gd name="connsiteX1" fmla="*/ 641268 w 1098468"/>
+              <a:gd name="connsiteY1" fmla="*/ 528452 h 528452"/>
+              <a:gd name="connsiteX2" fmla="*/ 1098468 w 1098468"/>
+              <a:gd name="connsiteY2" fmla="*/ 11875 h 528452"/>
+              <a:gd name="connsiteX3" fmla="*/ 0 w 1098468"/>
+              <a:gd name="connsiteY3" fmla="*/ 0 h 528452"/>
+            </a:gdLst>
+            <a:ahLst/>
+            <a:cxnLst>
+              <a:cxn ang="0">
+                <a:pos x="connsiteX0" y="connsiteY0"/>
+              </a:cxn>
+              <a:cxn ang="0">
+                <a:pos x="connsiteX1" y="connsiteY1"/>
+              </a:cxn>
+              <a:cxn ang="0">
+                <a:pos x="connsiteX2" y="connsiteY2"/>
+              </a:cxn>
+              <a:cxn ang="0">
+                <a:pos x="connsiteX3" y="connsiteY3"/>
+              </a:cxn>
+            </a:cxnLst>
+            <a:rect l="l" t="t" r="r" b="b"/>
+            <a:pathLst>
+              <a:path w="1098468" h="528452">
+                <a:moveTo>
+                  <a:pt x="0" y="0"/>
+                </a:moveTo>
+                <a:lnTo>
+                  <a:pt x="641268" y="528452"/>
+                </a:lnTo>
+                <a:lnTo>
+                  <a:pt x="1098468" y="11875"/>
+                </a:lnTo>
+                <a:lnTo>
+                  <a:pt x="0" y="0"/>
+                </a:lnTo>
+                <a:close/>
+              </a:path>
+            </a:pathLst>
+          </a:custGeom>
+          <a:solidFill>
+            <a:srgbClr val="000000">
+              <a:alpha val="50196"/>
+            </a:srgbClr>
+          </a:solidFill>
+        </p:spPr>
+        <p:style>
+          <a:lnRef idx="2">
+            <a:schemeClr val="dk1">
+              <a:shade val="50000"/>
+            </a:schemeClr>
+          </a:lnRef>
+          <a:fillRef idx="1">
+            <a:schemeClr val="dk1"/>
+          </a:fillRef>
+          <a:effectRef idx="0">
+            <a:schemeClr val="dk1"/>
+          </a:effectRef>
+          <a:fontRef idx="minor">
+            <a:schemeClr val="lt1"/>
+          </a:fontRef>
+        </p:style>
+        <p:txBody>
+          <a:bodyPr rtlCol="0" anchor="ctr"/>
+          <a:lstStyle/>
+          <a:p>
+            <a:pPr algn="ctr"/>
+            <a:endParaRPr lang="fr-FR"/>
+          </a:p>
+        </p:txBody>
+      </p:sp>
+      <p:sp>
+        <p:nvSpPr>
+          <p:cNvPr id="28" name="Forme libre : forme 27">
+            <a:extLst>
+              <a:ext uri="{FF2B5EF4-FFF2-40B4-BE49-F238E27FC236}">
+                <a16:creationId xmlns:a16="http://schemas.microsoft.com/office/drawing/2014/main" id="{7E2BE082-EB0F-4ADE-BE1C-63F1A1E04BDC}"/>
+              </a:ext>
+            </a:extLst>
+          </p:cNvPr>
+          <p:cNvSpPr/>
+          <p:nvPr/>
+        </p:nvSpPr>
+        <p:spPr>
+          <a:xfrm>
+            <a:off x="1436914" y="5938"/>
+            <a:ext cx="2250374" cy="1579418"/>
+          </a:xfrm>
+          <a:custGeom>
+            <a:avLst/>
+            <a:gdLst>
+              <a:gd name="connsiteX0" fmla="*/ 0 w 2250374"/>
+              <a:gd name="connsiteY0" fmla="*/ 534389 h 1579418"/>
+              <a:gd name="connsiteX1" fmla="*/ 475013 w 2250374"/>
+              <a:gd name="connsiteY1" fmla="*/ 5937 h 1579418"/>
+              <a:gd name="connsiteX2" fmla="*/ 2250374 w 2250374"/>
+              <a:gd name="connsiteY2" fmla="*/ 0 h 1579418"/>
+              <a:gd name="connsiteX3" fmla="*/ 1395351 w 2250374"/>
+              <a:gd name="connsiteY3" fmla="*/ 1579418 h 1579418"/>
+              <a:gd name="connsiteX4" fmla="*/ 0 w 2250374"/>
+              <a:gd name="connsiteY4" fmla="*/ 534389 h 1579418"/>
+            </a:gdLst>
+            <a:ahLst/>
+            <a:cxnLst>
+              <a:cxn ang="0">
+                <a:pos x="connsiteX0" y="connsiteY0"/>
+              </a:cxn>
+              <a:cxn ang="0">
+                <a:pos x="connsiteX1" y="connsiteY1"/>
+              </a:cxn>
+              <a:cxn ang="0">
+                <a:pos x="connsiteX2" y="connsiteY2"/>
+              </a:cxn>
+              <a:cxn ang="0">
+                <a:pos x="connsiteX3" y="connsiteY3"/>
+              </a:cxn>
+              <a:cxn ang="0">
+                <a:pos x="connsiteX4" y="connsiteY4"/>
+              </a:cxn>
+            </a:cxnLst>
+            <a:rect l="l" t="t" r="r" b="b"/>
+            <a:pathLst>
+              <a:path w="2250374" h="1579418">
+                <a:moveTo>
+                  <a:pt x="0" y="534389"/>
+                </a:moveTo>
+                <a:lnTo>
+                  <a:pt x="475013" y="5937"/>
+                </a:lnTo>
+                <a:lnTo>
+                  <a:pt x="2250374" y="0"/>
+                </a:lnTo>
+                <a:lnTo>
+                  <a:pt x="1395351" y="1579418"/>
+                </a:lnTo>
+                <a:lnTo>
+                  <a:pt x="0" y="534389"/>
+                </a:lnTo>
+                <a:close/>
+              </a:path>
+            </a:pathLst>
+          </a:custGeom>
+          <a:solidFill>
+            <a:srgbClr val="FFC000">
+              <a:alpha val="50196"/>
+            </a:srgbClr>
+          </a:solidFill>
+        </p:spPr>
+        <p:style>
+          <a:lnRef idx="2">
+            <a:schemeClr val="accent4">
+              <a:shade val="50000"/>
+            </a:schemeClr>
+          </a:lnRef>
+          <a:fillRef idx="1">
+            <a:schemeClr val="accent4"/>
+          </a:fillRef>
+          <a:effectRef idx="0">
+            <a:schemeClr val="accent4"/>
+          </a:effectRef>
+          <a:fontRef idx="minor">
+            <a:schemeClr val="lt1"/>
+          </a:fontRef>
+        </p:style>
+        <p:txBody>
+          <a:bodyPr rtlCol="0" anchor="ctr"/>
+          <a:lstStyle/>
+          <a:p>
+            <a:pPr algn="ctr"/>
+            <a:endParaRPr lang="fr-FR"/>
+          </a:p>
+        </p:txBody>
+      </p:sp>
+      <p:sp>
+        <p:nvSpPr>
+          <p:cNvPr id="29" name="Forme libre : forme 28">
+            <a:extLst>
+              <a:ext uri="{FF2B5EF4-FFF2-40B4-BE49-F238E27FC236}">
+                <a16:creationId xmlns:a16="http://schemas.microsoft.com/office/drawing/2014/main" id="{24D74DE8-0AB8-42E8-B871-A0F4731026F7}"/>
+              </a:ext>
+            </a:extLst>
+          </p:cNvPr>
+          <p:cNvSpPr/>
+          <p:nvPr/>
+        </p:nvSpPr>
+        <p:spPr>
+          <a:xfrm>
+            <a:off x="6026727" y="-29688"/>
+            <a:ext cx="1525979" cy="1514104"/>
+          </a:xfrm>
+          <a:custGeom>
+            <a:avLst/>
+            <a:gdLst>
+              <a:gd name="connsiteX0" fmla="*/ 118754 w 1525979"/>
+              <a:gd name="connsiteY0" fmla="*/ 41563 h 1514104"/>
+              <a:gd name="connsiteX1" fmla="*/ 118754 w 1525979"/>
+              <a:gd name="connsiteY1" fmla="*/ 154379 h 1514104"/>
+              <a:gd name="connsiteX2" fmla="*/ 0 w 1525979"/>
+              <a:gd name="connsiteY2" fmla="*/ 1246909 h 1514104"/>
+              <a:gd name="connsiteX3" fmla="*/ 902525 w 1525979"/>
+              <a:gd name="connsiteY3" fmla="*/ 1514104 h 1514104"/>
+              <a:gd name="connsiteX4" fmla="*/ 1525979 w 1525979"/>
+              <a:gd name="connsiteY4" fmla="*/ 136566 h 1514104"/>
+              <a:gd name="connsiteX5" fmla="*/ 1347850 w 1525979"/>
+              <a:gd name="connsiteY5" fmla="*/ 0 h 1514104"/>
+              <a:gd name="connsiteX6" fmla="*/ 118754 w 1525979"/>
+              <a:gd name="connsiteY6" fmla="*/ 41563 h 1514104"/>
+            </a:gdLst>
+            <a:ahLst/>
+            <a:cxnLst>
+              <a:cxn ang="0">
+                <a:pos x="connsiteX0" y="connsiteY0"/>
+              </a:cxn>
+              <a:cxn ang="0">
+                <a:pos x="connsiteX1" y="connsiteY1"/>
+              </a:cxn>
+              <a:cxn ang="0">
+                <a:pos x="connsiteX2" y="connsiteY2"/>
+              </a:cxn>
+              <a:cxn ang="0">
+                <a:pos x="connsiteX3" y="connsiteY3"/>
+              </a:cxn>
+              <a:cxn ang="0">
+                <a:pos x="connsiteX4" y="connsiteY4"/>
+              </a:cxn>
+              <a:cxn ang="0">
+                <a:pos x="connsiteX5" y="connsiteY5"/>
+              </a:cxn>
+              <a:cxn ang="0">
+                <a:pos x="connsiteX6" y="connsiteY6"/>
+              </a:cxn>
+            </a:cxnLst>
+            <a:rect l="l" t="t" r="r" b="b"/>
+            <a:pathLst>
+              <a:path w="1525979" h="1514104">
+                <a:moveTo>
+                  <a:pt x="118754" y="41563"/>
+                </a:moveTo>
+                <a:lnTo>
+                  <a:pt x="118754" y="154379"/>
+                </a:lnTo>
+                <a:lnTo>
+                  <a:pt x="0" y="1246909"/>
+                </a:lnTo>
+                <a:lnTo>
+                  <a:pt x="902525" y="1514104"/>
+                </a:lnTo>
+                <a:lnTo>
+                  <a:pt x="1525979" y="136566"/>
+                </a:lnTo>
+                <a:lnTo>
+                  <a:pt x="1347850" y="0"/>
+                </a:lnTo>
+                <a:lnTo>
+                  <a:pt x="118754" y="41563"/>
+                </a:lnTo>
+                <a:close/>
+              </a:path>
+            </a:pathLst>
+          </a:custGeom>
+          <a:solidFill>
+            <a:srgbClr val="FFC000">
+              <a:alpha val="50196"/>
+            </a:srgbClr>
+          </a:solidFill>
+        </p:spPr>
+        <p:style>
+          <a:lnRef idx="2">
+            <a:schemeClr val="accent4">
+              <a:shade val="50000"/>
+            </a:schemeClr>
+          </a:lnRef>
+          <a:fillRef idx="1">
+            <a:schemeClr val="accent4"/>
+          </a:fillRef>
+          <a:effectRef idx="0">
+            <a:schemeClr val="accent4"/>
+          </a:effectRef>
+          <a:fontRef idx="minor">
+            <a:schemeClr val="lt1"/>
+          </a:fontRef>
+        </p:style>
+        <p:txBody>
+          <a:bodyPr rtlCol="0" anchor="ctr"/>
+          <a:lstStyle/>
+          <a:p>
+            <a:pPr algn="ctr"/>
+            <a:endParaRPr lang="fr-FR"/>
+          </a:p>
+        </p:txBody>
+      </p:sp>
+      <p:sp>
+        <p:nvSpPr>
+          <p:cNvPr id="31" name="Forme libre : forme 30">
+            <a:extLst>
+              <a:ext uri="{FF2B5EF4-FFF2-40B4-BE49-F238E27FC236}">
+                <a16:creationId xmlns:a16="http://schemas.microsoft.com/office/drawing/2014/main" id="{B72255EF-D80F-414F-9E33-5B3812892EAB}"/>
+              </a:ext>
+            </a:extLst>
+          </p:cNvPr>
+          <p:cNvSpPr/>
+          <p:nvPr/>
+        </p:nvSpPr>
+        <p:spPr>
+          <a:xfrm>
+            <a:off x="2897579" y="611579"/>
+            <a:ext cx="1597231" cy="1674421"/>
+          </a:xfrm>
+          <a:custGeom>
+            <a:avLst/>
+            <a:gdLst>
+              <a:gd name="connsiteX0" fmla="*/ 522515 w 1597231"/>
+              <a:gd name="connsiteY0" fmla="*/ 0 h 1674421"/>
+              <a:gd name="connsiteX1" fmla="*/ 0 w 1597231"/>
+              <a:gd name="connsiteY1" fmla="*/ 991590 h 1674421"/>
+              <a:gd name="connsiteX2" fmla="*/ 902525 w 1597231"/>
+              <a:gd name="connsiteY2" fmla="*/ 1674421 h 1674421"/>
+              <a:gd name="connsiteX3" fmla="*/ 1597231 w 1597231"/>
+              <a:gd name="connsiteY3" fmla="*/ 552203 h 1674421"/>
+              <a:gd name="connsiteX4" fmla="*/ 522515 w 1597231"/>
+              <a:gd name="connsiteY4" fmla="*/ 0 h 1674421"/>
+            </a:gdLst>
+            <a:ahLst/>
+            <a:cxnLst>
+              <a:cxn ang="0">
+                <a:pos x="connsiteX0" y="connsiteY0"/>
+              </a:cxn>
+              <a:cxn ang="0">
+                <a:pos x="connsiteX1" y="connsiteY1"/>
+              </a:cxn>
+              <a:cxn ang="0">
+                <a:pos x="connsiteX2" y="connsiteY2"/>
+              </a:cxn>
+              <a:cxn ang="0">
+                <a:pos x="connsiteX3" y="connsiteY3"/>
+              </a:cxn>
+              <a:cxn ang="0">
+                <a:pos x="connsiteX4" y="connsiteY4"/>
+              </a:cxn>
+            </a:cxnLst>
+            <a:rect l="l" t="t" r="r" b="b"/>
+            <a:pathLst>
+              <a:path w="1597231" h="1674421">
+                <a:moveTo>
+                  <a:pt x="522515" y="0"/>
+                </a:moveTo>
+                <a:lnTo>
+                  <a:pt x="0" y="991590"/>
+                </a:lnTo>
+                <a:lnTo>
+                  <a:pt x="902525" y="1674421"/>
+                </a:lnTo>
+                <a:lnTo>
+                  <a:pt x="1597231" y="552203"/>
+                </a:lnTo>
+                <a:lnTo>
+                  <a:pt x="522515" y="0"/>
+                </a:lnTo>
+                <a:close/>
+              </a:path>
+            </a:pathLst>
+          </a:custGeom>
+          <a:solidFill>
+            <a:srgbClr val="ED7D31">
+              <a:alpha val="50196"/>
+            </a:srgbClr>
+          </a:solidFill>
+        </p:spPr>
+        <p:style>
+          <a:lnRef idx="2">
+            <a:schemeClr val="accent2">
+              <a:shade val="50000"/>
+            </a:schemeClr>
+          </a:lnRef>
+          <a:fillRef idx="1">
+            <a:schemeClr val="accent2"/>
+          </a:fillRef>
+          <a:effectRef idx="0">
+            <a:schemeClr val="accent2"/>
+          </a:effectRef>
+          <a:fontRef idx="minor">
+            <a:schemeClr val="lt1"/>
+          </a:fontRef>
+        </p:style>
+        <p:txBody>
+          <a:bodyPr rtlCol="0" anchor="ctr"/>
+          <a:lstStyle/>
+          <a:p>
+            <a:pPr algn="ctr"/>
+            <a:endParaRPr lang="fr-FR"/>
+          </a:p>
+        </p:txBody>
+      </p:sp>
+      <p:sp>
+        <p:nvSpPr>
+          <p:cNvPr id="32" name="Forme libre : forme 31">
+            <a:extLst>
+              <a:ext uri="{FF2B5EF4-FFF2-40B4-BE49-F238E27FC236}">
+                <a16:creationId xmlns:a16="http://schemas.microsoft.com/office/drawing/2014/main" id="{DD116516-AF57-43FA-8111-23ED6ED71406}"/>
+              </a:ext>
+            </a:extLst>
+          </p:cNvPr>
+          <p:cNvSpPr/>
+          <p:nvPr/>
+        </p:nvSpPr>
+        <p:spPr>
+          <a:xfrm>
+            <a:off x="3443844" y="0"/>
+            <a:ext cx="1537855" cy="1104405"/>
+          </a:xfrm>
+          <a:custGeom>
+            <a:avLst/>
+            <a:gdLst>
+              <a:gd name="connsiteX0" fmla="*/ 0 w 1537855"/>
+              <a:gd name="connsiteY0" fmla="*/ 558140 h 1104405"/>
+              <a:gd name="connsiteX1" fmla="*/ 1062842 w 1537855"/>
+              <a:gd name="connsiteY1" fmla="*/ 1104405 h 1104405"/>
+              <a:gd name="connsiteX2" fmla="*/ 1537855 w 1537855"/>
+              <a:gd name="connsiteY2" fmla="*/ 11875 h 1104405"/>
+              <a:gd name="connsiteX3" fmla="*/ 308759 w 1537855"/>
+              <a:gd name="connsiteY3" fmla="*/ 0 h 1104405"/>
+              <a:gd name="connsiteX4" fmla="*/ 0 w 1537855"/>
+              <a:gd name="connsiteY4" fmla="*/ 558140 h 1104405"/>
+            </a:gdLst>
+            <a:ahLst/>
+            <a:cxnLst>
+              <a:cxn ang="0">
+                <a:pos x="connsiteX0" y="connsiteY0"/>
+              </a:cxn>
+              <a:cxn ang="0">
+                <a:pos x="connsiteX1" y="connsiteY1"/>
+              </a:cxn>
+              <a:cxn ang="0">
+                <a:pos x="connsiteX2" y="connsiteY2"/>
+              </a:cxn>
+              <a:cxn ang="0">
+                <a:pos x="connsiteX3" y="connsiteY3"/>
+              </a:cxn>
+              <a:cxn ang="0">
+                <a:pos x="connsiteX4" y="connsiteY4"/>
+              </a:cxn>
+            </a:cxnLst>
+            <a:rect l="l" t="t" r="r" b="b"/>
+            <a:pathLst>
+              <a:path w="1537855" h="1104405">
+                <a:moveTo>
+                  <a:pt x="0" y="558140"/>
+                </a:moveTo>
+                <a:lnTo>
+                  <a:pt x="1062842" y="1104405"/>
+                </a:lnTo>
+                <a:lnTo>
+                  <a:pt x="1537855" y="11875"/>
+                </a:lnTo>
+                <a:lnTo>
+                  <a:pt x="308759" y="0"/>
+                </a:lnTo>
+                <a:lnTo>
+                  <a:pt x="0" y="558140"/>
+                </a:lnTo>
+                <a:close/>
+              </a:path>
+            </a:pathLst>
+          </a:custGeom>
+          <a:solidFill>
+            <a:srgbClr val="000000">
+              <a:alpha val="50196"/>
+            </a:srgbClr>
+          </a:solidFill>
+        </p:spPr>
+        <p:style>
+          <a:lnRef idx="2">
+            <a:schemeClr val="dk1">
+              <a:shade val="50000"/>
+            </a:schemeClr>
+          </a:lnRef>
+          <a:fillRef idx="1">
+            <a:schemeClr val="dk1"/>
+          </a:fillRef>
+          <a:effectRef idx="0">
+            <a:schemeClr val="dk1"/>
+          </a:effectRef>
+          <a:fontRef idx="minor">
+            <a:schemeClr val="lt1"/>
+          </a:fontRef>
+        </p:style>
+        <p:txBody>
+          <a:bodyPr rtlCol="0" anchor="ctr"/>
+          <a:lstStyle/>
+          <a:p>
+            <a:pPr algn="ctr"/>
+            <a:endParaRPr lang="fr-FR"/>
+          </a:p>
+        </p:txBody>
+      </p:sp>
+      <p:sp>
+        <p:nvSpPr>
+          <p:cNvPr id="33" name="Forme libre : forme 32">
+            <a:extLst>
+              <a:ext uri="{FF2B5EF4-FFF2-40B4-BE49-F238E27FC236}">
+                <a16:creationId xmlns:a16="http://schemas.microsoft.com/office/drawing/2014/main" id="{8AF891DA-0928-4FDF-ADE1-9DF59FB419F4}"/>
+              </a:ext>
+            </a:extLst>
+          </p:cNvPr>
+          <p:cNvSpPr/>
+          <p:nvPr/>
+        </p:nvSpPr>
+        <p:spPr>
+          <a:xfrm>
+            <a:off x="5771408" y="1300348"/>
+            <a:ext cx="1615044" cy="2226623"/>
+          </a:xfrm>
+          <a:custGeom>
+            <a:avLst/>
+            <a:gdLst>
+              <a:gd name="connsiteX0" fmla="*/ 255319 w 1615044"/>
+              <a:gd name="connsiteY0" fmla="*/ 0 h 2226623"/>
+              <a:gd name="connsiteX1" fmla="*/ 255319 w 1615044"/>
+              <a:gd name="connsiteY1" fmla="*/ 118753 h 2226623"/>
+              <a:gd name="connsiteX2" fmla="*/ 112815 w 1615044"/>
+              <a:gd name="connsiteY2" fmla="*/ 570016 h 2226623"/>
+              <a:gd name="connsiteX3" fmla="*/ 112815 w 1615044"/>
+              <a:gd name="connsiteY3" fmla="*/ 1086592 h 2226623"/>
+              <a:gd name="connsiteX4" fmla="*/ 0 w 1615044"/>
+              <a:gd name="connsiteY4" fmla="*/ 2143496 h 2226623"/>
+              <a:gd name="connsiteX5" fmla="*/ 475013 w 1615044"/>
+              <a:gd name="connsiteY5" fmla="*/ 2226623 h 2226623"/>
+              <a:gd name="connsiteX6" fmla="*/ 1579418 w 1615044"/>
+              <a:gd name="connsiteY6" fmla="*/ 2125683 h 2226623"/>
+              <a:gd name="connsiteX7" fmla="*/ 1543792 w 1615044"/>
+              <a:gd name="connsiteY7" fmla="*/ 1187533 h 2226623"/>
+              <a:gd name="connsiteX8" fmla="*/ 1615044 w 1615044"/>
+              <a:gd name="connsiteY8" fmla="*/ 902525 h 2226623"/>
+              <a:gd name="connsiteX9" fmla="*/ 1009402 w 1615044"/>
+              <a:gd name="connsiteY9" fmla="*/ 789709 h 2226623"/>
+              <a:gd name="connsiteX10" fmla="*/ 1110343 w 1615044"/>
+              <a:gd name="connsiteY10" fmla="*/ 243444 h 2226623"/>
+              <a:gd name="connsiteX11" fmla="*/ 255319 w 1615044"/>
+              <a:gd name="connsiteY11" fmla="*/ 0 h 2226623"/>
+            </a:gdLst>
+            <a:ahLst/>
+            <a:cxnLst>
+              <a:cxn ang="0">
+                <a:pos x="connsiteX0" y="connsiteY0"/>
+              </a:cxn>
+              <a:cxn ang="0">
+                <a:pos x="connsiteX1" y="connsiteY1"/>
+              </a:cxn>
+              <a:cxn ang="0">
+                <a:pos x="connsiteX2" y="connsiteY2"/>
+              </a:cxn>
+              <a:cxn ang="0">
+                <a:pos x="connsiteX3" y="connsiteY3"/>
+              </a:cxn>
+              <a:cxn ang="0">
+                <a:pos x="connsiteX4" y="connsiteY4"/>
+              </a:cxn>
+              <a:cxn ang="0">
+                <a:pos x="connsiteX5" y="connsiteY5"/>
+              </a:cxn>
+              <a:cxn ang="0">
+                <a:pos x="connsiteX6" y="connsiteY6"/>
+              </a:cxn>
+              <a:cxn ang="0">
+                <a:pos x="connsiteX7" y="connsiteY7"/>
+              </a:cxn>
+              <a:cxn ang="0">
+                <a:pos x="connsiteX8" y="connsiteY8"/>
+              </a:cxn>
+              <a:cxn ang="0">
+                <a:pos x="connsiteX9" y="connsiteY9"/>
+              </a:cxn>
+              <a:cxn ang="0">
+                <a:pos x="connsiteX10" y="connsiteY10"/>
+              </a:cxn>
+              <a:cxn ang="0">
+                <a:pos x="connsiteX11" y="connsiteY11"/>
+              </a:cxn>
+            </a:cxnLst>
+            <a:rect l="l" t="t" r="r" b="b"/>
+            <a:pathLst>
+              <a:path w="1615044" h="2226623">
+                <a:moveTo>
+                  <a:pt x="255319" y="0"/>
+                </a:moveTo>
+                <a:lnTo>
+                  <a:pt x="255319" y="118753"/>
+                </a:lnTo>
+                <a:lnTo>
+                  <a:pt x="112815" y="570016"/>
+                </a:lnTo>
+                <a:lnTo>
+                  <a:pt x="112815" y="1086592"/>
+                </a:lnTo>
+                <a:lnTo>
+                  <a:pt x="0" y="2143496"/>
+                </a:lnTo>
+                <a:lnTo>
+                  <a:pt x="475013" y="2226623"/>
+                </a:lnTo>
+                <a:lnTo>
+                  <a:pt x="1579418" y="2125683"/>
+                </a:lnTo>
+                <a:lnTo>
+                  <a:pt x="1543792" y="1187533"/>
+                </a:lnTo>
+                <a:lnTo>
+                  <a:pt x="1615044" y="902525"/>
+                </a:lnTo>
+                <a:lnTo>
+                  <a:pt x="1009402" y="789709"/>
+                </a:lnTo>
+                <a:lnTo>
+                  <a:pt x="1110343" y="243444"/>
+                </a:lnTo>
+                <a:lnTo>
+                  <a:pt x="255319" y="0"/>
+                </a:lnTo>
+                <a:close/>
+              </a:path>
+            </a:pathLst>
+          </a:custGeom>
+          <a:solidFill>
+            <a:srgbClr val="ED7D31">
+              <a:alpha val="50196"/>
+            </a:srgbClr>
+          </a:solidFill>
+        </p:spPr>
+        <p:style>
+          <a:lnRef idx="2">
+            <a:schemeClr val="accent2">
+              <a:shade val="50000"/>
+            </a:schemeClr>
+          </a:lnRef>
+          <a:fillRef idx="1">
+            <a:schemeClr val="accent2"/>
+          </a:fillRef>
+          <a:effectRef idx="0">
+            <a:schemeClr val="accent2"/>
+          </a:effectRef>
+          <a:fontRef idx="minor">
+            <a:schemeClr val="lt1"/>
+          </a:fontRef>
+        </p:style>
+        <p:txBody>
+          <a:bodyPr rtlCol="0" anchor="ctr"/>
+          <a:lstStyle/>
+          <a:p>
+            <a:pPr algn="ctr"/>
+            <a:endParaRPr lang="fr-FR"/>
+          </a:p>
+        </p:txBody>
+      </p:sp>
+      <p:sp>
+        <p:nvSpPr>
+          <p:cNvPr id="34" name="Forme libre : forme 33">
+            <a:extLst>
+              <a:ext uri="{FF2B5EF4-FFF2-40B4-BE49-F238E27FC236}">
+                <a16:creationId xmlns:a16="http://schemas.microsoft.com/office/drawing/2014/main" id="{B4AF15EC-8CA0-419B-9DD3-E4AD03F87305}"/>
+              </a:ext>
+            </a:extLst>
+          </p:cNvPr>
+          <p:cNvSpPr/>
+          <p:nvPr/>
+        </p:nvSpPr>
+        <p:spPr>
+          <a:xfrm>
+            <a:off x="5830784" y="3711039"/>
+            <a:ext cx="2422567" cy="1828800"/>
+          </a:xfrm>
+          <a:custGeom>
+            <a:avLst/>
+            <a:gdLst>
+              <a:gd name="connsiteX0" fmla="*/ 516577 w 2422567"/>
+              <a:gd name="connsiteY0" fmla="*/ 0 h 1828800"/>
+              <a:gd name="connsiteX1" fmla="*/ 510639 w 2422567"/>
+              <a:gd name="connsiteY1" fmla="*/ 166255 h 1828800"/>
+              <a:gd name="connsiteX2" fmla="*/ 0 w 2422567"/>
+              <a:gd name="connsiteY2" fmla="*/ 1062842 h 1828800"/>
+              <a:gd name="connsiteX3" fmla="*/ 106878 w 2422567"/>
+              <a:gd name="connsiteY3" fmla="*/ 1478478 h 1828800"/>
+              <a:gd name="connsiteX4" fmla="*/ 1235034 w 2422567"/>
+              <a:gd name="connsiteY4" fmla="*/ 1573480 h 1828800"/>
+              <a:gd name="connsiteX5" fmla="*/ 1341912 w 2422567"/>
+              <a:gd name="connsiteY5" fmla="*/ 1828800 h 1828800"/>
+              <a:gd name="connsiteX6" fmla="*/ 2422567 w 2422567"/>
+              <a:gd name="connsiteY6" fmla="*/ 1490353 h 1828800"/>
+              <a:gd name="connsiteX7" fmla="*/ 2345377 w 2422567"/>
+              <a:gd name="connsiteY7" fmla="*/ 1294410 h 1828800"/>
+              <a:gd name="connsiteX8" fmla="*/ 516577 w 2422567"/>
+              <a:gd name="connsiteY8" fmla="*/ 0 h 1828800"/>
+            </a:gdLst>
+            <a:ahLst/>
+            <a:cxnLst>
+              <a:cxn ang="0">
+                <a:pos x="connsiteX0" y="connsiteY0"/>
+              </a:cxn>
+              <a:cxn ang="0">
+                <a:pos x="connsiteX1" y="connsiteY1"/>
+              </a:cxn>
+              <a:cxn ang="0">
+                <a:pos x="connsiteX2" y="connsiteY2"/>
+              </a:cxn>
+              <a:cxn ang="0">
+                <a:pos x="connsiteX3" y="connsiteY3"/>
+              </a:cxn>
+              <a:cxn ang="0">
+                <a:pos x="connsiteX4" y="connsiteY4"/>
+              </a:cxn>
+              <a:cxn ang="0">
+                <a:pos x="connsiteX5" y="connsiteY5"/>
+              </a:cxn>
+              <a:cxn ang="0">
+                <a:pos x="connsiteX6" y="connsiteY6"/>
+              </a:cxn>
+              <a:cxn ang="0">
+                <a:pos x="connsiteX7" y="connsiteY7"/>
+              </a:cxn>
+              <a:cxn ang="0">
+                <a:pos x="connsiteX8" y="connsiteY8"/>
+              </a:cxn>
+            </a:cxnLst>
+            <a:rect l="l" t="t" r="r" b="b"/>
+            <a:pathLst>
+              <a:path w="2422567" h="1828800">
+                <a:moveTo>
+                  <a:pt x="516577" y="0"/>
+                </a:moveTo>
+                <a:lnTo>
+                  <a:pt x="510639" y="166255"/>
+                </a:lnTo>
+                <a:lnTo>
+                  <a:pt x="0" y="1062842"/>
+                </a:lnTo>
+                <a:lnTo>
+                  <a:pt x="106878" y="1478478"/>
+                </a:lnTo>
+                <a:lnTo>
+                  <a:pt x="1235034" y="1573480"/>
+                </a:lnTo>
+                <a:lnTo>
+                  <a:pt x="1341912" y="1828800"/>
+                </a:lnTo>
+                <a:lnTo>
+                  <a:pt x="2422567" y="1490353"/>
+                </a:lnTo>
+                <a:lnTo>
+                  <a:pt x="2345377" y="1294410"/>
+                </a:lnTo>
+                <a:lnTo>
+                  <a:pt x="516577" y="0"/>
+                </a:lnTo>
+                <a:close/>
+              </a:path>
+            </a:pathLst>
+          </a:custGeom>
+          <a:solidFill>
+            <a:srgbClr val="ED7D31">
+              <a:alpha val="50196"/>
+            </a:srgbClr>
+          </a:solidFill>
+        </p:spPr>
+        <p:style>
+          <a:lnRef idx="2">
+            <a:schemeClr val="accent2">
+              <a:shade val="50000"/>
+            </a:schemeClr>
+          </a:lnRef>
+          <a:fillRef idx="1">
+            <a:schemeClr val="accent2"/>
+          </a:fillRef>
+          <a:effectRef idx="0">
+            <a:schemeClr val="accent2"/>
+          </a:effectRef>
+          <a:fontRef idx="minor">
+            <a:schemeClr val="lt1"/>
+          </a:fontRef>
+        </p:style>
+        <p:txBody>
+          <a:bodyPr rtlCol="0" anchor="ctr"/>
+          <a:lstStyle/>
+          <a:p>
+            <a:pPr algn="ctr"/>
+            <a:endParaRPr lang="fr-FR"/>
+          </a:p>
+        </p:txBody>
+      </p:sp>
+      <p:sp>
+        <p:nvSpPr>
+          <p:cNvPr id="35" name="Forme libre : forme 34">
+            <a:extLst>
+              <a:ext uri="{FF2B5EF4-FFF2-40B4-BE49-F238E27FC236}">
+                <a16:creationId xmlns:a16="http://schemas.microsoft.com/office/drawing/2014/main" id="{295352F3-F90D-48F3-A128-F3B4B52E3489}"/>
+              </a:ext>
+            </a:extLst>
+          </p:cNvPr>
+          <p:cNvSpPr/>
+          <p:nvPr/>
+        </p:nvSpPr>
+        <p:spPr>
+          <a:xfrm>
+            <a:off x="5581403" y="5237018"/>
+            <a:ext cx="2149433" cy="1514104"/>
+          </a:xfrm>
+          <a:custGeom>
+            <a:avLst/>
+            <a:gdLst>
+              <a:gd name="connsiteX0" fmla="*/ 326571 w 2149433"/>
+              <a:gd name="connsiteY0" fmla="*/ 0 h 1514104"/>
+              <a:gd name="connsiteX1" fmla="*/ 267194 w 2149433"/>
+              <a:gd name="connsiteY1" fmla="*/ 356260 h 1514104"/>
+              <a:gd name="connsiteX2" fmla="*/ 195942 w 2149433"/>
+              <a:gd name="connsiteY2" fmla="*/ 498764 h 1514104"/>
+              <a:gd name="connsiteX3" fmla="*/ 0 w 2149433"/>
+              <a:gd name="connsiteY3" fmla="*/ 694707 h 1514104"/>
+              <a:gd name="connsiteX4" fmla="*/ 1632857 w 2149433"/>
+              <a:gd name="connsiteY4" fmla="*/ 1514104 h 1514104"/>
+              <a:gd name="connsiteX5" fmla="*/ 2149433 w 2149433"/>
+              <a:gd name="connsiteY5" fmla="*/ 754083 h 1514104"/>
+              <a:gd name="connsiteX6" fmla="*/ 1917865 w 2149433"/>
+              <a:gd name="connsiteY6" fmla="*/ 231569 h 1514104"/>
+              <a:gd name="connsiteX7" fmla="*/ 1561605 w 2149433"/>
+              <a:gd name="connsiteY7" fmla="*/ 338447 h 1514104"/>
+              <a:gd name="connsiteX8" fmla="*/ 1448789 w 2149433"/>
+              <a:gd name="connsiteY8" fmla="*/ 83127 h 1514104"/>
+              <a:gd name="connsiteX9" fmla="*/ 326571 w 2149433"/>
+              <a:gd name="connsiteY9" fmla="*/ 0 h 1514104"/>
+            </a:gdLst>
+            <a:ahLst/>
+            <a:cxnLst>
+              <a:cxn ang="0">
+                <a:pos x="connsiteX0" y="connsiteY0"/>
+              </a:cxn>
+              <a:cxn ang="0">
+                <a:pos x="connsiteX1" y="connsiteY1"/>
+              </a:cxn>
+              <a:cxn ang="0">
+                <a:pos x="connsiteX2" y="connsiteY2"/>
+              </a:cxn>
+              <a:cxn ang="0">
+                <a:pos x="connsiteX3" y="connsiteY3"/>
+              </a:cxn>
+              <a:cxn ang="0">
+                <a:pos x="connsiteX4" y="connsiteY4"/>
+              </a:cxn>
+              <a:cxn ang="0">
+                <a:pos x="connsiteX5" y="connsiteY5"/>
+              </a:cxn>
+              <a:cxn ang="0">
+                <a:pos x="connsiteX6" y="connsiteY6"/>
+              </a:cxn>
+              <a:cxn ang="0">
+                <a:pos x="connsiteX7" y="connsiteY7"/>
+              </a:cxn>
+              <a:cxn ang="0">
+                <a:pos x="connsiteX8" y="connsiteY8"/>
+              </a:cxn>
+              <a:cxn ang="0">
+                <a:pos x="connsiteX9" y="connsiteY9"/>
+              </a:cxn>
+            </a:cxnLst>
+            <a:rect l="l" t="t" r="r" b="b"/>
+            <a:pathLst>
+              <a:path w="2149433" h="1514104">
+                <a:moveTo>
+                  <a:pt x="326571" y="0"/>
+                </a:moveTo>
+                <a:lnTo>
+                  <a:pt x="267194" y="356260"/>
+                </a:lnTo>
+                <a:lnTo>
+                  <a:pt x="195942" y="498764"/>
+                </a:lnTo>
+                <a:lnTo>
+                  <a:pt x="0" y="694707"/>
+                </a:lnTo>
+                <a:lnTo>
+                  <a:pt x="1632857" y="1514104"/>
+                </a:lnTo>
+                <a:lnTo>
+                  <a:pt x="2149433" y="754083"/>
+                </a:lnTo>
+                <a:lnTo>
+                  <a:pt x="1917865" y="231569"/>
+                </a:lnTo>
+                <a:lnTo>
+                  <a:pt x="1561605" y="338447"/>
+                </a:lnTo>
+                <a:lnTo>
+                  <a:pt x="1448789" y="83127"/>
+                </a:lnTo>
+                <a:lnTo>
+                  <a:pt x="326571" y="0"/>
+                </a:lnTo>
+                <a:close/>
+              </a:path>
+            </a:pathLst>
+          </a:custGeom>
+          <a:solidFill>
+            <a:srgbClr val="ED7D31">
+              <a:alpha val="50196"/>
+            </a:srgbClr>
+          </a:solidFill>
+        </p:spPr>
+        <p:style>
+          <a:lnRef idx="2">
+            <a:schemeClr val="accent2">
+              <a:shade val="50000"/>
+            </a:schemeClr>
+          </a:lnRef>
+          <a:fillRef idx="1">
+            <a:schemeClr val="accent2"/>
+          </a:fillRef>
+          <a:effectRef idx="0">
+            <a:schemeClr val="accent2"/>
+          </a:effectRef>
+          <a:fontRef idx="minor">
+            <a:schemeClr val="lt1"/>
+          </a:fontRef>
+        </p:style>
+        <p:txBody>
+          <a:bodyPr rtlCol="0" anchor="ctr"/>
+          <a:lstStyle/>
+          <a:p>
+            <a:pPr algn="ctr"/>
+            <a:endParaRPr lang="fr-FR"/>
+          </a:p>
+        </p:txBody>
+      </p:sp>
+      <p:sp>
+        <p:nvSpPr>
+          <p:cNvPr id="36" name="Forme libre : forme 35">
+            <a:extLst>
+              <a:ext uri="{FF2B5EF4-FFF2-40B4-BE49-F238E27FC236}">
+                <a16:creationId xmlns:a16="http://schemas.microsoft.com/office/drawing/2014/main" id="{7C87C54F-9D33-4B48-BB1D-C786A4AFA1B0}"/>
+              </a:ext>
+            </a:extLst>
+          </p:cNvPr>
+          <p:cNvSpPr/>
+          <p:nvPr/>
+        </p:nvSpPr>
+        <p:spPr>
+          <a:xfrm>
+            <a:off x="5290457" y="6008914"/>
+            <a:ext cx="2000992" cy="849086"/>
+          </a:xfrm>
+          <a:custGeom>
+            <a:avLst/>
+            <a:gdLst>
+              <a:gd name="connsiteX0" fmla="*/ 231569 w 2000992"/>
+              <a:gd name="connsiteY0" fmla="*/ 0 h 849086"/>
+              <a:gd name="connsiteX1" fmla="*/ 112816 w 2000992"/>
+              <a:gd name="connsiteY1" fmla="*/ 160317 h 849086"/>
+              <a:gd name="connsiteX2" fmla="*/ 35626 w 2000992"/>
+              <a:gd name="connsiteY2" fmla="*/ 463138 h 849086"/>
+              <a:gd name="connsiteX3" fmla="*/ 0 w 2000992"/>
+              <a:gd name="connsiteY3" fmla="*/ 843148 h 849086"/>
+              <a:gd name="connsiteX4" fmla="*/ 2000992 w 2000992"/>
+              <a:gd name="connsiteY4" fmla="*/ 849086 h 849086"/>
+              <a:gd name="connsiteX5" fmla="*/ 231569 w 2000992"/>
+              <a:gd name="connsiteY5" fmla="*/ 0 h 849086"/>
+            </a:gdLst>
+            <a:ahLst/>
+            <a:cxnLst>
+              <a:cxn ang="0">
+                <a:pos x="connsiteX0" y="connsiteY0"/>
+              </a:cxn>
+              <a:cxn ang="0">
+                <a:pos x="connsiteX1" y="connsiteY1"/>
+              </a:cxn>
+              <a:cxn ang="0">
+                <a:pos x="connsiteX2" y="connsiteY2"/>
+              </a:cxn>
+              <a:cxn ang="0">
+                <a:pos x="connsiteX3" y="connsiteY3"/>
+              </a:cxn>
+              <a:cxn ang="0">
+                <a:pos x="connsiteX4" y="connsiteY4"/>
+              </a:cxn>
+              <a:cxn ang="0">
+                <a:pos x="connsiteX5" y="connsiteY5"/>
+              </a:cxn>
+            </a:cxnLst>
+            <a:rect l="l" t="t" r="r" b="b"/>
+            <a:pathLst>
+              <a:path w="2000992" h="849086">
+                <a:moveTo>
+                  <a:pt x="231569" y="0"/>
+                </a:moveTo>
+                <a:lnTo>
+                  <a:pt x="112816" y="160317"/>
+                </a:lnTo>
+                <a:lnTo>
+                  <a:pt x="35626" y="463138"/>
+                </a:lnTo>
+                <a:lnTo>
+                  <a:pt x="0" y="843148"/>
+                </a:lnTo>
+                <a:lnTo>
+                  <a:pt x="2000992" y="849086"/>
+                </a:lnTo>
+                <a:lnTo>
+                  <a:pt x="231569" y="0"/>
+                </a:lnTo>
+                <a:close/>
+              </a:path>
+            </a:pathLst>
+          </a:custGeom>
+          <a:solidFill>
+            <a:srgbClr val="FFC000">
+              <a:alpha val="50196"/>
+            </a:srgbClr>
+          </a:solidFill>
+        </p:spPr>
+        <p:style>
+          <a:lnRef idx="2">
+            <a:schemeClr val="accent4">
+              <a:shade val="50000"/>
+            </a:schemeClr>
+          </a:lnRef>
+          <a:fillRef idx="1">
+            <a:schemeClr val="accent4"/>
+          </a:fillRef>
+          <a:effectRef idx="0">
+            <a:schemeClr val="accent4"/>
+          </a:effectRef>
+          <a:fontRef idx="minor">
+            <a:schemeClr val="lt1"/>
+          </a:fontRef>
+        </p:style>
+        <p:txBody>
+          <a:bodyPr rtlCol="0" anchor="ctr"/>
+          <a:lstStyle/>
+          <a:p>
+            <a:pPr algn="ctr"/>
+            <a:endParaRPr lang="fr-FR"/>
+          </a:p>
+        </p:txBody>
+      </p:sp>
+      <p:sp>
+        <p:nvSpPr>
+          <p:cNvPr id="37" name="Forme libre : forme 36">
+            <a:extLst>
+              <a:ext uri="{FF2B5EF4-FFF2-40B4-BE49-F238E27FC236}">
+                <a16:creationId xmlns:a16="http://schemas.microsoft.com/office/drawing/2014/main" id="{3FAE939C-5DB3-4ACA-9D88-CFEA84F4CC2B}"/>
+              </a:ext>
+            </a:extLst>
+          </p:cNvPr>
+          <p:cNvSpPr/>
+          <p:nvPr/>
+        </p:nvSpPr>
+        <p:spPr>
+          <a:xfrm>
+            <a:off x="7273636" y="5248894"/>
+            <a:ext cx="1472541" cy="1615044"/>
+          </a:xfrm>
+          <a:custGeom>
+            <a:avLst/>
+            <a:gdLst>
+              <a:gd name="connsiteX0" fmla="*/ 279070 w 1472541"/>
+              <a:gd name="connsiteY0" fmla="*/ 207818 h 1615044"/>
+              <a:gd name="connsiteX1" fmla="*/ 522515 w 1472541"/>
+              <a:gd name="connsiteY1" fmla="*/ 742207 h 1615044"/>
+              <a:gd name="connsiteX2" fmla="*/ 0 w 1472541"/>
+              <a:gd name="connsiteY2" fmla="*/ 1537854 h 1615044"/>
+              <a:gd name="connsiteX3" fmla="*/ 112816 w 1472541"/>
+              <a:gd name="connsiteY3" fmla="*/ 1609106 h 1615044"/>
+              <a:gd name="connsiteX4" fmla="*/ 1472541 w 1472541"/>
+              <a:gd name="connsiteY4" fmla="*/ 1615044 h 1615044"/>
+              <a:gd name="connsiteX5" fmla="*/ 1454728 w 1472541"/>
+              <a:gd name="connsiteY5" fmla="*/ 522514 h 1615044"/>
+              <a:gd name="connsiteX6" fmla="*/ 1294411 w 1472541"/>
+              <a:gd name="connsiteY6" fmla="*/ 338446 h 1615044"/>
+              <a:gd name="connsiteX7" fmla="*/ 1092530 w 1472541"/>
+              <a:gd name="connsiteY7" fmla="*/ 154379 h 1615044"/>
+              <a:gd name="connsiteX8" fmla="*/ 1050967 w 1472541"/>
+              <a:gd name="connsiteY8" fmla="*/ 0 h 1615044"/>
+              <a:gd name="connsiteX9" fmla="*/ 997528 w 1472541"/>
+              <a:gd name="connsiteY9" fmla="*/ 0 h 1615044"/>
+              <a:gd name="connsiteX10" fmla="*/ 279070 w 1472541"/>
+              <a:gd name="connsiteY10" fmla="*/ 207818 h 1615044"/>
+            </a:gdLst>
+            <a:ahLst/>
+            <a:cxnLst>
+              <a:cxn ang="0">
+                <a:pos x="connsiteX0" y="connsiteY0"/>
+              </a:cxn>
+              <a:cxn ang="0">
+                <a:pos x="connsiteX1" y="connsiteY1"/>
+              </a:cxn>
+              <a:cxn ang="0">
+                <a:pos x="connsiteX2" y="connsiteY2"/>
+              </a:cxn>
+              <a:cxn ang="0">
+                <a:pos x="connsiteX3" y="connsiteY3"/>
+              </a:cxn>
+              <a:cxn ang="0">
+                <a:pos x="connsiteX4" y="connsiteY4"/>
+              </a:cxn>
+              <a:cxn ang="0">
+                <a:pos x="connsiteX5" y="connsiteY5"/>
+              </a:cxn>
+              <a:cxn ang="0">
+                <a:pos x="connsiteX6" y="connsiteY6"/>
+              </a:cxn>
+              <a:cxn ang="0">
+                <a:pos x="connsiteX7" y="connsiteY7"/>
+              </a:cxn>
+              <a:cxn ang="0">
+                <a:pos x="connsiteX8" y="connsiteY8"/>
+              </a:cxn>
+              <a:cxn ang="0">
+                <a:pos x="connsiteX9" y="connsiteY9"/>
+              </a:cxn>
+              <a:cxn ang="0">
+                <a:pos x="connsiteX10" y="connsiteY10"/>
+              </a:cxn>
+            </a:cxnLst>
+            <a:rect l="l" t="t" r="r" b="b"/>
+            <a:pathLst>
+              <a:path w="1472541" h="1615044">
+                <a:moveTo>
+                  <a:pt x="279070" y="207818"/>
+                </a:moveTo>
+                <a:lnTo>
+                  <a:pt x="522515" y="742207"/>
+                </a:lnTo>
+                <a:lnTo>
+                  <a:pt x="0" y="1537854"/>
+                </a:lnTo>
+                <a:lnTo>
+                  <a:pt x="112816" y="1609106"/>
+                </a:lnTo>
+                <a:lnTo>
+                  <a:pt x="1472541" y="1615044"/>
+                </a:lnTo>
+                <a:lnTo>
+                  <a:pt x="1454728" y="522514"/>
+                </a:lnTo>
+                <a:lnTo>
+                  <a:pt x="1294411" y="338446"/>
+                </a:lnTo>
+                <a:lnTo>
+                  <a:pt x="1092530" y="154379"/>
+                </a:lnTo>
+                <a:lnTo>
+                  <a:pt x="1050967" y="0"/>
+                </a:lnTo>
+                <a:lnTo>
+                  <a:pt x="997528" y="0"/>
+                </a:lnTo>
+                <a:lnTo>
+                  <a:pt x="279070" y="207818"/>
+                </a:lnTo>
+                <a:close/>
+              </a:path>
+            </a:pathLst>
+          </a:custGeom>
+          <a:solidFill>
+            <a:srgbClr val="FFC000">
+              <a:alpha val="50196"/>
+            </a:srgbClr>
+          </a:solidFill>
+        </p:spPr>
+        <p:style>
+          <a:lnRef idx="2">
+            <a:schemeClr val="accent4">
+              <a:shade val="50000"/>
+            </a:schemeClr>
+          </a:lnRef>
+          <a:fillRef idx="1">
+            <a:schemeClr val="accent4"/>
+          </a:fillRef>
+          <a:effectRef idx="0">
+            <a:schemeClr val="accent4"/>
+          </a:effectRef>
+          <a:fontRef idx="minor">
+            <a:schemeClr val="lt1"/>
+          </a:fontRef>
+        </p:style>
+        <p:txBody>
+          <a:bodyPr rtlCol="0" anchor="ctr"/>
+          <a:lstStyle/>
+          <a:p>
+            <a:pPr algn="ctr"/>
+            <a:endParaRPr lang="fr-FR"/>
+          </a:p>
+        </p:txBody>
+      </p:sp>
+      <p:sp>
+        <p:nvSpPr>
+          <p:cNvPr id="38" name="Forme libre : forme 37">
+            <a:extLst>
+              <a:ext uri="{FF2B5EF4-FFF2-40B4-BE49-F238E27FC236}">
+                <a16:creationId xmlns:a16="http://schemas.microsoft.com/office/drawing/2014/main" id="{EBDF865B-F20E-4754-B110-10725C8225D9}"/>
+              </a:ext>
+            </a:extLst>
+          </p:cNvPr>
+          <p:cNvSpPr/>
+          <p:nvPr/>
+        </p:nvSpPr>
+        <p:spPr>
+          <a:xfrm>
+            <a:off x="6816436" y="3372592"/>
+            <a:ext cx="1698172" cy="1496291"/>
+          </a:xfrm>
+          <a:custGeom>
+            <a:avLst/>
+            <a:gdLst>
+              <a:gd name="connsiteX0" fmla="*/ 77190 w 1698172"/>
+              <a:gd name="connsiteY0" fmla="*/ 285008 h 1496291"/>
+              <a:gd name="connsiteX1" fmla="*/ 0 w 1698172"/>
+              <a:gd name="connsiteY1" fmla="*/ 469076 h 1496291"/>
+              <a:gd name="connsiteX2" fmla="*/ 1448790 w 1698172"/>
+              <a:gd name="connsiteY2" fmla="*/ 1496291 h 1496291"/>
+              <a:gd name="connsiteX3" fmla="*/ 1698172 w 1698172"/>
+              <a:gd name="connsiteY3" fmla="*/ 1193470 h 1496291"/>
+              <a:gd name="connsiteX4" fmla="*/ 1312224 w 1698172"/>
+              <a:gd name="connsiteY4" fmla="*/ 0 h 1496291"/>
+              <a:gd name="connsiteX5" fmla="*/ 77190 w 1698172"/>
+              <a:gd name="connsiteY5" fmla="*/ 285008 h 1496291"/>
+            </a:gdLst>
+            <a:ahLst/>
+            <a:cxnLst>
+              <a:cxn ang="0">
+                <a:pos x="connsiteX0" y="connsiteY0"/>
+              </a:cxn>
+              <a:cxn ang="0">
+                <a:pos x="connsiteX1" y="connsiteY1"/>
+              </a:cxn>
+              <a:cxn ang="0">
+                <a:pos x="connsiteX2" y="connsiteY2"/>
+              </a:cxn>
+              <a:cxn ang="0">
+                <a:pos x="connsiteX3" y="connsiteY3"/>
+              </a:cxn>
+              <a:cxn ang="0">
+                <a:pos x="connsiteX4" y="connsiteY4"/>
+              </a:cxn>
+              <a:cxn ang="0">
+                <a:pos x="connsiteX5" y="connsiteY5"/>
+              </a:cxn>
+            </a:cxnLst>
+            <a:rect l="l" t="t" r="r" b="b"/>
+            <a:pathLst>
+              <a:path w="1698172" h="1496291">
+                <a:moveTo>
+                  <a:pt x="77190" y="285008"/>
+                </a:moveTo>
+                <a:lnTo>
+                  <a:pt x="0" y="469076"/>
+                </a:lnTo>
+                <a:lnTo>
+                  <a:pt x="1448790" y="1496291"/>
+                </a:lnTo>
+                <a:lnTo>
+                  <a:pt x="1698172" y="1193470"/>
+                </a:lnTo>
+                <a:lnTo>
+                  <a:pt x="1312224" y="0"/>
+                </a:lnTo>
+                <a:lnTo>
+                  <a:pt x="77190" y="285008"/>
+                </a:lnTo>
+                <a:close/>
+              </a:path>
+            </a:pathLst>
+          </a:custGeom>
+          <a:solidFill>
+            <a:srgbClr val="ED7D31">
+              <a:alpha val="50196"/>
+            </a:srgbClr>
+          </a:solidFill>
+        </p:spPr>
+        <p:style>
+          <a:lnRef idx="2">
+            <a:schemeClr val="accent2">
+              <a:shade val="50000"/>
+            </a:schemeClr>
+          </a:lnRef>
+          <a:fillRef idx="1">
+            <a:schemeClr val="accent2"/>
+          </a:fillRef>
+          <a:effectRef idx="0">
+            <a:schemeClr val="accent2"/>
+          </a:effectRef>
+          <a:fontRef idx="minor">
+            <a:schemeClr val="lt1"/>
+          </a:fontRef>
+        </p:style>
+        <p:txBody>
+          <a:bodyPr rtlCol="0" anchor="ctr"/>
+          <a:lstStyle/>
+          <a:p>
+            <a:pPr algn="ctr"/>
+            <a:endParaRPr lang="fr-FR"/>
+          </a:p>
+        </p:txBody>
+      </p:sp>
+      <p:sp>
+        <p:nvSpPr>
+          <p:cNvPr id="39" name="Forme libre : forme 38">
+            <a:extLst>
+              <a:ext uri="{FF2B5EF4-FFF2-40B4-BE49-F238E27FC236}">
+                <a16:creationId xmlns:a16="http://schemas.microsoft.com/office/drawing/2014/main" id="{C8CB7D9B-7A92-4FBD-B5DF-D87E9BF2E93A}"/>
+              </a:ext>
+            </a:extLst>
+          </p:cNvPr>
+          <p:cNvSpPr/>
+          <p:nvPr/>
+        </p:nvSpPr>
+        <p:spPr>
+          <a:xfrm>
+            <a:off x="8170223" y="3241964"/>
+            <a:ext cx="564078" cy="2291937"/>
+          </a:xfrm>
+          <a:custGeom>
+            <a:avLst/>
+            <a:gdLst>
+              <a:gd name="connsiteX0" fmla="*/ 564078 w 564078"/>
+              <a:gd name="connsiteY0" fmla="*/ 2291937 h 2291937"/>
+              <a:gd name="connsiteX1" fmla="*/ 326572 w 564078"/>
+              <a:gd name="connsiteY1" fmla="*/ 2054431 h 2291937"/>
+              <a:gd name="connsiteX2" fmla="*/ 308759 w 564078"/>
+              <a:gd name="connsiteY2" fmla="*/ 1733797 h 2291937"/>
+              <a:gd name="connsiteX3" fmla="*/ 427512 w 564078"/>
+              <a:gd name="connsiteY3" fmla="*/ 1508166 h 2291937"/>
+              <a:gd name="connsiteX4" fmla="*/ 391886 w 564078"/>
+              <a:gd name="connsiteY4" fmla="*/ 1365662 h 2291937"/>
+              <a:gd name="connsiteX5" fmla="*/ 0 w 564078"/>
+              <a:gd name="connsiteY5" fmla="*/ 124691 h 2291937"/>
+              <a:gd name="connsiteX6" fmla="*/ 546265 w 564078"/>
+              <a:gd name="connsiteY6" fmla="*/ 0 h 2291937"/>
+              <a:gd name="connsiteX7" fmla="*/ 564078 w 564078"/>
+              <a:gd name="connsiteY7" fmla="*/ 2291937 h 2291937"/>
+            </a:gdLst>
+            <a:ahLst/>
+            <a:cxnLst>
+              <a:cxn ang="0">
+                <a:pos x="connsiteX0" y="connsiteY0"/>
+              </a:cxn>
+              <a:cxn ang="0">
+                <a:pos x="connsiteX1" y="connsiteY1"/>
+              </a:cxn>
+              <a:cxn ang="0">
+                <a:pos x="connsiteX2" y="connsiteY2"/>
+              </a:cxn>
+              <a:cxn ang="0">
+                <a:pos x="connsiteX3" y="connsiteY3"/>
+              </a:cxn>
+              <a:cxn ang="0">
+                <a:pos x="connsiteX4" y="connsiteY4"/>
+              </a:cxn>
+              <a:cxn ang="0">
+                <a:pos x="connsiteX5" y="connsiteY5"/>
+              </a:cxn>
+              <a:cxn ang="0">
+                <a:pos x="connsiteX6" y="connsiteY6"/>
+              </a:cxn>
+              <a:cxn ang="0">
+                <a:pos x="connsiteX7" y="connsiteY7"/>
+              </a:cxn>
+            </a:cxnLst>
+            <a:rect l="l" t="t" r="r" b="b"/>
+            <a:pathLst>
+              <a:path w="564078" h="2291937">
+                <a:moveTo>
+                  <a:pt x="564078" y="2291937"/>
+                </a:moveTo>
+                <a:lnTo>
+                  <a:pt x="326572" y="2054431"/>
+                </a:lnTo>
+                <a:lnTo>
+                  <a:pt x="308759" y="1733797"/>
+                </a:lnTo>
+                <a:lnTo>
+                  <a:pt x="427512" y="1508166"/>
+                </a:lnTo>
+                <a:lnTo>
+                  <a:pt x="391886" y="1365662"/>
+                </a:lnTo>
+                <a:lnTo>
+                  <a:pt x="0" y="124691"/>
+                </a:lnTo>
+                <a:lnTo>
+                  <a:pt x="546265" y="0"/>
+                </a:lnTo>
+                <a:lnTo>
+                  <a:pt x="564078" y="2291937"/>
+                </a:lnTo>
+                <a:close/>
+              </a:path>
+            </a:pathLst>
+          </a:custGeom>
+          <a:solidFill>
+            <a:srgbClr val="FFC000">
+              <a:alpha val="50196"/>
+            </a:srgbClr>
+          </a:solidFill>
+        </p:spPr>
+        <p:style>
+          <a:lnRef idx="2">
+            <a:schemeClr val="accent4">
+              <a:shade val="50000"/>
+            </a:schemeClr>
+          </a:lnRef>
+          <a:fillRef idx="1">
+            <a:schemeClr val="accent4"/>
+          </a:fillRef>
+          <a:effectRef idx="0">
+            <a:schemeClr val="accent4"/>
+          </a:effectRef>
+          <a:fontRef idx="minor">
+            <a:schemeClr val="lt1"/>
+          </a:fontRef>
+        </p:style>
+        <p:txBody>
+          <a:bodyPr rtlCol="0" anchor="ctr"/>
+          <a:lstStyle/>
+          <a:p>
+            <a:pPr algn="ctr"/>
+            <a:endParaRPr lang="fr-FR"/>
+          </a:p>
+        </p:txBody>
+      </p:sp>
+      <p:sp>
+        <p:nvSpPr>
+          <p:cNvPr id="40" name="Forme libre : forme 39">
+            <a:extLst>
+              <a:ext uri="{FF2B5EF4-FFF2-40B4-BE49-F238E27FC236}">
+                <a16:creationId xmlns:a16="http://schemas.microsoft.com/office/drawing/2014/main" id="{C77F6D94-8C6D-4998-A0EB-530CC0805947}"/>
+              </a:ext>
+            </a:extLst>
+          </p:cNvPr>
+          <p:cNvSpPr/>
+          <p:nvPr/>
+        </p:nvSpPr>
+        <p:spPr>
+          <a:xfrm>
+            <a:off x="6852062" y="1205345"/>
+            <a:ext cx="1609107" cy="2190998"/>
+          </a:xfrm>
+          <a:custGeom>
+            <a:avLst/>
+            <a:gdLst>
+              <a:gd name="connsiteX0" fmla="*/ 249382 w 1609107"/>
+              <a:gd name="connsiteY0" fmla="*/ 0 h 2190998"/>
+              <a:gd name="connsiteX1" fmla="*/ 118754 w 1609107"/>
+              <a:gd name="connsiteY1" fmla="*/ 374073 h 2190998"/>
+              <a:gd name="connsiteX2" fmla="*/ 0 w 1609107"/>
+              <a:gd name="connsiteY2" fmla="*/ 837211 h 2190998"/>
+              <a:gd name="connsiteX3" fmla="*/ 617517 w 1609107"/>
+              <a:gd name="connsiteY3" fmla="*/ 967839 h 2190998"/>
+              <a:gd name="connsiteX4" fmla="*/ 534390 w 1609107"/>
+              <a:gd name="connsiteY4" fmla="*/ 1258785 h 2190998"/>
+              <a:gd name="connsiteX5" fmla="*/ 564078 w 1609107"/>
+              <a:gd name="connsiteY5" fmla="*/ 2190998 h 2190998"/>
+              <a:gd name="connsiteX6" fmla="*/ 1609107 w 1609107"/>
+              <a:gd name="connsiteY6" fmla="*/ 1935678 h 2190998"/>
+              <a:gd name="connsiteX7" fmla="*/ 1163782 w 1609107"/>
+              <a:gd name="connsiteY7" fmla="*/ 623455 h 2190998"/>
+              <a:gd name="connsiteX8" fmla="*/ 1312224 w 1609107"/>
+              <a:gd name="connsiteY8" fmla="*/ 374073 h 2190998"/>
+              <a:gd name="connsiteX9" fmla="*/ 249382 w 1609107"/>
+              <a:gd name="connsiteY9" fmla="*/ 0 h 2190998"/>
+            </a:gdLst>
+            <a:ahLst/>
+            <a:cxnLst>
+              <a:cxn ang="0">
+                <a:pos x="connsiteX0" y="connsiteY0"/>
+              </a:cxn>
+              <a:cxn ang="0">
+                <a:pos x="connsiteX1" y="connsiteY1"/>
+              </a:cxn>
+              <a:cxn ang="0">
+                <a:pos x="connsiteX2" y="connsiteY2"/>
+              </a:cxn>
+              <a:cxn ang="0">
+                <a:pos x="connsiteX3" y="connsiteY3"/>
+              </a:cxn>
+              <a:cxn ang="0">
+                <a:pos x="connsiteX4" y="connsiteY4"/>
+              </a:cxn>
+              <a:cxn ang="0">
+                <a:pos x="connsiteX5" y="connsiteY5"/>
+              </a:cxn>
+              <a:cxn ang="0">
+                <a:pos x="connsiteX6" y="connsiteY6"/>
+              </a:cxn>
+              <a:cxn ang="0">
+                <a:pos x="connsiteX7" y="connsiteY7"/>
+              </a:cxn>
+              <a:cxn ang="0">
+                <a:pos x="connsiteX8" y="connsiteY8"/>
+              </a:cxn>
+              <a:cxn ang="0">
+                <a:pos x="connsiteX9" y="connsiteY9"/>
+              </a:cxn>
+            </a:cxnLst>
+            <a:rect l="l" t="t" r="r" b="b"/>
+            <a:pathLst>
+              <a:path w="1609107" h="2190998">
+                <a:moveTo>
+                  <a:pt x="249382" y="0"/>
+                </a:moveTo>
+                <a:lnTo>
+                  <a:pt x="118754" y="374073"/>
+                </a:lnTo>
+                <a:lnTo>
+                  <a:pt x="0" y="837211"/>
+                </a:lnTo>
+                <a:lnTo>
+                  <a:pt x="617517" y="967839"/>
+                </a:lnTo>
+                <a:lnTo>
+                  <a:pt x="534390" y="1258785"/>
+                </a:lnTo>
+                <a:lnTo>
+                  <a:pt x="564078" y="2190998"/>
+                </a:lnTo>
+                <a:lnTo>
+                  <a:pt x="1609107" y="1935678"/>
+                </a:lnTo>
+                <a:lnTo>
+                  <a:pt x="1163782" y="623455"/>
+                </a:lnTo>
+                <a:lnTo>
+                  <a:pt x="1312224" y="374073"/>
+                </a:lnTo>
+                <a:lnTo>
+                  <a:pt x="249382" y="0"/>
+                </a:lnTo>
+                <a:close/>
+              </a:path>
+            </a:pathLst>
+          </a:custGeom>
+          <a:solidFill>
+            <a:srgbClr val="FFC000">
+              <a:alpha val="50196"/>
+            </a:srgbClr>
+          </a:solidFill>
+        </p:spPr>
+        <p:style>
+          <a:lnRef idx="2">
+            <a:schemeClr val="accent4">
+              <a:shade val="50000"/>
+            </a:schemeClr>
+          </a:lnRef>
+          <a:fillRef idx="1">
+            <a:schemeClr val="accent4"/>
+          </a:fillRef>
+          <a:effectRef idx="0">
+            <a:schemeClr val="accent4"/>
+          </a:effectRef>
+          <a:fontRef idx="minor">
+            <a:schemeClr val="lt1"/>
+          </a:fontRef>
+        </p:style>
+        <p:txBody>
+          <a:bodyPr rtlCol="0" anchor="ctr"/>
+          <a:lstStyle/>
+          <a:p>
+            <a:pPr algn="ctr"/>
+            <a:endParaRPr lang="fr-FR"/>
+          </a:p>
+        </p:txBody>
+      </p:sp>
+      <p:sp>
+        <p:nvSpPr>
+          <p:cNvPr id="41" name="Forme libre : forme 40">
+            <a:extLst>
+              <a:ext uri="{FF2B5EF4-FFF2-40B4-BE49-F238E27FC236}">
+                <a16:creationId xmlns:a16="http://schemas.microsoft.com/office/drawing/2014/main" id="{E6FA1024-AAC3-45E9-A0A6-5F1D2180F9F2}"/>
+              </a:ext>
+            </a:extLst>
+          </p:cNvPr>
+          <p:cNvSpPr/>
+          <p:nvPr/>
+        </p:nvSpPr>
+        <p:spPr>
+          <a:xfrm>
+            <a:off x="7154883" y="11875"/>
+            <a:ext cx="1573481" cy="1525980"/>
+          </a:xfrm>
+          <a:custGeom>
+            <a:avLst/>
+            <a:gdLst>
+              <a:gd name="connsiteX0" fmla="*/ 356260 w 1573481"/>
+              <a:gd name="connsiteY0" fmla="*/ 0 h 1525980"/>
+              <a:gd name="connsiteX1" fmla="*/ 486888 w 1573481"/>
+              <a:gd name="connsiteY1" fmla="*/ 89065 h 1525980"/>
+              <a:gd name="connsiteX2" fmla="*/ 0 w 1573481"/>
+              <a:gd name="connsiteY2" fmla="*/ 1140031 h 1525980"/>
+              <a:gd name="connsiteX3" fmla="*/ 1045029 w 1573481"/>
+              <a:gd name="connsiteY3" fmla="*/ 1525980 h 1525980"/>
+              <a:gd name="connsiteX4" fmla="*/ 1377538 w 1573481"/>
+              <a:gd name="connsiteY4" fmla="*/ 765959 h 1525980"/>
+              <a:gd name="connsiteX5" fmla="*/ 1567543 w 1573481"/>
+              <a:gd name="connsiteY5" fmla="*/ 540328 h 1525980"/>
+              <a:gd name="connsiteX6" fmla="*/ 1573481 w 1573481"/>
+              <a:gd name="connsiteY6" fmla="*/ 0 h 1525980"/>
+              <a:gd name="connsiteX7" fmla="*/ 356260 w 1573481"/>
+              <a:gd name="connsiteY7" fmla="*/ 0 h 1525980"/>
+            </a:gdLst>
+            <a:ahLst/>
+            <a:cxnLst>
+              <a:cxn ang="0">
+                <a:pos x="connsiteX0" y="connsiteY0"/>
+              </a:cxn>
+              <a:cxn ang="0">
+                <a:pos x="connsiteX1" y="connsiteY1"/>
+              </a:cxn>
+              <a:cxn ang="0">
+                <a:pos x="connsiteX2" y="connsiteY2"/>
+              </a:cxn>
+              <a:cxn ang="0">
+                <a:pos x="connsiteX3" y="connsiteY3"/>
+              </a:cxn>
+              <a:cxn ang="0">
+                <a:pos x="connsiteX4" y="connsiteY4"/>
+              </a:cxn>
+              <a:cxn ang="0">
+                <a:pos x="connsiteX5" y="connsiteY5"/>
+              </a:cxn>
+              <a:cxn ang="0">
+                <a:pos x="connsiteX6" y="connsiteY6"/>
+              </a:cxn>
+              <a:cxn ang="0">
+                <a:pos x="connsiteX7" y="connsiteY7"/>
+              </a:cxn>
+            </a:cxnLst>
+            <a:rect l="l" t="t" r="r" b="b"/>
+            <a:pathLst>
+              <a:path w="1573481" h="1525980">
+                <a:moveTo>
+                  <a:pt x="356260" y="0"/>
+                </a:moveTo>
+                <a:lnTo>
+                  <a:pt x="486888" y="89065"/>
+                </a:lnTo>
+                <a:lnTo>
+                  <a:pt x="0" y="1140031"/>
+                </a:lnTo>
+                <a:lnTo>
+                  <a:pt x="1045029" y="1525980"/>
+                </a:lnTo>
+                <a:lnTo>
+                  <a:pt x="1377538" y="765959"/>
+                </a:lnTo>
+                <a:lnTo>
+                  <a:pt x="1567543" y="540328"/>
+                </a:lnTo>
+                <a:cubicBezTo>
+                  <a:pt x="1569522" y="360219"/>
+                  <a:pt x="1571502" y="180109"/>
+                  <a:pt x="1573481" y="0"/>
+                </a:cubicBezTo>
+                <a:lnTo>
+                  <a:pt x="356260" y="0"/>
+                </a:lnTo>
+                <a:close/>
+              </a:path>
+            </a:pathLst>
+          </a:custGeom>
+          <a:solidFill>
+            <a:srgbClr val="000000">
+              <a:alpha val="50196"/>
+            </a:srgbClr>
+          </a:solidFill>
+        </p:spPr>
+        <p:style>
+          <a:lnRef idx="2">
+            <a:schemeClr val="dk1">
+              <a:shade val="50000"/>
+            </a:schemeClr>
+          </a:lnRef>
+          <a:fillRef idx="1">
+            <a:schemeClr val="dk1"/>
+          </a:fillRef>
+          <a:effectRef idx="0">
+            <a:schemeClr val="dk1"/>
+          </a:effectRef>
+          <a:fontRef idx="minor">
+            <a:schemeClr val="lt1"/>
+          </a:fontRef>
+        </p:style>
+        <p:txBody>
+          <a:bodyPr rtlCol="0" anchor="ctr"/>
+          <a:lstStyle/>
+          <a:p>
+            <a:pPr algn="ctr"/>
+            <a:endParaRPr lang="fr-FR"/>
+          </a:p>
+        </p:txBody>
+      </p:sp>
+      <p:sp>
+        <p:nvSpPr>
+          <p:cNvPr id="42" name="Forme libre : forme 41">
+            <a:extLst>
+              <a:ext uri="{FF2B5EF4-FFF2-40B4-BE49-F238E27FC236}">
+                <a16:creationId xmlns:a16="http://schemas.microsoft.com/office/drawing/2014/main" id="{3CA9676D-9A3B-4E8A-802A-E27FE072D557}"/>
+              </a:ext>
+            </a:extLst>
+          </p:cNvPr>
+          <p:cNvSpPr/>
+          <p:nvPr/>
+        </p:nvSpPr>
+        <p:spPr>
+          <a:xfrm>
+            <a:off x="8146473" y="629392"/>
+            <a:ext cx="593766" cy="2505694"/>
+          </a:xfrm>
+          <a:custGeom>
+            <a:avLst/>
+            <a:gdLst>
+              <a:gd name="connsiteX0" fmla="*/ 593766 w 593766"/>
+              <a:gd name="connsiteY0" fmla="*/ 0 h 2505694"/>
+              <a:gd name="connsiteX1" fmla="*/ 593766 w 593766"/>
+              <a:gd name="connsiteY1" fmla="*/ 100940 h 2505694"/>
+              <a:gd name="connsiteX2" fmla="*/ 570015 w 593766"/>
+              <a:gd name="connsiteY2" fmla="*/ 2452255 h 2505694"/>
+              <a:gd name="connsiteX3" fmla="*/ 380010 w 593766"/>
+              <a:gd name="connsiteY3" fmla="*/ 2505694 h 2505694"/>
+              <a:gd name="connsiteX4" fmla="*/ 0 w 593766"/>
+              <a:gd name="connsiteY4" fmla="*/ 1229096 h 2505694"/>
+              <a:gd name="connsiteX5" fmla="*/ 439387 w 593766"/>
+              <a:gd name="connsiteY5" fmla="*/ 166255 h 2505694"/>
+              <a:gd name="connsiteX6" fmla="*/ 593766 w 593766"/>
+              <a:gd name="connsiteY6" fmla="*/ 0 h 2505694"/>
+            </a:gdLst>
+            <a:ahLst/>
+            <a:cxnLst>
+              <a:cxn ang="0">
+                <a:pos x="connsiteX0" y="connsiteY0"/>
+              </a:cxn>
+              <a:cxn ang="0">
+                <a:pos x="connsiteX1" y="connsiteY1"/>
+              </a:cxn>
+              <a:cxn ang="0">
+                <a:pos x="connsiteX2" y="connsiteY2"/>
+              </a:cxn>
+              <a:cxn ang="0">
+                <a:pos x="connsiteX3" y="connsiteY3"/>
+              </a:cxn>
+              <a:cxn ang="0">
+                <a:pos x="connsiteX4" y="connsiteY4"/>
+              </a:cxn>
+              <a:cxn ang="0">
+                <a:pos x="connsiteX5" y="connsiteY5"/>
+              </a:cxn>
+              <a:cxn ang="0">
+                <a:pos x="connsiteX6" y="connsiteY6"/>
+              </a:cxn>
+            </a:cxnLst>
+            <a:rect l="l" t="t" r="r" b="b"/>
+            <a:pathLst>
+              <a:path w="593766" h="2505694">
+                <a:moveTo>
+                  <a:pt x="593766" y="0"/>
+                </a:moveTo>
+                <a:lnTo>
+                  <a:pt x="593766" y="100940"/>
+                </a:lnTo>
+                <a:lnTo>
+                  <a:pt x="570015" y="2452255"/>
+                </a:lnTo>
+                <a:lnTo>
+                  <a:pt x="380010" y="2505694"/>
+                </a:lnTo>
+                <a:lnTo>
+                  <a:pt x="0" y="1229096"/>
+                </a:lnTo>
+                <a:lnTo>
+                  <a:pt x="439387" y="166255"/>
+                </a:lnTo>
+                <a:lnTo>
+                  <a:pt x="593766" y="0"/>
+                </a:lnTo>
+                <a:close/>
+              </a:path>
+            </a:pathLst>
+          </a:custGeom>
+          <a:solidFill>
+            <a:srgbClr val="000000">
+              <a:alpha val="50196"/>
+            </a:srgbClr>
+          </a:solidFill>
+        </p:spPr>
+        <p:style>
+          <a:lnRef idx="2">
+            <a:schemeClr val="dk1">
+              <a:shade val="50000"/>
+            </a:schemeClr>
+          </a:lnRef>
+          <a:fillRef idx="1">
+            <a:schemeClr val="dk1"/>
+          </a:fillRef>
+          <a:effectRef idx="0">
+            <a:schemeClr val="dk1"/>
+          </a:effectRef>
+          <a:fontRef idx="minor">
+            <a:schemeClr val="lt1"/>
+          </a:fontRef>
+        </p:style>
+        <p:txBody>
+          <a:bodyPr rtlCol="0" anchor="ctr"/>
+          <a:lstStyle/>
+          <a:p>
+            <a:pPr algn="ctr"/>
+            <a:endParaRPr lang="fr-FR"/>
+          </a:p>
+        </p:txBody>
+      </p:sp>
+      <p:sp>
+        <p:nvSpPr>
+          <p:cNvPr id="50" name="ZoneTexte 49">
+            <a:extLst>
+              <a:ext uri="{FF2B5EF4-FFF2-40B4-BE49-F238E27FC236}">
+                <a16:creationId xmlns:a16="http://schemas.microsoft.com/office/drawing/2014/main" id="{D441007C-30B0-4D88-86E9-853DC58F4749}"/>
+              </a:ext>
+            </a:extLst>
+          </p:cNvPr>
+          <p:cNvSpPr txBox="1"/>
+          <p:nvPr/>
+        </p:nvSpPr>
+        <p:spPr>
+          <a:xfrm>
+            <a:off x="9938607" y="67685"/>
+            <a:ext cx="2049958" cy="369332"/>
+          </a:xfrm>
+          <a:prstGeom prst="rect">
+            <a:avLst/>
+          </a:prstGeom>
+          <a:noFill/>
+        </p:spPr>
+        <p:txBody>
+          <a:bodyPr wrap="square" rtlCol="0">
+            <a:spAutoFit/>
+          </a:bodyPr>
+          <a:lstStyle/>
+          <a:p>
+            <a:r>
+              <a:rPr lang="fr-FR" b="1" dirty="0">
+                <a:latin typeface="Bahnschrift SemiBold" panose="020B0502040204020203" pitchFamily="34" charset="0"/>
+              </a:rPr>
+              <a:t>LEGENDE:</a:t>
+            </a:r>
+          </a:p>
+        </p:txBody>
+      </p:sp>
+      <p:grpSp>
+        <p:nvGrpSpPr>
+          <p:cNvPr id="65" name="Groupe 64">
+            <a:extLst>
+              <a:ext uri="{FF2B5EF4-FFF2-40B4-BE49-F238E27FC236}">
+                <a16:creationId xmlns:a16="http://schemas.microsoft.com/office/drawing/2014/main" id="{A7CF3EE0-5008-4C42-8FB1-D2D7234FF20F}"/>
+              </a:ext>
+            </a:extLst>
+          </p:cNvPr>
+          <p:cNvGrpSpPr/>
+          <p:nvPr/>
+        </p:nvGrpSpPr>
+        <p:grpSpPr>
+          <a:xfrm>
+            <a:off x="9025247" y="1025534"/>
+            <a:ext cx="2418092" cy="2216430"/>
+            <a:chOff x="9001497" y="751115"/>
+            <a:chExt cx="2418092" cy="2216430"/>
+          </a:xfrm>
+        </p:grpSpPr>
+        <p:sp>
+          <p:nvSpPr>
+            <p:cNvPr id="43" name="Rectangle 42">
+              <a:extLst>
+                <a:ext uri="{FF2B5EF4-FFF2-40B4-BE49-F238E27FC236}">
+                  <a16:creationId xmlns:a16="http://schemas.microsoft.com/office/drawing/2014/main" id="{AAB40346-19FE-4EBC-9F84-A753D67D6932}"/>
+                </a:ext>
+              </a:extLst>
+            </p:cNvPr>
+            <p:cNvSpPr/>
+            <p:nvPr/>
+          </p:nvSpPr>
+          <p:spPr>
+            <a:xfrm>
+              <a:off x="9001497" y="751115"/>
+              <a:ext cx="368134" cy="368134"/>
+            </a:xfrm>
+            <a:prstGeom prst="rect">
+              <a:avLst/>
+            </a:prstGeom>
+            <a:solidFill>
+              <a:srgbClr val="70AD47">
+                <a:alpha val="50196"/>
+              </a:srgbClr>
+            </a:solidFill>
+          </p:spPr>
+          <p:style>
+            <a:lnRef idx="2">
+              <a:schemeClr val="accent6">
+                <a:shade val="50000"/>
+              </a:schemeClr>
+            </a:lnRef>
+            <a:fillRef idx="1">
+              <a:schemeClr val="accent6"/>
+            </a:fillRef>
+            <a:effectRef idx="0">
+              <a:schemeClr val="accent6"/>
+            </a:effectRef>
+            <a:fontRef idx="minor">
+              <a:schemeClr val="lt1"/>
+            </a:fontRef>
+          </p:style>
+          <p:txBody>
+            <a:bodyPr rtlCol="0" anchor="ctr"/>
+            <a:lstStyle/>
+            <a:p>
+              <a:pPr algn="ctr"/>
+              <a:endParaRPr lang="fr-FR"/>
+            </a:p>
+          </p:txBody>
+        </p:sp>
+        <p:sp>
+          <p:nvSpPr>
+            <p:cNvPr id="44" name="Rectangle 43">
+              <a:extLst>
+                <a:ext uri="{FF2B5EF4-FFF2-40B4-BE49-F238E27FC236}">
+                  <a16:creationId xmlns:a16="http://schemas.microsoft.com/office/drawing/2014/main" id="{3F97270D-1A22-4858-800F-EBCEC62B3957}"/>
+                </a:ext>
+              </a:extLst>
+            </p:cNvPr>
+            <p:cNvSpPr/>
+            <p:nvPr/>
+          </p:nvSpPr>
+          <p:spPr>
+            <a:xfrm>
+              <a:off x="9001497" y="1205345"/>
+              <a:ext cx="368134" cy="368134"/>
+            </a:xfrm>
+            <a:prstGeom prst="rect">
+              <a:avLst/>
+            </a:prstGeom>
+            <a:solidFill>
+              <a:srgbClr val="FF0000">
+                <a:alpha val="50196"/>
+              </a:srgbClr>
+            </a:solidFill>
+            <a:ln>
+              <a:solidFill>
+                <a:srgbClr val="8E0000"/>
+              </a:solidFill>
+            </a:ln>
+          </p:spPr>
+          <p:style>
+            <a:lnRef idx="2">
+              <a:schemeClr val="accent1">
+                <a:shade val="50000"/>
+              </a:schemeClr>
+            </a:lnRef>
+            <a:fillRef idx="1">
+              <a:schemeClr val="accent1"/>
+            </a:fillRef>
+            <a:effectRef idx="0">
+              <a:schemeClr val="accent1"/>
+            </a:effectRef>
+            <a:fontRef idx="minor">
+              <a:schemeClr val="lt1"/>
+            </a:fontRef>
+          </p:style>
+          <p:txBody>
+            <a:bodyPr rtlCol="0" anchor="ctr"/>
+            <a:lstStyle/>
+            <a:p>
+              <a:pPr algn="ctr"/>
+              <a:endParaRPr lang="fr-FR"/>
+            </a:p>
+          </p:txBody>
+        </p:sp>
+        <p:sp>
+          <p:nvSpPr>
+            <p:cNvPr id="47" name="Rectangle 46">
+              <a:extLst>
+                <a:ext uri="{FF2B5EF4-FFF2-40B4-BE49-F238E27FC236}">
+                  <a16:creationId xmlns:a16="http://schemas.microsoft.com/office/drawing/2014/main" id="{35165CE8-26C1-47E5-BF56-83735DC77110}"/>
+                </a:ext>
+              </a:extLst>
+            </p:cNvPr>
+            <p:cNvSpPr/>
+            <p:nvPr/>
+          </p:nvSpPr>
+          <p:spPr>
+            <a:xfrm>
+              <a:off x="9001497" y="1659575"/>
+              <a:ext cx="368134" cy="368134"/>
+            </a:xfrm>
+            <a:prstGeom prst="rect">
+              <a:avLst/>
+            </a:prstGeom>
+            <a:solidFill>
+              <a:srgbClr val="ED7D31">
+                <a:alpha val="50196"/>
+              </a:srgbClr>
+            </a:solidFill>
+          </p:spPr>
+          <p:style>
+            <a:lnRef idx="2">
+              <a:schemeClr val="accent2">
+                <a:shade val="50000"/>
+              </a:schemeClr>
+            </a:lnRef>
+            <a:fillRef idx="1">
+              <a:schemeClr val="accent2"/>
+            </a:fillRef>
+            <a:effectRef idx="0">
+              <a:schemeClr val="accent2"/>
+            </a:effectRef>
+            <a:fontRef idx="minor">
+              <a:schemeClr val="lt1"/>
+            </a:fontRef>
+          </p:style>
+          <p:txBody>
+            <a:bodyPr rtlCol="0" anchor="ctr"/>
+            <a:lstStyle/>
+            <a:p>
+              <a:pPr algn="ctr"/>
+              <a:endParaRPr lang="fr-FR"/>
+            </a:p>
+          </p:txBody>
+        </p:sp>
+        <p:sp>
+          <p:nvSpPr>
+            <p:cNvPr id="48" name="Rectangle 47">
+              <a:extLst>
+                <a:ext uri="{FF2B5EF4-FFF2-40B4-BE49-F238E27FC236}">
+                  <a16:creationId xmlns:a16="http://schemas.microsoft.com/office/drawing/2014/main" id="{2333A520-1B7E-4C20-AEF6-C46FB326A3DF}"/>
+                </a:ext>
+              </a:extLst>
+            </p:cNvPr>
+            <p:cNvSpPr/>
+            <p:nvPr/>
+          </p:nvSpPr>
+          <p:spPr>
+            <a:xfrm>
+              <a:off x="9001497" y="2113805"/>
+              <a:ext cx="368134" cy="368134"/>
+            </a:xfrm>
+            <a:prstGeom prst="rect">
+              <a:avLst/>
+            </a:prstGeom>
+            <a:solidFill>
+              <a:srgbClr val="FFC000">
+                <a:alpha val="50196"/>
+              </a:srgbClr>
+            </a:solidFill>
+          </p:spPr>
+          <p:style>
+            <a:lnRef idx="2">
+              <a:schemeClr val="accent4">
+                <a:shade val="50000"/>
+              </a:schemeClr>
+            </a:lnRef>
+            <a:fillRef idx="1">
+              <a:schemeClr val="accent4"/>
+            </a:fillRef>
+            <a:effectRef idx="0">
+              <a:schemeClr val="accent4"/>
+            </a:effectRef>
+            <a:fontRef idx="minor">
+              <a:schemeClr val="lt1"/>
+            </a:fontRef>
+          </p:style>
+          <p:txBody>
+            <a:bodyPr rtlCol="0" anchor="ctr"/>
+            <a:lstStyle/>
+            <a:p>
+              <a:pPr algn="ctr"/>
+              <a:endParaRPr lang="fr-FR"/>
+            </a:p>
+          </p:txBody>
+        </p:sp>
+        <p:sp>
+          <p:nvSpPr>
+            <p:cNvPr id="49" name="Rectangle 48">
+              <a:extLst>
+                <a:ext uri="{FF2B5EF4-FFF2-40B4-BE49-F238E27FC236}">
+                  <a16:creationId xmlns:a16="http://schemas.microsoft.com/office/drawing/2014/main" id="{DD4DB711-B18B-43B8-88D3-ADD9652392DD}"/>
+                </a:ext>
+              </a:extLst>
+            </p:cNvPr>
+            <p:cNvSpPr/>
+            <p:nvPr/>
+          </p:nvSpPr>
+          <p:spPr>
+            <a:xfrm>
+              <a:off x="9001497" y="2568035"/>
+              <a:ext cx="368134" cy="368134"/>
+            </a:xfrm>
+            <a:prstGeom prst="rect">
+              <a:avLst/>
+            </a:prstGeom>
+            <a:solidFill>
+              <a:srgbClr val="000000">
+                <a:alpha val="50196"/>
+              </a:srgbClr>
+            </a:solidFill>
+          </p:spPr>
+          <p:style>
+            <a:lnRef idx="2">
+              <a:schemeClr val="dk1">
+                <a:shade val="50000"/>
+              </a:schemeClr>
+            </a:lnRef>
+            <a:fillRef idx="1">
+              <a:schemeClr val="dk1"/>
+            </a:fillRef>
+            <a:effectRef idx="0">
+              <a:schemeClr val="dk1"/>
+            </a:effectRef>
+            <a:fontRef idx="minor">
+              <a:schemeClr val="lt1"/>
+            </a:fontRef>
+          </p:style>
+          <p:txBody>
+            <a:bodyPr rtlCol="0" anchor="ctr"/>
+            <a:lstStyle/>
+            <a:p>
+              <a:pPr algn="ctr"/>
+              <a:endParaRPr lang="fr-FR"/>
+            </a:p>
+          </p:txBody>
+        </p:sp>
+        <p:sp>
+          <p:nvSpPr>
+            <p:cNvPr id="51" name="ZoneTexte 50">
+              <a:extLst>
+                <a:ext uri="{FF2B5EF4-FFF2-40B4-BE49-F238E27FC236}">
+                  <a16:creationId xmlns:a16="http://schemas.microsoft.com/office/drawing/2014/main" id="{2FA75328-8891-4623-AD25-751BB8F4DA11}"/>
+                </a:ext>
+              </a:extLst>
+            </p:cNvPr>
+            <p:cNvSpPr txBox="1"/>
+            <p:nvPr/>
+          </p:nvSpPr>
+          <p:spPr>
+            <a:xfrm>
+              <a:off x="9369631" y="805510"/>
+              <a:ext cx="2049958" cy="261610"/>
+            </a:xfrm>
+            <a:prstGeom prst="rect">
+              <a:avLst/>
+            </a:prstGeom>
+            <a:noFill/>
+          </p:spPr>
+          <p:txBody>
+            <a:bodyPr wrap="square" rtlCol="0">
+              <a:spAutoFit/>
+            </a:bodyPr>
+            <a:lstStyle/>
+            <a:p>
+              <a:r>
+                <a:rPr lang="fr-FR" sz="1100" b="1" dirty="0">
+                  <a:latin typeface="Bahnschrift SemiBold" panose="020B0502040204020203" pitchFamily="34" charset="0"/>
+                </a:rPr>
+                <a:t>Iris de la nouvelle enseigne</a:t>
+              </a:r>
+              <a:endParaRPr lang="fr-FR" b="1" dirty="0">
+                <a:latin typeface="Bahnschrift SemiBold" panose="020B0502040204020203" pitchFamily="34" charset="0"/>
+              </a:endParaRPr>
+            </a:p>
+          </p:txBody>
+        </p:sp>
+        <p:sp>
+          <p:nvSpPr>
+            <p:cNvPr id="58" name="ZoneTexte 57">
+              <a:extLst>
+                <a:ext uri="{FF2B5EF4-FFF2-40B4-BE49-F238E27FC236}">
+                  <a16:creationId xmlns:a16="http://schemas.microsoft.com/office/drawing/2014/main" id="{68494C60-512A-4C0C-97F9-334D9B309F9E}"/>
+                </a:ext>
+              </a:extLst>
+            </p:cNvPr>
+            <p:cNvSpPr txBox="1"/>
+            <p:nvPr/>
+          </p:nvSpPr>
+          <p:spPr>
+            <a:xfrm>
+              <a:off x="9369631" y="1173968"/>
+              <a:ext cx="2049958" cy="430887"/>
+            </a:xfrm>
+            <a:prstGeom prst="rect">
+              <a:avLst/>
+            </a:prstGeom>
+            <a:noFill/>
+          </p:spPr>
+          <p:txBody>
+            <a:bodyPr wrap="square" rtlCol="0">
+              <a:spAutoFit/>
+            </a:bodyPr>
+            <a:lstStyle/>
+            <a:p>
+              <a:r>
+                <a:rPr lang="fr-FR" sz="1100" b="1" dirty="0">
+                  <a:latin typeface="Bahnschrift SemiBold" panose="020B0502040204020203" pitchFamily="34" charset="0"/>
+                </a:rPr>
+                <a:t>Iris à moins de 10min de la nouvelle enseigne</a:t>
+              </a:r>
+              <a:endParaRPr lang="fr-FR" b="1" dirty="0">
+                <a:latin typeface="Bahnschrift SemiBold" panose="020B0502040204020203" pitchFamily="34" charset="0"/>
+              </a:endParaRPr>
+            </a:p>
+          </p:txBody>
+        </p:sp>
+        <p:sp>
+          <p:nvSpPr>
+            <p:cNvPr id="62" name="ZoneTexte 61">
+              <a:extLst>
+                <a:ext uri="{FF2B5EF4-FFF2-40B4-BE49-F238E27FC236}">
+                  <a16:creationId xmlns:a16="http://schemas.microsoft.com/office/drawing/2014/main" id="{A7F53BBF-CEB3-41B9-869E-E0DB80919A10}"/>
+                </a:ext>
+              </a:extLst>
+            </p:cNvPr>
+            <p:cNvSpPr txBox="1"/>
+            <p:nvPr/>
+          </p:nvSpPr>
+          <p:spPr>
+            <a:xfrm>
+              <a:off x="9369631" y="1628198"/>
+              <a:ext cx="2049958" cy="430887"/>
+            </a:xfrm>
+            <a:prstGeom prst="rect">
+              <a:avLst/>
+            </a:prstGeom>
+            <a:noFill/>
+          </p:spPr>
+          <p:txBody>
+            <a:bodyPr wrap="square" rtlCol="0">
+              <a:spAutoFit/>
+            </a:bodyPr>
+            <a:lstStyle/>
+            <a:p>
+              <a:r>
+                <a:rPr lang="fr-FR" sz="1100" b="1" dirty="0">
+                  <a:latin typeface="Bahnschrift SemiBold" panose="020B0502040204020203" pitchFamily="34" charset="0"/>
+                </a:rPr>
+                <a:t>Iris à moins de 20min de la nouvelle enseigne</a:t>
+              </a:r>
+              <a:endParaRPr lang="fr-FR" b="1" dirty="0">
+                <a:latin typeface="Bahnschrift SemiBold" panose="020B0502040204020203" pitchFamily="34" charset="0"/>
+              </a:endParaRPr>
+            </a:p>
+          </p:txBody>
+        </p:sp>
+        <p:sp>
+          <p:nvSpPr>
+            <p:cNvPr id="63" name="ZoneTexte 62">
+              <a:extLst>
+                <a:ext uri="{FF2B5EF4-FFF2-40B4-BE49-F238E27FC236}">
+                  <a16:creationId xmlns:a16="http://schemas.microsoft.com/office/drawing/2014/main" id="{BC8226DB-277F-48C1-889E-AF2EADA4C9CC}"/>
+                </a:ext>
+              </a:extLst>
+            </p:cNvPr>
+            <p:cNvSpPr txBox="1"/>
+            <p:nvPr/>
+          </p:nvSpPr>
+          <p:spPr>
+            <a:xfrm>
+              <a:off x="9369631" y="2082428"/>
+              <a:ext cx="2049958" cy="430887"/>
+            </a:xfrm>
+            <a:prstGeom prst="rect">
+              <a:avLst/>
+            </a:prstGeom>
+            <a:noFill/>
+          </p:spPr>
+          <p:txBody>
+            <a:bodyPr wrap="square" rtlCol="0">
+              <a:spAutoFit/>
+            </a:bodyPr>
+            <a:lstStyle/>
+            <a:p>
+              <a:r>
+                <a:rPr lang="fr-FR" sz="1100" b="1" dirty="0">
+                  <a:latin typeface="Bahnschrift SemiBold" panose="020B0502040204020203" pitchFamily="34" charset="0"/>
+                </a:rPr>
+                <a:t>Iris à moins de 30min de la nouvelle enseigne</a:t>
+              </a:r>
+              <a:endParaRPr lang="fr-FR" b="1" dirty="0">
+                <a:latin typeface="Bahnschrift SemiBold" panose="020B0502040204020203" pitchFamily="34" charset="0"/>
+              </a:endParaRPr>
+            </a:p>
+          </p:txBody>
+        </p:sp>
+        <p:sp>
+          <p:nvSpPr>
+            <p:cNvPr id="64" name="ZoneTexte 63">
+              <a:extLst>
+                <a:ext uri="{FF2B5EF4-FFF2-40B4-BE49-F238E27FC236}">
+                  <a16:creationId xmlns:a16="http://schemas.microsoft.com/office/drawing/2014/main" id="{7196E69A-D4AD-47E1-8B30-5B4A360D4D33}"/>
+                </a:ext>
+              </a:extLst>
+            </p:cNvPr>
+            <p:cNvSpPr txBox="1"/>
+            <p:nvPr/>
+          </p:nvSpPr>
+          <p:spPr>
+            <a:xfrm>
+              <a:off x="9369631" y="2536658"/>
+              <a:ext cx="2049958" cy="430887"/>
+            </a:xfrm>
+            <a:prstGeom prst="rect">
+              <a:avLst/>
+            </a:prstGeom>
+            <a:noFill/>
+          </p:spPr>
+          <p:txBody>
+            <a:bodyPr wrap="square" rtlCol="0">
+              <a:spAutoFit/>
+            </a:bodyPr>
+            <a:lstStyle/>
+            <a:p>
+              <a:r>
+                <a:rPr lang="fr-FR" sz="1100" b="1" dirty="0">
+                  <a:latin typeface="Bahnschrift SemiBold" panose="020B0502040204020203" pitchFamily="34" charset="0"/>
+                </a:rPr>
+                <a:t>Iris à plus de 30min de la nouvelle enseigne</a:t>
+              </a:r>
+              <a:endParaRPr lang="fr-FR" b="1" dirty="0">
+                <a:latin typeface="Bahnschrift SemiBold" panose="020B0502040204020203" pitchFamily="34" charset="0"/>
+              </a:endParaRPr>
+            </a:p>
+          </p:txBody>
+        </p:sp>
+      </p:grpSp>
+      <p:sp>
+        <p:nvSpPr>
+          <p:cNvPr id="66" name="Étoile : 5 branches 65">
+            <a:extLst>
+              <a:ext uri="{FF2B5EF4-FFF2-40B4-BE49-F238E27FC236}">
+                <a16:creationId xmlns:a16="http://schemas.microsoft.com/office/drawing/2014/main" id="{99CDE34C-10BE-4FB3-A834-803769B11A2E}"/>
+              </a:ext>
+            </a:extLst>
+          </p:cNvPr>
+          <p:cNvSpPr/>
+          <p:nvPr/>
+        </p:nvSpPr>
+        <p:spPr>
+          <a:xfrm>
+            <a:off x="4667002" y="3490808"/>
+            <a:ext cx="238582" cy="238582"/>
+          </a:xfrm>
+          <a:prstGeom prst="star5">
+            <a:avLst/>
+          </a:prstGeom>
+          <a:solidFill>
+            <a:srgbClr val="000000"/>
+          </a:solidFill>
+          <a:ln>
+            <a:solidFill>
+              <a:schemeClr val="tx1"/>
+            </a:solidFill>
+          </a:ln>
+        </p:spPr>
+        <p:style>
+          <a:lnRef idx="2">
+            <a:schemeClr val="accent6">
+              <a:shade val="50000"/>
+            </a:schemeClr>
+          </a:lnRef>
+          <a:fillRef idx="1">
+            <a:schemeClr val="accent6"/>
+          </a:fillRef>
+          <a:effectRef idx="0">
+            <a:schemeClr val="accent6"/>
+          </a:effectRef>
+          <a:fontRef idx="minor">
+            <a:schemeClr val="lt1"/>
+          </a:fontRef>
+        </p:style>
+        <p:txBody>
+          <a:bodyPr rtlCol="0" anchor="ctr"/>
+          <a:lstStyle/>
+          <a:p>
+            <a:pPr algn="ctr"/>
+            <a:endParaRPr lang="fr-FR"/>
+          </a:p>
+        </p:txBody>
+      </p:sp>
+      <p:sp>
+        <p:nvSpPr>
+          <p:cNvPr id="67" name="Étoile : 5 branches 66">
+            <a:extLst>
+              <a:ext uri="{FF2B5EF4-FFF2-40B4-BE49-F238E27FC236}">
+                <a16:creationId xmlns:a16="http://schemas.microsoft.com/office/drawing/2014/main" id="{831313D0-826B-4EFF-9778-729A3498FA7E}"/>
+              </a:ext>
+            </a:extLst>
+          </p:cNvPr>
+          <p:cNvSpPr/>
+          <p:nvPr/>
+        </p:nvSpPr>
+        <p:spPr>
+          <a:xfrm>
+            <a:off x="9088965" y="516577"/>
+            <a:ext cx="238582" cy="238582"/>
+          </a:xfrm>
+          <a:prstGeom prst="star5">
+            <a:avLst/>
+          </a:prstGeom>
+          <a:solidFill>
+            <a:srgbClr val="000000"/>
+          </a:solidFill>
+          <a:ln>
+            <a:solidFill>
+              <a:schemeClr val="tx1"/>
+            </a:solidFill>
+          </a:ln>
+        </p:spPr>
+        <p:style>
+          <a:lnRef idx="2">
+            <a:schemeClr val="accent6">
+              <a:shade val="50000"/>
+            </a:schemeClr>
+          </a:lnRef>
+          <a:fillRef idx="1">
+            <a:schemeClr val="accent6"/>
+          </a:fillRef>
+          <a:effectRef idx="0">
+            <a:schemeClr val="accent6"/>
+          </a:effectRef>
+          <a:fontRef idx="minor">
+            <a:schemeClr val="lt1"/>
+          </a:fontRef>
+        </p:style>
+        <p:txBody>
+          <a:bodyPr rtlCol="0" anchor="ctr"/>
+          <a:lstStyle/>
+          <a:p>
+            <a:pPr algn="ctr"/>
+            <a:endParaRPr lang="fr-FR"/>
+          </a:p>
+        </p:txBody>
+      </p:sp>
+      <p:sp>
+        <p:nvSpPr>
+          <p:cNvPr id="68" name="ZoneTexte 67">
+            <a:extLst>
+              <a:ext uri="{FF2B5EF4-FFF2-40B4-BE49-F238E27FC236}">
+                <a16:creationId xmlns:a16="http://schemas.microsoft.com/office/drawing/2014/main" id="{4C7AC4D0-745D-4EA0-8A19-403EF0FADA91}"/>
+              </a:ext>
+            </a:extLst>
+          </p:cNvPr>
+          <p:cNvSpPr txBox="1"/>
+          <p:nvPr/>
+        </p:nvSpPr>
+        <p:spPr>
+          <a:xfrm>
+            <a:off x="9375568" y="513255"/>
+            <a:ext cx="2049958" cy="261610"/>
+          </a:xfrm>
+          <a:prstGeom prst="rect">
+            <a:avLst/>
+          </a:prstGeom>
+          <a:noFill/>
+        </p:spPr>
+        <p:txBody>
+          <a:bodyPr wrap="square" rtlCol="0">
+            <a:spAutoFit/>
+          </a:bodyPr>
+          <a:lstStyle/>
+          <a:p>
+            <a:r>
+              <a:rPr lang="fr-FR" sz="1100" b="1" dirty="0">
+                <a:latin typeface="Bahnschrift SemiBold" panose="020B0502040204020203" pitchFamily="34" charset="0"/>
+              </a:rPr>
+              <a:t>Enseigne sélectionné</a:t>
+            </a:r>
+            <a:endParaRPr lang="fr-FR" b="1" dirty="0">
+              <a:latin typeface="Bahnschrift SemiBold" panose="020B0502040204020203" pitchFamily="34" charset="0"/>
+            </a:endParaRPr>
+          </a:p>
+        </p:txBody>
+      </p:sp>
+      <p:pic>
+        <p:nvPicPr>
+          <p:cNvPr id="70" name="Graphique 69" descr="Argent avec un remplissage uni">
+            <a:extLst>
+              <a:ext uri="{FF2B5EF4-FFF2-40B4-BE49-F238E27FC236}">
+                <a16:creationId xmlns:a16="http://schemas.microsoft.com/office/drawing/2014/main" id="{DEBBCD36-27B0-4178-9860-DBFA1DB8F81E}"/>
+              </a:ext>
+            </a:extLst>
+          </p:cNvPr>
+          <p:cNvPicPr>
+            <a:picLocks noChangeAspect="1"/>
+          </p:cNvPicPr>
+          <p:nvPr/>
+        </p:nvPicPr>
+        <p:blipFill>
+          <a:blip r:embed="rId4">
+            <a:extLst>
+              <a:ext uri="{28A0092B-C50C-407E-A947-70E740481C1C}">
+                <a14:useLocalDpi xmlns:a14="http://schemas.microsoft.com/office/drawing/2010/main" val="0"/>
+              </a:ext>
+              <a:ext uri="{96DAC541-7B7A-43D3-8B79-37D633B846F1}">
+                <asvg:svgBlip xmlns:asvg="http://schemas.microsoft.com/office/drawing/2016/SVG/main" r:embed="rId5"/>
+              </a:ext>
+            </a:extLst>
+          </a:blip>
+          <a:stretch>
+            <a:fillRect/>
+          </a:stretch>
+        </p:blipFill>
+        <p:spPr>
+          <a:xfrm>
+            <a:off x="301067" y="495256"/>
+            <a:ext cx="431018" cy="431018"/>
+          </a:xfrm>
+          <a:prstGeom prst="rect">
+            <a:avLst/>
+          </a:prstGeom>
+        </p:spPr>
+      </p:pic>
+      <p:pic>
+        <p:nvPicPr>
+          <p:cNvPr id="71" name="Graphique 70" descr="Argent avec un remplissage uni">
+            <a:extLst>
+              <a:ext uri="{FF2B5EF4-FFF2-40B4-BE49-F238E27FC236}">
+                <a16:creationId xmlns:a16="http://schemas.microsoft.com/office/drawing/2014/main" id="{C99D0D41-DD13-42F5-8549-B8AA6EE55FA7}"/>
+              </a:ext>
+            </a:extLst>
+          </p:cNvPr>
+          <p:cNvPicPr>
+            <a:picLocks noChangeAspect="1"/>
+          </p:cNvPicPr>
+          <p:nvPr/>
+        </p:nvPicPr>
+        <p:blipFill>
+          <a:blip r:embed="rId4">
+            <a:extLst>
+              <a:ext uri="{28A0092B-C50C-407E-A947-70E740481C1C}">
+                <a14:useLocalDpi xmlns:a14="http://schemas.microsoft.com/office/drawing/2010/main" val="0"/>
+              </a:ext>
+              <a:ext uri="{96DAC541-7B7A-43D3-8B79-37D633B846F1}">
+                <asvg:svgBlip xmlns:asvg="http://schemas.microsoft.com/office/drawing/2016/SVG/main" r:embed="rId5"/>
+              </a:ext>
+            </a:extLst>
+          </a:blip>
+          <a:stretch>
+            <a:fillRect/>
+          </a:stretch>
+        </p:blipFill>
+        <p:spPr>
+          <a:xfrm>
+            <a:off x="1297379" y="67685"/>
+            <a:ext cx="215509" cy="215509"/>
+          </a:xfrm>
+          <a:prstGeom prst="rect">
+            <a:avLst/>
+          </a:prstGeom>
+        </p:spPr>
+      </p:pic>
+      <p:pic>
+        <p:nvPicPr>
+          <p:cNvPr id="72" name="Graphique 71" descr="Argent avec un remplissage uni">
+            <a:extLst>
+              <a:ext uri="{FF2B5EF4-FFF2-40B4-BE49-F238E27FC236}">
+                <a16:creationId xmlns:a16="http://schemas.microsoft.com/office/drawing/2014/main" id="{6F17C2E0-D4D9-4484-AD90-4595406FD53D}"/>
+              </a:ext>
+            </a:extLst>
+          </p:cNvPr>
+          <p:cNvPicPr>
+            <a:picLocks noChangeAspect="1"/>
+          </p:cNvPicPr>
+          <p:nvPr/>
+        </p:nvPicPr>
+        <p:blipFill>
+          <a:blip r:embed="rId4">
+            <a:extLst>
+              <a:ext uri="{28A0092B-C50C-407E-A947-70E740481C1C}">
+                <a14:useLocalDpi xmlns:a14="http://schemas.microsoft.com/office/drawing/2010/main" val="0"/>
+              </a:ext>
+              <a:ext uri="{96DAC541-7B7A-43D3-8B79-37D633B846F1}">
+                <asvg:svgBlip xmlns:asvg="http://schemas.microsoft.com/office/drawing/2016/SVG/main" r:embed="rId5"/>
+              </a:ext>
+            </a:extLst>
+          </a:blip>
+          <a:stretch>
+            <a:fillRect/>
+          </a:stretch>
+        </p:blipFill>
+        <p:spPr>
+          <a:xfrm>
+            <a:off x="2085716" y="2295718"/>
+            <a:ext cx="619675" cy="619675"/>
+          </a:xfrm>
+          <a:prstGeom prst="rect">
+            <a:avLst/>
+          </a:prstGeom>
+        </p:spPr>
+      </p:pic>
+      <p:pic>
+        <p:nvPicPr>
+          <p:cNvPr id="73" name="Graphique 72" descr="Argent avec un remplissage uni">
+            <a:extLst>
+              <a:ext uri="{FF2B5EF4-FFF2-40B4-BE49-F238E27FC236}">
+                <a16:creationId xmlns:a16="http://schemas.microsoft.com/office/drawing/2014/main" id="{42652D21-5898-4649-B97C-B83F0A154627}"/>
+              </a:ext>
+            </a:extLst>
+          </p:cNvPr>
+          <p:cNvPicPr>
+            <a:picLocks noChangeAspect="1"/>
+          </p:cNvPicPr>
+          <p:nvPr/>
+        </p:nvPicPr>
+        <p:blipFill>
+          <a:blip r:embed="rId4">
+            <a:extLst>
+              <a:ext uri="{28A0092B-C50C-407E-A947-70E740481C1C}">
+                <a14:useLocalDpi xmlns:a14="http://schemas.microsoft.com/office/drawing/2010/main" val="0"/>
+              </a:ext>
+              <a:ext uri="{96DAC541-7B7A-43D3-8B79-37D633B846F1}">
+                <asvg:svgBlip xmlns:asvg="http://schemas.microsoft.com/office/drawing/2016/SVG/main" r:embed="rId5"/>
+              </a:ext>
+            </a:extLst>
+          </a:blip>
+          <a:stretch>
+            <a:fillRect/>
+          </a:stretch>
+        </p:blipFill>
+        <p:spPr>
+          <a:xfrm>
+            <a:off x="579117" y="2951018"/>
+            <a:ext cx="406730" cy="406730"/>
+          </a:xfrm>
+          <a:prstGeom prst="rect">
+            <a:avLst/>
+          </a:prstGeom>
+        </p:spPr>
+      </p:pic>
+      <p:pic>
+        <p:nvPicPr>
+          <p:cNvPr id="74" name="Graphique 73" descr="Argent avec un remplissage uni">
+            <a:extLst>
+              <a:ext uri="{FF2B5EF4-FFF2-40B4-BE49-F238E27FC236}">
+                <a16:creationId xmlns:a16="http://schemas.microsoft.com/office/drawing/2014/main" id="{F3BF9566-C666-49A8-A774-435044DAED50}"/>
+              </a:ext>
+            </a:extLst>
+          </p:cNvPr>
+          <p:cNvPicPr>
+            <a:picLocks noChangeAspect="1"/>
+          </p:cNvPicPr>
+          <p:nvPr/>
+        </p:nvPicPr>
+        <p:blipFill>
+          <a:blip r:embed="rId4">
+            <a:extLst>
+              <a:ext uri="{28A0092B-C50C-407E-A947-70E740481C1C}">
+                <a14:useLocalDpi xmlns:a14="http://schemas.microsoft.com/office/drawing/2010/main" val="0"/>
+              </a:ext>
+              <a:ext uri="{96DAC541-7B7A-43D3-8B79-37D633B846F1}">
+                <asvg:svgBlip xmlns:asvg="http://schemas.microsoft.com/office/drawing/2016/SVG/main" r:embed="rId5"/>
+              </a:ext>
+            </a:extLst>
+          </a:blip>
+          <a:stretch>
+            <a:fillRect/>
+          </a:stretch>
+        </p:blipFill>
+        <p:spPr>
+          <a:xfrm>
+            <a:off x="5340927" y="4079174"/>
+            <a:ext cx="322118" cy="322118"/>
+          </a:xfrm>
+          <a:prstGeom prst="rect">
+            <a:avLst/>
+          </a:prstGeom>
+        </p:spPr>
+      </p:pic>
+      <p:pic>
+        <p:nvPicPr>
+          <p:cNvPr id="75" name="Graphique 74" descr="Argent avec un remplissage uni">
+            <a:extLst>
+              <a:ext uri="{FF2B5EF4-FFF2-40B4-BE49-F238E27FC236}">
+                <a16:creationId xmlns:a16="http://schemas.microsoft.com/office/drawing/2014/main" id="{C0305100-0C72-499A-9501-9BF7F6B8E703}"/>
+              </a:ext>
+            </a:extLst>
+          </p:cNvPr>
+          <p:cNvPicPr>
+            <a:picLocks noChangeAspect="1"/>
+          </p:cNvPicPr>
+          <p:nvPr/>
+        </p:nvPicPr>
+        <p:blipFill>
+          <a:blip r:embed="rId4">
+            <a:extLst>
+              <a:ext uri="{28A0092B-C50C-407E-A947-70E740481C1C}">
+                <a14:useLocalDpi xmlns:a14="http://schemas.microsoft.com/office/drawing/2010/main" val="0"/>
+              </a:ext>
+              <a:ext uri="{96DAC541-7B7A-43D3-8B79-37D633B846F1}">
+                <asvg:svgBlip xmlns:asvg="http://schemas.microsoft.com/office/drawing/2016/SVG/main" r:embed="rId5"/>
+              </a:ext>
+            </a:extLst>
+          </a:blip>
+          <a:stretch>
+            <a:fillRect/>
+          </a:stretch>
+        </p:blipFill>
+        <p:spPr>
+          <a:xfrm>
+            <a:off x="4909703" y="5042535"/>
+            <a:ext cx="452005" cy="452005"/>
+          </a:xfrm>
+          <a:prstGeom prst="rect">
+            <a:avLst/>
+          </a:prstGeom>
+        </p:spPr>
+      </p:pic>
+      <p:pic>
+        <p:nvPicPr>
+          <p:cNvPr id="76" name="Graphique 75" descr="Argent avec un remplissage uni">
+            <a:extLst>
+              <a:ext uri="{FF2B5EF4-FFF2-40B4-BE49-F238E27FC236}">
+                <a16:creationId xmlns:a16="http://schemas.microsoft.com/office/drawing/2014/main" id="{BDF5D958-4713-44F6-B5BA-5167C0144986}"/>
+              </a:ext>
+            </a:extLst>
+          </p:cNvPr>
+          <p:cNvPicPr>
+            <a:picLocks noChangeAspect="1"/>
+          </p:cNvPicPr>
+          <p:nvPr/>
+        </p:nvPicPr>
+        <p:blipFill>
+          <a:blip r:embed="rId4">
+            <a:extLst>
+              <a:ext uri="{28A0092B-C50C-407E-A947-70E740481C1C}">
+                <a14:useLocalDpi xmlns:a14="http://schemas.microsoft.com/office/drawing/2010/main" val="0"/>
+              </a:ext>
+              <a:ext uri="{96DAC541-7B7A-43D3-8B79-37D633B846F1}">
+                <asvg:svgBlip xmlns:asvg="http://schemas.microsoft.com/office/drawing/2016/SVG/main" r:embed="rId5"/>
+              </a:ext>
+            </a:extLst>
+          </a:blip>
+          <a:stretch>
+            <a:fillRect/>
+          </a:stretch>
+        </p:blipFill>
+        <p:spPr>
+          <a:xfrm>
+            <a:off x="4478479" y="6005896"/>
+            <a:ext cx="452005" cy="452005"/>
+          </a:xfrm>
+          <a:prstGeom prst="rect">
+            <a:avLst/>
+          </a:prstGeom>
+        </p:spPr>
+      </p:pic>
+      <p:pic>
+        <p:nvPicPr>
+          <p:cNvPr id="77" name="Graphique 76" descr="Argent avec un remplissage uni">
+            <a:extLst>
+              <a:ext uri="{FF2B5EF4-FFF2-40B4-BE49-F238E27FC236}">
+                <a16:creationId xmlns:a16="http://schemas.microsoft.com/office/drawing/2014/main" id="{8C63E18F-7DB7-4DF9-B304-291D58BF78E6}"/>
+              </a:ext>
+            </a:extLst>
+          </p:cNvPr>
+          <p:cNvPicPr>
+            <a:picLocks noChangeAspect="1"/>
+          </p:cNvPicPr>
+          <p:nvPr/>
+        </p:nvPicPr>
+        <p:blipFill>
+          <a:blip r:embed="rId4">
+            <a:extLst>
+              <a:ext uri="{28A0092B-C50C-407E-A947-70E740481C1C}">
+                <a14:useLocalDpi xmlns:a14="http://schemas.microsoft.com/office/drawing/2010/main" val="0"/>
+              </a:ext>
+              <a:ext uri="{96DAC541-7B7A-43D3-8B79-37D633B846F1}">
+                <asvg:svgBlip xmlns:asvg="http://schemas.microsoft.com/office/drawing/2016/SVG/main" r:embed="rId5"/>
+              </a:ext>
+            </a:extLst>
+          </a:blip>
+          <a:stretch>
+            <a:fillRect/>
+          </a:stretch>
+        </p:blipFill>
+        <p:spPr>
+          <a:xfrm>
+            <a:off x="1859713" y="6157356"/>
+            <a:ext cx="452005" cy="452005"/>
+          </a:xfrm>
+          <a:prstGeom prst="rect">
+            <a:avLst/>
+          </a:prstGeom>
+        </p:spPr>
+      </p:pic>
+      <p:pic>
+        <p:nvPicPr>
+          <p:cNvPr id="78" name="Graphique 77" descr="Argent avec un remplissage uni">
+            <a:extLst>
+              <a:ext uri="{FF2B5EF4-FFF2-40B4-BE49-F238E27FC236}">
+                <a16:creationId xmlns:a16="http://schemas.microsoft.com/office/drawing/2014/main" id="{E3DF2093-C67D-460B-86A1-ADF61742A5A2}"/>
+              </a:ext>
+            </a:extLst>
+          </p:cNvPr>
+          <p:cNvPicPr>
+            <a:picLocks noChangeAspect="1"/>
+          </p:cNvPicPr>
+          <p:nvPr/>
+        </p:nvPicPr>
+        <p:blipFill>
+          <a:blip r:embed="rId4">
+            <a:extLst>
+              <a:ext uri="{28A0092B-C50C-407E-A947-70E740481C1C}">
+                <a14:useLocalDpi xmlns:a14="http://schemas.microsoft.com/office/drawing/2010/main" val="0"/>
+              </a:ext>
+              <a:ext uri="{96DAC541-7B7A-43D3-8B79-37D633B846F1}">
+                <asvg:svgBlip xmlns:asvg="http://schemas.microsoft.com/office/drawing/2016/SVG/main" r:embed="rId5"/>
+              </a:ext>
+            </a:extLst>
+          </a:blip>
+          <a:stretch>
+            <a:fillRect/>
+          </a:stretch>
+        </p:blipFill>
+        <p:spPr>
+          <a:xfrm>
+            <a:off x="7552335" y="2504579"/>
+            <a:ext cx="452005" cy="452005"/>
+          </a:xfrm>
+          <a:prstGeom prst="rect">
+            <a:avLst/>
+          </a:prstGeom>
+        </p:spPr>
+      </p:pic>
+      <p:pic>
+        <p:nvPicPr>
+          <p:cNvPr id="79" name="Graphique 78" descr="Argent avec un remplissage uni">
+            <a:extLst>
+              <a:ext uri="{FF2B5EF4-FFF2-40B4-BE49-F238E27FC236}">
+                <a16:creationId xmlns:a16="http://schemas.microsoft.com/office/drawing/2014/main" id="{5DF22EC9-4736-4FC6-BFF3-74C396A44890}"/>
+              </a:ext>
+            </a:extLst>
+          </p:cNvPr>
+          <p:cNvPicPr>
+            <a:picLocks noChangeAspect="1"/>
+          </p:cNvPicPr>
+          <p:nvPr/>
+        </p:nvPicPr>
+        <p:blipFill>
+          <a:blip r:embed="rId4">
+            <a:extLst>
+              <a:ext uri="{28A0092B-C50C-407E-A947-70E740481C1C}">
+                <a14:useLocalDpi xmlns:a14="http://schemas.microsoft.com/office/drawing/2010/main" val="0"/>
+              </a:ext>
+              <a:ext uri="{96DAC541-7B7A-43D3-8B79-37D633B846F1}">
+                <asvg:svgBlip xmlns:asvg="http://schemas.microsoft.com/office/drawing/2016/SVG/main" r:embed="rId5"/>
+              </a:ext>
+            </a:extLst>
+          </a:blip>
+          <a:stretch>
+            <a:fillRect/>
+          </a:stretch>
+        </p:blipFill>
+        <p:spPr>
+          <a:xfrm>
+            <a:off x="6088330" y="2012868"/>
+            <a:ext cx="452005" cy="452005"/>
+          </a:xfrm>
+          <a:prstGeom prst="rect">
+            <a:avLst/>
+          </a:prstGeom>
+        </p:spPr>
+      </p:pic>
+      <p:pic>
+        <p:nvPicPr>
+          <p:cNvPr id="80" name="Graphique 79" descr="Argent avec un remplissage uni">
+            <a:extLst>
+              <a:ext uri="{FF2B5EF4-FFF2-40B4-BE49-F238E27FC236}">
+                <a16:creationId xmlns:a16="http://schemas.microsoft.com/office/drawing/2014/main" id="{A709122C-F099-438B-B40B-7DDB93347854}"/>
+              </a:ext>
+            </a:extLst>
+          </p:cNvPr>
+          <p:cNvPicPr>
+            <a:picLocks noChangeAspect="1"/>
+          </p:cNvPicPr>
+          <p:nvPr/>
+        </p:nvPicPr>
+        <p:blipFill>
+          <a:blip r:embed="rId4">
+            <a:extLst>
+              <a:ext uri="{28A0092B-C50C-407E-A947-70E740481C1C}">
+                <a14:useLocalDpi xmlns:a14="http://schemas.microsoft.com/office/drawing/2010/main" val="0"/>
+              </a:ext>
+              <a:ext uri="{96DAC541-7B7A-43D3-8B79-37D633B846F1}">
+                <asvg:svgBlip xmlns:asvg="http://schemas.microsoft.com/office/drawing/2016/SVG/main" r:embed="rId5"/>
+              </a:ext>
+            </a:extLst>
+          </a:blip>
+          <a:stretch>
+            <a:fillRect/>
+          </a:stretch>
+        </p:blipFill>
+        <p:spPr>
+          <a:xfrm>
+            <a:off x="9037122" y="3776397"/>
+            <a:ext cx="357746" cy="357746"/>
+          </a:xfrm>
+          <a:prstGeom prst="rect">
+            <a:avLst/>
+          </a:prstGeom>
+        </p:spPr>
+      </p:pic>
+      <p:sp>
+        <p:nvSpPr>
+          <p:cNvPr id="81" name="ZoneTexte 80">
+            <a:extLst>
+              <a:ext uri="{FF2B5EF4-FFF2-40B4-BE49-F238E27FC236}">
+                <a16:creationId xmlns:a16="http://schemas.microsoft.com/office/drawing/2014/main" id="{C31D7E55-D22B-4BC1-8043-8704382899E4}"/>
+              </a:ext>
+            </a:extLst>
+          </p:cNvPr>
+          <p:cNvSpPr txBox="1"/>
+          <p:nvPr/>
+        </p:nvSpPr>
+        <p:spPr>
+          <a:xfrm>
+            <a:off x="9393381" y="3685966"/>
+            <a:ext cx="2049958" cy="538609"/>
+          </a:xfrm>
+          <a:prstGeom prst="rect">
+            <a:avLst/>
+          </a:prstGeom>
+          <a:noFill/>
+        </p:spPr>
+        <p:txBody>
+          <a:bodyPr wrap="square" rtlCol="0">
+            <a:spAutoFit/>
+          </a:bodyPr>
+          <a:lstStyle/>
+          <a:p>
+            <a:r>
+              <a:rPr lang="fr-FR" sz="1100" b="1" dirty="0">
+                <a:latin typeface="Bahnschrift SemiBold" panose="020B0502040204020203" pitchFamily="34" charset="0"/>
+              </a:rPr>
+              <a:t>Part de marché</a:t>
+            </a:r>
+          </a:p>
+          <a:p>
+            <a:r>
+              <a:rPr lang="fr-FR" sz="900" b="1" dirty="0">
+                <a:latin typeface="Bahnschrift SemiBold" panose="020B0502040204020203" pitchFamily="34" charset="0"/>
+              </a:rPr>
+              <a:t>= Chiffre d’affaire de l’enseigne / Valeur du marché</a:t>
+            </a:r>
+            <a:endParaRPr lang="fr-FR" sz="1200" b="1" dirty="0">
+              <a:latin typeface="Bahnschrift SemiBold" panose="020B0502040204020203" pitchFamily="34" charset="0"/>
+            </a:endParaRPr>
+          </a:p>
+        </p:txBody>
+      </p:sp>
+      <p:pic>
+        <p:nvPicPr>
+          <p:cNvPr id="83" name="Graphique 82" descr="Loupe avec un remplissage uni">
+            <a:extLst>
+              <a:ext uri="{FF2B5EF4-FFF2-40B4-BE49-F238E27FC236}">
+                <a16:creationId xmlns:a16="http://schemas.microsoft.com/office/drawing/2014/main" id="{AF4B3E1A-9E9C-4751-9773-2E8AB97E7422}"/>
+              </a:ext>
+            </a:extLst>
+          </p:cNvPr>
+          <p:cNvPicPr>
+            <a:picLocks noChangeAspect="1"/>
+          </p:cNvPicPr>
+          <p:nvPr/>
+        </p:nvPicPr>
+        <p:blipFill>
+          <a:blip r:embed="rId6">
+            <a:extLst>
+              <a:ext uri="{28A0092B-C50C-407E-A947-70E740481C1C}">
+                <a14:useLocalDpi xmlns:a14="http://schemas.microsoft.com/office/drawing/2010/main" val="0"/>
+              </a:ext>
+              <a:ext uri="{96DAC541-7B7A-43D3-8B79-37D633B846F1}">
+                <asvg:svgBlip xmlns:asvg="http://schemas.microsoft.com/office/drawing/2016/SVG/main" r:embed="rId7"/>
+              </a:ext>
+            </a:extLst>
+          </a:blip>
+          <a:stretch>
+            <a:fillRect/>
+          </a:stretch>
+        </p:blipFill>
+        <p:spPr>
+          <a:xfrm>
+            <a:off x="4183083" y="4142641"/>
+            <a:ext cx="372904" cy="372904"/>
+          </a:xfrm>
+          <a:prstGeom prst="rect">
+            <a:avLst/>
+          </a:prstGeom>
+        </p:spPr>
+      </p:pic>
+      <p:pic>
+        <p:nvPicPr>
+          <p:cNvPr id="84" name="Graphique 83" descr="Loupe avec un remplissage uni">
+            <a:extLst>
+              <a:ext uri="{FF2B5EF4-FFF2-40B4-BE49-F238E27FC236}">
+                <a16:creationId xmlns:a16="http://schemas.microsoft.com/office/drawing/2014/main" id="{421B5AE7-9182-4178-83BD-82CBD27555FC}"/>
+              </a:ext>
+            </a:extLst>
+          </p:cNvPr>
+          <p:cNvPicPr>
+            <a:picLocks noChangeAspect="1"/>
+          </p:cNvPicPr>
+          <p:nvPr/>
+        </p:nvPicPr>
+        <p:blipFill>
+          <a:blip r:embed="rId6">
+            <a:extLst>
+              <a:ext uri="{28A0092B-C50C-407E-A947-70E740481C1C}">
+                <a14:useLocalDpi xmlns:a14="http://schemas.microsoft.com/office/drawing/2010/main" val="0"/>
+              </a:ext>
+              <a:ext uri="{96DAC541-7B7A-43D3-8B79-37D633B846F1}">
+                <asvg:svgBlip xmlns:asvg="http://schemas.microsoft.com/office/drawing/2016/SVG/main" r:embed="rId7"/>
+              </a:ext>
+            </a:extLst>
+          </a:blip>
+          <a:stretch>
+            <a:fillRect/>
+          </a:stretch>
+        </p:blipFill>
+        <p:spPr>
+          <a:xfrm>
+            <a:off x="3271652" y="5561790"/>
+            <a:ext cx="372904" cy="372904"/>
+          </a:xfrm>
+          <a:prstGeom prst="rect">
+            <a:avLst/>
+          </a:prstGeom>
+        </p:spPr>
+      </p:pic>
+      <p:pic>
+        <p:nvPicPr>
+          <p:cNvPr id="85" name="Graphique 84" descr="Loupe avec un remplissage uni">
+            <a:extLst>
+              <a:ext uri="{FF2B5EF4-FFF2-40B4-BE49-F238E27FC236}">
+                <a16:creationId xmlns:a16="http://schemas.microsoft.com/office/drawing/2014/main" id="{6CF5CFA8-D632-4902-BFCD-9577EC894FB3}"/>
+              </a:ext>
+            </a:extLst>
+          </p:cNvPr>
+          <p:cNvPicPr>
+            <a:picLocks noChangeAspect="1"/>
+          </p:cNvPicPr>
+          <p:nvPr/>
+        </p:nvPicPr>
+        <p:blipFill>
+          <a:blip r:embed="rId6">
+            <a:extLst>
+              <a:ext uri="{28A0092B-C50C-407E-A947-70E740481C1C}">
+                <a14:useLocalDpi xmlns:a14="http://schemas.microsoft.com/office/drawing/2010/main" val="0"/>
+              </a:ext>
+              <a:ext uri="{96DAC541-7B7A-43D3-8B79-37D633B846F1}">
+                <asvg:svgBlip xmlns:asvg="http://schemas.microsoft.com/office/drawing/2016/SVG/main" r:embed="rId7"/>
+              </a:ext>
+            </a:extLst>
+          </a:blip>
+          <a:stretch>
+            <a:fillRect/>
+          </a:stretch>
+        </p:blipFill>
+        <p:spPr>
+          <a:xfrm>
+            <a:off x="6314332" y="850255"/>
+            <a:ext cx="372904" cy="372904"/>
+          </a:xfrm>
+          <a:prstGeom prst="rect">
+            <a:avLst/>
+          </a:prstGeom>
+        </p:spPr>
+      </p:pic>
+      <p:pic>
+        <p:nvPicPr>
+          <p:cNvPr id="86" name="Graphique 85" descr="Loupe avec un remplissage uni">
+            <a:extLst>
+              <a:ext uri="{FF2B5EF4-FFF2-40B4-BE49-F238E27FC236}">
+                <a16:creationId xmlns:a16="http://schemas.microsoft.com/office/drawing/2014/main" id="{FDCCD5E9-CB6F-469C-80D1-A2B9DCC20110}"/>
+              </a:ext>
+            </a:extLst>
+          </p:cNvPr>
+          <p:cNvPicPr>
+            <a:picLocks noChangeAspect="1"/>
+          </p:cNvPicPr>
+          <p:nvPr/>
+        </p:nvPicPr>
+        <p:blipFill>
+          <a:blip r:embed="rId6">
+            <a:extLst>
+              <a:ext uri="{28A0092B-C50C-407E-A947-70E740481C1C}">
+                <a14:useLocalDpi xmlns:a14="http://schemas.microsoft.com/office/drawing/2010/main" val="0"/>
+              </a:ext>
+              <a:ext uri="{96DAC541-7B7A-43D3-8B79-37D633B846F1}">
+                <asvg:svgBlip xmlns:asvg="http://schemas.microsoft.com/office/drawing/2016/SVG/main" r:embed="rId7"/>
+              </a:ext>
+            </a:extLst>
+          </a:blip>
+          <a:stretch>
+            <a:fillRect/>
+          </a:stretch>
+        </p:blipFill>
+        <p:spPr>
+          <a:xfrm>
+            <a:off x="6910038" y="2992581"/>
+            <a:ext cx="372904" cy="372904"/>
+          </a:xfrm>
+          <a:prstGeom prst="rect">
+            <a:avLst/>
+          </a:prstGeom>
+        </p:spPr>
+      </p:pic>
+      <p:pic>
+        <p:nvPicPr>
+          <p:cNvPr id="87" name="Graphique 86" descr="Loupe avec un remplissage uni">
+            <a:extLst>
+              <a:ext uri="{FF2B5EF4-FFF2-40B4-BE49-F238E27FC236}">
+                <a16:creationId xmlns:a16="http://schemas.microsoft.com/office/drawing/2014/main" id="{1A8B6FBA-C8D6-4C03-8BA3-0D1B1E28F079}"/>
+              </a:ext>
+            </a:extLst>
+          </p:cNvPr>
+          <p:cNvPicPr>
+            <a:picLocks noChangeAspect="1"/>
+          </p:cNvPicPr>
+          <p:nvPr/>
+        </p:nvPicPr>
+        <p:blipFill>
+          <a:blip r:embed="rId6">
+            <a:extLst>
+              <a:ext uri="{28A0092B-C50C-407E-A947-70E740481C1C}">
+                <a14:useLocalDpi xmlns:a14="http://schemas.microsoft.com/office/drawing/2010/main" val="0"/>
+              </a:ext>
+              <a:ext uri="{96DAC541-7B7A-43D3-8B79-37D633B846F1}">
+                <asvg:svgBlip xmlns:asvg="http://schemas.microsoft.com/office/drawing/2016/SVG/main" r:embed="rId7"/>
+              </a:ext>
+            </a:extLst>
+          </a:blip>
+          <a:stretch>
+            <a:fillRect/>
+          </a:stretch>
+        </p:blipFill>
+        <p:spPr>
+          <a:xfrm>
+            <a:off x="2351899" y="1790116"/>
+            <a:ext cx="372904" cy="372904"/>
+          </a:xfrm>
+          <a:prstGeom prst="rect">
+            <a:avLst/>
+          </a:prstGeom>
+        </p:spPr>
+      </p:pic>
+      <p:pic>
+        <p:nvPicPr>
+          <p:cNvPr id="88" name="Graphique 87" descr="Loupe avec un remplissage uni">
+            <a:extLst>
+              <a:ext uri="{FF2B5EF4-FFF2-40B4-BE49-F238E27FC236}">
+                <a16:creationId xmlns:a16="http://schemas.microsoft.com/office/drawing/2014/main" id="{C4F76658-44AF-4C90-BB90-82424EA1AE1D}"/>
+              </a:ext>
+            </a:extLst>
+          </p:cNvPr>
+          <p:cNvPicPr>
+            <a:picLocks noChangeAspect="1"/>
+          </p:cNvPicPr>
+          <p:nvPr/>
+        </p:nvPicPr>
+        <p:blipFill>
+          <a:blip r:embed="rId6">
+            <a:extLst>
+              <a:ext uri="{28A0092B-C50C-407E-A947-70E740481C1C}">
+                <a14:useLocalDpi xmlns:a14="http://schemas.microsoft.com/office/drawing/2010/main" val="0"/>
+              </a:ext>
+              <a:ext uri="{96DAC541-7B7A-43D3-8B79-37D633B846F1}">
+                <asvg:svgBlip xmlns:asvg="http://schemas.microsoft.com/office/drawing/2016/SVG/main" r:embed="rId7"/>
+              </a:ext>
+            </a:extLst>
+          </a:blip>
+          <a:stretch>
+            <a:fillRect/>
+          </a:stretch>
+        </p:blipFill>
+        <p:spPr>
+          <a:xfrm>
+            <a:off x="9061457" y="4383164"/>
+            <a:ext cx="372904" cy="372904"/>
+          </a:xfrm>
+          <a:prstGeom prst="rect">
+            <a:avLst/>
+          </a:prstGeom>
+        </p:spPr>
+      </p:pic>
+      <p:sp>
+        <p:nvSpPr>
+          <p:cNvPr id="89" name="ZoneTexte 88">
+            <a:extLst>
+              <a:ext uri="{FF2B5EF4-FFF2-40B4-BE49-F238E27FC236}">
+                <a16:creationId xmlns:a16="http://schemas.microsoft.com/office/drawing/2014/main" id="{C2AC26C0-50F0-4F92-8B6D-607A1B9B0823}"/>
+              </a:ext>
+            </a:extLst>
+          </p:cNvPr>
+          <p:cNvSpPr txBox="1"/>
+          <p:nvPr/>
+        </p:nvSpPr>
+        <p:spPr>
+          <a:xfrm>
+            <a:off x="9434361" y="4438811"/>
+            <a:ext cx="2049958" cy="261610"/>
+          </a:xfrm>
+          <a:prstGeom prst="rect">
+            <a:avLst/>
+          </a:prstGeom>
+          <a:noFill/>
+        </p:spPr>
+        <p:txBody>
+          <a:bodyPr wrap="square" rtlCol="0">
+            <a:spAutoFit/>
+          </a:bodyPr>
+          <a:lstStyle/>
+          <a:p>
+            <a:r>
+              <a:rPr lang="fr-FR" sz="1100" b="1" dirty="0">
+                <a:latin typeface="Bahnschrift SemiBold" panose="020B0502040204020203" pitchFamily="34" charset="0"/>
+              </a:rPr>
+              <a:t>Concurrents à &lt; 30min</a:t>
+            </a:r>
+            <a:endParaRPr lang="fr-FR" b="1" dirty="0">
+              <a:latin typeface="Bahnschrift SemiBold" panose="020B0502040204020203" pitchFamily="34" charset="0"/>
+            </a:endParaRPr>
+          </a:p>
+        </p:txBody>
+      </p:sp>
+      <p:sp>
+        <p:nvSpPr>
+          <p:cNvPr id="90" name="Étoile : 5 branches 89">
+            <a:extLst>
+              <a:ext uri="{FF2B5EF4-FFF2-40B4-BE49-F238E27FC236}">
+                <a16:creationId xmlns:a16="http://schemas.microsoft.com/office/drawing/2014/main" id="{D747EFF5-8A94-463B-BABD-345B5AF16021}"/>
+              </a:ext>
+            </a:extLst>
+          </p:cNvPr>
+          <p:cNvSpPr/>
+          <p:nvPr/>
+        </p:nvSpPr>
+        <p:spPr>
+          <a:xfrm>
+            <a:off x="2897579" y="283194"/>
+            <a:ext cx="237507" cy="230061"/>
+          </a:xfrm>
+          <a:prstGeom prst="star5">
+            <a:avLst/>
+          </a:prstGeom>
+        </p:spPr>
+        <p:style>
+          <a:lnRef idx="2">
+            <a:schemeClr val="accent5">
+              <a:shade val="50000"/>
+            </a:schemeClr>
+          </a:lnRef>
+          <a:fillRef idx="1">
+            <a:schemeClr val="accent5"/>
+          </a:fillRef>
+          <a:effectRef idx="0">
+            <a:schemeClr val="accent5"/>
+          </a:effectRef>
+          <a:fontRef idx="minor">
+            <a:schemeClr val="lt1"/>
+          </a:fontRef>
+        </p:style>
+        <p:txBody>
+          <a:bodyPr rtlCol="0" anchor="ctr"/>
+          <a:lstStyle/>
+          <a:p>
+            <a:pPr algn="ctr"/>
+            <a:endParaRPr lang="fr-FR"/>
+          </a:p>
+        </p:txBody>
+      </p:sp>
+      <p:sp>
+        <p:nvSpPr>
+          <p:cNvPr id="91" name="Étoile : 5 branches 90">
+            <a:extLst>
+              <a:ext uri="{FF2B5EF4-FFF2-40B4-BE49-F238E27FC236}">
+                <a16:creationId xmlns:a16="http://schemas.microsoft.com/office/drawing/2014/main" id="{1ADF76C0-3983-4827-8A7A-A0E0B7D6C3A0}"/>
+              </a:ext>
+            </a:extLst>
+          </p:cNvPr>
+          <p:cNvSpPr/>
+          <p:nvPr/>
+        </p:nvSpPr>
+        <p:spPr>
+          <a:xfrm>
+            <a:off x="9099467" y="5038476"/>
+            <a:ext cx="237507" cy="230061"/>
+          </a:xfrm>
+          <a:prstGeom prst="star5">
+            <a:avLst/>
+          </a:prstGeom>
+        </p:spPr>
+        <p:style>
+          <a:lnRef idx="2">
+            <a:schemeClr val="accent5">
+              <a:shade val="50000"/>
+            </a:schemeClr>
+          </a:lnRef>
+          <a:fillRef idx="1">
+            <a:schemeClr val="accent5"/>
+          </a:fillRef>
+          <a:effectRef idx="0">
+            <a:schemeClr val="accent5"/>
+          </a:effectRef>
+          <a:fontRef idx="minor">
+            <a:schemeClr val="lt1"/>
+          </a:fontRef>
+        </p:style>
+        <p:txBody>
+          <a:bodyPr rtlCol="0" anchor="ctr"/>
+          <a:lstStyle/>
+          <a:p>
+            <a:pPr algn="ctr"/>
+            <a:endParaRPr lang="fr-FR"/>
+          </a:p>
+        </p:txBody>
+      </p:sp>
+      <p:sp>
+        <p:nvSpPr>
+          <p:cNvPr id="92" name="ZoneTexte 91">
+            <a:extLst>
+              <a:ext uri="{FF2B5EF4-FFF2-40B4-BE49-F238E27FC236}">
+                <a16:creationId xmlns:a16="http://schemas.microsoft.com/office/drawing/2014/main" id="{484DA6A0-E660-4DA2-B711-23F2C031A513}"/>
+              </a:ext>
+            </a:extLst>
+          </p:cNvPr>
+          <p:cNvSpPr txBox="1"/>
+          <p:nvPr/>
+        </p:nvSpPr>
+        <p:spPr>
+          <a:xfrm>
+            <a:off x="9494322" y="5024740"/>
+            <a:ext cx="2049958" cy="261610"/>
+          </a:xfrm>
+          <a:prstGeom prst="rect">
+            <a:avLst/>
+          </a:prstGeom>
+          <a:noFill/>
+        </p:spPr>
+        <p:txBody>
+          <a:bodyPr wrap="square" rtlCol="0">
+            <a:spAutoFit/>
+          </a:bodyPr>
+          <a:lstStyle/>
+          <a:p>
+            <a:r>
+              <a:rPr lang="fr-FR" sz="1100" b="1">
+                <a:latin typeface="Bahnschrift SemiBold" panose="020B0502040204020203" pitchFamily="34" charset="0"/>
+              </a:rPr>
+              <a:t>Autre enseigne</a:t>
+            </a:r>
+            <a:endParaRPr lang="fr-FR" b="1" dirty="0">
+              <a:latin typeface="Bahnschrift SemiBold" panose="020B0502040204020203" pitchFamily="34" charset="0"/>
+            </a:endParaRPr>
+          </a:p>
+        </p:txBody>
+      </p:sp>
+    </p:spTree>
+    <p:extLst>
+      <p:ext uri="{BB962C8B-B14F-4D97-AF65-F5344CB8AC3E}">
+        <p14:creationId xmlns:p14="http://schemas.microsoft.com/office/powerpoint/2010/main" val="2644458849"/>
       </p:ext>
     </p:extLst>
   </p:cSld>

--- a/images/graphs/Graphs.pptx
+++ b/images/graphs/Graphs.pptx
@@ -13644,7 +13644,7 @@
             <a:avLst/>
           </a:prstGeom>
           <a:solidFill>
-            <a:srgbClr val="000000"/>
+            <a:schemeClr val="accent4"/>
           </a:solidFill>
           <a:ln>
             <a:solidFill>
@@ -13698,7 +13698,7 @@
             <a:avLst/>
           </a:prstGeom>
           <a:solidFill>
-            <a:srgbClr val="000000"/>
+            <a:schemeClr val="accent4"/>
           </a:solidFill>
           <a:ln>
             <a:solidFill>
@@ -14643,10 +14643,10 @@
           <a:lstStyle/>
           <a:p>
             <a:r>
-              <a:rPr lang="fr-FR" sz="1100" b="1">
+              <a:rPr lang="fr-FR" sz="1100" b="1" dirty="0">
                 <a:latin typeface="Bahnschrift SemiBold" panose="020B0502040204020203" pitchFamily="34" charset="0"/>
               </a:rPr>
-              <a:t>Autre enseigne</a:t>
+              <a:t>Autre enseigne à &lt; 30min</a:t>
             </a:r>
             <a:endParaRPr lang="fr-FR" b="1" dirty="0">
               <a:latin typeface="Bahnschrift SemiBold" panose="020B0502040204020203" pitchFamily="34" charset="0"/>
